--- a/Main Metaphor.pptx
+++ b/Main Metaphor.pptx
@@ -2,14 +2,18 @@
 <file path=ppt/presentation.xml><?xml version="1.0" encoding="utf-8"?>
 <p:presentation xmlns:a="http://schemas.openxmlformats.org/drawingml/2006/main" xmlns:r="http://schemas.openxmlformats.org/officeDocument/2006/relationships" xmlns:p="http://schemas.openxmlformats.org/presentationml/2006/main" saveSubsetFonts="1">
   <p:sldMasterIdLst>
-    <p:sldMasterId id="2147483648" r:id="rId1"/>
+    <p:sldMasterId id="2147483678" r:id="rId1"/>
   </p:sldMasterIdLst>
   <p:sldIdLst>
-    <p:sldId id="261" r:id="rId2"/>
-    <p:sldId id="256" r:id="rId3"/>
-    <p:sldId id="257" r:id="rId4"/>
-    <p:sldId id="258" r:id="rId5"/>
-    <p:sldId id="259" r:id="rId6"/>
+    <p:sldId id="262" r:id="rId2"/>
+    <p:sldId id="263" r:id="rId3"/>
+    <p:sldId id="261" r:id="rId4"/>
+    <p:sldId id="265" r:id="rId5"/>
+    <p:sldId id="256" r:id="rId6"/>
+    <p:sldId id="257" r:id="rId7"/>
+    <p:sldId id="258" r:id="rId8"/>
+    <p:sldId id="259" r:id="rId9"/>
+    <p:sldId id="264" r:id="rId10"/>
   </p:sldIdLst>
   <p:sldSz cx="12192000" cy="6858000"/>
   <p:notesSz cx="6858000" cy="9144000"/>
@@ -117,7 +121,7 @@
 </file>
 
 <file path=ppt/slideLayouts/slideLayout1.xml><?xml version="1.0" encoding="utf-8"?>
-<p:sldLayout xmlns:a="http://schemas.openxmlformats.org/drawingml/2006/main" xmlns:r="http://schemas.openxmlformats.org/officeDocument/2006/relationships" xmlns:p="http://schemas.openxmlformats.org/presentationml/2006/main" type="title" preserve="1">
+<p:sldLayout xmlns:a="http://schemas.openxmlformats.org/drawingml/2006/main" xmlns:r="http://schemas.openxmlformats.org/officeDocument/2006/relationships" xmlns:p="http://schemas.openxmlformats.org/presentationml/2006/main" showMasterSp="0" type="title" preserve="1">
   <p:cSld name="Title Slide">
     <p:spTree>
       <p:nvGrpSpPr>
@@ -133,6 +137,319 @@
           <a:chExt cx="0" cy="0"/>
         </a:xfrm>
       </p:grpSpPr>
+      <p:grpSp>
+        <p:nvGrpSpPr>
+          <p:cNvPr id="19" name="Group 18"/>
+          <p:cNvGrpSpPr/>
+          <p:nvPr/>
+        </p:nvGrpSpPr>
+        <p:grpSpPr>
+          <a:xfrm>
+            <a:off x="546100" y="-4763"/>
+            <a:ext cx="5014912" cy="6862763"/>
+            <a:chOff x="2928938" y="-4763"/>
+            <a:chExt cx="5014912" cy="6862763"/>
+          </a:xfrm>
+        </p:grpSpPr>
+        <p:sp>
+          <p:nvSpPr>
+            <p:cNvPr id="22" name="Freeform 6"/>
+            <p:cNvSpPr/>
+            <p:nvPr/>
+          </p:nvSpPr>
+          <p:spPr bwMode="auto">
+            <a:xfrm>
+              <a:off x="3367088" y="-4763"/>
+              <a:ext cx="1063625" cy="2782888"/>
+            </a:xfrm>
+            <a:custGeom>
+              <a:avLst/>
+              <a:gdLst/>
+              <a:ahLst/>
+              <a:cxnLst/>
+              <a:rect l="0" t="0" r="r" b="b"/>
+              <a:pathLst>
+                <a:path w="670" h="1753">
+                  <a:moveTo>
+                    <a:pt x="0" y="1696"/>
+                  </a:moveTo>
+                  <a:lnTo>
+                    <a:pt x="225" y="1753"/>
+                  </a:lnTo>
+                  <a:lnTo>
+                    <a:pt x="670" y="0"/>
+                  </a:lnTo>
+                  <a:lnTo>
+                    <a:pt x="430" y="0"/>
+                  </a:lnTo>
+                  <a:lnTo>
+                    <a:pt x="0" y="1696"/>
+                  </a:lnTo>
+                  <a:close/>
+                </a:path>
+              </a:pathLst>
+            </a:custGeom>
+            <a:solidFill>
+              <a:schemeClr val="accent1"/>
+            </a:solidFill>
+            <a:ln>
+              <a:noFill/>
+            </a:ln>
+          </p:spPr>
+        </p:sp>
+        <p:sp>
+          <p:nvSpPr>
+            <p:cNvPr id="23" name="Freeform 7"/>
+            <p:cNvSpPr/>
+            <p:nvPr/>
+          </p:nvSpPr>
+          <p:spPr bwMode="auto">
+            <a:xfrm>
+              <a:off x="2928938" y="-4763"/>
+              <a:ext cx="1035050" cy="2673350"/>
+            </a:xfrm>
+            <a:custGeom>
+              <a:avLst/>
+              <a:gdLst/>
+              <a:ahLst/>
+              <a:cxnLst/>
+              <a:rect l="0" t="0" r="r" b="b"/>
+              <a:pathLst>
+                <a:path w="652" h="1684">
+                  <a:moveTo>
+                    <a:pt x="225" y="1684"/>
+                  </a:moveTo>
+                  <a:lnTo>
+                    <a:pt x="652" y="0"/>
+                  </a:lnTo>
+                  <a:lnTo>
+                    <a:pt x="411" y="0"/>
+                  </a:lnTo>
+                  <a:lnTo>
+                    <a:pt x="0" y="1627"/>
+                  </a:lnTo>
+                  <a:lnTo>
+                    <a:pt x="219" y="1681"/>
+                  </a:lnTo>
+                  <a:lnTo>
+                    <a:pt x="225" y="1684"/>
+                  </a:lnTo>
+                  <a:close/>
+                </a:path>
+              </a:pathLst>
+            </a:custGeom>
+            <a:solidFill>
+              <a:schemeClr val="tx1">
+                <a:lumMod val="65000"/>
+                <a:lumOff val="35000"/>
+              </a:schemeClr>
+            </a:solidFill>
+            <a:ln>
+              <a:noFill/>
+            </a:ln>
+          </p:spPr>
+        </p:sp>
+        <p:sp>
+          <p:nvSpPr>
+            <p:cNvPr id="24" name="Freeform 9"/>
+            <p:cNvSpPr/>
+            <p:nvPr/>
+          </p:nvSpPr>
+          <p:spPr bwMode="auto">
+            <a:xfrm>
+              <a:off x="2928938" y="2582862"/>
+              <a:ext cx="2693987" cy="4275138"/>
+            </a:xfrm>
+            <a:custGeom>
+              <a:avLst/>
+              <a:gdLst/>
+              <a:ahLst/>
+              <a:cxnLst/>
+              <a:rect l="0" t="0" r="r" b="b"/>
+              <a:pathLst>
+                <a:path w="1697" h="2693">
+                  <a:moveTo>
+                    <a:pt x="0" y="0"/>
+                  </a:moveTo>
+                  <a:lnTo>
+                    <a:pt x="1622" y="2693"/>
+                  </a:lnTo>
+                  <a:lnTo>
+                    <a:pt x="1697" y="2693"/>
+                  </a:lnTo>
+                  <a:lnTo>
+                    <a:pt x="0" y="0"/>
+                  </a:lnTo>
+                  <a:close/>
+                </a:path>
+              </a:pathLst>
+            </a:custGeom>
+            <a:solidFill>
+              <a:schemeClr val="tx1">
+                <a:lumMod val="85000"/>
+                <a:lumOff val="15000"/>
+              </a:schemeClr>
+            </a:solidFill>
+            <a:ln>
+              <a:noFill/>
+            </a:ln>
+          </p:spPr>
+        </p:sp>
+        <p:sp>
+          <p:nvSpPr>
+            <p:cNvPr id="25" name="Freeform 10"/>
+            <p:cNvSpPr/>
+            <p:nvPr/>
+          </p:nvSpPr>
+          <p:spPr bwMode="auto">
+            <a:xfrm>
+              <a:off x="3371850" y="2692400"/>
+              <a:ext cx="3332162" cy="4165600"/>
+            </a:xfrm>
+            <a:custGeom>
+              <a:avLst/>
+              <a:gdLst/>
+              <a:ahLst/>
+              <a:cxnLst/>
+              <a:rect l="0" t="0" r="r" b="b"/>
+              <a:pathLst>
+                <a:path w="2099" h="2624">
+                  <a:moveTo>
+                    <a:pt x="2099" y="2624"/>
+                  </a:moveTo>
+                  <a:lnTo>
+                    <a:pt x="0" y="0"/>
+                  </a:lnTo>
+                  <a:lnTo>
+                    <a:pt x="2021" y="2624"/>
+                  </a:lnTo>
+                  <a:lnTo>
+                    <a:pt x="2099" y="2624"/>
+                  </a:lnTo>
+                  <a:close/>
+                </a:path>
+              </a:pathLst>
+            </a:custGeom>
+            <a:solidFill>
+              <a:schemeClr val="accent1">
+                <a:lumMod val="50000"/>
+              </a:schemeClr>
+            </a:solidFill>
+            <a:ln>
+              <a:noFill/>
+            </a:ln>
+          </p:spPr>
+        </p:sp>
+        <p:sp>
+          <p:nvSpPr>
+            <p:cNvPr id="26" name="Freeform 11"/>
+            <p:cNvSpPr/>
+            <p:nvPr/>
+          </p:nvSpPr>
+          <p:spPr bwMode="auto">
+            <a:xfrm>
+              <a:off x="3367088" y="2687637"/>
+              <a:ext cx="4576762" cy="4170363"/>
+            </a:xfrm>
+            <a:custGeom>
+              <a:avLst/>
+              <a:gdLst/>
+              <a:ahLst/>
+              <a:cxnLst/>
+              <a:rect l="0" t="0" r="r" b="b"/>
+              <a:pathLst>
+                <a:path w="2883" h="2627">
+                  <a:moveTo>
+                    <a:pt x="0" y="0"/>
+                  </a:moveTo>
+                  <a:lnTo>
+                    <a:pt x="3" y="3"/>
+                  </a:lnTo>
+                  <a:lnTo>
+                    <a:pt x="2102" y="2627"/>
+                  </a:lnTo>
+                  <a:lnTo>
+                    <a:pt x="2883" y="2627"/>
+                  </a:lnTo>
+                  <a:lnTo>
+                    <a:pt x="225" y="57"/>
+                  </a:lnTo>
+                  <a:lnTo>
+                    <a:pt x="0" y="0"/>
+                  </a:lnTo>
+                  <a:close/>
+                </a:path>
+              </a:pathLst>
+            </a:custGeom>
+            <a:solidFill>
+              <a:schemeClr val="accent1">
+                <a:lumMod val="75000"/>
+              </a:schemeClr>
+            </a:solidFill>
+            <a:ln>
+              <a:noFill/>
+            </a:ln>
+          </p:spPr>
+        </p:sp>
+        <p:sp>
+          <p:nvSpPr>
+            <p:cNvPr id="27" name="Freeform 12"/>
+            <p:cNvSpPr/>
+            <p:nvPr/>
+          </p:nvSpPr>
+          <p:spPr bwMode="auto">
+            <a:xfrm>
+              <a:off x="2928938" y="2578100"/>
+              <a:ext cx="3584575" cy="4279900"/>
+            </a:xfrm>
+            <a:custGeom>
+              <a:avLst/>
+              <a:gdLst/>
+              <a:ahLst/>
+              <a:cxnLst/>
+              <a:rect l="0" t="0" r="r" b="b"/>
+              <a:pathLst>
+                <a:path w="2258" h="2696">
+                  <a:moveTo>
+                    <a:pt x="2258" y="2696"/>
+                  </a:moveTo>
+                  <a:lnTo>
+                    <a:pt x="264" y="111"/>
+                  </a:lnTo>
+                  <a:lnTo>
+                    <a:pt x="228" y="60"/>
+                  </a:lnTo>
+                  <a:lnTo>
+                    <a:pt x="225" y="57"/>
+                  </a:lnTo>
+                  <a:lnTo>
+                    <a:pt x="0" y="0"/>
+                  </a:lnTo>
+                  <a:lnTo>
+                    <a:pt x="0" y="3"/>
+                  </a:lnTo>
+                  <a:lnTo>
+                    <a:pt x="1697" y="2696"/>
+                  </a:lnTo>
+                  <a:lnTo>
+                    <a:pt x="2258" y="2696"/>
+                  </a:lnTo>
+                  <a:close/>
+                </a:path>
+              </a:pathLst>
+            </a:custGeom>
+            <a:solidFill>
+              <a:schemeClr val="tx1">
+                <a:lumMod val="75000"/>
+                <a:lumOff val="25000"/>
+              </a:schemeClr>
+            </a:solidFill>
+            <a:ln>
+              <a:noFill/>
+            </a:ln>
+          </p:spPr>
+        </p:sp>
+      </p:grpSp>
       <p:sp>
         <p:nvSpPr>
           <p:cNvPr id="2" name="Title 1"/>
@@ -145,15 +462,19 @@
         </p:nvSpPr>
         <p:spPr>
           <a:xfrm>
-            <a:off x="1524000" y="1122363"/>
-            <a:ext cx="9144000" cy="2387600"/>
+            <a:off x="2928401" y="1380068"/>
+            <a:ext cx="8574622" cy="2616199"/>
           </a:xfrm>
         </p:spPr>
         <p:txBody>
-          <a:bodyPr anchor="b"/>
+          <a:bodyPr anchor="b">
+            <a:normAutofit/>
+          </a:bodyPr>
           <a:lstStyle>
-            <a:lvl1pPr algn="ctr">
-              <a:defRPr sz="6000"/>
+            <a:lvl1pPr algn="r">
+              <a:defRPr sz="6000">
+                <a:effectLst/>
+              </a:defRPr>
             </a:lvl1pPr>
           </a:lstStyle>
           <a:p>
@@ -161,7 +482,7 @@
               <a:rPr lang="en-US" smtClean="0"/>
               <a:t>Click to edit Master title style</a:t>
             </a:r>
-            <a:endParaRPr lang="en-CA"/>
+            <a:endParaRPr lang="en-US" dirty="0"/>
           </a:p>
         </p:txBody>
       </p:sp>
@@ -177,48 +498,102 @@
         </p:nvSpPr>
         <p:spPr>
           <a:xfrm>
-            <a:off x="1524000" y="3602038"/>
-            <a:ext cx="9144000" cy="1655762"/>
+            <a:off x="4515377" y="3996267"/>
+            <a:ext cx="6987645" cy="1388534"/>
           </a:xfrm>
         </p:spPr>
         <p:txBody>
-          <a:bodyPr/>
+          <a:bodyPr anchor="t">
+            <a:normAutofit/>
+          </a:bodyPr>
           <a:lstStyle>
-            <a:lvl1pPr marL="0" indent="0" algn="ctr">
-              <a:buNone/>
-              <a:defRPr sz="2400"/>
+            <a:lvl1pPr marL="0" indent="0" algn="r">
+              <a:buNone/>
+              <a:defRPr sz="2100">
+                <a:solidFill>
+                  <a:schemeClr val="tx1"/>
+                </a:solidFill>
+              </a:defRPr>
             </a:lvl1pPr>
             <a:lvl2pPr marL="457200" indent="0" algn="ctr">
               <a:buNone/>
-              <a:defRPr sz="2000"/>
+              <a:defRPr>
+                <a:solidFill>
+                  <a:schemeClr val="tx1">
+                    <a:tint val="75000"/>
+                  </a:schemeClr>
+                </a:solidFill>
+              </a:defRPr>
             </a:lvl2pPr>
             <a:lvl3pPr marL="914400" indent="0" algn="ctr">
               <a:buNone/>
-              <a:defRPr sz="1800"/>
+              <a:defRPr>
+                <a:solidFill>
+                  <a:schemeClr val="tx1">
+                    <a:tint val="75000"/>
+                  </a:schemeClr>
+                </a:solidFill>
+              </a:defRPr>
             </a:lvl3pPr>
             <a:lvl4pPr marL="1371600" indent="0" algn="ctr">
               <a:buNone/>
-              <a:defRPr sz="1600"/>
+              <a:defRPr>
+                <a:solidFill>
+                  <a:schemeClr val="tx1">
+                    <a:tint val="75000"/>
+                  </a:schemeClr>
+                </a:solidFill>
+              </a:defRPr>
             </a:lvl4pPr>
             <a:lvl5pPr marL="1828800" indent="0" algn="ctr">
               <a:buNone/>
-              <a:defRPr sz="1600"/>
+              <a:defRPr>
+                <a:solidFill>
+                  <a:schemeClr val="tx1">
+                    <a:tint val="75000"/>
+                  </a:schemeClr>
+                </a:solidFill>
+              </a:defRPr>
             </a:lvl5pPr>
             <a:lvl6pPr marL="2286000" indent="0" algn="ctr">
               <a:buNone/>
-              <a:defRPr sz="1600"/>
+              <a:defRPr>
+                <a:solidFill>
+                  <a:schemeClr val="tx1">
+                    <a:tint val="75000"/>
+                  </a:schemeClr>
+                </a:solidFill>
+              </a:defRPr>
             </a:lvl6pPr>
             <a:lvl7pPr marL="2743200" indent="0" algn="ctr">
               <a:buNone/>
-              <a:defRPr sz="1600"/>
+              <a:defRPr>
+                <a:solidFill>
+                  <a:schemeClr val="tx1">
+                    <a:tint val="75000"/>
+                  </a:schemeClr>
+                </a:solidFill>
+              </a:defRPr>
             </a:lvl7pPr>
             <a:lvl8pPr marL="3200400" indent="0" algn="ctr">
               <a:buNone/>
-              <a:defRPr sz="1600"/>
+              <a:defRPr>
+                <a:solidFill>
+                  <a:schemeClr val="tx1">
+                    <a:tint val="75000"/>
+                  </a:schemeClr>
+                </a:solidFill>
+              </a:defRPr>
             </a:lvl8pPr>
             <a:lvl9pPr marL="3657600" indent="0" algn="ctr">
               <a:buNone/>
-              <a:defRPr sz="1600"/>
+              <a:defRPr>
+                <a:solidFill>
+                  <a:schemeClr val="tx1">
+                    <a:tint val="75000"/>
+                  </a:schemeClr>
+                </a:solidFill>
+              </a:defRPr>
             </a:lvl9pPr>
           </a:lstStyle>
           <a:p>
@@ -226,7 +601,7 @@
               <a:rPr lang="en-US" smtClean="0"/>
               <a:t>Click to edit Master subtitle style</a:t>
             </a:r>
-            <a:endParaRPr lang="en-CA"/>
+            <a:endParaRPr lang="en-US" dirty="0"/>
           </a:p>
         </p:txBody>
       </p:sp>
@@ -247,7 +622,7 @@
           <a:p>
             <a:fld id="{30508423-45F1-44E4-A2A4-D90A85F005D6}" type="datetimeFigureOut">
               <a:rPr lang="en-CA" smtClean="0"/>
-              <a:t>22/01/2016</a:t>
+              <a:t>2016-02-03</a:t>
             </a:fld>
             <a:endParaRPr lang="en-CA"/>
           </a:p>
@@ -263,7 +638,12 @@
             <p:ph type="ftr" sz="quarter" idx="11"/>
           </p:nvPr>
         </p:nvSpPr>
-        <p:spPr/>
+        <p:spPr>
+          <a:xfrm>
+            <a:off x="5332412" y="5883275"/>
+            <a:ext cx="4324044" cy="365125"/>
+          </a:xfrm>
+        </p:spPr>
         <p:txBody>
           <a:bodyPr/>
           <a:lstStyle/>
@@ -298,7 +678,7 @@
     </p:spTree>
     <p:extLst>
       <p:ext uri="{BB962C8B-B14F-4D97-AF65-F5344CB8AC3E}">
-        <p14:creationId xmlns:p14="http://schemas.microsoft.com/office/powerpoint/2010/main" val="3147285126"/>
+        <p14:creationId xmlns:p14="http://schemas.microsoft.com/office/powerpoint/2010/main" val="3048064763"/>
       </p:ext>
     </p:extLst>
   </p:cSld>
@@ -309,6 +689,2162 @@
 </file>
 
 <file path=ppt/slideLayouts/slideLayout10.xml><?xml version="1.0" encoding="utf-8"?>
+<p:sldLayout xmlns:a="http://schemas.openxmlformats.org/drawingml/2006/main" xmlns:r="http://schemas.openxmlformats.org/officeDocument/2006/relationships" xmlns:p="http://schemas.openxmlformats.org/presentationml/2006/main" preserve="1">
+  <p:cSld name="Panoramic Picture with Caption">
+    <p:spTree>
+      <p:nvGrpSpPr>
+        <p:cNvPr id="1" name=""/>
+        <p:cNvGrpSpPr/>
+        <p:nvPr/>
+      </p:nvGrpSpPr>
+      <p:grpSpPr>
+        <a:xfrm>
+          <a:off x="0" y="0"/>
+          <a:ext cx="0" cy="0"/>
+          <a:chOff x="0" y="0"/>
+          <a:chExt cx="0" cy="0"/>
+        </a:xfrm>
+      </p:grpSpPr>
+      <p:sp>
+        <p:nvSpPr>
+          <p:cNvPr id="2" name="Title 1"/>
+          <p:cNvSpPr>
+            <a:spLocks noGrp="1"/>
+          </p:cNvSpPr>
+          <p:nvPr>
+            <p:ph type="title"/>
+          </p:nvPr>
+        </p:nvSpPr>
+        <p:spPr>
+          <a:xfrm>
+            <a:off x="1484311" y="4732865"/>
+            <a:ext cx="10018711" cy="566738"/>
+          </a:xfrm>
+        </p:spPr>
+        <p:txBody>
+          <a:bodyPr anchor="b">
+            <a:normAutofit/>
+          </a:bodyPr>
+          <a:lstStyle>
+            <a:lvl1pPr algn="ctr">
+              <a:defRPr sz="2400" b="0"/>
+            </a:lvl1pPr>
+          </a:lstStyle>
+          <a:p>
+            <a:r>
+              <a:rPr lang="en-US" smtClean="0"/>
+              <a:t>Click to edit Master title style</a:t>
+            </a:r>
+            <a:endParaRPr lang="en-US" dirty="0"/>
+          </a:p>
+        </p:txBody>
+      </p:sp>
+      <p:sp>
+        <p:nvSpPr>
+          <p:cNvPr id="3" name="Picture Placeholder 2"/>
+          <p:cNvSpPr>
+            <a:spLocks noGrp="1" noChangeAspect="1"/>
+          </p:cNvSpPr>
+          <p:nvPr>
+            <p:ph type="pic" idx="1"/>
+          </p:nvPr>
+        </p:nvSpPr>
+        <p:spPr>
+          <a:xfrm>
+            <a:off x="2386012" y="932112"/>
+            <a:ext cx="8225944" cy="3164976"/>
+          </a:xfrm>
+          <a:prstGeom prst="roundRect">
+            <a:avLst>
+              <a:gd name="adj" fmla="val 4380"/>
+            </a:avLst>
+          </a:prstGeom>
+          <a:ln w="38100">
+            <a:gradFill flip="none" rotWithShape="1">
+              <a:gsLst>
+                <a:gs pos="0">
+                  <a:schemeClr val="bg2"/>
+                </a:gs>
+                <a:gs pos="100000">
+                  <a:schemeClr val="bg2">
+                    <a:lumMod val="75000"/>
+                  </a:schemeClr>
+                </a:gs>
+              </a:gsLst>
+              <a:lin ang="5400000" scaled="0"/>
+              <a:tileRect/>
+            </a:gradFill>
+          </a:ln>
+          <a:effectLst>
+            <a:innerShdw blurRad="57150" dist="38100" dir="14460000">
+              <a:srgbClr val="000000">
+                <a:alpha val="70000"/>
+              </a:srgbClr>
+            </a:innerShdw>
+          </a:effectLst>
+        </p:spPr>
+        <p:txBody>
+          <a:bodyPr anchor="t">
+            <a:normAutofit/>
+          </a:bodyPr>
+          <a:lstStyle>
+            <a:lvl1pPr marL="0" indent="0" algn="ctr">
+              <a:buNone/>
+              <a:defRPr sz="1600"/>
+            </a:lvl1pPr>
+            <a:lvl2pPr marL="457200" indent="0">
+              <a:buNone/>
+              <a:defRPr sz="1600"/>
+            </a:lvl2pPr>
+            <a:lvl3pPr marL="914400" indent="0">
+              <a:buNone/>
+              <a:defRPr sz="1600"/>
+            </a:lvl3pPr>
+            <a:lvl4pPr marL="1371600" indent="0">
+              <a:buNone/>
+              <a:defRPr sz="1600"/>
+            </a:lvl4pPr>
+            <a:lvl5pPr marL="1828800" indent="0">
+              <a:buNone/>
+              <a:defRPr sz="1600"/>
+            </a:lvl5pPr>
+            <a:lvl6pPr marL="2286000" indent="0">
+              <a:buNone/>
+              <a:defRPr sz="1600"/>
+            </a:lvl6pPr>
+            <a:lvl7pPr marL="2743200" indent="0">
+              <a:buNone/>
+              <a:defRPr sz="1600"/>
+            </a:lvl7pPr>
+            <a:lvl8pPr marL="3200400" indent="0">
+              <a:buNone/>
+              <a:defRPr sz="1600"/>
+            </a:lvl8pPr>
+            <a:lvl9pPr marL="3657600" indent="0">
+              <a:buNone/>
+              <a:defRPr sz="1600"/>
+            </a:lvl9pPr>
+          </a:lstStyle>
+          <a:p>
+            <a:r>
+              <a:rPr lang="en-US" smtClean="0"/>
+              <a:t>Click icon to add picture</a:t>
+            </a:r>
+            <a:endParaRPr lang="en-US" dirty="0"/>
+          </a:p>
+        </p:txBody>
+      </p:sp>
+      <p:sp>
+        <p:nvSpPr>
+          <p:cNvPr id="4" name="Text Placeholder 3"/>
+          <p:cNvSpPr>
+            <a:spLocks noGrp="1"/>
+          </p:cNvSpPr>
+          <p:nvPr>
+            <p:ph type="body" sz="half" idx="2"/>
+          </p:nvPr>
+        </p:nvSpPr>
+        <p:spPr>
+          <a:xfrm>
+            <a:off x="1484311" y="5299603"/>
+            <a:ext cx="10018711" cy="493712"/>
+          </a:xfrm>
+        </p:spPr>
+        <p:txBody>
+          <a:bodyPr>
+            <a:normAutofit/>
+          </a:bodyPr>
+          <a:lstStyle>
+            <a:lvl1pPr marL="0" indent="0" algn="ctr">
+              <a:buNone/>
+              <a:defRPr sz="1400"/>
+            </a:lvl1pPr>
+            <a:lvl2pPr marL="457200" indent="0">
+              <a:buNone/>
+              <a:defRPr sz="1200"/>
+            </a:lvl2pPr>
+            <a:lvl3pPr marL="914400" indent="0">
+              <a:buNone/>
+              <a:defRPr sz="1000"/>
+            </a:lvl3pPr>
+            <a:lvl4pPr marL="1371600" indent="0">
+              <a:buNone/>
+              <a:defRPr sz="900"/>
+            </a:lvl4pPr>
+            <a:lvl5pPr marL="1828800" indent="0">
+              <a:buNone/>
+              <a:defRPr sz="900"/>
+            </a:lvl5pPr>
+            <a:lvl6pPr marL="2286000" indent="0">
+              <a:buNone/>
+              <a:defRPr sz="900"/>
+            </a:lvl6pPr>
+            <a:lvl7pPr marL="2743200" indent="0">
+              <a:buNone/>
+              <a:defRPr sz="900"/>
+            </a:lvl7pPr>
+            <a:lvl8pPr marL="3200400" indent="0">
+              <a:buNone/>
+              <a:defRPr sz="900"/>
+            </a:lvl8pPr>
+            <a:lvl9pPr marL="3657600" indent="0">
+              <a:buNone/>
+              <a:defRPr sz="900"/>
+            </a:lvl9pPr>
+          </a:lstStyle>
+          <a:p>
+            <a:pPr lvl="0"/>
+            <a:r>
+              <a:rPr lang="en-US" smtClean="0"/>
+              <a:t>Click to edit Master text styles</a:t>
+            </a:r>
+          </a:p>
+        </p:txBody>
+      </p:sp>
+      <p:sp>
+        <p:nvSpPr>
+          <p:cNvPr id="5" name="Date Placeholder 4"/>
+          <p:cNvSpPr>
+            <a:spLocks noGrp="1"/>
+          </p:cNvSpPr>
+          <p:nvPr>
+            <p:ph type="dt" sz="half" idx="10"/>
+          </p:nvPr>
+        </p:nvSpPr>
+        <p:spPr/>
+        <p:txBody>
+          <a:bodyPr/>
+          <a:lstStyle/>
+          <a:p>
+            <a:fld id="{30508423-45F1-44E4-A2A4-D90A85F005D6}" type="datetimeFigureOut">
+              <a:rPr lang="en-CA" smtClean="0"/>
+              <a:t>2016-02-03</a:t>
+            </a:fld>
+            <a:endParaRPr lang="en-CA"/>
+          </a:p>
+        </p:txBody>
+      </p:sp>
+      <p:sp>
+        <p:nvSpPr>
+          <p:cNvPr id="6" name="Footer Placeholder 5"/>
+          <p:cNvSpPr>
+            <a:spLocks noGrp="1"/>
+          </p:cNvSpPr>
+          <p:nvPr>
+            <p:ph type="ftr" sz="quarter" idx="11"/>
+          </p:nvPr>
+        </p:nvSpPr>
+        <p:spPr/>
+        <p:txBody>
+          <a:bodyPr/>
+          <a:lstStyle/>
+          <a:p>
+            <a:endParaRPr lang="en-CA"/>
+          </a:p>
+        </p:txBody>
+      </p:sp>
+      <p:sp>
+        <p:nvSpPr>
+          <p:cNvPr id="7" name="Slide Number Placeholder 6"/>
+          <p:cNvSpPr>
+            <a:spLocks noGrp="1"/>
+          </p:cNvSpPr>
+          <p:nvPr>
+            <p:ph type="sldNum" sz="quarter" idx="12"/>
+          </p:nvPr>
+        </p:nvSpPr>
+        <p:spPr/>
+        <p:txBody>
+          <a:bodyPr/>
+          <a:lstStyle/>
+          <a:p>
+            <a:fld id="{2E4D1A7B-935C-45BE-A137-28DDDA31387D}" type="slidenum">
+              <a:rPr lang="en-CA" smtClean="0"/>
+              <a:t>‹#›</a:t>
+            </a:fld>
+            <a:endParaRPr lang="en-CA"/>
+          </a:p>
+        </p:txBody>
+      </p:sp>
+    </p:spTree>
+    <p:extLst>
+      <p:ext uri="{BB962C8B-B14F-4D97-AF65-F5344CB8AC3E}">
+        <p14:creationId xmlns:p14="http://schemas.microsoft.com/office/powerpoint/2010/main" val="116095057"/>
+      </p:ext>
+    </p:extLst>
+  </p:cSld>
+  <p:clrMapOvr>
+    <a:masterClrMapping/>
+  </p:clrMapOvr>
+</p:sldLayout>
+</file>
+
+<file path=ppt/slideLayouts/slideLayout11.xml><?xml version="1.0" encoding="utf-8"?>
+<p:sldLayout xmlns:a="http://schemas.openxmlformats.org/drawingml/2006/main" xmlns:r="http://schemas.openxmlformats.org/officeDocument/2006/relationships" xmlns:p="http://schemas.openxmlformats.org/presentationml/2006/main" preserve="1">
+  <p:cSld name="Title and Caption">
+    <p:spTree>
+      <p:nvGrpSpPr>
+        <p:cNvPr id="1" name=""/>
+        <p:cNvGrpSpPr/>
+        <p:nvPr/>
+      </p:nvGrpSpPr>
+      <p:grpSpPr>
+        <a:xfrm>
+          <a:off x="0" y="0"/>
+          <a:ext cx="0" cy="0"/>
+          <a:chOff x="0" y="0"/>
+          <a:chExt cx="0" cy="0"/>
+        </a:xfrm>
+      </p:grpSpPr>
+      <p:sp>
+        <p:nvSpPr>
+          <p:cNvPr id="2" name="Title 1"/>
+          <p:cNvSpPr>
+            <a:spLocks noGrp="1"/>
+          </p:cNvSpPr>
+          <p:nvPr>
+            <p:ph type="title"/>
+          </p:nvPr>
+        </p:nvSpPr>
+        <p:spPr>
+          <a:xfrm>
+            <a:off x="1484312" y="685800"/>
+            <a:ext cx="10018711" cy="3048000"/>
+          </a:xfrm>
+        </p:spPr>
+        <p:txBody>
+          <a:bodyPr anchor="ctr">
+            <a:normAutofit/>
+          </a:bodyPr>
+          <a:lstStyle>
+            <a:lvl1pPr algn="ctr">
+              <a:defRPr sz="3200" b="0" cap="none"/>
+            </a:lvl1pPr>
+          </a:lstStyle>
+          <a:p>
+            <a:r>
+              <a:rPr lang="en-US" smtClean="0"/>
+              <a:t>Click to edit Master title style</a:t>
+            </a:r>
+            <a:endParaRPr lang="en-US" dirty="0"/>
+          </a:p>
+        </p:txBody>
+      </p:sp>
+      <p:sp>
+        <p:nvSpPr>
+          <p:cNvPr id="3" name="Text Placeholder 2"/>
+          <p:cNvSpPr>
+            <a:spLocks noGrp="1"/>
+          </p:cNvSpPr>
+          <p:nvPr>
+            <p:ph type="body" idx="1"/>
+          </p:nvPr>
+        </p:nvSpPr>
+        <p:spPr>
+          <a:xfrm>
+            <a:off x="1484312" y="4343400"/>
+            <a:ext cx="10018713" cy="1447800"/>
+          </a:xfrm>
+        </p:spPr>
+        <p:txBody>
+          <a:bodyPr anchor="ctr">
+            <a:normAutofit/>
+          </a:bodyPr>
+          <a:lstStyle>
+            <a:lvl1pPr marL="0" indent="0" algn="ctr">
+              <a:buNone/>
+              <a:defRPr sz="2000">
+                <a:solidFill>
+                  <a:schemeClr val="tx1"/>
+                </a:solidFill>
+              </a:defRPr>
+            </a:lvl1pPr>
+            <a:lvl2pPr marL="457200" indent="0">
+              <a:buNone/>
+              <a:defRPr sz="1800">
+                <a:solidFill>
+                  <a:schemeClr val="tx1">
+                    <a:tint val="75000"/>
+                  </a:schemeClr>
+                </a:solidFill>
+              </a:defRPr>
+            </a:lvl2pPr>
+            <a:lvl3pPr marL="914400" indent="0">
+              <a:buNone/>
+              <a:defRPr sz="1600">
+                <a:solidFill>
+                  <a:schemeClr val="tx1">
+                    <a:tint val="75000"/>
+                  </a:schemeClr>
+                </a:solidFill>
+              </a:defRPr>
+            </a:lvl3pPr>
+            <a:lvl4pPr marL="1371600" indent="0">
+              <a:buNone/>
+              <a:defRPr sz="1400">
+                <a:solidFill>
+                  <a:schemeClr val="tx1">
+                    <a:tint val="75000"/>
+                  </a:schemeClr>
+                </a:solidFill>
+              </a:defRPr>
+            </a:lvl4pPr>
+            <a:lvl5pPr marL="1828800" indent="0">
+              <a:buNone/>
+              <a:defRPr sz="1400">
+                <a:solidFill>
+                  <a:schemeClr val="tx1">
+                    <a:tint val="75000"/>
+                  </a:schemeClr>
+                </a:solidFill>
+              </a:defRPr>
+            </a:lvl5pPr>
+            <a:lvl6pPr marL="2286000" indent="0">
+              <a:buNone/>
+              <a:defRPr sz="1400">
+                <a:solidFill>
+                  <a:schemeClr val="tx1">
+                    <a:tint val="75000"/>
+                  </a:schemeClr>
+                </a:solidFill>
+              </a:defRPr>
+            </a:lvl6pPr>
+            <a:lvl7pPr marL="2743200" indent="0">
+              <a:buNone/>
+              <a:defRPr sz="1400">
+                <a:solidFill>
+                  <a:schemeClr val="tx1">
+                    <a:tint val="75000"/>
+                  </a:schemeClr>
+                </a:solidFill>
+              </a:defRPr>
+            </a:lvl7pPr>
+            <a:lvl8pPr marL="3200400" indent="0">
+              <a:buNone/>
+              <a:defRPr sz="1400">
+                <a:solidFill>
+                  <a:schemeClr val="tx1">
+                    <a:tint val="75000"/>
+                  </a:schemeClr>
+                </a:solidFill>
+              </a:defRPr>
+            </a:lvl8pPr>
+            <a:lvl9pPr marL="3657600" indent="0">
+              <a:buNone/>
+              <a:defRPr sz="1400">
+                <a:solidFill>
+                  <a:schemeClr val="tx1">
+                    <a:tint val="75000"/>
+                  </a:schemeClr>
+                </a:solidFill>
+              </a:defRPr>
+            </a:lvl9pPr>
+          </a:lstStyle>
+          <a:p>
+            <a:pPr lvl="0"/>
+            <a:r>
+              <a:rPr lang="en-US" smtClean="0"/>
+              <a:t>Click to edit Master text styles</a:t>
+            </a:r>
+          </a:p>
+        </p:txBody>
+      </p:sp>
+      <p:sp>
+        <p:nvSpPr>
+          <p:cNvPr id="4" name="Date Placeholder 3"/>
+          <p:cNvSpPr>
+            <a:spLocks noGrp="1"/>
+          </p:cNvSpPr>
+          <p:nvPr>
+            <p:ph type="dt" sz="half" idx="10"/>
+          </p:nvPr>
+        </p:nvSpPr>
+        <p:spPr/>
+        <p:txBody>
+          <a:bodyPr/>
+          <a:lstStyle/>
+          <a:p>
+            <a:fld id="{30508423-45F1-44E4-A2A4-D90A85F005D6}" type="datetimeFigureOut">
+              <a:rPr lang="en-CA" smtClean="0"/>
+              <a:t>2016-02-03</a:t>
+            </a:fld>
+            <a:endParaRPr lang="en-CA"/>
+          </a:p>
+        </p:txBody>
+      </p:sp>
+      <p:sp>
+        <p:nvSpPr>
+          <p:cNvPr id="5" name="Footer Placeholder 4"/>
+          <p:cNvSpPr>
+            <a:spLocks noGrp="1"/>
+          </p:cNvSpPr>
+          <p:nvPr>
+            <p:ph type="ftr" sz="quarter" idx="11"/>
+          </p:nvPr>
+        </p:nvSpPr>
+        <p:spPr/>
+        <p:txBody>
+          <a:bodyPr/>
+          <a:lstStyle/>
+          <a:p>
+            <a:endParaRPr lang="en-CA"/>
+          </a:p>
+        </p:txBody>
+      </p:sp>
+      <p:sp>
+        <p:nvSpPr>
+          <p:cNvPr id="6" name="Slide Number Placeholder 5"/>
+          <p:cNvSpPr>
+            <a:spLocks noGrp="1"/>
+          </p:cNvSpPr>
+          <p:nvPr>
+            <p:ph type="sldNum" sz="quarter" idx="12"/>
+          </p:nvPr>
+        </p:nvSpPr>
+        <p:spPr/>
+        <p:txBody>
+          <a:bodyPr/>
+          <a:lstStyle/>
+          <a:p>
+            <a:fld id="{2E4D1A7B-935C-45BE-A137-28DDDA31387D}" type="slidenum">
+              <a:rPr lang="en-CA" smtClean="0"/>
+              <a:t>‹#›</a:t>
+            </a:fld>
+            <a:endParaRPr lang="en-CA"/>
+          </a:p>
+        </p:txBody>
+      </p:sp>
+    </p:spTree>
+    <p:extLst>
+      <p:ext uri="{BB962C8B-B14F-4D97-AF65-F5344CB8AC3E}">
+        <p14:creationId xmlns:p14="http://schemas.microsoft.com/office/powerpoint/2010/main" val="3354180298"/>
+      </p:ext>
+    </p:extLst>
+  </p:cSld>
+  <p:clrMapOvr>
+    <a:masterClrMapping/>
+  </p:clrMapOvr>
+</p:sldLayout>
+</file>
+
+<file path=ppt/slideLayouts/slideLayout12.xml><?xml version="1.0" encoding="utf-8"?>
+<p:sldLayout xmlns:a="http://schemas.openxmlformats.org/drawingml/2006/main" xmlns:r="http://schemas.openxmlformats.org/officeDocument/2006/relationships" xmlns:p="http://schemas.openxmlformats.org/presentationml/2006/main" preserve="1">
+  <p:cSld name="Quote with Caption">
+    <p:spTree>
+      <p:nvGrpSpPr>
+        <p:cNvPr id="1" name=""/>
+        <p:cNvGrpSpPr/>
+        <p:nvPr/>
+      </p:nvGrpSpPr>
+      <p:grpSpPr>
+        <a:xfrm>
+          <a:off x="0" y="0"/>
+          <a:ext cx="0" cy="0"/>
+          <a:chOff x="0" y="0"/>
+          <a:chExt cx="0" cy="0"/>
+        </a:xfrm>
+      </p:grpSpPr>
+      <p:sp>
+        <p:nvSpPr>
+          <p:cNvPr id="14" name="TextBox 13"/>
+          <p:cNvSpPr txBox="1"/>
+          <p:nvPr/>
+        </p:nvSpPr>
+        <p:spPr>
+          <a:xfrm>
+            <a:off x="1598612" y="863023"/>
+            <a:ext cx="609600" cy="584776"/>
+          </a:xfrm>
+          <a:prstGeom prst="rect">
+            <a:avLst/>
+          </a:prstGeom>
+        </p:spPr>
+        <p:txBody>
+          <a:bodyPr vert="horz" lIns="91440" tIns="45720" rIns="91440" bIns="45720" rtlCol="0" anchor="ctr">
+            <a:noAutofit/>
+          </a:bodyPr>
+          <a:lstStyle>
+            <a:lvl1pPr>
+              <a:spcBef>
+                <a:spcPct val="0"/>
+              </a:spcBef>
+              <a:buNone/>
+              <a:defRPr sz="3200" b="0" cap="all">
+                <a:ln w="3175" cmpd="sng">
+                  <a:noFill/>
+                </a:ln>
+                <a:effectLst>
+                  <a:glow rad="38100">
+                    <a:schemeClr val="bg1">
+                      <a:lumMod val="65000"/>
+                      <a:lumOff val="35000"/>
+                      <a:alpha val="40000"/>
+                    </a:schemeClr>
+                  </a:glow>
+                  <a:outerShdw blurRad="28575" dist="38100" dir="14040000" algn="tl" rotWithShape="0">
+                    <a:srgbClr val="000000">
+                      <a:alpha val="25000"/>
+                    </a:srgbClr>
+                  </a:outerShdw>
+                </a:effectLst>
+              </a:defRPr>
+            </a:lvl1pPr>
+            <a:lvl2pPr>
+              <a:defRPr>
+                <a:solidFill>
+                  <a:schemeClr val="tx2"/>
+                </a:solidFill>
+              </a:defRPr>
+            </a:lvl2pPr>
+            <a:lvl3pPr>
+              <a:defRPr>
+                <a:solidFill>
+                  <a:schemeClr val="tx2"/>
+                </a:solidFill>
+              </a:defRPr>
+            </a:lvl3pPr>
+            <a:lvl4pPr>
+              <a:defRPr>
+                <a:solidFill>
+                  <a:schemeClr val="tx2"/>
+                </a:solidFill>
+              </a:defRPr>
+            </a:lvl4pPr>
+            <a:lvl5pPr>
+              <a:defRPr>
+                <a:solidFill>
+                  <a:schemeClr val="tx2"/>
+                </a:solidFill>
+              </a:defRPr>
+            </a:lvl5pPr>
+            <a:lvl6pPr>
+              <a:defRPr>
+                <a:solidFill>
+                  <a:schemeClr val="tx2"/>
+                </a:solidFill>
+              </a:defRPr>
+            </a:lvl6pPr>
+            <a:lvl7pPr>
+              <a:defRPr>
+                <a:solidFill>
+                  <a:schemeClr val="tx2"/>
+                </a:solidFill>
+              </a:defRPr>
+            </a:lvl7pPr>
+            <a:lvl8pPr>
+              <a:defRPr>
+                <a:solidFill>
+                  <a:schemeClr val="tx2"/>
+                </a:solidFill>
+              </a:defRPr>
+            </a:lvl8pPr>
+            <a:lvl9pPr>
+              <a:defRPr>
+                <a:solidFill>
+                  <a:schemeClr val="tx2"/>
+                </a:solidFill>
+              </a:defRPr>
+            </a:lvl9pPr>
+          </a:lstStyle>
+          <a:p>
+            <a:pPr lvl="0"/>
+            <a:r>
+              <a:rPr lang="en-US" sz="8000" dirty="0">
+                <a:solidFill>
+                  <a:schemeClr val="tx1"/>
+                </a:solidFill>
+                <a:effectLst/>
+              </a:rPr>
+              <a:t>“</a:t>
+            </a:r>
+          </a:p>
+        </p:txBody>
+      </p:sp>
+      <p:sp>
+        <p:nvSpPr>
+          <p:cNvPr id="15" name="TextBox 14"/>
+          <p:cNvSpPr txBox="1"/>
+          <p:nvPr/>
+        </p:nvSpPr>
+        <p:spPr>
+          <a:xfrm>
+            <a:off x="10893425" y="2819399"/>
+            <a:ext cx="609600" cy="584776"/>
+          </a:xfrm>
+          <a:prstGeom prst="rect">
+            <a:avLst/>
+          </a:prstGeom>
+        </p:spPr>
+        <p:txBody>
+          <a:bodyPr vert="horz" lIns="91440" tIns="45720" rIns="91440" bIns="45720" rtlCol="0" anchor="ctr">
+            <a:noAutofit/>
+          </a:bodyPr>
+          <a:lstStyle>
+            <a:lvl1pPr>
+              <a:spcBef>
+                <a:spcPct val="0"/>
+              </a:spcBef>
+              <a:buNone/>
+              <a:defRPr sz="3200" b="0" cap="all">
+                <a:ln w="3175" cmpd="sng">
+                  <a:noFill/>
+                </a:ln>
+                <a:effectLst>
+                  <a:glow rad="38100">
+                    <a:schemeClr val="bg1">
+                      <a:lumMod val="65000"/>
+                      <a:lumOff val="35000"/>
+                      <a:alpha val="40000"/>
+                    </a:schemeClr>
+                  </a:glow>
+                  <a:outerShdw blurRad="28575" dist="38100" dir="14040000" algn="tl" rotWithShape="0">
+                    <a:srgbClr val="000000">
+                      <a:alpha val="25000"/>
+                    </a:srgbClr>
+                  </a:outerShdw>
+                </a:effectLst>
+              </a:defRPr>
+            </a:lvl1pPr>
+            <a:lvl2pPr>
+              <a:defRPr>
+                <a:solidFill>
+                  <a:schemeClr val="tx2"/>
+                </a:solidFill>
+              </a:defRPr>
+            </a:lvl2pPr>
+            <a:lvl3pPr>
+              <a:defRPr>
+                <a:solidFill>
+                  <a:schemeClr val="tx2"/>
+                </a:solidFill>
+              </a:defRPr>
+            </a:lvl3pPr>
+            <a:lvl4pPr>
+              <a:defRPr>
+                <a:solidFill>
+                  <a:schemeClr val="tx2"/>
+                </a:solidFill>
+              </a:defRPr>
+            </a:lvl4pPr>
+            <a:lvl5pPr>
+              <a:defRPr>
+                <a:solidFill>
+                  <a:schemeClr val="tx2"/>
+                </a:solidFill>
+              </a:defRPr>
+            </a:lvl5pPr>
+            <a:lvl6pPr>
+              <a:defRPr>
+                <a:solidFill>
+                  <a:schemeClr val="tx2"/>
+                </a:solidFill>
+              </a:defRPr>
+            </a:lvl6pPr>
+            <a:lvl7pPr>
+              <a:defRPr>
+                <a:solidFill>
+                  <a:schemeClr val="tx2"/>
+                </a:solidFill>
+              </a:defRPr>
+            </a:lvl7pPr>
+            <a:lvl8pPr>
+              <a:defRPr>
+                <a:solidFill>
+                  <a:schemeClr val="tx2"/>
+                </a:solidFill>
+              </a:defRPr>
+            </a:lvl8pPr>
+            <a:lvl9pPr>
+              <a:defRPr>
+                <a:solidFill>
+                  <a:schemeClr val="tx2"/>
+                </a:solidFill>
+              </a:defRPr>
+            </a:lvl9pPr>
+          </a:lstStyle>
+          <a:p>
+            <a:pPr lvl="0" algn="r"/>
+            <a:r>
+              <a:rPr lang="en-US" sz="8000" dirty="0">
+                <a:solidFill>
+                  <a:schemeClr val="tx1"/>
+                </a:solidFill>
+                <a:effectLst/>
+              </a:rPr>
+              <a:t>”</a:t>
+            </a:r>
+          </a:p>
+        </p:txBody>
+      </p:sp>
+      <p:sp>
+        <p:nvSpPr>
+          <p:cNvPr id="2" name="Title 1"/>
+          <p:cNvSpPr>
+            <a:spLocks noGrp="1"/>
+          </p:cNvSpPr>
+          <p:nvPr>
+            <p:ph type="title"/>
+          </p:nvPr>
+        </p:nvSpPr>
+        <p:spPr>
+          <a:xfrm>
+            <a:off x="2208212" y="685800"/>
+            <a:ext cx="8990012" cy="2743199"/>
+          </a:xfrm>
+        </p:spPr>
+        <p:txBody>
+          <a:bodyPr anchor="ctr">
+            <a:normAutofit/>
+          </a:bodyPr>
+          <a:lstStyle>
+            <a:lvl1pPr algn="ctr">
+              <a:defRPr sz="3200" b="0" cap="none">
+                <a:solidFill>
+                  <a:schemeClr val="tx1"/>
+                </a:solidFill>
+              </a:defRPr>
+            </a:lvl1pPr>
+          </a:lstStyle>
+          <a:p>
+            <a:r>
+              <a:rPr lang="en-US" smtClean="0"/>
+              <a:t>Click to edit Master title style</a:t>
+            </a:r>
+            <a:endParaRPr lang="en-US" dirty="0"/>
+          </a:p>
+        </p:txBody>
+      </p:sp>
+      <p:sp>
+        <p:nvSpPr>
+          <p:cNvPr id="10" name="Text Placeholder 9"/>
+          <p:cNvSpPr>
+            <a:spLocks noGrp="1"/>
+          </p:cNvSpPr>
+          <p:nvPr>
+            <p:ph type="body" sz="quarter" idx="13"/>
+          </p:nvPr>
+        </p:nvSpPr>
+        <p:spPr>
+          <a:xfrm>
+            <a:off x="2436811" y="3428999"/>
+            <a:ext cx="8532815" cy="381000"/>
+          </a:xfrm>
+        </p:spPr>
+        <p:txBody>
+          <a:bodyPr anchor="ctr">
+            <a:normAutofit/>
+          </a:bodyPr>
+          <a:lstStyle>
+            <a:lvl1pPr marL="0" indent="0">
+              <a:buFontTx/>
+              <a:buNone/>
+              <a:defRPr sz="1800"/>
+            </a:lvl1pPr>
+            <a:lvl2pPr marL="457200" indent="0">
+              <a:buFontTx/>
+              <a:buNone/>
+              <a:defRPr/>
+            </a:lvl2pPr>
+            <a:lvl3pPr marL="914400" indent="0">
+              <a:buFontTx/>
+              <a:buNone/>
+              <a:defRPr/>
+            </a:lvl3pPr>
+            <a:lvl4pPr marL="1371600" indent="0">
+              <a:buFontTx/>
+              <a:buNone/>
+              <a:defRPr/>
+            </a:lvl4pPr>
+            <a:lvl5pPr marL="1828800" indent="0">
+              <a:buFontTx/>
+              <a:buNone/>
+              <a:defRPr/>
+            </a:lvl5pPr>
+          </a:lstStyle>
+          <a:p>
+            <a:pPr lvl="0"/>
+            <a:r>
+              <a:rPr lang="en-US" smtClean="0"/>
+              <a:t>Click to edit Master text styles</a:t>
+            </a:r>
+          </a:p>
+        </p:txBody>
+      </p:sp>
+      <p:sp>
+        <p:nvSpPr>
+          <p:cNvPr id="3" name="Text Placeholder 2"/>
+          <p:cNvSpPr>
+            <a:spLocks noGrp="1"/>
+          </p:cNvSpPr>
+          <p:nvPr>
+            <p:ph type="body" idx="1"/>
+          </p:nvPr>
+        </p:nvSpPr>
+        <p:spPr>
+          <a:xfrm>
+            <a:off x="1484311" y="4343400"/>
+            <a:ext cx="10018711" cy="1447800"/>
+          </a:xfrm>
+        </p:spPr>
+        <p:txBody>
+          <a:bodyPr anchor="ctr">
+            <a:normAutofit/>
+          </a:bodyPr>
+          <a:lstStyle>
+            <a:lvl1pPr marL="0" indent="0" algn="ctr">
+              <a:buNone/>
+              <a:defRPr sz="2000">
+                <a:solidFill>
+                  <a:schemeClr val="tx1"/>
+                </a:solidFill>
+              </a:defRPr>
+            </a:lvl1pPr>
+            <a:lvl2pPr marL="457200" indent="0">
+              <a:buNone/>
+              <a:defRPr sz="1800">
+                <a:solidFill>
+                  <a:schemeClr val="tx1">
+                    <a:tint val="75000"/>
+                  </a:schemeClr>
+                </a:solidFill>
+              </a:defRPr>
+            </a:lvl2pPr>
+            <a:lvl3pPr marL="914400" indent="0">
+              <a:buNone/>
+              <a:defRPr sz="1600">
+                <a:solidFill>
+                  <a:schemeClr val="tx1">
+                    <a:tint val="75000"/>
+                  </a:schemeClr>
+                </a:solidFill>
+              </a:defRPr>
+            </a:lvl3pPr>
+            <a:lvl4pPr marL="1371600" indent="0">
+              <a:buNone/>
+              <a:defRPr sz="1400">
+                <a:solidFill>
+                  <a:schemeClr val="tx1">
+                    <a:tint val="75000"/>
+                  </a:schemeClr>
+                </a:solidFill>
+              </a:defRPr>
+            </a:lvl4pPr>
+            <a:lvl5pPr marL="1828800" indent="0">
+              <a:buNone/>
+              <a:defRPr sz="1400">
+                <a:solidFill>
+                  <a:schemeClr val="tx1">
+                    <a:tint val="75000"/>
+                  </a:schemeClr>
+                </a:solidFill>
+              </a:defRPr>
+            </a:lvl5pPr>
+            <a:lvl6pPr marL="2286000" indent="0">
+              <a:buNone/>
+              <a:defRPr sz="1400">
+                <a:solidFill>
+                  <a:schemeClr val="tx1">
+                    <a:tint val="75000"/>
+                  </a:schemeClr>
+                </a:solidFill>
+              </a:defRPr>
+            </a:lvl6pPr>
+            <a:lvl7pPr marL="2743200" indent="0">
+              <a:buNone/>
+              <a:defRPr sz="1400">
+                <a:solidFill>
+                  <a:schemeClr val="tx1">
+                    <a:tint val="75000"/>
+                  </a:schemeClr>
+                </a:solidFill>
+              </a:defRPr>
+            </a:lvl7pPr>
+            <a:lvl8pPr marL="3200400" indent="0">
+              <a:buNone/>
+              <a:defRPr sz="1400">
+                <a:solidFill>
+                  <a:schemeClr val="tx1">
+                    <a:tint val="75000"/>
+                  </a:schemeClr>
+                </a:solidFill>
+              </a:defRPr>
+            </a:lvl8pPr>
+            <a:lvl9pPr marL="3657600" indent="0">
+              <a:buNone/>
+              <a:defRPr sz="1400">
+                <a:solidFill>
+                  <a:schemeClr val="tx1">
+                    <a:tint val="75000"/>
+                  </a:schemeClr>
+                </a:solidFill>
+              </a:defRPr>
+            </a:lvl9pPr>
+          </a:lstStyle>
+          <a:p>
+            <a:pPr lvl="0"/>
+            <a:r>
+              <a:rPr lang="en-US" smtClean="0"/>
+              <a:t>Click to edit Master text styles</a:t>
+            </a:r>
+          </a:p>
+        </p:txBody>
+      </p:sp>
+      <p:sp>
+        <p:nvSpPr>
+          <p:cNvPr id="4" name="Date Placeholder 3"/>
+          <p:cNvSpPr>
+            <a:spLocks noGrp="1"/>
+          </p:cNvSpPr>
+          <p:nvPr>
+            <p:ph type="dt" sz="half" idx="10"/>
+          </p:nvPr>
+        </p:nvSpPr>
+        <p:spPr/>
+        <p:txBody>
+          <a:bodyPr/>
+          <a:lstStyle/>
+          <a:p>
+            <a:fld id="{30508423-45F1-44E4-A2A4-D90A85F005D6}" type="datetimeFigureOut">
+              <a:rPr lang="en-CA" smtClean="0"/>
+              <a:t>2016-02-03</a:t>
+            </a:fld>
+            <a:endParaRPr lang="en-CA"/>
+          </a:p>
+        </p:txBody>
+      </p:sp>
+      <p:sp>
+        <p:nvSpPr>
+          <p:cNvPr id="5" name="Footer Placeholder 4"/>
+          <p:cNvSpPr>
+            <a:spLocks noGrp="1"/>
+          </p:cNvSpPr>
+          <p:nvPr>
+            <p:ph type="ftr" sz="quarter" idx="11"/>
+          </p:nvPr>
+        </p:nvSpPr>
+        <p:spPr/>
+        <p:txBody>
+          <a:bodyPr/>
+          <a:lstStyle/>
+          <a:p>
+            <a:endParaRPr lang="en-CA"/>
+          </a:p>
+        </p:txBody>
+      </p:sp>
+      <p:sp>
+        <p:nvSpPr>
+          <p:cNvPr id="6" name="Slide Number Placeholder 5"/>
+          <p:cNvSpPr>
+            <a:spLocks noGrp="1"/>
+          </p:cNvSpPr>
+          <p:nvPr>
+            <p:ph type="sldNum" sz="quarter" idx="12"/>
+          </p:nvPr>
+        </p:nvSpPr>
+        <p:spPr/>
+        <p:txBody>
+          <a:bodyPr/>
+          <a:lstStyle/>
+          <a:p>
+            <a:fld id="{2E4D1A7B-935C-45BE-A137-28DDDA31387D}" type="slidenum">
+              <a:rPr lang="en-CA" smtClean="0"/>
+              <a:t>‹#›</a:t>
+            </a:fld>
+            <a:endParaRPr lang="en-CA"/>
+          </a:p>
+        </p:txBody>
+      </p:sp>
+    </p:spTree>
+    <p:extLst>
+      <p:ext uri="{BB962C8B-B14F-4D97-AF65-F5344CB8AC3E}">
+        <p14:creationId xmlns:p14="http://schemas.microsoft.com/office/powerpoint/2010/main" val="4218359919"/>
+      </p:ext>
+    </p:extLst>
+  </p:cSld>
+  <p:clrMapOvr>
+    <a:masterClrMapping/>
+  </p:clrMapOvr>
+</p:sldLayout>
+</file>
+
+<file path=ppt/slideLayouts/slideLayout13.xml><?xml version="1.0" encoding="utf-8"?>
+<p:sldLayout xmlns:a="http://schemas.openxmlformats.org/drawingml/2006/main" xmlns:r="http://schemas.openxmlformats.org/officeDocument/2006/relationships" xmlns:p="http://schemas.openxmlformats.org/presentationml/2006/main" preserve="1">
+  <p:cSld name="Name Card">
+    <p:spTree>
+      <p:nvGrpSpPr>
+        <p:cNvPr id="1" name=""/>
+        <p:cNvGrpSpPr/>
+        <p:nvPr/>
+      </p:nvGrpSpPr>
+      <p:grpSpPr>
+        <a:xfrm>
+          <a:off x="0" y="0"/>
+          <a:ext cx="0" cy="0"/>
+          <a:chOff x="0" y="0"/>
+          <a:chExt cx="0" cy="0"/>
+        </a:xfrm>
+      </p:grpSpPr>
+      <p:sp>
+        <p:nvSpPr>
+          <p:cNvPr id="2" name="Title 1"/>
+          <p:cNvSpPr>
+            <a:spLocks noGrp="1"/>
+          </p:cNvSpPr>
+          <p:nvPr>
+            <p:ph type="title"/>
+          </p:nvPr>
+        </p:nvSpPr>
+        <p:spPr>
+          <a:xfrm>
+            <a:off x="1484313" y="3308581"/>
+            <a:ext cx="10018709" cy="1468800"/>
+          </a:xfrm>
+        </p:spPr>
+        <p:txBody>
+          <a:bodyPr anchor="b">
+            <a:normAutofit/>
+          </a:bodyPr>
+          <a:lstStyle>
+            <a:lvl1pPr algn="r">
+              <a:defRPr sz="3200" b="0" cap="none"/>
+            </a:lvl1pPr>
+          </a:lstStyle>
+          <a:p>
+            <a:r>
+              <a:rPr lang="en-US" smtClean="0"/>
+              <a:t>Click to edit Master title style</a:t>
+            </a:r>
+            <a:endParaRPr lang="en-US" dirty="0"/>
+          </a:p>
+        </p:txBody>
+      </p:sp>
+      <p:sp>
+        <p:nvSpPr>
+          <p:cNvPr id="3" name="Text Placeholder 2"/>
+          <p:cNvSpPr>
+            <a:spLocks noGrp="1"/>
+          </p:cNvSpPr>
+          <p:nvPr>
+            <p:ph type="body" idx="1"/>
+          </p:nvPr>
+        </p:nvSpPr>
+        <p:spPr>
+          <a:xfrm>
+            <a:off x="1484312" y="4777381"/>
+            <a:ext cx="10018710" cy="860400"/>
+          </a:xfrm>
+        </p:spPr>
+        <p:txBody>
+          <a:bodyPr anchor="t">
+            <a:normAutofit/>
+          </a:bodyPr>
+          <a:lstStyle>
+            <a:lvl1pPr marL="0" indent="0" algn="r">
+              <a:buNone/>
+              <a:defRPr sz="2000">
+                <a:solidFill>
+                  <a:schemeClr val="tx1"/>
+                </a:solidFill>
+              </a:defRPr>
+            </a:lvl1pPr>
+            <a:lvl2pPr marL="457200" indent="0">
+              <a:buNone/>
+              <a:defRPr sz="1800">
+                <a:solidFill>
+                  <a:schemeClr val="tx1">
+                    <a:tint val="75000"/>
+                  </a:schemeClr>
+                </a:solidFill>
+              </a:defRPr>
+            </a:lvl2pPr>
+            <a:lvl3pPr marL="914400" indent="0">
+              <a:buNone/>
+              <a:defRPr sz="1600">
+                <a:solidFill>
+                  <a:schemeClr val="tx1">
+                    <a:tint val="75000"/>
+                  </a:schemeClr>
+                </a:solidFill>
+              </a:defRPr>
+            </a:lvl3pPr>
+            <a:lvl4pPr marL="1371600" indent="0">
+              <a:buNone/>
+              <a:defRPr sz="1400">
+                <a:solidFill>
+                  <a:schemeClr val="tx1">
+                    <a:tint val="75000"/>
+                  </a:schemeClr>
+                </a:solidFill>
+              </a:defRPr>
+            </a:lvl4pPr>
+            <a:lvl5pPr marL="1828800" indent="0">
+              <a:buNone/>
+              <a:defRPr sz="1400">
+                <a:solidFill>
+                  <a:schemeClr val="tx1">
+                    <a:tint val="75000"/>
+                  </a:schemeClr>
+                </a:solidFill>
+              </a:defRPr>
+            </a:lvl5pPr>
+            <a:lvl6pPr marL="2286000" indent="0">
+              <a:buNone/>
+              <a:defRPr sz="1400">
+                <a:solidFill>
+                  <a:schemeClr val="tx1">
+                    <a:tint val="75000"/>
+                  </a:schemeClr>
+                </a:solidFill>
+              </a:defRPr>
+            </a:lvl6pPr>
+            <a:lvl7pPr marL="2743200" indent="0">
+              <a:buNone/>
+              <a:defRPr sz="1400">
+                <a:solidFill>
+                  <a:schemeClr val="tx1">
+                    <a:tint val="75000"/>
+                  </a:schemeClr>
+                </a:solidFill>
+              </a:defRPr>
+            </a:lvl7pPr>
+            <a:lvl8pPr marL="3200400" indent="0">
+              <a:buNone/>
+              <a:defRPr sz="1400">
+                <a:solidFill>
+                  <a:schemeClr val="tx1">
+                    <a:tint val="75000"/>
+                  </a:schemeClr>
+                </a:solidFill>
+              </a:defRPr>
+            </a:lvl8pPr>
+            <a:lvl9pPr marL="3657600" indent="0">
+              <a:buNone/>
+              <a:defRPr sz="1400">
+                <a:solidFill>
+                  <a:schemeClr val="tx1">
+                    <a:tint val="75000"/>
+                  </a:schemeClr>
+                </a:solidFill>
+              </a:defRPr>
+            </a:lvl9pPr>
+          </a:lstStyle>
+          <a:p>
+            <a:pPr lvl="0"/>
+            <a:r>
+              <a:rPr lang="en-US" smtClean="0"/>
+              <a:t>Click to edit Master text styles</a:t>
+            </a:r>
+          </a:p>
+        </p:txBody>
+      </p:sp>
+      <p:sp>
+        <p:nvSpPr>
+          <p:cNvPr id="4" name="Date Placeholder 3"/>
+          <p:cNvSpPr>
+            <a:spLocks noGrp="1"/>
+          </p:cNvSpPr>
+          <p:nvPr>
+            <p:ph type="dt" sz="half" idx="10"/>
+          </p:nvPr>
+        </p:nvSpPr>
+        <p:spPr/>
+        <p:txBody>
+          <a:bodyPr/>
+          <a:lstStyle/>
+          <a:p>
+            <a:fld id="{30508423-45F1-44E4-A2A4-D90A85F005D6}" type="datetimeFigureOut">
+              <a:rPr lang="en-CA" smtClean="0"/>
+              <a:t>2016-02-03</a:t>
+            </a:fld>
+            <a:endParaRPr lang="en-CA"/>
+          </a:p>
+        </p:txBody>
+      </p:sp>
+      <p:sp>
+        <p:nvSpPr>
+          <p:cNvPr id="5" name="Footer Placeholder 4"/>
+          <p:cNvSpPr>
+            <a:spLocks noGrp="1"/>
+          </p:cNvSpPr>
+          <p:nvPr>
+            <p:ph type="ftr" sz="quarter" idx="11"/>
+          </p:nvPr>
+        </p:nvSpPr>
+        <p:spPr/>
+        <p:txBody>
+          <a:bodyPr/>
+          <a:lstStyle/>
+          <a:p>
+            <a:endParaRPr lang="en-CA"/>
+          </a:p>
+        </p:txBody>
+      </p:sp>
+      <p:sp>
+        <p:nvSpPr>
+          <p:cNvPr id="6" name="Slide Number Placeholder 5"/>
+          <p:cNvSpPr>
+            <a:spLocks noGrp="1"/>
+          </p:cNvSpPr>
+          <p:nvPr>
+            <p:ph type="sldNum" sz="quarter" idx="12"/>
+          </p:nvPr>
+        </p:nvSpPr>
+        <p:spPr/>
+        <p:txBody>
+          <a:bodyPr/>
+          <a:lstStyle/>
+          <a:p>
+            <a:fld id="{2E4D1A7B-935C-45BE-A137-28DDDA31387D}" type="slidenum">
+              <a:rPr lang="en-CA" smtClean="0"/>
+              <a:t>‹#›</a:t>
+            </a:fld>
+            <a:endParaRPr lang="en-CA"/>
+          </a:p>
+        </p:txBody>
+      </p:sp>
+    </p:spTree>
+    <p:extLst>
+      <p:ext uri="{BB962C8B-B14F-4D97-AF65-F5344CB8AC3E}">
+        <p14:creationId xmlns:p14="http://schemas.microsoft.com/office/powerpoint/2010/main" val="1350376681"/>
+      </p:ext>
+    </p:extLst>
+  </p:cSld>
+  <p:clrMapOvr>
+    <a:masterClrMapping/>
+  </p:clrMapOvr>
+</p:sldLayout>
+</file>
+
+<file path=ppt/slideLayouts/slideLayout14.xml><?xml version="1.0" encoding="utf-8"?>
+<p:sldLayout xmlns:a="http://schemas.openxmlformats.org/drawingml/2006/main" xmlns:r="http://schemas.openxmlformats.org/officeDocument/2006/relationships" xmlns:p="http://schemas.openxmlformats.org/presentationml/2006/main" preserve="1">
+  <p:cSld name="Quote Name Card">
+    <p:spTree>
+      <p:nvGrpSpPr>
+        <p:cNvPr id="1" name=""/>
+        <p:cNvGrpSpPr/>
+        <p:nvPr/>
+      </p:nvGrpSpPr>
+      <p:grpSpPr>
+        <a:xfrm>
+          <a:off x="0" y="0"/>
+          <a:ext cx="0" cy="0"/>
+          <a:chOff x="0" y="0"/>
+          <a:chExt cx="0" cy="0"/>
+        </a:xfrm>
+      </p:grpSpPr>
+      <p:sp>
+        <p:nvSpPr>
+          <p:cNvPr id="14" name="TextBox 13"/>
+          <p:cNvSpPr txBox="1"/>
+          <p:nvPr/>
+        </p:nvSpPr>
+        <p:spPr>
+          <a:xfrm>
+            <a:off x="1598612" y="863023"/>
+            <a:ext cx="609600" cy="584776"/>
+          </a:xfrm>
+          <a:prstGeom prst="rect">
+            <a:avLst/>
+          </a:prstGeom>
+        </p:spPr>
+        <p:txBody>
+          <a:bodyPr vert="horz" lIns="91440" tIns="45720" rIns="91440" bIns="45720" rtlCol="0" anchor="ctr">
+            <a:noAutofit/>
+          </a:bodyPr>
+          <a:lstStyle>
+            <a:lvl1pPr>
+              <a:spcBef>
+                <a:spcPct val="0"/>
+              </a:spcBef>
+              <a:buNone/>
+              <a:defRPr sz="3200" b="0" cap="all">
+                <a:ln w="3175" cmpd="sng">
+                  <a:noFill/>
+                </a:ln>
+                <a:effectLst>
+                  <a:glow rad="38100">
+                    <a:schemeClr val="bg1">
+                      <a:lumMod val="65000"/>
+                      <a:lumOff val="35000"/>
+                      <a:alpha val="40000"/>
+                    </a:schemeClr>
+                  </a:glow>
+                  <a:outerShdw blurRad="28575" dist="38100" dir="14040000" algn="tl" rotWithShape="0">
+                    <a:srgbClr val="000000">
+                      <a:alpha val="25000"/>
+                    </a:srgbClr>
+                  </a:outerShdw>
+                </a:effectLst>
+              </a:defRPr>
+            </a:lvl1pPr>
+            <a:lvl2pPr>
+              <a:defRPr>
+                <a:solidFill>
+                  <a:schemeClr val="tx2"/>
+                </a:solidFill>
+              </a:defRPr>
+            </a:lvl2pPr>
+            <a:lvl3pPr>
+              <a:defRPr>
+                <a:solidFill>
+                  <a:schemeClr val="tx2"/>
+                </a:solidFill>
+              </a:defRPr>
+            </a:lvl3pPr>
+            <a:lvl4pPr>
+              <a:defRPr>
+                <a:solidFill>
+                  <a:schemeClr val="tx2"/>
+                </a:solidFill>
+              </a:defRPr>
+            </a:lvl4pPr>
+            <a:lvl5pPr>
+              <a:defRPr>
+                <a:solidFill>
+                  <a:schemeClr val="tx2"/>
+                </a:solidFill>
+              </a:defRPr>
+            </a:lvl5pPr>
+            <a:lvl6pPr>
+              <a:defRPr>
+                <a:solidFill>
+                  <a:schemeClr val="tx2"/>
+                </a:solidFill>
+              </a:defRPr>
+            </a:lvl6pPr>
+            <a:lvl7pPr>
+              <a:defRPr>
+                <a:solidFill>
+                  <a:schemeClr val="tx2"/>
+                </a:solidFill>
+              </a:defRPr>
+            </a:lvl7pPr>
+            <a:lvl8pPr>
+              <a:defRPr>
+                <a:solidFill>
+                  <a:schemeClr val="tx2"/>
+                </a:solidFill>
+              </a:defRPr>
+            </a:lvl8pPr>
+            <a:lvl9pPr>
+              <a:defRPr>
+                <a:solidFill>
+                  <a:schemeClr val="tx2"/>
+                </a:solidFill>
+              </a:defRPr>
+            </a:lvl9pPr>
+          </a:lstStyle>
+          <a:p>
+            <a:pPr lvl="0"/>
+            <a:r>
+              <a:rPr lang="en-US" sz="8000" dirty="0">
+                <a:solidFill>
+                  <a:schemeClr val="tx1"/>
+                </a:solidFill>
+                <a:effectLst/>
+              </a:rPr>
+              <a:t>“</a:t>
+            </a:r>
+          </a:p>
+        </p:txBody>
+      </p:sp>
+      <p:sp>
+        <p:nvSpPr>
+          <p:cNvPr id="15" name="TextBox 14"/>
+          <p:cNvSpPr txBox="1"/>
+          <p:nvPr/>
+        </p:nvSpPr>
+        <p:spPr>
+          <a:xfrm>
+            <a:off x="10893425" y="2819399"/>
+            <a:ext cx="609600" cy="584776"/>
+          </a:xfrm>
+          <a:prstGeom prst="rect">
+            <a:avLst/>
+          </a:prstGeom>
+        </p:spPr>
+        <p:txBody>
+          <a:bodyPr vert="horz" lIns="91440" tIns="45720" rIns="91440" bIns="45720" rtlCol="0" anchor="ctr">
+            <a:noAutofit/>
+          </a:bodyPr>
+          <a:lstStyle>
+            <a:lvl1pPr>
+              <a:spcBef>
+                <a:spcPct val="0"/>
+              </a:spcBef>
+              <a:buNone/>
+              <a:defRPr sz="3200" b="0" cap="all">
+                <a:ln w="3175" cmpd="sng">
+                  <a:noFill/>
+                </a:ln>
+                <a:effectLst>
+                  <a:glow rad="38100">
+                    <a:schemeClr val="bg1">
+                      <a:lumMod val="65000"/>
+                      <a:lumOff val="35000"/>
+                      <a:alpha val="40000"/>
+                    </a:schemeClr>
+                  </a:glow>
+                  <a:outerShdw blurRad="28575" dist="38100" dir="14040000" algn="tl" rotWithShape="0">
+                    <a:srgbClr val="000000">
+                      <a:alpha val="25000"/>
+                    </a:srgbClr>
+                  </a:outerShdw>
+                </a:effectLst>
+              </a:defRPr>
+            </a:lvl1pPr>
+            <a:lvl2pPr>
+              <a:defRPr>
+                <a:solidFill>
+                  <a:schemeClr val="tx2"/>
+                </a:solidFill>
+              </a:defRPr>
+            </a:lvl2pPr>
+            <a:lvl3pPr>
+              <a:defRPr>
+                <a:solidFill>
+                  <a:schemeClr val="tx2"/>
+                </a:solidFill>
+              </a:defRPr>
+            </a:lvl3pPr>
+            <a:lvl4pPr>
+              <a:defRPr>
+                <a:solidFill>
+                  <a:schemeClr val="tx2"/>
+                </a:solidFill>
+              </a:defRPr>
+            </a:lvl4pPr>
+            <a:lvl5pPr>
+              <a:defRPr>
+                <a:solidFill>
+                  <a:schemeClr val="tx2"/>
+                </a:solidFill>
+              </a:defRPr>
+            </a:lvl5pPr>
+            <a:lvl6pPr>
+              <a:defRPr>
+                <a:solidFill>
+                  <a:schemeClr val="tx2"/>
+                </a:solidFill>
+              </a:defRPr>
+            </a:lvl6pPr>
+            <a:lvl7pPr>
+              <a:defRPr>
+                <a:solidFill>
+                  <a:schemeClr val="tx2"/>
+                </a:solidFill>
+              </a:defRPr>
+            </a:lvl7pPr>
+            <a:lvl8pPr>
+              <a:defRPr>
+                <a:solidFill>
+                  <a:schemeClr val="tx2"/>
+                </a:solidFill>
+              </a:defRPr>
+            </a:lvl8pPr>
+            <a:lvl9pPr>
+              <a:defRPr>
+                <a:solidFill>
+                  <a:schemeClr val="tx2"/>
+                </a:solidFill>
+              </a:defRPr>
+            </a:lvl9pPr>
+          </a:lstStyle>
+          <a:p>
+            <a:pPr lvl="0" algn="r"/>
+            <a:r>
+              <a:rPr lang="en-US" sz="8000" dirty="0">
+                <a:solidFill>
+                  <a:schemeClr val="tx1"/>
+                </a:solidFill>
+                <a:effectLst/>
+              </a:rPr>
+              <a:t>”</a:t>
+            </a:r>
+          </a:p>
+        </p:txBody>
+      </p:sp>
+      <p:sp>
+        <p:nvSpPr>
+          <p:cNvPr id="2" name="Title 1"/>
+          <p:cNvSpPr>
+            <a:spLocks noGrp="1"/>
+          </p:cNvSpPr>
+          <p:nvPr>
+            <p:ph type="title"/>
+          </p:nvPr>
+        </p:nvSpPr>
+        <p:spPr>
+          <a:xfrm>
+            <a:off x="2208212" y="685800"/>
+            <a:ext cx="8990012" cy="2743199"/>
+          </a:xfrm>
+        </p:spPr>
+        <p:txBody>
+          <a:bodyPr anchor="ctr">
+            <a:normAutofit/>
+          </a:bodyPr>
+          <a:lstStyle>
+            <a:lvl1pPr algn="ctr">
+              <a:defRPr sz="3200" b="0" cap="none">
+                <a:solidFill>
+                  <a:schemeClr val="tx1"/>
+                </a:solidFill>
+              </a:defRPr>
+            </a:lvl1pPr>
+          </a:lstStyle>
+          <a:p>
+            <a:r>
+              <a:rPr lang="en-US" smtClean="0"/>
+              <a:t>Click to edit Master title style</a:t>
+            </a:r>
+            <a:endParaRPr lang="en-US" dirty="0"/>
+          </a:p>
+        </p:txBody>
+      </p:sp>
+      <p:sp>
+        <p:nvSpPr>
+          <p:cNvPr id="10" name="Text Placeholder 9"/>
+          <p:cNvSpPr>
+            <a:spLocks noGrp="1"/>
+          </p:cNvSpPr>
+          <p:nvPr>
+            <p:ph type="body" sz="quarter" idx="13"/>
+          </p:nvPr>
+        </p:nvSpPr>
+        <p:spPr>
+          <a:xfrm>
+            <a:off x="1484313" y="3886200"/>
+            <a:ext cx="10018710" cy="889000"/>
+          </a:xfrm>
+        </p:spPr>
+        <p:txBody>
+          <a:bodyPr vert="horz" lIns="91440" tIns="45720" rIns="91440" bIns="45720" rtlCol="0" anchor="b">
+            <a:normAutofit/>
+          </a:bodyPr>
+          <a:lstStyle>
+            <a:lvl1pPr algn="r">
+              <a:buNone/>
+              <a:defRPr lang="en-US" sz="2400" b="0" cap="none" dirty="0">
+                <a:ln w="3175" cmpd="sng">
+                  <a:noFill/>
+                </a:ln>
+                <a:solidFill>
+                  <a:schemeClr val="tx1"/>
+                </a:solidFill>
+                <a:effectLst/>
+              </a:defRPr>
+            </a:lvl1pPr>
+          </a:lstStyle>
+          <a:p>
+            <a:pPr marL="0" lvl="0">
+              <a:spcBef>
+                <a:spcPct val="0"/>
+              </a:spcBef>
+              <a:buNone/>
+            </a:pPr>
+            <a:r>
+              <a:rPr lang="en-US" smtClean="0"/>
+              <a:t>Click to edit Master text styles</a:t>
+            </a:r>
+          </a:p>
+        </p:txBody>
+      </p:sp>
+      <p:sp>
+        <p:nvSpPr>
+          <p:cNvPr id="3" name="Text Placeholder 2"/>
+          <p:cNvSpPr>
+            <a:spLocks noGrp="1"/>
+          </p:cNvSpPr>
+          <p:nvPr>
+            <p:ph type="body" idx="1"/>
+          </p:nvPr>
+        </p:nvSpPr>
+        <p:spPr>
+          <a:xfrm>
+            <a:off x="1484312" y="4775200"/>
+            <a:ext cx="10018710" cy="1016000"/>
+          </a:xfrm>
+        </p:spPr>
+        <p:txBody>
+          <a:bodyPr anchor="t">
+            <a:normAutofit/>
+          </a:bodyPr>
+          <a:lstStyle>
+            <a:lvl1pPr marL="0" indent="0" algn="r">
+              <a:buNone/>
+              <a:defRPr sz="1800">
+                <a:solidFill>
+                  <a:schemeClr val="tx1"/>
+                </a:solidFill>
+              </a:defRPr>
+            </a:lvl1pPr>
+            <a:lvl2pPr marL="457200" indent="0">
+              <a:buNone/>
+              <a:defRPr sz="1800">
+                <a:solidFill>
+                  <a:schemeClr val="tx1">
+                    <a:tint val="75000"/>
+                  </a:schemeClr>
+                </a:solidFill>
+              </a:defRPr>
+            </a:lvl2pPr>
+            <a:lvl3pPr marL="914400" indent="0">
+              <a:buNone/>
+              <a:defRPr sz="1600">
+                <a:solidFill>
+                  <a:schemeClr val="tx1">
+                    <a:tint val="75000"/>
+                  </a:schemeClr>
+                </a:solidFill>
+              </a:defRPr>
+            </a:lvl3pPr>
+            <a:lvl4pPr marL="1371600" indent="0">
+              <a:buNone/>
+              <a:defRPr sz="1400">
+                <a:solidFill>
+                  <a:schemeClr val="tx1">
+                    <a:tint val="75000"/>
+                  </a:schemeClr>
+                </a:solidFill>
+              </a:defRPr>
+            </a:lvl4pPr>
+            <a:lvl5pPr marL="1828800" indent="0">
+              <a:buNone/>
+              <a:defRPr sz="1400">
+                <a:solidFill>
+                  <a:schemeClr val="tx1">
+                    <a:tint val="75000"/>
+                  </a:schemeClr>
+                </a:solidFill>
+              </a:defRPr>
+            </a:lvl5pPr>
+            <a:lvl6pPr marL="2286000" indent="0">
+              <a:buNone/>
+              <a:defRPr sz="1400">
+                <a:solidFill>
+                  <a:schemeClr val="tx1">
+                    <a:tint val="75000"/>
+                  </a:schemeClr>
+                </a:solidFill>
+              </a:defRPr>
+            </a:lvl6pPr>
+            <a:lvl7pPr marL="2743200" indent="0">
+              <a:buNone/>
+              <a:defRPr sz="1400">
+                <a:solidFill>
+                  <a:schemeClr val="tx1">
+                    <a:tint val="75000"/>
+                  </a:schemeClr>
+                </a:solidFill>
+              </a:defRPr>
+            </a:lvl7pPr>
+            <a:lvl8pPr marL="3200400" indent="0">
+              <a:buNone/>
+              <a:defRPr sz="1400">
+                <a:solidFill>
+                  <a:schemeClr val="tx1">
+                    <a:tint val="75000"/>
+                  </a:schemeClr>
+                </a:solidFill>
+              </a:defRPr>
+            </a:lvl8pPr>
+            <a:lvl9pPr marL="3657600" indent="0">
+              <a:buNone/>
+              <a:defRPr sz="1400">
+                <a:solidFill>
+                  <a:schemeClr val="tx1">
+                    <a:tint val="75000"/>
+                  </a:schemeClr>
+                </a:solidFill>
+              </a:defRPr>
+            </a:lvl9pPr>
+          </a:lstStyle>
+          <a:p>
+            <a:pPr lvl="0"/>
+            <a:r>
+              <a:rPr lang="en-US" smtClean="0"/>
+              <a:t>Click to edit Master text styles</a:t>
+            </a:r>
+          </a:p>
+        </p:txBody>
+      </p:sp>
+      <p:sp>
+        <p:nvSpPr>
+          <p:cNvPr id="4" name="Date Placeholder 3"/>
+          <p:cNvSpPr>
+            <a:spLocks noGrp="1"/>
+          </p:cNvSpPr>
+          <p:nvPr>
+            <p:ph type="dt" sz="half" idx="10"/>
+          </p:nvPr>
+        </p:nvSpPr>
+        <p:spPr/>
+        <p:txBody>
+          <a:bodyPr/>
+          <a:lstStyle/>
+          <a:p>
+            <a:fld id="{30508423-45F1-44E4-A2A4-D90A85F005D6}" type="datetimeFigureOut">
+              <a:rPr lang="en-CA" smtClean="0"/>
+              <a:t>2016-02-03</a:t>
+            </a:fld>
+            <a:endParaRPr lang="en-CA"/>
+          </a:p>
+        </p:txBody>
+      </p:sp>
+      <p:sp>
+        <p:nvSpPr>
+          <p:cNvPr id="5" name="Footer Placeholder 4"/>
+          <p:cNvSpPr>
+            <a:spLocks noGrp="1"/>
+          </p:cNvSpPr>
+          <p:nvPr>
+            <p:ph type="ftr" sz="quarter" idx="11"/>
+          </p:nvPr>
+        </p:nvSpPr>
+        <p:spPr/>
+        <p:txBody>
+          <a:bodyPr/>
+          <a:lstStyle/>
+          <a:p>
+            <a:endParaRPr lang="en-CA"/>
+          </a:p>
+        </p:txBody>
+      </p:sp>
+      <p:sp>
+        <p:nvSpPr>
+          <p:cNvPr id="6" name="Slide Number Placeholder 5"/>
+          <p:cNvSpPr>
+            <a:spLocks noGrp="1"/>
+          </p:cNvSpPr>
+          <p:nvPr>
+            <p:ph type="sldNum" sz="quarter" idx="12"/>
+          </p:nvPr>
+        </p:nvSpPr>
+        <p:spPr/>
+        <p:txBody>
+          <a:bodyPr/>
+          <a:lstStyle/>
+          <a:p>
+            <a:fld id="{2E4D1A7B-935C-45BE-A137-28DDDA31387D}" type="slidenum">
+              <a:rPr lang="en-CA" smtClean="0"/>
+              <a:t>‹#›</a:t>
+            </a:fld>
+            <a:endParaRPr lang="en-CA"/>
+          </a:p>
+        </p:txBody>
+      </p:sp>
+    </p:spTree>
+    <p:extLst>
+      <p:ext uri="{BB962C8B-B14F-4D97-AF65-F5344CB8AC3E}">
+        <p14:creationId xmlns:p14="http://schemas.microsoft.com/office/powerpoint/2010/main" val="4038349465"/>
+      </p:ext>
+    </p:extLst>
+  </p:cSld>
+  <p:clrMapOvr>
+    <a:masterClrMapping/>
+  </p:clrMapOvr>
+</p:sldLayout>
+</file>
+
+<file path=ppt/slideLayouts/slideLayout15.xml><?xml version="1.0" encoding="utf-8"?>
+<p:sldLayout xmlns:a="http://schemas.openxmlformats.org/drawingml/2006/main" xmlns:r="http://schemas.openxmlformats.org/officeDocument/2006/relationships" xmlns:p="http://schemas.openxmlformats.org/presentationml/2006/main" preserve="1">
+  <p:cSld name="True or False">
+    <p:spTree>
+      <p:nvGrpSpPr>
+        <p:cNvPr id="1" name=""/>
+        <p:cNvGrpSpPr/>
+        <p:nvPr/>
+      </p:nvGrpSpPr>
+      <p:grpSpPr>
+        <a:xfrm>
+          <a:off x="0" y="0"/>
+          <a:ext cx="0" cy="0"/>
+          <a:chOff x="0" y="0"/>
+          <a:chExt cx="0" cy="0"/>
+        </a:xfrm>
+      </p:grpSpPr>
+      <p:sp>
+        <p:nvSpPr>
+          <p:cNvPr id="2" name="Title 1"/>
+          <p:cNvSpPr>
+            <a:spLocks noGrp="1"/>
+          </p:cNvSpPr>
+          <p:nvPr>
+            <p:ph type="title"/>
+          </p:nvPr>
+        </p:nvSpPr>
+        <p:spPr>
+          <a:xfrm>
+            <a:off x="1484313" y="685800"/>
+            <a:ext cx="10018712" cy="2727325"/>
+          </a:xfrm>
+        </p:spPr>
+        <p:txBody>
+          <a:bodyPr vert="horz" lIns="91440" tIns="45720" rIns="91440" bIns="45720" rtlCol="0" anchor="ctr">
+            <a:normAutofit/>
+          </a:bodyPr>
+          <a:lstStyle>
+            <a:lvl1pPr>
+              <a:defRPr lang="en-US" b="0" dirty="0"/>
+            </a:lvl1pPr>
+          </a:lstStyle>
+          <a:p>
+            <a:pPr marL="0" lvl="0"/>
+            <a:r>
+              <a:rPr lang="en-US" smtClean="0"/>
+              <a:t>Click to edit Master title style</a:t>
+            </a:r>
+            <a:endParaRPr lang="en-US" dirty="0"/>
+          </a:p>
+        </p:txBody>
+      </p:sp>
+      <p:sp>
+        <p:nvSpPr>
+          <p:cNvPr id="10" name="Text Placeholder 9"/>
+          <p:cNvSpPr>
+            <a:spLocks noGrp="1"/>
+          </p:cNvSpPr>
+          <p:nvPr>
+            <p:ph type="body" sz="quarter" idx="13"/>
+          </p:nvPr>
+        </p:nvSpPr>
+        <p:spPr>
+          <a:xfrm>
+            <a:off x="1484312" y="3505200"/>
+            <a:ext cx="10018713" cy="838200"/>
+          </a:xfrm>
+        </p:spPr>
+        <p:txBody>
+          <a:bodyPr vert="horz" lIns="91440" tIns="45720" rIns="91440" bIns="45720" rtlCol="0" anchor="b">
+            <a:normAutofit/>
+          </a:bodyPr>
+          <a:lstStyle>
+            <a:lvl1pPr>
+              <a:buNone/>
+              <a:defRPr lang="en-US" sz="2800" b="0" cap="none" dirty="0">
+                <a:ln w="3175" cmpd="sng">
+                  <a:noFill/>
+                </a:ln>
+                <a:solidFill>
+                  <a:schemeClr val="tx1"/>
+                </a:solidFill>
+                <a:effectLst/>
+              </a:defRPr>
+            </a:lvl1pPr>
+          </a:lstStyle>
+          <a:p>
+            <a:pPr marL="0" lvl="0">
+              <a:spcBef>
+                <a:spcPct val="0"/>
+              </a:spcBef>
+              <a:buNone/>
+            </a:pPr>
+            <a:r>
+              <a:rPr lang="en-US" smtClean="0"/>
+              <a:t>Click to edit Master text styles</a:t>
+            </a:r>
+          </a:p>
+        </p:txBody>
+      </p:sp>
+      <p:sp>
+        <p:nvSpPr>
+          <p:cNvPr id="3" name="Text Placeholder 2"/>
+          <p:cNvSpPr>
+            <a:spLocks noGrp="1"/>
+          </p:cNvSpPr>
+          <p:nvPr>
+            <p:ph type="body" idx="1"/>
+          </p:nvPr>
+        </p:nvSpPr>
+        <p:spPr>
+          <a:xfrm>
+            <a:off x="1484311" y="4343400"/>
+            <a:ext cx="10018713" cy="1447800"/>
+          </a:xfrm>
+        </p:spPr>
+        <p:txBody>
+          <a:bodyPr anchor="t">
+            <a:normAutofit/>
+          </a:bodyPr>
+          <a:lstStyle>
+            <a:lvl1pPr marL="0" indent="0" algn="l">
+              <a:buNone/>
+              <a:defRPr sz="1800">
+                <a:solidFill>
+                  <a:schemeClr val="tx1"/>
+                </a:solidFill>
+              </a:defRPr>
+            </a:lvl1pPr>
+            <a:lvl2pPr marL="457200" indent="0">
+              <a:buNone/>
+              <a:defRPr sz="1800">
+                <a:solidFill>
+                  <a:schemeClr val="tx1">
+                    <a:tint val="75000"/>
+                  </a:schemeClr>
+                </a:solidFill>
+              </a:defRPr>
+            </a:lvl2pPr>
+            <a:lvl3pPr marL="914400" indent="0">
+              <a:buNone/>
+              <a:defRPr sz="1600">
+                <a:solidFill>
+                  <a:schemeClr val="tx1">
+                    <a:tint val="75000"/>
+                  </a:schemeClr>
+                </a:solidFill>
+              </a:defRPr>
+            </a:lvl3pPr>
+            <a:lvl4pPr marL="1371600" indent="0">
+              <a:buNone/>
+              <a:defRPr sz="1400">
+                <a:solidFill>
+                  <a:schemeClr val="tx1">
+                    <a:tint val="75000"/>
+                  </a:schemeClr>
+                </a:solidFill>
+              </a:defRPr>
+            </a:lvl4pPr>
+            <a:lvl5pPr marL="1828800" indent="0">
+              <a:buNone/>
+              <a:defRPr sz="1400">
+                <a:solidFill>
+                  <a:schemeClr val="tx1">
+                    <a:tint val="75000"/>
+                  </a:schemeClr>
+                </a:solidFill>
+              </a:defRPr>
+            </a:lvl5pPr>
+            <a:lvl6pPr marL="2286000" indent="0">
+              <a:buNone/>
+              <a:defRPr sz="1400">
+                <a:solidFill>
+                  <a:schemeClr val="tx1">
+                    <a:tint val="75000"/>
+                  </a:schemeClr>
+                </a:solidFill>
+              </a:defRPr>
+            </a:lvl6pPr>
+            <a:lvl7pPr marL="2743200" indent="0">
+              <a:buNone/>
+              <a:defRPr sz="1400">
+                <a:solidFill>
+                  <a:schemeClr val="tx1">
+                    <a:tint val="75000"/>
+                  </a:schemeClr>
+                </a:solidFill>
+              </a:defRPr>
+            </a:lvl7pPr>
+            <a:lvl8pPr marL="3200400" indent="0">
+              <a:buNone/>
+              <a:defRPr sz="1400">
+                <a:solidFill>
+                  <a:schemeClr val="tx1">
+                    <a:tint val="75000"/>
+                  </a:schemeClr>
+                </a:solidFill>
+              </a:defRPr>
+            </a:lvl8pPr>
+            <a:lvl9pPr marL="3657600" indent="0">
+              <a:buNone/>
+              <a:defRPr sz="1400">
+                <a:solidFill>
+                  <a:schemeClr val="tx1">
+                    <a:tint val="75000"/>
+                  </a:schemeClr>
+                </a:solidFill>
+              </a:defRPr>
+            </a:lvl9pPr>
+          </a:lstStyle>
+          <a:p>
+            <a:pPr lvl="0"/>
+            <a:r>
+              <a:rPr lang="en-US" smtClean="0"/>
+              <a:t>Click to edit Master text styles</a:t>
+            </a:r>
+          </a:p>
+        </p:txBody>
+      </p:sp>
+      <p:sp>
+        <p:nvSpPr>
+          <p:cNvPr id="4" name="Date Placeholder 3"/>
+          <p:cNvSpPr>
+            <a:spLocks noGrp="1"/>
+          </p:cNvSpPr>
+          <p:nvPr>
+            <p:ph type="dt" sz="half" idx="10"/>
+          </p:nvPr>
+        </p:nvSpPr>
+        <p:spPr/>
+        <p:txBody>
+          <a:bodyPr/>
+          <a:lstStyle/>
+          <a:p>
+            <a:fld id="{30508423-45F1-44E4-A2A4-D90A85F005D6}" type="datetimeFigureOut">
+              <a:rPr lang="en-CA" smtClean="0"/>
+              <a:t>2016-02-03</a:t>
+            </a:fld>
+            <a:endParaRPr lang="en-CA"/>
+          </a:p>
+        </p:txBody>
+      </p:sp>
+      <p:sp>
+        <p:nvSpPr>
+          <p:cNvPr id="5" name="Footer Placeholder 4"/>
+          <p:cNvSpPr>
+            <a:spLocks noGrp="1"/>
+          </p:cNvSpPr>
+          <p:nvPr>
+            <p:ph type="ftr" sz="quarter" idx="11"/>
+          </p:nvPr>
+        </p:nvSpPr>
+        <p:spPr/>
+        <p:txBody>
+          <a:bodyPr/>
+          <a:lstStyle/>
+          <a:p>
+            <a:endParaRPr lang="en-CA"/>
+          </a:p>
+        </p:txBody>
+      </p:sp>
+      <p:sp>
+        <p:nvSpPr>
+          <p:cNvPr id="6" name="Slide Number Placeholder 5"/>
+          <p:cNvSpPr>
+            <a:spLocks noGrp="1"/>
+          </p:cNvSpPr>
+          <p:nvPr>
+            <p:ph type="sldNum" sz="quarter" idx="12"/>
+          </p:nvPr>
+        </p:nvSpPr>
+        <p:spPr/>
+        <p:txBody>
+          <a:bodyPr/>
+          <a:lstStyle/>
+          <a:p>
+            <a:fld id="{2E4D1A7B-935C-45BE-A137-28DDDA31387D}" type="slidenum">
+              <a:rPr lang="en-CA" smtClean="0"/>
+              <a:t>‹#›</a:t>
+            </a:fld>
+            <a:endParaRPr lang="en-CA"/>
+          </a:p>
+        </p:txBody>
+      </p:sp>
+    </p:spTree>
+    <p:extLst>
+      <p:ext uri="{BB962C8B-B14F-4D97-AF65-F5344CB8AC3E}">
+        <p14:creationId xmlns:p14="http://schemas.microsoft.com/office/powerpoint/2010/main" val="1678785178"/>
+      </p:ext>
+    </p:extLst>
+  </p:cSld>
+  <p:clrMapOvr>
+    <a:masterClrMapping/>
+  </p:clrMapOvr>
+</p:sldLayout>
+</file>
+
+<file path=ppt/slideLayouts/slideLayout16.xml><?xml version="1.0" encoding="utf-8"?>
 <p:sldLayout xmlns:a="http://schemas.openxmlformats.org/drawingml/2006/main" xmlns:r="http://schemas.openxmlformats.org/officeDocument/2006/relationships" xmlns:p="http://schemas.openxmlformats.org/presentationml/2006/main" type="vertTx" preserve="1">
   <p:cSld name="Title and Vertical Text">
     <p:spTree>
@@ -338,13 +2874,17 @@
         <p:spPr/>
         <p:txBody>
           <a:bodyPr/>
-          <a:lstStyle/>
+          <a:lstStyle>
+            <a:lvl1pPr algn="ctr">
+              <a:defRPr/>
+            </a:lvl1pPr>
+          </a:lstStyle>
           <a:p>
             <a:r>
               <a:rPr lang="en-US" smtClean="0"/>
               <a:t>Click to edit Master title style</a:t>
             </a:r>
-            <a:endParaRPr lang="en-CA"/>
+            <a:endParaRPr lang="en-US" dirty="0"/>
           </a:p>
         </p:txBody>
       </p:sp>
@@ -360,7 +2900,7 @@
         </p:nvSpPr>
         <p:spPr/>
         <p:txBody>
-          <a:bodyPr vert="eaVert"/>
+          <a:bodyPr vert="eaVert" anchor="t"/>
           <a:lstStyle/>
           <a:p>
             <a:pPr lvl="0"/>
@@ -396,7 +2936,7 @@
               <a:rPr lang="en-US" smtClean="0"/>
               <a:t>Fifth level</a:t>
             </a:r>
-            <a:endParaRPr lang="en-CA"/>
+            <a:endParaRPr lang="en-US" dirty="0"/>
           </a:p>
         </p:txBody>
       </p:sp>
@@ -417,7 +2957,7 @@
           <a:p>
             <a:fld id="{30508423-45F1-44E4-A2A4-D90A85F005D6}" type="datetimeFigureOut">
               <a:rPr lang="en-CA" smtClean="0"/>
-              <a:t>22/01/2016</a:t>
+              <a:t>2016-02-03</a:t>
             </a:fld>
             <a:endParaRPr lang="en-CA"/>
           </a:p>
@@ -468,7 +3008,7 @@
     </p:spTree>
     <p:extLst>
       <p:ext uri="{BB962C8B-B14F-4D97-AF65-F5344CB8AC3E}">
-        <p14:creationId xmlns:p14="http://schemas.microsoft.com/office/powerpoint/2010/main" val="2146818367"/>
+        <p14:creationId xmlns:p14="http://schemas.microsoft.com/office/powerpoint/2010/main" val="2152591486"/>
       </p:ext>
     </p:extLst>
   </p:cSld>
@@ -478,7 +3018,7 @@
 </p:sldLayout>
 </file>
 
-<file path=ppt/slideLayouts/slideLayout11.xml><?xml version="1.0" encoding="utf-8"?>
+<file path=ppt/slideLayouts/slideLayout17.xml><?xml version="1.0" encoding="utf-8"?>
 <p:sldLayout xmlns:a="http://schemas.openxmlformats.org/drawingml/2006/main" xmlns:r="http://schemas.openxmlformats.org/officeDocument/2006/relationships" xmlns:p="http://schemas.openxmlformats.org/presentationml/2006/main" type="vertTitleAndTx" preserve="1">
   <p:cSld name="Vertical Title and Text">
     <p:spTree>
@@ -507,8 +3047,8 @@
         </p:nvSpPr>
         <p:spPr>
           <a:xfrm>
-            <a:off x="8724900" y="365125"/>
-            <a:ext cx="2628900" cy="5811838"/>
+            <a:off x="9732655" y="685800"/>
+            <a:ext cx="1770369" cy="5105400"/>
           </a:xfrm>
         </p:spPr>
         <p:txBody>
@@ -519,7 +3059,7 @@
               <a:rPr lang="en-US" smtClean="0"/>
               <a:t>Click to edit Master title style</a:t>
             </a:r>
-            <a:endParaRPr lang="en-CA"/>
+            <a:endParaRPr lang="en-US" dirty="0"/>
           </a:p>
         </p:txBody>
       </p:sp>
@@ -535,12 +3075,12 @@
         </p:nvSpPr>
         <p:spPr>
           <a:xfrm>
-            <a:off x="838200" y="365125"/>
-            <a:ext cx="7734300" cy="5811838"/>
+            <a:off x="1484312" y="685800"/>
+            <a:ext cx="8019742" cy="5105400"/>
           </a:xfrm>
         </p:spPr>
         <p:txBody>
-          <a:bodyPr vert="eaVert"/>
+          <a:bodyPr vert="eaVert" anchor="t"/>
           <a:lstStyle/>
           <a:p>
             <a:pPr lvl="0"/>
@@ -576,7 +3116,7 @@
               <a:rPr lang="en-US" smtClean="0"/>
               <a:t>Fifth level</a:t>
             </a:r>
-            <a:endParaRPr lang="en-CA"/>
+            <a:endParaRPr lang="en-US" dirty="0"/>
           </a:p>
         </p:txBody>
       </p:sp>
@@ -597,7 +3137,7 @@
           <a:p>
             <a:fld id="{30508423-45F1-44E4-A2A4-D90A85F005D6}" type="datetimeFigureOut">
               <a:rPr lang="en-CA" smtClean="0"/>
-              <a:t>22/01/2016</a:t>
+              <a:t>2016-02-03</a:t>
             </a:fld>
             <a:endParaRPr lang="en-CA"/>
           </a:p>
@@ -648,7 +3188,7 @@
     </p:spTree>
     <p:extLst>
       <p:ext uri="{BB962C8B-B14F-4D97-AF65-F5344CB8AC3E}">
-        <p14:creationId xmlns:p14="http://schemas.microsoft.com/office/powerpoint/2010/main" val="3877954338"/>
+        <p14:creationId xmlns:p14="http://schemas.microsoft.com/office/powerpoint/2010/main" val="2990458133"/>
       </p:ext>
     </p:extLst>
   </p:cSld>
@@ -694,7 +3234,7 @@
               <a:rPr lang="en-US" smtClean="0"/>
               <a:t>Click to edit Master title style</a:t>
             </a:r>
-            <a:endParaRPr lang="en-CA"/>
+            <a:endParaRPr lang="en-US" dirty="0"/>
           </a:p>
         </p:txBody>
       </p:sp>
@@ -710,7 +3250,7 @@
         </p:nvSpPr>
         <p:spPr/>
         <p:txBody>
-          <a:bodyPr/>
+          <a:bodyPr anchor="ctr"/>
           <a:lstStyle/>
           <a:p>
             <a:pPr lvl="0"/>
@@ -746,7 +3286,7 @@
               <a:rPr lang="en-US" smtClean="0"/>
               <a:t>Fifth level</a:t>
             </a:r>
-            <a:endParaRPr lang="en-CA"/>
+            <a:endParaRPr lang="en-US" dirty="0"/>
           </a:p>
         </p:txBody>
       </p:sp>
@@ -767,7 +3307,7 @@
           <a:p>
             <a:fld id="{30508423-45F1-44E4-A2A4-D90A85F005D6}" type="datetimeFigureOut">
               <a:rPr lang="en-CA" smtClean="0"/>
-              <a:t>22/01/2016</a:t>
+              <a:t>2016-02-03</a:t>
             </a:fld>
             <a:endParaRPr lang="en-CA"/>
           </a:p>
@@ -802,7 +3342,12 @@
             <p:ph type="sldNum" sz="quarter" idx="12"/>
           </p:nvPr>
         </p:nvSpPr>
-        <p:spPr/>
+        <p:spPr>
+          <a:xfrm>
+            <a:off x="10951856" y="5867131"/>
+            <a:ext cx="551167" cy="365125"/>
+          </a:xfrm>
+        </p:spPr>
         <p:txBody>
           <a:bodyPr/>
           <a:lstStyle/>
@@ -818,7 +3363,7 @@
     </p:spTree>
     <p:extLst>
       <p:ext uri="{BB962C8B-B14F-4D97-AF65-F5344CB8AC3E}">
-        <p14:creationId xmlns:p14="http://schemas.microsoft.com/office/powerpoint/2010/main" val="2348464706"/>
+        <p14:creationId xmlns:p14="http://schemas.microsoft.com/office/powerpoint/2010/main" val="3968569"/>
       </p:ext>
     </p:extLst>
   </p:cSld>
@@ -857,15 +3402,15 @@
         </p:nvSpPr>
         <p:spPr>
           <a:xfrm>
-            <a:off x="831850" y="1709738"/>
-            <a:ext cx="10515600" cy="2852737"/>
+            <a:off x="2572279" y="2666999"/>
+            <a:ext cx="8930747" cy="2110382"/>
           </a:xfrm>
         </p:spPr>
         <p:txBody>
           <a:bodyPr anchor="b"/>
           <a:lstStyle>
-            <a:lvl1pPr>
-              <a:defRPr sz="6000"/>
+            <a:lvl1pPr algn="r">
+              <a:defRPr sz="4000" b="0" cap="none"/>
             </a:lvl1pPr>
           </a:lstStyle>
           <a:p>
@@ -873,7 +3418,7 @@
               <a:rPr lang="en-US" smtClean="0"/>
               <a:t>Click to edit Master title style</a:t>
             </a:r>
-            <a:endParaRPr lang="en-CA"/>
+            <a:endParaRPr lang="en-US" dirty="0"/>
           </a:p>
         </p:txBody>
       </p:sp>
@@ -889,102 +3434,102 @@
         </p:nvSpPr>
         <p:spPr>
           <a:xfrm>
-            <a:off x="831850" y="4589463"/>
-            <a:ext cx="10515600" cy="1500187"/>
+            <a:off x="2572278" y="4777381"/>
+            <a:ext cx="8930748" cy="860400"/>
           </a:xfrm>
         </p:spPr>
         <p:txBody>
-          <a:bodyPr/>
+          <a:bodyPr anchor="t">
+            <a:normAutofit/>
+          </a:bodyPr>
           <a:lstStyle>
-            <a:lvl1pPr marL="0" indent="0">
-              <a:buNone/>
-              <a:defRPr sz="2400">
+            <a:lvl1pPr marL="0" indent="0" algn="r">
+              <a:buNone/>
+              <a:defRPr sz="2000">
+                <a:solidFill>
+                  <a:schemeClr val="tx1"/>
+                </a:solidFill>
+              </a:defRPr>
+            </a:lvl1pPr>
+            <a:lvl2pPr marL="457200" indent="0">
+              <a:buNone/>
+              <a:defRPr sz="1800">
                 <a:solidFill>
                   <a:schemeClr val="tx1">
                     <a:tint val="75000"/>
                   </a:schemeClr>
                 </a:solidFill>
               </a:defRPr>
-            </a:lvl1pPr>
-            <a:lvl2pPr marL="457200" indent="0">
-              <a:buNone/>
-              <a:defRPr sz="2000">
+            </a:lvl2pPr>
+            <a:lvl3pPr marL="914400" indent="0">
+              <a:buNone/>
+              <a:defRPr sz="1600">
                 <a:solidFill>
                   <a:schemeClr val="tx1">
                     <a:tint val="75000"/>
                   </a:schemeClr>
                 </a:solidFill>
               </a:defRPr>
-            </a:lvl2pPr>
-            <a:lvl3pPr marL="914400" indent="0">
-              <a:buNone/>
-              <a:defRPr sz="1800">
+            </a:lvl3pPr>
+            <a:lvl4pPr marL="1371600" indent="0">
+              <a:buNone/>
+              <a:defRPr sz="1400">
                 <a:solidFill>
                   <a:schemeClr val="tx1">
                     <a:tint val="75000"/>
                   </a:schemeClr>
                 </a:solidFill>
               </a:defRPr>
-            </a:lvl3pPr>
-            <a:lvl4pPr marL="1371600" indent="0">
-              <a:buNone/>
-              <a:defRPr sz="1600">
+            </a:lvl4pPr>
+            <a:lvl5pPr marL="1828800" indent="0">
+              <a:buNone/>
+              <a:defRPr sz="1400">
                 <a:solidFill>
                   <a:schemeClr val="tx1">
                     <a:tint val="75000"/>
                   </a:schemeClr>
                 </a:solidFill>
               </a:defRPr>
-            </a:lvl4pPr>
-            <a:lvl5pPr marL="1828800" indent="0">
-              <a:buNone/>
-              <a:defRPr sz="1600">
+            </a:lvl5pPr>
+            <a:lvl6pPr marL="2286000" indent="0">
+              <a:buNone/>
+              <a:defRPr sz="1400">
                 <a:solidFill>
                   <a:schemeClr val="tx1">
                     <a:tint val="75000"/>
                   </a:schemeClr>
                 </a:solidFill>
               </a:defRPr>
-            </a:lvl5pPr>
-            <a:lvl6pPr marL="2286000" indent="0">
-              <a:buNone/>
-              <a:defRPr sz="1600">
+            </a:lvl6pPr>
+            <a:lvl7pPr marL="2743200" indent="0">
+              <a:buNone/>
+              <a:defRPr sz="1400">
                 <a:solidFill>
                   <a:schemeClr val="tx1">
                     <a:tint val="75000"/>
                   </a:schemeClr>
                 </a:solidFill>
               </a:defRPr>
-            </a:lvl6pPr>
-            <a:lvl7pPr marL="2743200" indent="0">
-              <a:buNone/>
-              <a:defRPr sz="1600">
+            </a:lvl7pPr>
+            <a:lvl8pPr marL="3200400" indent="0">
+              <a:buNone/>
+              <a:defRPr sz="1400">
                 <a:solidFill>
                   <a:schemeClr val="tx1">
                     <a:tint val="75000"/>
                   </a:schemeClr>
                 </a:solidFill>
               </a:defRPr>
-            </a:lvl7pPr>
-            <a:lvl8pPr marL="3200400" indent="0">
-              <a:buNone/>
-              <a:defRPr sz="1600">
+            </a:lvl8pPr>
+            <a:lvl9pPr marL="3657600" indent="0">
+              <a:buNone/>
+              <a:defRPr sz="1400">
                 <a:solidFill>
                   <a:schemeClr val="tx1">
                     <a:tint val="75000"/>
                   </a:schemeClr>
                 </a:solidFill>
               </a:defRPr>
-            </a:lvl8pPr>
-            <a:lvl9pPr marL="3657600" indent="0">
-              <a:buNone/>
-              <a:defRPr sz="1600">
-                <a:solidFill>
-                  <a:schemeClr val="tx1">
-                    <a:tint val="75000"/>
-                  </a:schemeClr>
-                </a:solidFill>
-              </a:defRPr>
             </a:lvl9pPr>
           </a:lstStyle>
           <a:p>
@@ -1013,7 +3558,7 @@
           <a:p>
             <a:fld id="{30508423-45F1-44E4-A2A4-D90A85F005D6}" type="datetimeFigureOut">
               <a:rPr lang="en-CA" smtClean="0"/>
-              <a:t>22/01/2016</a:t>
+              <a:t>2016-02-03</a:t>
             </a:fld>
             <a:endParaRPr lang="en-CA"/>
           </a:p>
@@ -1064,7 +3609,7 @@
     </p:spTree>
     <p:extLst>
       <p:ext uri="{BB962C8B-B14F-4D97-AF65-F5344CB8AC3E}">
-        <p14:creationId xmlns:p14="http://schemas.microsoft.com/office/powerpoint/2010/main" val="349891994"/>
+        <p14:creationId xmlns:p14="http://schemas.microsoft.com/office/powerpoint/2010/main" val="142311709"/>
       </p:ext>
     </p:extLst>
   </p:cSld>
@@ -1101,95 +3646,73 @@
             <p:ph type="title"/>
           </p:nvPr>
         </p:nvSpPr>
-        <p:spPr/>
-        <p:txBody>
-          <a:bodyPr/>
-          <a:lstStyle/>
-          <a:p>
-            <a:r>
-              <a:rPr lang="en-US" smtClean="0"/>
-              <a:t>Click to edit Master title style</a:t>
-            </a:r>
-            <a:endParaRPr lang="en-CA"/>
-          </a:p>
-        </p:txBody>
-      </p:sp>
-      <p:sp>
-        <p:nvSpPr>
-          <p:cNvPr id="3" name="Content Placeholder 2"/>
-          <p:cNvSpPr>
-            <a:spLocks noGrp="1"/>
-          </p:cNvSpPr>
-          <p:nvPr>
-            <p:ph sz="half" idx="1"/>
-          </p:nvPr>
-        </p:nvSpPr>
         <p:spPr>
           <a:xfrm>
-            <a:off x="838200" y="1825625"/>
-            <a:ext cx="5181600" cy="4351338"/>
+            <a:off x="1484311" y="685800"/>
+            <a:ext cx="10018713" cy="1752599"/>
           </a:xfrm>
         </p:spPr>
         <p:txBody>
           <a:bodyPr/>
           <a:lstStyle/>
           <a:p>
-            <a:pPr lvl="0"/>
-            <a:r>
-              <a:rPr lang="en-US" smtClean="0"/>
-              <a:t>Click to edit Master text styles</a:t>
-            </a:r>
-          </a:p>
-          <a:p>
-            <a:pPr lvl="1"/>
-            <a:r>
-              <a:rPr lang="en-US" smtClean="0"/>
-              <a:t>Second level</a:t>
-            </a:r>
-          </a:p>
-          <a:p>
-            <a:pPr lvl="2"/>
-            <a:r>
-              <a:rPr lang="en-US" smtClean="0"/>
-              <a:t>Third level</a:t>
-            </a:r>
-          </a:p>
-          <a:p>
-            <a:pPr lvl="3"/>
-            <a:r>
-              <a:rPr lang="en-US" smtClean="0"/>
-              <a:t>Fourth level</a:t>
-            </a:r>
-          </a:p>
-          <a:p>
-            <a:pPr lvl="4"/>
-            <a:r>
-              <a:rPr lang="en-US" smtClean="0"/>
-              <a:t>Fifth level</a:t>
-            </a:r>
-            <a:endParaRPr lang="en-CA"/>
-          </a:p>
-        </p:txBody>
-      </p:sp>
-      <p:sp>
-        <p:nvSpPr>
-          <p:cNvPr id="4" name="Content Placeholder 3"/>
-          <p:cNvSpPr>
-            <a:spLocks noGrp="1"/>
-          </p:cNvSpPr>
-          <p:nvPr>
-            <p:ph sz="half" idx="2"/>
+            <a:r>
+              <a:rPr lang="en-US" smtClean="0"/>
+              <a:t>Click to edit Master title style</a:t>
+            </a:r>
+            <a:endParaRPr lang="en-US" dirty="0"/>
+          </a:p>
+        </p:txBody>
+      </p:sp>
+      <p:sp>
+        <p:nvSpPr>
+          <p:cNvPr id="3" name="Content Placeholder 2"/>
+          <p:cNvSpPr>
+            <a:spLocks noGrp="1"/>
+          </p:cNvSpPr>
+          <p:nvPr>
+            <p:ph sz="half" idx="1"/>
           </p:nvPr>
         </p:nvSpPr>
         <p:spPr>
           <a:xfrm>
-            <a:off x="6172200" y="1825625"/>
-            <a:ext cx="5181600" cy="4351338"/>
+            <a:off x="1484312" y="2666999"/>
+            <a:ext cx="4895055" cy="3124201"/>
           </a:xfrm>
         </p:spPr>
         <p:txBody>
-          <a:bodyPr/>
-          <a:lstStyle/>
+          <a:bodyPr>
+            <a:normAutofit/>
+          </a:bodyPr>
+          <a:lstStyle>
+            <a:lvl1pPr>
+              <a:defRPr sz="1800"/>
+            </a:lvl1pPr>
+            <a:lvl2pPr>
+              <a:defRPr sz="1600"/>
+            </a:lvl2pPr>
+            <a:lvl3pPr>
+              <a:defRPr sz="1400"/>
+            </a:lvl3pPr>
+            <a:lvl4pPr>
+              <a:defRPr sz="1200"/>
+            </a:lvl4pPr>
+            <a:lvl5pPr>
+              <a:defRPr sz="1200"/>
+            </a:lvl5pPr>
+            <a:lvl6pPr>
+              <a:defRPr sz="1200"/>
+            </a:lvl6pPr>
+            <a:lvl7pPr>
+              <a:defRPr sz="1200"/>
+            </a:lvl7pPr>
+            <a:lvl8pPr>
+              <a:defRPr sz="1200"/>
+            </a:lvl8pPr>
+            <a:lvl9pPr>
+              <a:defRPr sz="1200"/>
+            </a:lvl9pPr>
+          </a:lstStyle>
           <a:p>
             <a:pPr lvl="0"/>
             <a:r>
@@ -1224,7 +3747,94 @@
               <a:rPr lang="en-US" smtClean="0"/>
               <a:t>Fifth level</a:t>
             </a:r>
-            <a:endParaRPr lang="en-CA"/>
+            <a:endParaRPr lang="en-US" dirty="0"/>
+          </a:p>
+        </p:txBody>
+      </p:sp>
+      <p:sp>
+        <p:nvSpPr>
+          <p:cNvPr id="4" name="Content Placeholder 3"/>
+          <p:cNvSpPr>
+            <a:spLocks noGrp="1"/>
+          </p:cNvSpPr>
+          <p:nvPr>
+            <p:ph sz="half" idx="2"/>
+          </p:nvPr>
+        </p:nvSpPr>
+        <p:spPr>
+          <a:xfrm>
+            <a:off x="6607967" y="2667000"/>
+            <a:ext cx="4895056" cy="3124200"/>
+          </a:xfrm>
+        </p:spPr>
+        <p:txBody>
+          <a:bodyPr>
+            <a:normAutofit/>
+          </a:bodyPr>
+          <a:lstStyle>
+            <a:lvl1pPr>
+              <a:defRPr sz="1800"/>
+            </a:lvl1pPr>
+            <a:lvl2pPr>
+              <a:defRPr sz="1600"/>
+            </a:lvl2pPr>
+            <a:lvl3pPr>
+              <a:defRPr sz="1400"/>
+            </a:lvl3pPr>
+            <a:lvl4pPr>
+              <a:defRPr sz="1200"/>
+            </a:lvl4pPr>
+            <a:lvl5pPr>
+              <a:defRPr sz="1200"/>
+            </a:lvl5pPr>
+            <a:lvl6pPr>
+              <a:defRPr sz="1200"/>
+            </a:lvl6pPr>
+            <a:lvl7pPr>
+              <a:defRPr sz="1200"/>
+            </a:lvl7pPr>
+            <a:lvl8pPr>
+              <a:defRPr sz="1200"/>
+            </a:lvl8pPr>
+            <a:lvl9pPr>
+              <a:defRPr sz="1200"/>
+            </a:lvl9pPr>
+          </a:lstStyle>
+          <a:p>
+            <a:pPr lvl="0"/>
+            <a:r>
+              <a:rPr lang="en-US" smtClean="0"/>
+              <a:t>Click to edit Master text styles</a:t>
+            </a:r>
+          </a:p>
+          <a:p>
+            <a:pPr lvl="1"/>
+            <a:r>
+              <a:rPr lang="en-US" smtClean="0"/>
+              <a:t>Second level</a:t>
+            </a:r>
+          </a:p>
+          <a:p>
+            <a:pPr lvl="2"/>
+            <a:r>
+              <a:rPr lang="en-US" smtClean="0"/>
+              <a:t>Third level</a:t>
+            </a:r>
+          </a:p>
+          <a:p>
+            <a:pPr lvl="3"/>
+            <a:r>
+              <a:rPr lang="en-US" smtClean="0"/>
+              <a:t>Fourth level</a:t>
+            </a:r>
+          </a:p>
+          <a:p>
+            <a:pPr lvl="4"/>
+            <a:r>
+              <a:rPr lang="en-US" smtClean="0"/>
+              <a:t>Fifth level</a:t>
+            </a:r>
+            <a:endParaRPr lang="en-US" dirty="0"/>
           </a:p>
         </p:txBody>
       </p:sp>
@@ -1245,7 +3855,7 @@
           <a:p>
             <a:fld id="{30508423-45F1-44E4-A2A4-D90A85F005D6}" type="datetimeFigureOut">
               <a:rPr lang="en-CA" smtClean="0"/>
-              <a:t>22/01/2016</a:t>
+              <a:t>2016-02-03</a:t>
             </a:fld>
             <a:endParaRPr lang="en-CA"/>
           </a:p>
@@ -1296,7 +3906,7 @@
     </p:spTree>
     <p:extLst>
       <p:ext uri="{BB962C8B-B14F-4D97-AF65-F5344CB8AC3E}">
-        <p14:creationId xmlns:p14="http://schemas.microsoft.com/office/powerpoint/2010/main" val="3389195903"/>
+        <p14:creationId xmlns:p14="http://schemas.microsoft.com/office/powerpoint/2010/main" val="1889093813"/>
       </p:ext>
     </p:extLst>
   </p:cSld>
@@ -1333,46 +3943,53 @@
             <p:ph type="title"/>
           </p:nvPr>
         </p:nvSpPr>
+        <p:spPr/>
+        <p:txBody>
+          <a:bodyPr/>
+          <a:lstStyle>
+            <a:lvl1pPr>
+              <a:defRPr/>
+            </a:lvl1pPr>
+          </a:lstStyle>
+          <a:p>
+            <a:r>
+              <a:rPr lang="en-US" smtClean="0"/>
+              <a:t>Click to edit Master title style</a:t>
+            </a:r>
+            <a:endParaRPr lang="en-US" dirty="0"/>
+          </a:p>
+        </p:txBody>
+      </p:sp>
+      <p:sp>
+        <p:nvSpPr>
+          <p:cNvPr id="3" name="Text Placeholder 2"/>
+          <p:cNvSpPr>
+            <a:spLocks noGrp="1"/>
+          </p:cNvSpPr>
+          <p:nvPr>
+            <p:ph type="body" idx="1"/>
+          </p:nvPr>
+        </p:nvSpPr>
         <p:spPr>
           <a:xfrm>
-            <a:off x="839788" y="365125"/>
-            <a:ext cx="10515600" cy="1325563"/>
+            <a:off x="1772179" y="2658533"/>
+            <a:ext cx="4607188" cy="576262"/>
           </a:xfrm>
         </p:spPr>
         <p:txBody>
-          <a:bodyPr/>
-          <a:lstStyle/>
-          <a:p>
-            <a:r>
-              <a:rPr lang="en-US" smtClean="0"/>
-              <a:t>Click to edit Master title style</a:t>
-            </a:r>
-            <a:endParaRPr lang="en-CA"/>
-          </a:p>
-        </p:txBody>
-      </p:sp>
-      <p:sp>
-        <p:nvSpPr>
-          <p:cNvPr id="3" name="Text Placeholder 2"/>
-          <p:cNvSpPr>
-            <a:spLocks noGrp="1"/>
-          </p:cNvSpPr>
-          <p:nvPr>
-            <p:ph type="body" idx="1"/>
-          </p:nvPr>
-        </p:nvSpPr>
-        <p:spPr>
-          <a:xfrm>
-            <a:off x="839788" y="1681163"/>
-            <a:ext cx="5157787" cy="823912"/>
-          </a:xfrm>
-        </p:spPr>
-        <p:txBody>
-          <a:bodyPr anchor="b"/>
+          <a:bodyPr anchor="b">
+            <a:noAutofit/>
+          </a:bodyPr>
           <a:lstStyle>
             <a:lvl1pPr marL="0" indent="0">
               <a:buNone/>
-              <a:defRPr sz="2400" b="1"/>
+              <a:defRPr sz="2800" b="0">
+                <a:solidFill>
+                  <a:schemeClr val="accent1">
+                    <a:lumMod val="75000"/>
+                  </a:schemeClr>
+                </a:solidFill>
+              </a:defRPr>
             </a:lvl1pPr>
             <a:lvl2pPr marL="457200" indent="0">
               <a:buNone/>
@@ -1428,13 +4045,43 @@
         </p:nvSpPr>
         <p:spPr>
           <a:xfrm>
-            <a:off x="839788" y="2505075"/>
-            <a:ext cx="5157787" cy="3684588"/>
+            <a:off x="1484311" y="3335337"/>
+            <a:ext cx="4895056" cy="2455862"/>
           </a:xfrm>
         </p:spPr>
         <p:txBody>
-          <a:bodyPr/>
-          <a:lstStyle/>
+          <a:bodyPr anchor="t">
+            <a:normAutofit/>
+          </a:bodyPr>
+          <a:lstStyle>
+            <a:lvl1pPr>
+              <a:defRPr sz="1800"/>
+            </a:lvl1pPr>
+            <a:lvl2pPr>
+              <a:defRPr sz="1600"/>
+            </a:lvl2pPr>
+            <a:lvl3pPr>
+              <a:defRPr sz="1400"/>
+            </a:lvl3pPr>
+            <a:lvl4pPr>
+              <a:defRPr sz="1200"/>
+            </a:lvl4pPr>
+            <a:lvl5pPr>
+              <a:defRPr sz="1200"/>
+            </a:lvl5pPr>
+            <a:lvl6pPr>
+              <a:defRPr sz="1200"/>
+            </a:lvl6pPr>
+            <a:lvl7pPr>
+              <a:defRPr sz="1200"/>
+            </a:lvl7pPr>
+            <a:lvl8pPr>
+              <a:defRPr sz="1200"/>
+            </a:lvl8pPr>
+            <a:lvl9pPr>
+              <a:defRPr sz="1200"/>
+            </a:lvl9pPr>
+          </a:lstStyle>
           <a:p>
             <a:pPr lvl="0"/>
             <a:r>
@@ -1469,7 +4116,7 @@
               <a:rPr lang="en-US" smtClean="0"/>
               <a:t>Fifth level</a:t>
             </a:r>
-            <a:endParaRPr lang="en-CA"/>
+            <a:endParaRPr lang="en-US" dirty="0"/>
           </a:p>
         </p:txBody>
       </p:sp>
@@ -1485,16 +4132,24 @@
         </p:nvSpPr>
         <p:spPr>
           <a:xfrm>
-            <a:off x="6172200" y="1681163"/>
-            <a:ext cx="5183188" cy="823912"/>
+            <a:off x="6880487" y="2667000"/>
+            <a:ext cx="4622537" cy="576262"/>
           </a:xfrm>
         </p:spPr>
         <p:txBody>
-          <a:bodyPr anchor="b"/>
+          <a:bodyPr anchor="b">
+            <a:noAutofit/>
+          </a:bodyPr>
           <a:lstStyle>
             <a:lvl1pPr marL="0" indent="0">
               <a:buNone/>
-              <a:defRPr sz="2400" b="1"/>
+              <a:defRPr sz="2800" b="0">
+                <a:solidFill>
+                  <a:schemeClr val="accent1">
+                    <a:lumMod val="75000"/>
+                  </a:schemeClr>
+                </a:solidFill>
+              </a:defRPr>
             </a:lvl1pPr>
             <a:lvl2pPr marL="457200" indent="0">
               <a:buNone/>
@@ -1550,13 +4205,43 @@
         </p:nvSpPr>
         <p:spPr>
           <a:xfrm>
-            <a:off x="6172200" y="2505075"/>
-            <a:ext cx="5183188" cy="3684588"/>
+            <a:off x="6607967" y="3335337"/>
+            <a:ext cx="4895056" cy="2455862"/>
           </a:xfrm>
         </p:spPr>
         <p:txBody>
-          <a:bodyPr/>
-          <a:lstStyle/>
+          <a:bodyPr anchor="t">
+            <a:normAutofit/>
+          </a:bodyPr>
+          <a:lstStyle>
+            <a:lvl1pPr>
+              <a:defRPr sz="1800"/>
+            </a:lvl1pPr>
+            <a:lvl2pPr>
+              <a:defRPr sz="1600"/>
+            </a:lvl2pPr>
+            <a:lvl3pPr>
+              <a:defRPr sz="1400"/>
+            </a:lvl3pPr>
+            <a:lvl4pPr>
+              <a:defRPr sz="1200"/>
+            </a:lvl4pPr>
+            <a:lvl5pPr>
+              <a:defRPr sz="1200"/>
+            </a:lvl5pPr>
+            <a:lvl6pPr>
+              <a:defRPr sz="1200"/>
+            </a:lvl6pPr>
+            <a:lvl7pPr>
+              <a:defRPr sz="1200"/>
+            </a:lvl7pPr>
+            <a:lvl8pPr>
+              <a:defRPr sz="1200"/>
+            </a:lvl8pPr>
+            <a:lvl9pPr>
+              <a:defRPr sz="1200"/>
+            </a:lvl9pPr>
+          </a:lstStyle>
           <a:p>
             <a:pPr lvl="0"/>
             <a:r>
@@ -1591,7 +4276,7 @@
               <a:rPr lang="en-US" smtClean="0"/>
               <a:t>Fifth level</a:t>
             </a:r>
-            <a:endParaRPr lang="en-CA"/>
+            <a:endParaRPr lang="en-US" dirty="0"/>
           </a:p>
         </p:txBody>
       </p:sp>
@@ -1612,7 +4297,7 @@
           <a:p>
             <a:fld id="{30508423-45F1-44E4-A2A4-D90A85F005D6}" type="datetimeFigureOut">
               <a:rPr lang="en-CA" smtClean="0"/>
-              <a:t>22/01/2016</a:t>
+              <a:t>2016-02-03</a:t>
             </a:fld>
             <a:endParaRPr lang="en-CA"/>
           </a:p>
@@ -1663,7 +4348,7 @@
     </p:spTree>
     <p:extLst>
       <p:ext uri="{BB962C8B-B14F-4D97-AF65-F5344CB8AC3E}">
-        <p14:creationId xmlns:p14="http://schemas.microsoft.com/office/powerpoint/2010/main" val="3716614444"/>
+        <p14:creationId xmlns:p14="http://schemas.microsoft.com/office/powerpoint/2010/main" val="3708470330"/>
       </p:ext>
     </p:extLst>
   </p:cSld>
@@ -1709,7 +4394,7 @@
               <a:rPr lang="en-US" smtClean="0"/>
               <a:t>Click to edit Master title style</a:t>
             </a:r>
-            <a:endParaRPr lang="en-CA"/>
+            <a:endParaRPr lang="en-US" dirty="0"/>
           </a:p>
         </p:txBody>
       </p:sp>
@@ -1730,7 +4415,7 @@
           <a:p>
             <a:fld id="{30508423-45F1-44E4-A2A4-D90A85F005D6}" type="datetimeFigureOut">
               <a:rPr lang="en-CA" smtClean="0"/>
-              <a:t>22/01/2016</a:t>
+              <a:t>2016-02-03</a:t>
             </a:fld>
             <a:endParaRPr lang="en-CA"/>
           </a:p>
@@ -1781,7 +4466,7 @@
     </p:spTree>
     <p:extLst>
       <p:ext uri="{BB962C8B-B14F-4D97-AF65-F5344CB8AC3E}">
-        <p14:creationId xmlns:p14="http://schemas.microsoft.com/office/powerpoint/2010/main" val="3567699474"/>
+        <p14:creationId xmlns:p14="http://schemas.microsoft.com/office/powerpoint/2010/main" val="1435110313"/>
       </p:ext>
     </p:extLst>
   </p:cSld>
@@ -1825,7 +4510,7 @@
           <a:p>
             <a:fld id="{30508423-45F1-44E4-A2A4-D90A85F005D6}" type="datetimeFigureOut">
               <a:rPr lang="en-CA" smtClean="0"/>
-              <a:t>22/01/2016</a:t>
+              <a:t>2016-02-03</a:t>
             </a:fld>
             <a:endParaRPr lang="en-CA"/>
           </a:p>
@@ -1876,7 +4561,7 @@
     </p:spTree>
     <p:extLst>
       <p:ext uri="{BB962C8B-B14F-4D97-AF65-F5344CB8AC3E}">
-        <p14:creationId xmlns:p14="http://schemas.microsoft.com/office/powerpoint/2010/main" val="2825361989"/>
+        <p14:creationId xmlns:p14="http://schemas.microsoft.com/office/powerpoint/2010/main" val="618043578"/>
       </p:ext>
     </p:extLst>
   </p:cSld>
@@ -1915,165 +4600,171 @@
         </p:nvSpPr>
         <p:spPr>
           <a:xfrm>
-            <a:off x="839788" y="457200"/>
-            <a:ext cx="3932237" cy="1600200"/>
+            <a:off x="1484312" y="1600200"/>
+            <a:ext cx="3549121" cy="1371600"/>
           </a:xfrm>
         </p:spPr>
         <p:txBody>
-          <a:bodyPr anchor="b"/>
+          <a:bodyPr anchor="b">
+            <a:normAutofit/>
+          </a:bodyPr>
+          <a:lstStyle>
+            <a:lvl1pPr algn="ctr">
+              <a:defRPr sz="2400" b="0"/>
+            </a:lvl1pPr>
+          </a:lstStyle>
+          <a:p>
+            <a:r>
+              <a:rPr lang="en-US" smtClean="0"/>
+              <a:t>Click to edit Master title style</a:t>
+            </a:r>
+            <a:endParaRPr lang="en-US" dirty="0"/>
+          </a:p>
+        </p:txBody>
+      </p:sp>
+      <p:sp>
+        <p:nvSpPr>
+          <p:cNvPr id="3" name="Content Placeholder 2"/>
+          <p:cNvSpPr>
+            <a:spLocks noGrp="1"/>
+          </p:cNvSpPr>
+          <p:nvPr>
+            <p:ph idx="1"/>
+          </p:nvPr>
+        </p:nvSpPr>
+        <p:spPr>
+          <a:xfrm>
+            <a:off x="5262033" y="685799"/>
+            <a:ext cx="6240990" cy="5105401"/>
+          </a:xfrm>
+        </p:spPr>
+        <p:txBody>
+          <a:bodyPr anchor="ctr">
+            <a:normAutofit/>
+          </a:bodyPr>
           <a:lstStyle>
             <a:lvl1pPr>
-              <a:defRPr sz="3200"/>
+              <a:defRPr sz="2000"/>
             </a:lvl1pPr>
+            <a:lvl2pPr>
+              <a:defRPr sz="1800"/>
+            </a:lvl2pPr>
+            <a:lvl3pPr>
+              <a:defRPr sz="1600"/>
+            </a:lvl3pPr>
+            <a:lvl4pPr>
+              <a:defRPr sz="1400"/>
+            </a:lvl4pPr>
+            <a:lvl5pPr>
+              <a:defRPr sz="1400"/>
+            </a:lvl5pPr>
+            <a:lvl6pPr>
+              <a:defRPr sz="1400"/>
+            </a:lvl6pPr>
+            <a:lvl7pPr>
+              <a:defRPr sz="1400"/>
+            </a:lvl7pPr>
+            <a:lvl8pPr>
+              <a:defRPr sz="1400"/>
+            </a:lvl8pPr>
+            <a:lvl9pPr>
+              <a:defRPr sz="1400"/>
+            </a:lvl9pPr>
           </a:lstStyle>
           <a:p>
-            <a:r>
-              <a:rPr lang="en-US" smtClean="0"/>
-              <a:t>Click to edit Master title style</a:t>
-            </a:r>
-            <a:endParaRPr lang="en-CA"/>
-          </a:p>
-        </p:txBody>
-      </p:sp>
-      <p:sp>
-        <p:nvSpPr>
-          <p:cNvPr id="3" name="Content Placeholder 2"/>
-          <p:cNvSpPr>
-            <a:spLocks noGrp="1"/>
-          </p:cNvSpPr>
-          <p:nvPr>
-            <p:ph idx="1"/>
+            <a:pPr lvl="0"/>
+            <a:r>
+              <a:rPr lang="en-US" smtClean="0"/>
+              <a:t>Click to edit Master text styles</a:t>
+            </a:r>
+          </a:p>
+          <a:p>
+            <a:pPr lvl="1"/>
+            <a:r>
+              <a:rPr lang="en-US" smtClean="0"/>
+              <a:t>Second level</a:t>
+            </a:r>
+          </a:p>
+          <a:p>
+            <a:pPr lvl="2"/>
+            <a:r>
+              <a:rPr lang="en-US" smtClean="0"/>
+              <a:t>Third level</a:t>
+            </a:r>
+          </a:p>
+          <a:p>
+            <a:pPr lvl="3"/>
+            <a:r>
+              <a:rPr lang="en-US" smtClean="0"/>
+              <a:t>Fourth level</a:t>
+            </a:r>
+          </a:p>
+          <a:p>
+            <a:pPr lvl="4"/>
+            <a:r>
+              <a:rPr lang="en-US" smtClean="0"/>
+              <a:t>Fifth level</a:t>
+            </a:r>
+            <a:endParaRPr lang="en-US" dirty="0"/>
+          </a:p>
+        </p:txBody>
+      </p:sp>
+      <p:sp>
+        <p:nvSpPr>
+          <p:cNvPr id="4" name="Text Placeholder 3"/>
+          <p:cNvSpPr>
+            <a:spLocks noGrp="1"/>
+          </p:cNvSpPr>
+          <p:nvPr>
+            <p:ph type="body" sz="half" idx="2"/>
           </p:nvPr>
         </p:nvSpPr>
         <p:spPr>
           <a:xfrm>
-            <a:off x="5183188" y="987425"/>
-            <a:ext cx="6172200" cy="4873625"/>
+            <a:off x="1484312" y="2971800"/>
+            <a:ext cx="3549121" cy="1828800"/>
           </a:xfrm>
         </p:spPr>
         <p:txBody>
-          <a:bodyPr/>
+          <a:bodyPr>
+            <a:normAutofit/>
+          </a:bodyPr>
           <a:lstStyle>
-            <a:lvl1pPr>
-              <a:defRPr sz="3200"/>
-            </a:lvl1pPr>
-            <a:lvl2pPr>
-              <a:defRPr sz="2800"/>
-            </a:lvl2pPr>
-            <a:lvl3pPr>
-              <a:defRPr sz="2400"/>
-            </a:lvl3pPr>
-            <a:lvl4pPr>
-              <a:defRPr sz="2000"/>
-            </a:lvl4pPr>
-            <a:lvl5pPr>
-              <a:defRPr sz="2000"/>
-            </a:lvl5pPr>
-            <a:lvl6pPr>
-              <a:defRPr sz="2000"/>
-            </a:lvl6pPr>
-            <a:lvl7pPr>
-              <a:defRPr sz="2000"/>
-            </a:lvl7pPr>
-            <a:lvl8pPr>
-              <a:defRPr sz="2000"/>
-            </a:lvl8pPr>
-            <a:lvl9pPr>
-              <a:defRPr sz="2000"/>
-            </a:lvl9pPr>
-          </a:lstStyle>
-          <a:p>
-            <a:pPr lvl="0"/>
-            <a:r>
-              <a:rPr lang="en-US" smtClean="0"/>
-              <a:t>Click to edit Master text styles</a:t>
-            </a:r>
-          </a:p>
-          <a:p>
-            <a:pPr lvl="1"/>
-            <a:r>
-              <a:rPr lang="en-US" smtClean="0"/>
-              <a:t>Second level</a:t>
-            </a:r>
-          </a:p>
-          <a:p>
-            <a:pPr lvl="2"/>
-            <a:r>
-              <a:rPr lang="en-US" smtClean="0"/>
-              <a:t>Third level</a:t>
-            </a:r>
-          </a:p>
-          <a:p>
-            <a:pPr lvl="3"/>
-            <a:r>
-              <a:rPr lang="en-US" smtClean="0"/>
-              <a:t>Fourth level</a:t>
-            </a:r>
-          </a:p>
-          <a:p>
-            <a:pPr lvl="4"/>
-            <a:r>
-              <a:rPr lang="en-US" smtClean="0"/>
-              <a:t>Fifth level</a:t>
-            </a:r>
-            <a:endParaRPr lang="en-CA"/>
-          </a:p>
-        </p:txBody>
-      </p:sp>
-      <p:sp>
-        <p:nvSpPr>
-          <p:cNvPr id="4" name="Text Placeholder 3"/>
-          <p:cNvSpPr>
-            <a:spLocks noGrp="1"/>
-          </p:cNvSpPr>
-          <p:nvPr>
-            <p:ph type="body" sz="half" idx="2"/>
-          </p:nvPr>
-        </p:nvSpPr>
-        <p:spPr>
-          <a:xfrm>
-            <a:off x="839788" y="2057400"/>
-            <a:ext cx="3932237" cy="3811588"/>
-          </a:xfrm>
-        </p:spPr>
-        <p:txBody>
-          <a:bodyPr/>
-          <a:lstStyle>
-            <a:lvl1pPr marL="0" indent="0">
+            <a:lvl1pPr marL="0" indent="0" algn="ctr">
               <a:buNone/>
               <a:defRPr sz="1600"/>
             </a:lvl1pPr>
             <a:lvl2pPr marL="457200" indent="0">
               <a:buNone/>
-              <a:defRPr sz="1400"/>
+              <a:defRPr sz="1200"/>
             </a:lvl2pPr>
             <a:lvl3pPr marL="914400" indent="0">
               <a:buNone/>
-              <a:defRPr sz="1200"/>
+              <a:defRPr sz="1000"/>
             </a:lvl3pPr>
             <a:lvl4pPr marL="1371600" indent="0">
               <a:buNone/>
-              <a:defRPr sz="1000"/>
+              <a:defRPr sz="900"/>
             </a:lvl4pPr>
             <a:lvl5pPr marL="1828800" indent="0">
               <a:buNone/>
-              <a:defRPr sz="1000"/>
+              <a:defRPr sz="900"/>
             </a:lvl5pPr>
             <a:lvl6pPr marL="2286000" indent="0">
               <a:buNone/>
-              <a:defRPr sz="1000"/>
+              <a:defRPr sz="900"/>
             </a:lvl6pPr>
             <a:lvl7pPr marL="2743200" indent="0">
               <a:buNone/>
-              <a:defRPr sz="1000"/>
+              <a:defRPr sz="900"/>
             </a:lvl7pPr>
             <a:lvl8pPr marL="3200400" indent="0">
               <a:buNone/>
-              <a:defRPr sz="1000"/>
+              <a:defRPr sz="900"/>
             </a:lvl8pPr>
             <a:lvl9pPr marL="3657600" indent="0">
               <a:buNone/>
-              <a:defRPr sz="1000"/>
+              <a:defRPr sz="900"/>
             </a:lvl9pPr>
           </a:lstStyle>
           <a:p>
@@ -2102,7 +4793,7 @@
           <a:p>
             <a:fld id="{30508423-45F1-44E4-A2A4-D90A85F005D6}" type="datetimeFigureOut">
               <a:rPr lang="en-CA" smtClean="0"/>
-              <a:t>22/01/2016</a:t>
+              <a:t>2016-02-03</a:t>
             </a:fld>
             <a:endParaRPr lang="en-CA"/>
           </a:p>
@@ -2153,7 +4844,7 @@
     </p:spTree>
     <p:extLst>
       <p:ext uri="{BB962C8B-B14F-4D97-AF65-F5344CB8AC3E}">
-        <p14:creationId xmlns:p14="http://schemas.microsoft.com/office/powerpoint/2010/main" val="3970438307"/>
+        <p14:creationId xmlns:p14="http://schemas.microsoft.com/office/powerpoint/2010/main" val="2169127664"/>
       </p:ext>
     </p:extLst>
   </p:cSld>
@@ -2192,15 +4883,17 @@
         </p:nvSpPr>
         <p:spPr>
           <a:xfrm>
-            <a:off x="839788" y="457200"/>
-            <a:ext cx="3932237" cy="1600200"/>
+            <a:off x="1482724" y="1752599"/>
+            <a:ext cx="5426158" cy="1371600"/>
           </a:xfrm>
         </p:spPr>
         <p:txBody>
-          <a:bodyPr anchor="b"/>
+          <a:bodyPr anchor="b">
+            <a:normAutofit/>
+          </a:bodyPr>
           <a:lstStyle>
-            <a:lvl1pPr>
-              <a:defRPr sz="3200"/>
+            <a:lvl1pPr algn="ctr">
+              <a:defRPr sz="2800" b="0"/>
             </a:lvl1pPr>
           </a:lstStyle>
           <a:p>
@@ -2208,15 +4901,15 @@
               <a:rPr lang="en-US" smtClean="0"/>
               <a:t>Click to edit Master title style</a:t>
             </a:r>
-            <a:endParaRPr lang="en-CA"/>
-          </a:p>
-        </p:txBody>
-      </p:sp>
-      <p:sp>
-        <p:nvSpPr>
-          <p:cNvPr id="3" name="Picture Placeholder 2"/>
-          <p:cNvSpPr>
-            <a:spLocks noGrp="1"/>
+            <a:endParaRPr lang="en-US" dirty="0"/>
+          </a:p>
+        </p:txBody>
+      </p:sp>
+      <p:sp>
+        <p:nvSpPr>
+          <p:cNvPr id="14" name="Picture Placeholder 2"/>
+          <p:cNvSpPr>
+            <a:spLocks noGrp="1" noChangeAspect="1"/>
           </p:cNvSpPr>
           <p:nvPr>
             <p:ph type="pic" idx="1"/>
@@ -2224,112 +4917,148 @@
         </p:nvSpPr>
         <p:spPr>
           <a:xfrm>
-            <a:off x="5183188" y="987425"/>
-            <a:ext cx="6172200" cy="4873625"/>
+            <a:off x="7594682" y="914400"/>
+            <a:ext cx="3280974" cy="4572000"/>
           </a:xfrm>
+          <a:prstGeom prst="roundRect">
+            <a:avLst>
+              <a:gd name="adj" fmla="val 4280"/>
+            </a:avLst>
+          </a:prstGeom>
+          <a:ln w="38100">
+            <a:gradFill flip="none" rotWithShape="1">
+              <a:gsLst>
+                <a:gs pos="0">
+                  <a:schemeClr val="bg2"/>
+                </a:gs>
+                <a:gs pos="100000">
+                  <a:schemeClr val="bg2">
+                    <a:lumMod val="75000"/>
+                  </a:schemeClr>
+                </a:gs>
+              </a:gsLst>
+              <a:lin ang="5400000" scaled="0"/>
+              <a:tileRect/>
+            </a:gradFill>
+          </a:ln>
+          <a:effectLst>
+            <a:innerShdw blurRad="57150" dist="38100" dir="14460000">
+              <a:srgbClr val="000000">
+                <a:alpha val="70000"/>
+              </a:srgbClr>
+            </a:innerShdw>
+          </a:effectLst>
         </p:spPr>
         <p:txBody>
-          <a:bodyPr/>
+          <a:bodyPr anchor="t">
+            <a:normAutofit/>
+          </a:bodyPr>
           <a:lstStyle>
-            <a:lvl1pPr marL="0" indent="0">
-              <a:buNone/>
-              <a:defRPr sz="3200"/>
-            </a:lvl1pPr>
-            <a:lvl2pPr marL="457200" indent="0">
-              <a:buNone/>
-              <a:defRPr sz="2800"/>
-            </a:lvl2pPr>
-            <a:lvl3pPr marL="914400" indent="0">
-              <a:buNone/>
-              <a:defRPr sz="2400"/>
-            </a:lvl3pPr>
-            <a:lvl4pPr marL="1371600" indent="0">
-              <a:buNone/>
-              <a:defRPr sz="2000"/>
-            </a:lvl4pPr>
-            <a:lvl5pPr marL="1828800" indent="0">
-              <a:buNone/>
-              <a:defRPr sz="2000"/>
-            </a:lvl5pPr>
-            <a:lvl6pPr marL="2286000" indent="0">
-              <a:buNone/>
-              <a:defRPr sz="2000"/>
-            </a:lvl6pPr>
-            <a:lvl7pPr marL="2743200" indent="0">
-              <a:buNone/>
-              <a:defRPr sz="2000"/>
-            </a:lvl7pPr>
-            <a:lvl8pPr marL="3200400" indent="0">
-              <a:buNone/>
-              <a:defRPr sz="2000"/>
-            </a:lvl8pPr>
-            <a:lvl9pPr marL="3657600" indent="0">
-              <a:buNone/>
-              <a:defRPr sz="2000"/>
-            </a:lvl9pPr>
-          </a:lstStyle>
-          <a:p>
-            <a:endParaRPr lang="en-CA"/>
-          </a:p>
-        </p:txBody>
-      </p:sp>
-      <p:sp>
-        <p:nvSpPr>
-          <p:cNvPr id="4" name="Text Placeholder 3"/>
-          <p:cNvSpPr>
-            <a:spLocks noGrp="1"/>
-          </p:cNvSpPr>
-          <p:nvPr>
-            <p:ph type="body" sz="half" idx="2"/>
-          </p:nvPr>
-        </p:nvSpPr>
-        <p:spPr>
-          <a:xfrm>
-            <a:off x="839788" y="2057400"/>
-            <a:ext cx="3932237" cy="3811588"/>
-          </a:xfrm>
-        </p:spPr>
-        <p:txBody>
-          <a:bodyPr/>
-          <a:lstStyle>
-            <a:lvl1pPr marL="0" indent="0">
+            <a:lvl1pPr marL="0" indent="0" algn="ctr">
               <a:buNone/>
               <a:defRPr sz="1600"/>
             </a:lvl1pPr>
             <a:lvl2pPr marL="457200" indent="0">
               <a:buNone/>
-              <a:defRPr sz="1400"/>
+              <a:defRPr sz="1600"/>
             </a:lvl2pPr>
             <a:lvl3pPr marL="914400" indent="0">
               <a:buNone/>
-              <a:defRPr sz="1200"/>
+              <a:defRPr sz="1600"/>
             </a:lvl3pPr>
             <a:lvl4pPr marL="1371600" indent="0">
               <a:buNone/>
-              <a:defRPr sz="1000"/>
+              <a:defRPr sz="1600"/>
             </a:lvl4pPr>
             <a:lvl5pPr marL="1828800" indent="0">
               <a:buNone/>
-              <a:defRPr sz="1000"/>
+              <a:defRPr sz="1600"/>
             </a:lvl5pPr>
             <a:lvl6pPr marL="2286000" indent="0">
               <a:buNone/>
-              <a:defRPr sz="1000"/>
+              <a:defRPr sz="1600"/>
             </a:lvl6pPr>
             <a:lvl7pPr marL="2743200" indent="0">
               <a:buNone/>
-              <a:defRPr sz="1000"/>
+              <a:defRPr sz="1600"/>
             </a:lvl7pPr>
             <a:lvl8pPr marL="3200400" indent="0">
               <a:buNone/>
-              <a:defRPr sz="1000"/>
+              <a:defRPr sz="1600"/>
             </a:lvl8pPr>
             <a:lvl9pPr marL="3657600" indent="0">
               <a:buNone/>
-              <a:defRPr sz="1000"/>
+              <a:defRPr sz="1600"/>
             </a:lvl9pPr>
           </a:lstStyle>
           <a:p>
+            <a:r>
+              <a:rPr lang="en-US" smtClean="0"/>
+              <a:t>Click icon to add picture</a:t>
+            </a:r>
+            <a:endParaRPr lang="en-US" dirty="0"/>
+          </a:p>
+        </p:txBody>
+      </p:sp>
+      <p:sp>
+        <p:nvSpPr>
+          <p:cNvPr id="4" name="Text Placeholder 3"/>
+          <p:cNvSpPr>
+            <a:spLocks noGrp="1"/>
+          </p:cNvSpPr>
+          <p:nvPr>
+            <p:ph type="body" sz="half" idx="2"/>
+          </p:nvPr>
+        </p:nvSpPr>
+        <p:spPr>
+          <a:xfrm>
+            <a:off x="1482724" y="3124199"/>
+            <a:ext cx="5426158" cy="1828800"/>
+          </a:xfrm>
+        </p:spPr>
+        <p:txBody>
+          <a:bodyPr>
+            <a:normAutofit/>
+          </a:bodyPr>
+          <a:lstStyle>
+            <a:lvl1pPr marL="0" indent="0" algn="ctr">
+              <a:buNone/>
+              <a:defRPr sz="1800"/>
+            </a:lvl1pPr>
+            <a:lvl2pPr marL="457200" indent="0">
+              <a:buNone/>
+              <a:defRPr sz="1200"/>
+            </a:lvl2pPr>
+            <a:lvl3pPr marL="914400" indent="0">
+              <a:buNone/>
+              <a:defRPr sz="1000"/>
+            </a:lvl3pPr>
+            <a:lvl4pPr marL="1371600" indent="0">
+              <a:buNone/>
+              <a:defRPr sz="900"/>
+            </a:lvl4pPr>
+            <a:lvl5pPr marL="1828800" indent="0">
+              <a:buNone/>
+              <a:defRPr sz="900"/>
+            </a:lvl5pPr>
+            <a:lvl6pPr marL="2286000" indent="0">
+              <a:buNone/>
+              <a:defRPr sz="900"/>
+            </a:lvl6pPr>
+            <a:lvl7pPr marL="2743200" indent="0">
+              <a:buNone/>
+              <a:defRPr sz="900"/>
+            </a:lvl7pPr>
+            <a:lvl8pPr marL="3200400" indent="0">
+              <a:buNone/>
+              <a:defRPr sz="900"/>
+            </a:lvl8pPr>
+            <a:lvl9pPr marL="3657600" indent="0">
+              <a:buNone/>
+              <a:defRPr sz="900"/>
+            </a:lvl9pPr>
+          </a:lstStyle>
+          <a:p>
             <a:pPr lvl="0"/>
             <a:r>
               <a:rPr lang="en-US" smtClean="0"/>
@@ -2355,7 +5084,7 @@
           <a:p>
             <a:fld id="{30508423-45F1-44E4-A2A4-D90A85F005D6}" type="datetimeFigureOut">
               <a:rPr lang="en-CA" smtClean="0"/>
-              <a:t>22/01/2016</a:t>
+              <a:t>2016-02-03</a:t>
             </a:fld>
             <a:endParaRPr lang="en-CA"/>
           </a:p>
@@ -2406,7 +5135,7 @@
     </p:spTree>
     <p:extLst>
       <p:ext uri="{BB962C8B-B14F-4D97-AF65-F5344CB8AC3E}">
-        <p14:creationId xmlns:p14="http://schemas.microsoft.com/office/powerpoint/2010/main" val="2458140608"/>
+        <p14:creationId xmlns:p14="http://schemas.microsoft.com/office/powerpoint/2010/main" val="1969763286"/>
       </p:ext>
     </p:extLst>
   </p:cSld>
@@ -2420,8 +5149,8 @@
 <p:sldMaster xmlns:a="http://schemas.openxmlformats.org/drawingml/2006/main" xmlns:r="http://schemas.openxmlformats.org/officeDocument/2006/relationships" xmlns:p="http://schemas.openxmlformats.org/presentationml/2006/main">
   <p:cSld>
     <p:bg>
-      <p:bgRef idx="1001">
-        <a:schemeClr val="bg1"/>
+      <p:bgRef idx="1003">
+        <a:schemeClr val="bg2"/>
       </p:bgRef>
     </p:bg>
     <p:spTree>
@@ -2438,6 +5167,322 @@
           <a:chExt cx="0" cy="0"/>
         </a:xfrm>
       </p:grpSpPr>
+      <p:grpSp>
+        <p:nvGrpSpPr>
+          <p:cNvPr id="7" name="Group 6"/>
+          <p:cNvGrpSpPr/>
+          <p:nvPr/>
+        </p:nvGrpSpPr>
+        <p:grpSpPr>
+          <a:xfrm>
+            <a:off x="150812" y="0"/>
+            <a:ext cx="2436813" cy="6858001"/>
+            <a:chOff x="1320800" y="0"/>
+            <a:chExt cx="2436813" cy="6858001"/>
+          </a:xfrm>
+        </p:grpSpPr>
+        <p:sp>
+          <p:nvSpPr>
+            <p:cNvPr id="8" name="Freeform 6"/>
+            <p:cNvSpPr/>
+            <p:nvPr/>
+          </p:nvSpPr>
+          <p:spPr bwMode="auto">
+            <a:xfrm>
+              <a:off x="1627188" y="0"/>
+              <a:ext cx="1122363" cy="5329238"/>
+            </a:xfrm>
+            <a:custGeom>
+              <a:avLst/>
+              <a:gdLst/>
+              <a:ahLst/>
+              <a:cxnLst/>
+              <a:rect l="0" t="0" r="r" b="b"/>
+              <a:pathLst>
+                <a:path w="707" h="3357">
+                  <a:moveTo>
+                    <a:pt x="0" y="3330"/>
+                  </a:moveTo>
+                  <a:lnTo>
+                    <a:pt x="156" y="3357"/>
+                  </a:lnTo>
+                  <a:lnTo>
+                    <a:pt x="707" y="0"/>
+                  </a:lnTo>
+                  <a:lnTo>
+                    <a:pt x="547" y="0"/>
+                  </a:lnTo>
+                  <a:lnTo>
+                    <a:pt x="0" y="3330"/>
+                  </a:lnTo>
+                  <a:close/>
+                </a:path>
+              </a:pathLst>
+            </a:custGeom>
+            <a:solidFill>
+              <a:schemeClr val="accent1"/>
+            </a:solidFill>
+            <a:ln>
+              <a:noFill/>
+            </a:ln>
+          </p:spPr>
+        </p:sp>
+        <p:sp>
+          <p:nvSpPr>
+            <p:cNvPr id="9" name="Freeform 7"/>
+            <p:cNvSpPr/>
+            <p:nvPr/>
+          </p:nvSpPr>
+          <p:spPr bwMode="auto">
+            <a:xfrm>
+              <a:off x="1320800" y="0"/>
+              <a:ext cx="1117600" cy="5276850"/>
+            </a:xfrm>
+            <a:custGeom>
+              <a:avLst/>
+              <a:gdLst/>
+              <a:ahLst/>
+              <a:cxnLst/>
+              <a:rect l="0" t="0" r="r" b="b"/>
+              <a:pathLst>
+                <a:path w="704" h="3324">
+                  <a:moveTo>
+                    <a:pt x="704" y="0"/>
+                  </a:moveTo>
+                  <a:lnTo>
+                    <a:pt x="545" y="0"/>
+                  </a:lnTo>
+                  <a:lnTo>
+                    <a:pt x="0" y="3300"/>
+                  </a:lnTo>
+                  <a:lnTo>
+                    <a:pt x="157" y="3324"/>
+                  </a:lnTo>
+                  <a:lnTo>
+                    <a:pt x="704" y="0"/>
+                  </a:lnTo>
+                  <a:close/>
+                </a:path>
+              </a:pathLst>
+            </a:custGeom>
+            <a:solidFill>
+              <a:schemeClr val="tx1">
+                <a:lumMod val="65000"/>
+                <a:lumOff val="35000"/>
+              </a:schemeClr>
+            </a:solidFill>
+            <a:ln>
+              <a:noFill/>
+            </a:ln>
+          </p:spPr>
+        </p:sp>
+        <p:sp>
+          <p:nvSpPr>
+            <p:cNvPr id="10" name="Freeform 8"/>
+            <p:cNvSpPr/>
+            <p:nvPr/>
+          </p:nvSpPr>
+          <p:spPr bwMode="auto">
+            <a:xfrm>
+              <a:off x="1320800" y="5238750"/>
+              <a:ext cx="1228725" cy="1619250"/>
+            </a:xfrm>
+            <a:custGeom>
+              <a:avLst/>
+              <a:gdLst/>
+              <a:ahLst/>
+              <a:cxnLst/>
+              <a:rect l="0" t="0" r="r" b="b"/>
+              <a:pathLst>
+                <a:path w="774" h="1020">
+                  <a:moveTo>
+                    <a:pt x="0" y="0"/>
+                  </a:moveTo>
+                  <a:lnTo>
+                    <a:pt x="740" y="1020"/>
+                  </a:lnTo>
+                  <a:lnTo>
+                    <a:pt x="774" y="1020"/>
+                  </a:lnTo>
+                  <a:lnTo>
+                    <a:pt x="0" y="0"/>
+                  </a:lnTo>
+                  <a:close/>
+                </a:path>
+              </a:pathLst>
+            </a:custGeom>
+            <a:solidFill>
+              <a:schemeClr val="tx1">
+                <a:lumMod val="85000"/>
+                <a:lumOff val="15000"/>
+              </a:schemeClr>
+            </a:solidFill>
+            <a:ln>
+              <a:noFill/>
+            </a:ln>
+          </p:spPr>
+        </p:sp>
+        <p:sp>
+          <p:nvSpPr>
+            <p:cNvPr id="11" name="Freeform 9"/>
+            <p:cNvSpPr/>
+            <p:nvPr/>
+          </p:nvSpPr>
+          <p:spPr bwMode="auto">
+            <a:xfrm>
+              <a:off x="1627188" y="5291138"/>
+              <a:ext cx="1495425" cy="1566863"/>
+            </a:xfrm>
+            <a:custGeom>
+              <a:avLst/>
+              <a:gdLst/>
+              <a:ahLst/>
+              <a:cxnLst/>
+              <a:rect l="0" t="0" r="r" b="b"/>
+              <a:pathLst>
+                <a:path w="942" h="987">
+                  <a:moveTo>
+                    <a:pt x="0" y="0"/>
+                  </a:moveTo>
+                  <a:lnTo>
+                    <a:pt x="909" y="987"/>
+                  </a:lnTo>
+                  <a:lnTo>
+                    <a:pt x="942" y="987"/>
+                  </a:lnTo>
+                  <a:lnTo>
+                    <a:pt x="0" y="0"/>
+                  </a:lnTo>
+                  <a:close/>
+                </a:path>
+              </a:pathLst>
+            </a:custGeom>
+            <a:solidFill>
+              <a:schemeClr val="accent1">
+                <a:lumMod val="50000"/>
+              </a:schemeClr>
+            </a:solidFill>
+            <a:ln>
+              <a:noFill/>
+            </a:ln>
+          </p:spPr>
+        </p:sp>
+        <p:sp>
+          <p:nvSpPr>
+            <p:cNvPr id="12" name="Freeform 10"/>
+            <p:cNvSpPr/>
+            <p:nvPr/>
+          </p:nvSpPr>
+          <p:spPr bwMode="auto">
+            <a:xfrm>
+              <a:off x="1627188" y="5286375"/>
+              <a:ext cx="2130425" cy="1571625"/>
+            </a:xfrm>
+            <a:custGeom>
+              <a:avLst/>
+              <a:gdLst/>
+              <a:ahLst/>
+              <a:cxnLst/>
+              <a:rect l="0" t="0" r="r" b="b"/>
+              <a:pathLst>
+                <a:path w="1342" h="990">
+                  <a:moveTo>
+                    <a:pt x="0" y="3"/>
+                  </a:moveTo>
+                  <a:lnTo>
+                    <a:pt x="942" y="990"/>
+                  </a:lnTo>
+                  <a:lnTo>
+                    <a:pt x="1342" y="990"/>
+                  </a:lnTo>
+                  <a:lnTo>
+                    <a:pt x="156" y="27"/>
+                  </a:lnTo>
+                  <a:lnTo>
+                    <a:pt x="0" y="0"/>
+                  </a:lnTo>
+                  <a:lnTo>
+                    <a:pt x="0" y="3"/>
+                  </a:lnTo>
+                  <a:close/>
+                </a:path>
+              </a:pathLst>
+            </a:custGeom>
+            <a:solidFill>
+              <a:schemeClr val="accent1">
+                <a:lumMod val="75000"/>
+              </a:schemeClr>
+            </a:solidFill>
+            <a:ln>
+              <a:noFill/>
+            </a:ln>
+          </p:spPr>
+        </p:sp>
+        <p:sp>
+          <p:nvSpPr>
+            <p:cNvPr id="13" name="Freeform 11"/>
+            <p:cNvSpPr/>
+            <p:nvPr/>
+          </p:nvSpPr>
+          <p:spPr bwMode="auto">
+            <a:xfrm>
+              <a:off x="1320800" y="5238750"/>
+              <a:ext cx="1695450" cy="1619250"/>
+            </a:xfrm>
+            <a:custGeom>
+              <a:avLst/>
+              <a:gdLst/>
+              <a:ahLst/>
+              <a:cxnLst/>
+              <a:rect l="0" t="0" r="r" b="b"/>
+              <a:pathLst>
+                <a:path w="1068" h="1020">
+                  <a:moveTo>
+                    <a:pt x="1068" y="1020"/>
+                  </a:moveTo>
+                  <a:lnTo>
+                    <a:pt x="184" y="60"/>
+                  </a:lnTo>
+                  <a:lnTo>
+                    <a:pt x="154" y="27"/>
+                  </a:lnTo>
+                  <a:lnTo>
+                    <a:pt x="157" y="27"/>
+                  </a:lnTo>
+                  <a:lnTo>
+                    <a:pt x="157" y="24"/>
+                  </a:lnTo>
+                  <a:lnTo>
+                    <a:pt x="154" y="24"/>
+                  </a:lnTo>
+                  <a:lnTo>
+                    <a:pt x="0" y="0"/>
+                  </a:lnTo>
+                  <a:lnTo>
+                    <a:pt x="0" y="0"/>
+                  </a:lnTo>
+                  <a:lnTo>
+                    <a:pt x="774" y="1020"/>
+                  </a:lnTo>
+                  <a:lnTo>
+                    <a:pt x="1068" y="1020"/>
+                  </a:lnTo>
+                  <a:close/>
+                </a:path>
+              </a:pathLst>
+            </a:custGeom>
+            <a:solidFill>
+              <a:schemeClr val="tx1">
+                <a:lumMod val="75000"/>
+                <a:lumOff val="25000"/>
+              </a:schemeClr>
+            </a:solidFill>
+            <a:ln>
+              <a:noFill/>
+            </a:ln>
+          </p:spPr>
+        </p:sp>
+      </p:grpSp>
       <p:sp>
         <p:nvSpPr>
           <p:cNvPr id="2" name="Title Placeholder 1"/>
@@ -2450,8 +5495,42 @@
         </p:nvSpPr>
         <p:spPr>
           <a:xfrm>
-            <a:off x="838200" y="365125"/>
-            <a:ext cx="10515600" cy="1325563"/>
+            <a:off x="1484311" y="685800"/>
+            <a:ext cx="10018713" cy="1752599"/>
+          </a:xfrm>
+          <a:prstGeom prst="rect">
+            <a:avLst/>
+          </a:prstGeom>
+          <a:effectLst/>
+        </p:spPr>
+        <p:txBody>
+          <a:bodyPr vert="horz" lIns="91440" tIns="45720" rIns="91440" bIns="45720" rtlCol="0" anchor="ctr">
+            <a:normAutofit/>
+          </a:bodyPr>
+          <a:lstStyle/>
+          <a:p>
+            <a:r>
+              <a:rPr lang="en-US" smtClean="0"/>
+              <a:t>Click to edit Master title style</a:t>
+            </a:r>
+            <a:endParaRPr lang="en-US" dirty="0"/>
+          </a:p>
+        </p:txBody>
+      </p:sp>
+      <p:sp>
+        <p:nvSpPr>
+          <p:cNvPr id="3" name="Text Placeholder 2"/>
+          <p:cNvSpPr>
+            <a:spLocks noGrp="1"/>
+          </p:cNvSpPr>
+          <p:nvPr>
+            <p:ph type="body" idx="1"/>
+          </p:nvPr>
+        </p:nvSpPr>
+        <p:spPr>
+          <a:xfrm>
+            <a:off x="1484310" y="2666999"/>
+            <a:ext cx="10018713" cy="3124201"/>
           </a:xfrm>
           <a:prstGeom prst="rect">
             <a:avLst/>
@@ -2463,90 +5542,98 @@
           </a:bodyPr>
           <a:lstStyle/>
           <a:p>
-            <a:r>
-              <a:rPr lang="en-US" smtClean="0"/>
-              <a:t>Click to edit Master title style</a:t>
-            </a:r>
-            <a:endParaRPr lang="en-CA"/>
-          </a:p>
-        </p:txBody>
-      </p:sp>
-      <p:sp>
-        <p:nvSpPr>
-          <p:cNvPr id="3" name="Text Placeholder 2"/>
-          <p:cNvSpPr>
-            <a:spLocks noGrp="1"/>
-          </p:cNvSpPr>
-          <p:nvPr>
-            <p:ph type="body" idx="1"/>
+            <a:pPr lvl="0"/>
+            <a:r>
+              <a:rPr lang="en-US" smtClean="0"/>
+              <a:t>Click to edit Master text styles</a:t>
+            </a:r>
+          </a:p>
+          <a:p>
+            <a:pPr lvl="1"/>
+            <a:r>
+              <a:rPr lang="en-US" smtClean="0"/>
+              <a:t>Second level</a:t>
+            </a:r>
+          </a:p>
+          <a:p>
+            <a:pPr lvl="2"/>
+            <a:r>
+              <a:rPr lang="en-US" smtClean="0"/>
+              <a:t>Third level</a:t>
+            </a:r>
+          </a:p>
+          <a:p>
+            <a:pPr lvl="3"/>
+            <a:r>
+              <a:rPr lang="en-US" smtClean="0"/>
+              <a:t>Fourth level</a:t>
+            </a:r>
+          </a:p>
+          <a:p>
+            <a:pPr lvl="4"/>
+            <a:r>
+              <a:rPr lang="en-US" smtClean="0"/>
+              <a:t>Fifth level</a:t>
+            </a:r>
+            <a:endParaRPr lang="en-US" dirty="0"/>
+          </a:p>
+        </p:txBody>
+      </p:sp>
+      <p:sp>
+        <p:nvSpPr>
+          <p:cNvPr id="4" name="Date Placeholder 3"/>
+          <p:cNvSpPr>
+            <a:spLocks noGrp="1"/>
+          </p:cNvSpPr>
+          <p:nvPr>
+            <p:ph type="dt" sz="half" idx="2"/>
           </p:nvPr>
         </p:nvSpPr>
         <p:spPr>
           <a:xfrm>
-            <a:off x="838200" y="1825625"/>
-            <a:ext cx="10515600" cy="4351338"/>
+            <a:off x="9732656" y="5883275"/>
+            <a:ext cx="1143000" cy="365125"/>
           </a:xfrm>
           <a:prstGeom prst="rect">
             <a:avLst/>
           </a:prstGeom>
         </p:spPr>
         <p:txBody>
-          <a:bodyPr vert="horz" lIns="91440" tIns="45720" rIns="91440" bIns="45720" rtlCol="0">
-            <a:normAutofit/>
-          </a:bodyPr>
-          <a:lstStyle/>
-          <a:p>
-            <a:pPr lvl="0"/>
-            <a:r>
-              <a:rPr lang="en-US" smtClean="0"/>
-              <a:t>Click to edit Master text styles</a:t>
-            </a:r>
-          </a:p>
-          <a:p>
-            <a:pPr lvl="1"/>
-            <a:r>
-              <a:rPr lang="en-US" smtClean="0"/>
-              <a:t>Second level</a:t>
-            </a:r>
-          </a:p>
-          <a:p>
-            <a:pPr lvl="2"/>
-            <a:r>
-              <a:rPr lang="en-US" smtClean="0"/>
-              <a:t>Third level</a:t>
-            </a:r>
-          </a:p>
-          <a:p>
-            <a:pPr lvl="3"/>
-            <a:r>
-              <a:rPr lang="en-US" smtClean="0"/>
-              <a:t>Fourth level</a:t>
-            </a:r>
-          </a:p>
-          <a:p>
-            <a:pPr lvl="4"/>
-            <a:r>
-              <a:rPr lang="en-US" smtClean="0"/>
-              <a:t>Fifth level</a:t>
-            </a:r>
+          <a:bodyPr vert="horz" lIns="91440" tIns="45720" rIns="91440" bIns="45720" rtlCol="0" anchor="ctr"/>
+          <a:lstStyle>
+            <a:lvl1pPr algn="r">
+              <a:defRPr sz="1000" b="0" i="0">
+                <a:solidFill>
+                  <a:schemeClr val="tx1"/>
+                </a:solidFill>
+                <a:effectLst/>
+                <a:latin typeface="+mn-lt"/>
+              </a:defRPr>
+            </a:lvl1pPr>
+          </a:lstStyle>
+          <a:p>
+            <a:fld id="{30508423-45F1-44E4-A2A4-D90A85F005D6}" type="datetimeFigureOut">
+              <a:rPr lang="en-CA" smtClean="0"/>
+              <a:t>2016-02-03</a:t>
+            </a:fld>
             <a:endParaRPr lang="en-CA"/>
           </a:p>
         </p:txBody>
       </p:sp>
       <p:sp>
         <p:nvSpPr>
-          <p:cNvPr id="4" name="Date Placeholder 3"/>
-          <p:cNvSpPr>
-            <a:spLocks noGrp="1"/>
-          </p:cNvSpPr>
-          <p:nvPr>
-            <p:ph type="dt" sz="half" idx="2"/>
+          <p:cNvPr id="5" name="Footer Placeholder 4"/>
+          <p:cNvSpPr>
+            <a:spLocks noGrp="1"/>
+          </p:cNvSpPr>
+          <p:nvPr>
+            <p:ph type="ftr" sz="quarter" idx="3"/>
           </p:nvPr>
         </p:nvSpPr>
         <p:spPr>
           <a:xfrm>
-            <a:off x="838200" y="6356350"/>
-            <a:ext cx="2743200" cy="365125"/>
+            <a:off x="2572279" y="5883275"/>
+            <a:ext cx="7084177" cy="365125"/>
           </a:xfrm>
           <a:prstGeom prst="rect">
             <a:avLst/>
@@ -2556,38 +5643,34 @@
           <a:bodyPr vert="horz" lIns="91440" tIns="45720" rIns="91440" bIns="45720" rtlCol="0" anchor="ctr"/>
           <a:lstStyle>
             <a:lvl1pPr algn="l">
-              <a:defRPr sz="1200">
-                <a:solidFill>
-                  <a:schemeClr val="tx1">
-                    <a:tint val="75000"/>
-                  </a:schemeClr>
-                </a:solidFill>
+              <a:defRPr sz="1000" b="0" i="0">
+                <a:solidFill>
+                  <a:schemeClr val="tx1"/>
+                </a:solidFill>
+                <a:effectLst/>
+                <a:latin typeface="+mn-lt"/>
               </a:defRPr>
             </a:lvl1pPr>
           </a:lstStyle>
           <a:p>
-            <a:fld id="{30508423-45F1-44E4-A2A4-D90A85F005D6}" type="datetimeFigureOut">
-              <a:rPr lang="en-CA" smtClean="0"/>
-              <a:t>22/01/2016</a:t>
-            </a:fld>
             <a:endParaRPr lang="en-CA"/>
           </a:p>
         </p:txBody>
       </p:sp>
       <p:sp>
         <p:nvSpPr>
-          <p:cNvPr id="5" name="Footer Placeholder 4"/>
-          <p:cNvSpPr>
-            <a:spLocks noGrp="1"/>
-          </p:cNvSpPr>
-          <p:nvPr>
-            <p:ph type="ftr" sz="quarter" idx="3"/>
+          <p:cNvPr id="6" name="Slide Number Placeholder 5"/>
+          <p:cNvSpPr>
+            <a:spLocks noGrp="1"/>
+          </p:cNvSpPr>
+          <p:nvPr>
+            <p:ph type="sldNum" sz="quarter" idx="4"/>
           </p:nvPr>
         </p:nvSpPr>
         <p:spPr>
           <a:xfrm>
-            <a:off x="4038600" y="6356350"/>
-            <a:ext cx="4114800" cy="365125"/>
+            <a:off x="10951856" y="5883275"/>
+            <a:ext cx="551167" cy="365125"/>
           </a:xfrm>
           <a:prstGeom prst="rect">
             <a:avLst/>
@@ -2596,50 +5679,13 @@
         <p:txBody>
           <a:bodyPr vert="horz" lIns="91440" tIns="45720" rIns="91440" bIns="45720" rtlCol="0" anchor="ctr"/>
           <a:lstStyle>
-            <a:lvl1pPr algn="ctr">
-              <a:defRPr sz="1200">
-                <a:solidFill>
-                  <a:schemeClr val="tx1">
-                    <a:tint val="75000"/>
-                  </a:schemeClr>
-                </a:solidFill>
-              </a:defRPr>
-            </a:lvl1pPr>
-          </a:lstStyle>
-          <a:p>
-            <a:endParaRPr lang="en-CA"/>
-          </a:p>
-        </p:txBody>
-      </p:sp>
-      <p:sp>
-        <p:nvSpPr>
-          <p:cNvPr id="6" name="Slide Number Placeholder 5"/>
-          <p:cNvSpPr>
-            <a:spLocks noGrp="1"/>
-          </p:cNvSpPr>
-          <p:nvPr>
-            <p:ph type="sldNum" sz="quarter" idx="4"/>
-          </p:nvPr>
-        </p:nvSpPr>
-        <p:spPr>
-          <a:xfrm>
-            <a:off x="8610600" y="6356350"/>
-            <a:ext cx="2743200" cy="365125"/>
-          </a:xfrm>
-          <a:prstGeom prst="rect">
-            <a:avLst/>
-          </a:prstGeom>
-        </p:spPr>
-        <p:txBody>
-          <a:bodyPr vert="horz" lIns="91440" tIns="45720" rIns="91440" bIns="45720" rtlCol="0" anchor="ctr"/>
-          <a:lstStyle>
             <a:lvl1pPr algn="r">
-              <a:defRPr sz="1200">
-                <a:solidFill>
-                  <a:schemeClr val="tx1">
-                    <a:tint val="75000"/>
-                  </a:schemeClr>
-                </a:solidFill>
+              <a:defRPr sz="1000" b="0" i="0">
+                <a:solidFill>
+                  <a:schemeClr val="tx1"/>
+                </a:solidFill>
+                <a:effectLst/>
+                <a:latin typeface="+mn-lt"/>
               </a:defRPr>
             </a:lvl1pPr>
           </a:lstStyle>
@@ -2655,202 +5701,328 @@
     </p:spTree>
     <p:extLst>
       <p:ext uri="{BB962C8B-B14F-4D97-AF65-F5344CB8AC3E}">
-        <p14:creationId xmlns:p14="http://schemas.microsoft.com/office/powerpoint/2010/main" val="1275534353"/>
+        <p14:creationId xmlns:p14="http://schemas.microsoft.com/office/powerpoint/2010/main" val="1031566431"/>
       </p:ext>
     </p:extLst>
   </p:cSld>
   <p:clrMap bg1="lt1" tx1="dk1" bg2="lt2" tx2="dk2" accent1="accent1" accent2="accent2" accent3="accent3" accent4="accent4" accent5="accent5" accent6="accent6" hlink="hlink" folHlink="folHlink"/>
   <p:sldLayoutIdLst>
-    <p:sldLayoutId id="2147483649" r:id="rId1"/>
-    <p:sldLayoutId id="2147483650" r:id="rId2"/>
-    <p:sldLayoutId id="2147483651" r:id="rId3"/>
-    <p:sldLayoutId id="2147483652" r:id="rId4"/>
-    <p:sldLayoutId id="2147483653" r:id="rId5"/>
-    <p:sldLayoutId id="2147483654" r:id="rId6"/>
-    <p:sldLayoutId id="2147483655" r:id="rId7"/>
-    <p:sldLayoutId id="2147483656" r:id="rId8"/>
-    <p:sldLayoutId id="2147483657" r:id="rId9"/>
-    <p:sldLayoutId id="2147483658" r:id="rId10"/>
-    <p:sldLayoutId id="2147483659" r:id="rId11"/>
+    <p:sldLayoutId id="2147483679" r:id="rId1"/>
+    <p:sldLayoutId id="2147483680" r:id="rId2"/>
+    <p:sldLayoutId id="2147483681" r:id="rId3"/>
+    <p:sldLayoutId id="2147483682" r:id="rId4"/>
+    <p:sldLayoutId id="2147483683" r:id="rId5"/>
+    <p:sldLayoutId id="2147483684" r:id="rId6"/>
+    <p:sldLayoutId id="2147483685" r:id="rId7"/>
+    <p:sldLayoutId id="2147483686" r:id="rId8"/>
+    <p:sldLayoutId id="2147483687" r:id="rId9"/>
+    <p:sldLayoutId id="2147483688" r:id="rId10"/>
+    <p:sldLayoutId id="2147483689" r:id="rId11"/>
+    <p:sldLayoutId id="2147483690" r:id="rId12"/>
+    <p:sldLayoutId id="2147483691" r:id="rId13"/>
+    <p:sldLayoutId id="2147483692" r:id="rId14"/>
+    <p:sldLayoutId id="2147483693" r:id="rId15"/>
+    <p:sldLayoutId id="2147483694" r:id="rId16"/>
+    <p:sldLayoutId id="2147483695" r:id="rId17"/>
   </p:sldLayoutIdLst>
   <p:txStyles>
     <p:titleStyle>
-      <a:lvl1pPr algn="l" defTabSz="914400" rtl="0" eaLnBrk="1" latinLnBrk="0" hangingPunct="1">
-        <a:lnSpc>
-          <a:spcPct val="90000"/>
-        </a:lnSpc>
+      <a:lvl1pPr algn="ctr" defTabSz="457200" rtl="0" eaLnBrk="1" latinLnBrk="0" hangingPunct="1">
         <a:spcBef>
           <a:spcPct val="0"/>
         </a:spcBef>
         <a:buNone/>
-        <a:defRPr sz="4400" kern="1200">
+        <a:defRPr sz="4000" kern="1200" cap="none">
+          <a:ln w="3175" cmpd="sng">
+            <a:noFill/>
+          </a:ln>
           <a:solidFill>
             <a:schemeClr val="tx1"/>
           </a:solidFill>
+          <a:effectLst/>
           <a:latin typeface="+mj-lt"/>
           <a:ea typeface="+mj-ea"/>
           <a:cs typeface="+mj-cs"/>
         </a:defRPr>
       </a:lvl1pPr>
+      <a:lvl2pPr eaLnBrk="1" hangingPunct="1">
+        <a:defRPr>
+          <a:solidFill>
+            <a:schemeClr val="tx2"/>
+          </a:solidFill>
+        </a:defRPr>
+      </a:lvl2pPr>
+      <a:lvl3pPr eaLnBrk="1" hangingPunct="1">
+        <a:defRPr>
+          <a:solidFill>
+            <a:schemeClr val="tx2"/>
+          </a:solidFill>
+        </a:defRPr>
+      </a:lvl3pPr>
+      <a:lvl4pPr eaLnBrk="1" hangingPunct="1">
+        <a:defRPr>
+          <a:solidFill>
+            <a:schemeClr val="tx2"/>
+          </a:solidFill>
+        </a:defRPr>
+      </a:lvl4pPr>
+      <a:lvl5pPr eaLnBrk="1" hangingPunct="1">
+        <a:defRPr>
+          <a:solidFill>
+            <a:schemeClr val="tx2"/>
+          </a:solidFill>
+        </a:defRPr>
+      </a:lvl5pPr>
+      <a:lvl6pPr eaLnBrk="1" hangingPunct="1">
+        <a:defRPr>
+          <a:solidFill>
+            <a:schemeClr val="tx2"/>
+          </a:solidFill>
+        </a:defRPr>
+      </a:lvl6pPr>
+      <a:lvl7pPr eaLnBrk="1" hangingPunct="1">
+        <a:defRPr>
+          <a:solidFill>
+            <a:schemeClr val="tx2"/>
+          </a:solidFill>
+        </a:defRPr>
+      </a:lvl7pPr>
+      <a:lvl8pPr eaLnBrk="1" hangingPunct="1">
+        <a:defRPr>
+          <a:solidFill>
+            <a:schemeClr val="tx2"/>
+          </a:solidFill>
+        </a:defRPr>
+      </a:lvl8pPr>
+      <a:lvl9pPr eaLnBrk="1" hangingPunct="1">
+        <a:defRPr>
+          <a:solidFill>
+            <a:schemeClr val="tx2"/>
+          </a:solidFill>
+        </a:defRPr>
+      </a:lvl9pPr>
     </p:titleStyle>
     <p:bodyStyle>
-      <a:lvl1pPr marL="228600" indent="-228600" algn="l" defTabSz="914400" rtl="0" eaLnBrk="1" latinLnBrk="0" hangingPunct="1">
-        <a:lnSpc>
-          <a:spcPct val="90000"/>
-        </a:lnSpc>
+      <a:lvl1pPr marL="285750" indent="-285750" algn="l" defTabSz="457200" rtl="0" eaLnBrk="1" latinLnBrk="0" hangingPunct="1">
         <a:spcBef>
-          <a:spcPts val="1000"/>
+          <a:spcPct val="20000"/>
         </a:spcBef>
-        <a:buFont typeface="Arial" panose="020B0604020202020204" pitchFamily="34" charset="0"/>
+        <a:spcAft>
+          <a:spcPts val="600"/>
+        </a:spcAft>
+        <a:buClr>
+          <a:schemeClr val="accent1">
+            <a:lumMod val="75000"/>
+          </a:schemeClr>
+        </a:buClr>
+        <a:buSzPct val="145000"/>
+        <a:buFont typeface="Arial"/>
         <a:buChar char="•"/>
-        <a:defRPr sz="2800" kern="1200">
+        <a:defRPr sz="2400" kern="1200" cap="none">
           <a:solidFill>
             <a:schemeClr val="tx1"/>
           </a:solidFill>
+          <a:effectLst/>
           <a:latin typeface="+mn-lt"/>
           <a:ea typeface="+mn-ea"/>
           <a:cs typeface="+mn-cs"/>
         </a:defRPr>
       </a:lvl1pPr>
-      <a:lvl2pPr marL="685800" indent="-228600" algn="l" defTabSz="914400" rtl="0" eaLnBrk="1" latinLnBrk="0" hangingPunct="1">
-        <a:lnSpc>
-          <a:spcPct val="90000"/>
-        </a:lnSpc>
+      <a:lvl2pPr marL="742950" indent="-285750" algn="l" defTabSz="457200" rtl="0" eaLnBrk="1" latinLnBrk="0" hangingPunct="1">
         <a:spcBef>
-          <a:spcPts val="500"/>
+          <a:spcPct val="20000"/>
         </a:spcBef>
-        <a:buFont typeface="Arial" panose="020B0604020202020204" pitchFamily="34" charset="0"/>
+        <a:spcAft>
+          <a:spcPts val="600"/>
+        </a:spcAft>
+        <a:buClr>
+          <a:schemeClr val="accent1">
+            <a:lumMod val="75000"/>
+          </a:schemeClr>
+        </a:buClr>
+        <a:buSzPct val="145000"/>
+        <a:buFont typeface="Arial"/>
         <a:buChar char="•"/>
-        <a:defRPr sz="2400" kern="1200">
+        <a:defRPr sz="2000" kern="1200" cap="none">
           <a:solidFill>
             <a:schemeClr val="tx1"/>
           </a:solidFill>
+          <a:effectLst/>
           <a:latin typeface="+mn-lt"/>
           <a:ea typeface="+mn-ea"/>
           <a:cs typeface="+mn-cs"/>
         </a:defRPr>
       </a:lvl2pPr>
-      <a:lvl3pPr marL="1143000" indent="-228600" algn="l" defTabSz="914400" rtl="0" eaLnBrk="1" latinLnBrk="0" hangingPunct="1">
-        <a:lnSpc>
-          <a:spcPct val="90000"/>
-        </a:lnSpc>
+      <a:lvl3pPr marL="1200150" indent="-285750" algn="l" defTabSz="457200" rtl="0" eaLnBrk="1" latinLnBrk="0" hangingPunct="1">
         <a:spcBef>
-          <a:spcPts val="500"/>
+          <a:spcPct val="20000"/>
         </a:spcBef>
-        <a:buFont typeface="Arial" panose="020B0604020202020204" pitchFamily="34" charset="0"/>
+        <a:spcAft>
+          <a:spcPts val="600"/>
+        </a:spcAft>
+        <a:buClr>
+          <a:schemeClr val="accent1">
+            <a:lumMod val="75000"/>
+          </a:schemeClr>
+        </a:buClr>
+        <a:buSzPct val="145000"/>
+        <a:buFont typeface="Arial"/>
         <a:buChar char="•"/>
-        <a:defRPr sz="2000" kern="1200">
+        <a:defRPr sz="1800" kern="1200" cap="none">
           <a:solidFill>
             <a:schemeClr val="tx1"/>
           </a:solidFill>
+          <a:effectLst/>
           <a:latin typeface="+mn-lt"/>
           <a:ea typeface="+mn-ea"/>
           <a:cs typeface="+mn-cs"/>
         </a:defRPr>
       </a:lvl3pPr>
-      <a:lvl4pPr marL="1600200" indent="-228600" algn="l" defTabSz="914400" rtl="0" eaLnBrk="1" latinLnBrk="0" hangingPunct="1">
-        <a:lnSpc>
-          <a:spcPct val="90000"/>
-        </a:lnSpc>
+      <a:lvl4pPr marL="1543050" indent="-171450" algn="l" defTabSz="457200" rtl="0" eaLnBrk="1" latinLnBrk="0" hangingPunct="1">
         <a:spcBef>
-          <a:spcPts val="500"/>
+          <a:spcPct val="20000"/>
         </a:spcBef>
-        <a:buFont typeface="Arial" panose="020B0604020202020204" pitchFamily="34" charset="0"/>
+        <a:spcAft>
+          <a:spcPts val="600"/>
+        </a:spcAft>
+        <a:buClr>
+          <a:schemeClr val="accent1">
+            <a:lumMod val="75000"/>
+          </a:schemeClr>
+        </a:buClr>
+        <a:buSzPct val="145000"/>
+        <a:buFont typeface="Arial"/>
         <a:buChar char="•"/>
-        <a:defRPr sz="1800" kern="1200">
+        <a:defRPr sz="1600" kern="1200" cap="none">
           <a:solidFill>
             <a:schemeClr val="tx1"/>
           </a:solidFill>
+          <a:effectLst/>
           <a:latin typeface="+mn-lt"/>
           <a:ea typeface="+mn-ea"/>
           <a:cs typeface="+mn-cs"/>
         </a:defRPr>
       </a:lvl4pPr>
-      <a:lvl5pPr marL="2057400" indent="-228600" algn="l" defTabSz="914400" rtl="0" eaLnBrk="1" latinLnBrk="0" hangingPunct="1">
-        <a:lnSpc>
-          <a:spcPct val="90000"/>
-        </a:lnSpc>
+      <a:lvl5pPr marL="2000250" indent="-171450" algn="l" defTabSz="457200" rtl="0" eaLnBrk="1" latinLnBrk="0" hangingPunct="1">
         <a:spcBef>
-          <a:spcPts val="500"/>
+          <a:spcPct val="20000"/>
         </a:spcBef>
-        <a:buFont typeface="Arial" panose="020B0604020202020204" pitchFamily="34" charset="0"/>
+        <a:spcAft>
+          <a:spcPts val="600"/>
+        </a:spcAft>
+        <a:buClr>
+          <a:schemeClr val="accent1">
+            <a:lumMod val="75000"/>
+          </a:schemeClr>
+        </a:buClr>
+        <a:buSzPct val="145000"/>
+        <a:buFont typeface="Arial"/>
         <a:buChar char="•"/>
-        <a:defRPr sz="1800" kern="1200">
+        <a:defRPr sz="1400" kern="1200" cap="none">
           <a:solidFill>
             <a:schemeClr val="tx1"/>
           </a:solidFill>
+          <a:effectLst/>
           <a:latin typeface="+mn-lt"/>
           <a:ea typeface="+mn-ea"/>
           <a:cs typeface="+mn-cs"/>
         </a:defRPr>
       </a:lvl5pPr>
-      <a:lvl6pPr marL="2514600" indent="-228600" algn="l" defTabSz="914400" rtl="0" eaLnBrk="1" latinLnBrk="0" hangingPunct="1">
-        <a:lnSpc>
-          <a:spcPct val="90000"/>
-        </a:lnSpc>
+      <a:lvl6pPr marL="2514600" indent="-228600" algn="l" defTabSz="457200" rtl="0" eaLnBrk="1" latinLnBrk="0" hangingPunct="1">
         <a:spcBef>
-          <a:spcPts val="500"/>
+          <a:spcPct val="20000"/>
         </a:spcBef>
-        <a:buFont typeface="Arial" panose="020B0604020202020204" pitchFamily="34" charset="0"/>
+        <a:spcAft>
+          <a:spcPts val="600"/>
+        </a:spcAft>
+        <a:buClr>
+          <a:schemeClr val="accent1">
+            <a:lumMod val="75000"/>
+          </a:schemeClr>
+        </a:buClr>
+        <a:buSzPct val="145000"/>
+        <a:buFont typeface="Arial"/>
         <a:buChar char="•"/>
-        <a:defRPr sz="1800" kern="1200">
+        <a:defRPr sz="1400" kern="1200" cap="none">
           <a:solidFill>
             <a:schemeClr val="tx1"/>
           </a:solidFill>
+          <a:effectLst/>
           <a:latin typeface="+mn-lt"/>
           <a:ea typeface="+mn-ea"/>
           <a:cs typeface="+mn-cs"/>
         </a:defRPr>
       </a:lvl6pPr>
-      <a:lvl7pPr marL="2971800" indent="-228600" algn="l" defTabSz="914400" rtl="0" eaLnBrk="1" latinLnBrk="0" hangingPunct="1">
-        <a:lnSpc>
-          <a:spcPct val="90000"/>
-        </a:lnSpc>
+      <a:lvl7pPr marL="2971800" indent="-228600" algn="l" defTabSz="457200" rtl="0" eaLnBrk="1" latinLnBrk="0" hangingPunct="1">
         <a:spcBef>
-          <a:spcPts val="500"/>
+          <a:spcPct val="20000"/>
         </a:spcBef>
-        <a:buFont typeface="Arial" panose="020B0604020202020204" pitchFamily="34" charset="0"/>
+        <a:spcAft>
+          <a:spcPts val="600"/>
+        </a:spcAft>
+        <a:buClr>
+          <a:schemeClr val="accent1">
+            <a:lumMod val="75000"/>
+          </a:schemeClr>
+        </a:buClr>
+        <a:buSzPct val="145000"/>
+        <a:buFont typeface="Arial"/>
         <a:buChar char="•"/>
-        <a:defRPr sz="1800" kern="1200">
+        <a:defRPr sz="1400" kern="1200" cap="none">
           <a:solidFill>
             <a:schemeClr val="tx1"/>
           </a:solidFill>
+          <a:effectLst/>
           <a:latin typeface="+mn-lt"/>
           <a:ea typeface="+mn-ea"/>
           <a:cs typeface="+mn-cs"/>
         </a:defRPr>
       </a:lvl7pPr>
-      <a:lvl8pPr marL="3429000" indent="-228600" algn="l" defTabSz="914400" rtl="0" eaLnBrk="1" latinLnBrk="0" hangingPunct="1">
-        <a:lnSpc>
-          <a:spcPct val="90000"/>
-        </a:lnSpc>
+      <a:lvl8pPr marL="3429000" indent="-228600" algn="l" defTabSz="457200" rtl="0" eaLnBrk="1" latinLnBrk="0" hangingPunct="1">
         <a:spcBef>
-          <a:spcPts val="500"/>
+          <a:spcPct val="20000"/>
         </a:spcBef>
-        <a:buFont typeface="Arial" panose="020B0604020202020204" pitchFamily="34" charset="0"/>
+        <a:spcAft>
+          <a:spcPts val="600"/>
+        </a:spcAft>
+        <a:buClr>
+          <a:schemeClr val="accent1">
+            <a:lumMod val="75000"/>
+          </a:schemeClr>
+        </a:buClr>
+        <a:buSzPct val="145000"/>
+        <a:buFont typeface="Arial"/>
         <a:buChar char="•"/>
-        <a:defRPr sz="1800" kern="1200">
+        <a:defRPr sz="1400" kern="1200" cap="none">
           <a:solidFill>
             <a:schemeClr val="tx1"/>
           </a:solidFill>
+          <a:effectLst/>
           <a:latin typeface="+mn-lt"/>
           <a:ea typeface="+mn-ea"/>
           <a:cs typeface="+mn-cs"/>
         </a:defRPr>
       </a:lvl8pPr>
-      <a:lvl9pPr marL="3886200" indent="-228600" algn="l" defTabSz="914400" rtl="0" eaLnBrk="1" latinLnBrk="0" hangingPunct="1">
-        <a:lnSpc>
-          <a:spcPct val="90000"/>
-        </a:lnSpc>
+      <a:lvl9pPr marL="3886200" indent="-228600" algn="l" defTabSz="457200" rtl="0" eaLnBrk="1" latinLnBrk="0" hangingPunct="1">
         <a:spcBef>
-          <a:spcPts val="500"/>
+          <a:spcPct val="20000"/>
         </a:spcBef>
-        <a:buFont typeface="Arial" panose="020B0604020202020204" pitchFamily="34" charset="0"/>
+        <a:spcAft>
+          <a:spcPts val="600"/>
+        </a:spcAft>
+        <a:buClr>
+          <a:schemeClr val="accent1">
+            <a:lumMod val="75000"/>
+          </a:schemeClr>
+        </a:buClr>
+        <a:buSzPct val="145000"/>
+        <a:buFont typeface="Arial"/>
         <a:buChar char="•"/>
-        <a:defRPr sz="1800" kern="1200">
+        <a:defRPr sz="1400" kern="1200" cap="none">
           <a:solidFill>
             <a:schemeClr val="tx1"/>
           </a:solidFill>
+          <a:effectLst/>
           <a:latin typeface="+mn-lt"/>
           <a:ea typeface="+mn-ea"/>
           <a:cs typeface="+mn-cs"/>
@@ -2861,7 +6033,7 @@
       <a:defPPr>
         <a:defRPr lang="en-US"/>
       </a:defPPr>
-      <a:lvl1pPr marL="0" algn="l" defTabSz="914400" rtl="0" eaLnBrk="1" latinLnBrk="0" hangingPunct="1">
+      <a:lvl1pPr marL="0" algn="l" defTabSz="457200" rtl="0" eaLnBrk="1" latinLnBrk="0" hangingPunct="1">
         <a:defRPr sz="1800" kern="1200">
           <a:solidFill>
             <a:schemeClr val="tx1"/>
@@ -2871,7 +6043,7 @@
           <a:cs typeface="+mn-cs"/>
         </a:defRPr>
       </a:lvl1pPr>
-      <a:lvl2pPr marL="457200" algn="l" defTabSz="914400" rtl="0" eaLnBrk="1" latinLnBrk="0" hangingPunct="1">
+      <a:lvl2pPr marL="457200" algn="l" defTabSz="457200" rtl="0" eaLnBrk="1" latinLnBrk="0" hangingPunct="1">
         <a:defRPr sz="1800" kern="1200">
           <a:solidFill>
             <a:schemeClr val="tx1"/>
@@ -2881,7 +6053,7 @@
           <a:cs typeface="+mn-cs"/>
         </a:defRPr>
       </a:lvl2pPr>
-      <a:lvl3pPr marL="914400" algn="l" defTabSz="914400" rtl="0" eaLnBrk="1" latinLnBrk="0" hangingPunct="1">
+      <a:lvl3pPr marL="914400" algn="l" defTabSz="457200" rtl="0" eaLnBrk="1" latinLnBrk="0" hangingPunct="1">
         <a:defRPr sz="1800" kern="1200">
           <a:solidFill>
             <a:schemeClr val="tx1"/>
@@ -2891,7 +6063,7 @@
           <a:cs typeface="+mn-cs"/>
         </a:defRPr>
       </a:lvl3pPr>
-      <a:lvl4pPr marL="1371600" algn="l" defTabSz="914400" rtl="0" eaLnBrk="1" latinLnBrk="0" hangingPunct="1">
+      <a:lvl4pPr marL="1371600" algn="l" defTabSz="457200" rtl="0" eaLnBrk="1" latinLnBrk="0" hangingPunct="1">
         <a:defRPr sz="1800" kern="1200">
           <a:solidFill>
             <a:schemeClr val="tx1"/>
@@ -2901,7 +6073,7 @@
           <a:cs typeface="+mn-cs"/>
         </a:defRPr>
       </a:lvl4pPr>
-      <a:lvl5pPr marL="1828800" algn="l" defTabSz="914400" rtl="0" eaLnBrk="1" latinLnBrk="0" hangingPunct="1">
+      <a:lvl5pPr marL="1828800" algn="l" defTabSz="457200" rtl="0" eaLnBrk="1" latinLnBrk="0" hangingPunct="1">
         <a:defRPr sz="1800" kern="1200">
           <a:solidFill>
             <a:schemeClr val="tx1"/>
@@ -2911,7 +6083,7 @@
           <a:cs typeface="+mn-cs"/>
         </a:defRPr>
       </a:lvl5pPr>
-      <a:lvl6pPr marL="2286000" algn="l" defTabSz="914400" rtl="0" eaLnBrk="1" latinLnBrk="0" hangingPunct="1">
+      <a:lvl6pPr marL="2286000" algn="l" defTabSz="457200" rtl="0" eaLnBrk="1" latinLnBrk="0" hangingPunct="1">
         <a:defRPr sz="1800" kern="1200">
           <a:solidFill>
             <a:schemeClr val="tx1"/>
@@ -2921,7 +6093,7 @@
           <a:cs typeface="+mn-cs"/>
         </a:defRPr>
       </a:lvl6pPr>
-      <a:lvl7pPr marL="2743200" algn="l" defTabSz="914400" rtl="0" eaLnBrk="1" latinLnBrk="0" hangingPunct="1">
+      <a:lvl7pPr marL="2743200" algn="l" defTabSz="457200" rtl="0" eaLnBrk="1" latinLnBrk="0" hangingPunct="1">
         <a:defRPr sz="1800" kern="1200">
           <a:solidFill>
             <a:schemeClr val="tx1"/>
@@ -2931,7 +6103,7 @@
           <a:cs typeface="+mn-cs"/>
         </a:defRPr>
       </a:lvl7pPr>
-      <a:lvl8pPr marL="3200400" algn="l" defTabSz="914400" rtl="0" eaLnBrk="1" latinLnBrk="0" hangingPunct="1">
+      <a:lvl8pPr marL="3200400" algn="l" defTabSz="457200" rtl="0" eaLnBrk="1" latinLnBrk="0" hangingPunct="1">
         <a:defRPr sz="1800" kern="1200">
           <a:solidFill>
             <a:schemeClr val="tx1"/>
@@ -2941,7 +6113,7 @@
           <a:cs typeface="+mn-cs"/>
         </a:defRPr>
       </a:lvl8pPr>
-      <a:lvl9pPr marL="3657600" algn="l" defTabSz="914400" rtl="0" eaLnBrk="1" latinLnBrk="0" hangingPunct="1">
+      <a:lvl9pPr marL="3657600" algn="l" defTabSz="457200" rtl="0" eaLnBrk="1" latinLnBrk="0" hangingPunct="1">
         <a:defRPr sz="1800" kern="1200">
           <a:solidFill>
             <a:schemeClr val="tx1"/>
@@ -2975,106 +6147,119 @@
       </p:grpSpPr>
       <p:sp>
         <p:nvSpPr>
-          <p:cNvPr id="2" name="Title 1"/>
-          <p:cNvSpPr>
-            <a:spLocks noGrp="1"/>
-          </p:cNvSpPr>
-          <p:nvPr>
-            <p:ph type="title"/>
-          </p:nvPr>
-        </p:nvSpPr>
-        <p:spPr/>
+          <p:cNvPr id="4" name="Subtitle 3"/>
+          <p:cNvSpPr>
+            <a:spLocks noGrp="1"/>
+          </p:cNvSpPr>
+          <p:nvPr>
+            <p:ph type="subTitle" idx="1"/>
+          </p:nvPr>
+        </p:nvSpPr>
+        <p:spPr>
+          <a:xfrm>
+            <a:off x="3124200" y="3717822"/>
+            <a:ext cx="5943600" cy="1655762"/>
+          </a:xfrm>
+        </p:spPr>
         <p:txBody>
           <a:bodyPr/>
           <a:lstStyle/>
           <a:p>
-            <a:r>
-              <a:rPr lang="en-CA" dirty="0" smtClean="0"/>
-              <a:t>Main users</a:t>
-            </a:r>
-            <a:endParaRPr lang="en-CA" dirty="0"/>
-          </a:p>
-        </p:txBody>
-      </p:sp>
-      <p:sp>
-        <p:nvSpPr>
-          <p:cNvPr id="3" name="Content Placeholder 2"/>
-          <p:cNvSpPr>
-            <a:spLocks noGrp="1"/>
-          </p:cNvSpPr>
-          <p:nvPr>
-            <p:ph idx="1"/>
-          </p:nvPr>
-        </p:nvSpPr>
-        <p:spPr/>
-        <p:txBody>
-          <a:bodyPr/>
-          <a:lstStyle/>
-          <a:p>
-            <a:r>
-              <a:rPr lang="en-CA" dirty="0" smtClean="0"/>
-              <a:t>Client</a:t>
-            </a:r>
-          </a:p>
-          <a:p>
-            <a:pPr lvl="1"/>
-            <a:r>
-              <a:rPr lang="en-CA" dirty="0" smtClean="0"/>
-              <a:t>Needs information on schizophrenia in a more user friendly interface</a:t>
-            </a:r>
-          </a:p>
-          <a:p>
-            <a:pPr lvl="1"/>
-            <a:r>
-              <a:rPr lang="en-CA" dirty="0" smtClean="0"/>
-              <a:t>Would like to view events and input Fitbit data to website</a:t>
-            </a:r>
-          </a:p>
-          <a:p>
-            <a:r>
-              <a:rPr lang="en-CA" dirty="0" smtClean="0"/>
-              <a:t>Workers/Administrator</a:t>
-            </a:r>
-          </a:p>
-          <a:p>
-            <a:pPr lvl="1"/>
-            <a:r>
-              <a:rPr lang="en-CA" dirty="0" smtClean="0"/>
-              <a:t>Needs to be able to view events and update website</a:t>
-            </a:r>
-          </a:p>
-          <a:p>
-            <a:r>
-              <a:rPr lang="en-CA" dirty="0" smtClean="0"/>
-              <a:t>Board Members</a:t>
-            </a:r>
-          </a:p>
-          <a:p>
-            <a:pPr lvl="1"/>
-            <a:r>
-              <a:rPr lang="en-CA" dirty="0" smtClean="0"/>
-              <a:t>Needs to see budget and track budget using budget tracker</a:t>
-            </a:r>
-          </a:p>
-        </p:txBody>
-      </p:sp>
+            <a:pPr algn="ctr"/>
+            <a:r>
+              <a:rPr lang="en-US" dirty="0" err="1"/>
+              <a:t>Dmitrii</a:t>
+            </a:r>
+            <a:r>
+              <a:rPr lang="en-US" dirty="0"/>
+              <a:t> </a:t>
+            </a:r>
+            <a:r>
+              <a:rPr lang="en-US" dirty="0" err="1" smtClean="0"/>
+              <a:t>Koshkidko</a:t>
+            </a:r>
+            <a:r>
+              <a:rPr lang="en-US" dirty="0" smtClean="0"/>
+              <a:t>, Amir Bukhari, </a:t>
+            </a:r>
+          </a:p>
+          <a:p>
+            <a:pPr algn="ctr"/>
+            <a:r>
+              <a:rPr lang="en-US" dirty="0" smtClean="0"/>
+              <a:t>Justin Spreitzer, </a:t>
+            </a:r>
+            <a:r>
+              <a:rPr lang="en-US" dirty="0" err="1"/>
+              <a:t>Khypee</a:t>
+            </a:r>
+            <a:r>
+              <a:rPr lang="en-US" dirty="0"/>
+              <a:t> </a:t>
+            </a:r>
+            <a:r>
+              <a:rPr lang="en-US" dirty="0" err="1" smtClean="0"/>
+              <a:t>Mangrobang</a:t>
+            </a:r>
+            <a:r>
+              <a:rPr lang="en-US" dirty="0" smtClean="0"/>
+              <a:t> </a:t>
+            </a:r>
+            <a:endParaRPr lang="en-US" dirty="0"/>
+          </a:p>
+        </p:txBody>
+      </p:sp>
+      <p:pic>
+        <p:nvPicPr>
+          <p:cNvPr id="1026" name="Picture 2" descr="LogoTransparent.png"/>
+          <p:cNvPicPr>
+            <a:picLocks noChangeAspect="1" noChangeArrowheads="1"/>
+          </p:cNvPicPr>
+          <p:nvPr/>
+        </p:nvPicPr>
+        <p:blipFill>
+          <a:blip r:embed="rId2" cstate="print">
+            <a:extLst>
+              <a:ext uri="{28A0092B-C50C-407E-A947-70E740481C1C}">
+                <a14:useLocalDpi xmlns:a14="http://schemas.microsoft.com/office/drawing/2010/main" val="0"/>
+              </a:ext>
+            </a:extLst>
+          </a:blip>
+          <a:srcRect/>
+          <a:stretch>
+            <a:fillRect/>
+          </a:stretch>
+        </p:blipFill>
+        <p:spPr bwMode="auto">
+          <a:xfrm>
+            <a:off x="3124200" y="829726"/>
+            <a:ext cx="5943600" cy="2562226"/>
+          </a:xfrm>
+          <a:prstGeom prst="rect">
+            <a:avLst/>
+          </a:prstGeom>
+          <a:noFill/>
+          <a:extLst>
+            <a:ext uri="{909E8E84-426E-40DD-AFC4-6F175D3DCCD1}">
+              <a14:hiddenFill xmlns:a14="http://schemas.microsoft.com/office/drawing/2010/main">
+                <a:solidFill>
+                  <a:srgbClr val="FFFFFF"/>
+                </a:solidFill>
+              </a14:hiddenFill>
+            </a:ext>
+          </a:extLst>
+        </p:spPr>
+      </p:pic>
     </p:spTree>
     <p:extLst>
       <p:ext uri="{BB962C8B-B14F-4D97-AF65-F5344CB8AC3E}">
-        <p14:creationId xmlns:p14="http://schemas.microsoft.com/office/powerpoint/2010/main" val="3335882420"/>
+        <p14:creationId xmlns:p14="http://schemas.microsoft.com/office/powerpoint/2010/main" val="2132920279"/>
       </p:ext>
     </p:extLst>
   </p:cSld>
   <p:clrMapOvr>
     <a:masterClrMapping/>
   </p:clrMapOvr>
-  <p:timing>
-    <p:tnLst>
-      <p:par>
-        <p:cTn id="1" dur="indefinite" restart="never" nodeType="tmRoot"/>
-      </p:par>
-    </p:tnLst>
-  </p:timing>
 </p:sld>
 </file>
 
@@ -3095,308 +6280,106 @@
           <a:chExt cx="0" cy="0"/>
         </a:xfrm>
       </p:grpSpPr>
-      <p:pic>
-        <p:nvPicPr>
-          <p:cNvPr id="1026" name="Picture 2" descr="https://pixabay.com/static/uploads/photo/2015/09/23/08/17/school-953123_960_720.jpg"/>
-          <p:cNvPicPr>
-            <a:picLocks noChangeAspect="1" noChangeArrowheads="1"/>
-          </p:cNvPicPr>
-          <p:nvPr/>
-        </p:nvPicPr>
-        <p:blipFill>
-          <a:blip r:embed="rId2">
-            <a:extLst>
-              <a:ext uri="{28A0092B-C50C-407E-A947-70E740481C1C}">
-                <a14:useLocalDpi xmlns:a14="http://schemas.microsoft.com/office/drawing/2010/main" val="0"/>
-              </a:ext>
-            </a:extLst>
-          </a:blip>
-          <a:srcRect/>
-          <a:stretch>
-            <a:fillRect/>
-          </a:stretch>
-        </p:blipFill>
-        <p:spPr bwMode="auto">
-          <a:xfrm>
-            <a:off x="7327231" y="3386423"/>
-            <a:ext cx="4378660" cy="2549657"/>
-          </a:xfrm>
-          <a:prstGeom prst="rect">
-            <a:avLst/>
-          </a:prstGeom>
-          <a:noFill/>
-          <a:extLst>
-            <a:ext uri="{909E8E84-426E-40DD-AFC4-6F175D3DCCD1}">
-              <a14:hiddenFill xmlns:a14="http://schemas.microsoft.com/office/drawing/2010/main">
-                <a:solidFill>
-                  <a:srgbClr val="FFFFFF"/>
-                </a:solidFill>
-              </a14:hiddenFill>
-            </a:ext>
-          </a:extLst>
-        </p:spPr>
-      </p:pic>
-      <p:pic>
-        <p:nvPicPr>
-          <p:cNvPr id="4" name="Picture 3"/>
-          <p:cNvPicPr>
-            <a:picLocks noChangeAspect="1"/>
-          </p:cNvPicPr>
-          <p:nvPr/>
-        </p:nvPicPr>
-        <p:blipFill>
-          <a:blip r:embed="rId3">
-            <a:extLst>
-              <a:ext uri="{28A0092B-C50C-407E-A947-70E740481C1C}">
-                <a14:useLocalDpi xmlns:a14="http://schemas.microsoft.com/office/drawing/2010/main" val="0"/>
-              </a:ext>
-            </a:extLst>
-          </a:blip>
-          <a:stretch>
-            <a:fillRect/>
-          </a:stretch>
-        </p:blipFill>
-        <p:spPr>
-          <a:xfrm>
-            <a:off x="784935" y="3050870"/>
-            <a:ext cx="2896615" cy="2896615"/>
-          </a:xfrm>
-          <a:prstGeom prst="rect">
-            <a:avLst/>
-          </a:prstGeom>
-        </p:spPr>
-      </p:pic>
-      <p:pic>
-        <p:nvPicPr>
-          <p:cNvPr id="1028" name="Picture 4" descr="http://vignette2.wikia.nocookie.net/simpsons/images/3/3a/Seymour_Skinner.png/revision/latest?cb=20151011181559"/>
-          <p:cNvPicPr>
-            <a:picLocks noChangeAspect="1" noChangeArrowheads="1"/>
-          </p:cNvPicPr>
-          <p:nvPr/>
-        </p:nvPicPr>
-        <p:blipFill>
-          <a:blip r:embed="rId4">
-            <a:extLst>
-              <a:ext uri="{28A0092B-C50C-407E-A947-70E740481C1C}">
-                <a14:useLocalDpi xmlns:a14="http://schemas.microsoft.com/office/drawing/2010/main" val="0"/>
-              </a:ext>
-            </a:extLst>
-          </a:blip>
-          <a:srcRect/>
-          <a:stretch>
-            <a:fillRect/>
-          </a:stretch>
-        </p:blipFill>
-        <p:spPr bwMode="auto">
-          <a:xfrm>
-            <a:off x="9516561" y="142981"/>
-            <a:ext cx="1432594" cy="2538557"/>
-          </a:xfrm>
-          <a:prstGeom prst="rect">
-            <a:avLst/>
-          </a:prstGeom>
-          <a:noFill/>
-          <a:extLst>
-            <a:ext uri="{909E8E84-426E-40DD-AFC4-6F175D3DCCD1}">
-              <a14:hiddenFill xmlns:a14="http://schemas.microsoft.com/office/drawing/2010/main">
-                <a:solidFill>
-                  <a:srgbClr val="FFFFFF"/>
-                </a:solidFill>
-              </a14:hiddenFill>
-            </a:ext>
-          </a:extLst>
-        </p:spPr>
-      </p:pic>
-      <p:pic>
-        <p:nvPicPr>
-          <p:cNvPr id="1030" name="Picture 6" descr="http://cliparts.co/cliparts/rcj/raa/rcjraa7Ki.png"/>
-          <p:cNvPicPr>
-            <a:picLocks noChangeAspect="1" noChangeArrowheads="1"/>
-          </p:cNvPicPr>
-          <p:nvPr/>
-        </p:nvPicPr>
-        <p:blipFill>
-          <a:blip r:embed="rId5">
-            <a:extLst>
-              <a:ext uri="{28A0092B-C50C-407E-A947-70E740481C1C}">
-                <a14:useLocalDpi xmlns:a14="http://schemas.microsoft.com/office/drawing/2010/main" val="0"/>
-              </a:ext>
-            </a:extLst>
-          </a:blip>
-          <a:srcRect/>
-          <a:stretch>
-            <a:fillRect/>
-          </a:stretch>
-        </p:blipFill>
-        <p:spPr bwMode="auto">
-          <a:xfrm>
-            <a:off x="3826043" y="2748510"/>
-            <a:ext cx="2466474" cy="3187570"/>
-          </a:xfrm>
-          <a:prstGeom prst="rect">
-            <a:avLst/>
-          </a:prstGeom>
-          <a:noFill/>
-          <a:extLst>
-            <a:ext uri="{909E8E84-426E-40DD-AFC4-6F175D3DCCD1}">
-              <a14:hiddenFill xmlns:a14="http://schemas.microsoft.com/office/drawing/2010/main">
-                <a:solidFill>
-                  <a:srgbClr val="FFFFFF"/>
-                </a:solidFill>
-              </a14:hiddenFill>
-            </a:ext>
-          </a:extLst>
-        </p:spPr>
-      </p:pic>
-      <p:sp>
-        <p:nvSpPr>
-          <p:cNvPr id="5" name="TextBox 4"/>
-          <p:cNvSpPr txBox="1"/>
-          <p:nvPr/>
-        </p:nvSpPr>
-        <p:spPr>
-          <a:xfrm>
-            <a:off x="517358" y="5915275"/>
-            <a:ext cx="2598821" cy="369332"/>
-          </a:xfrm>
-          <a:prstGeom prst="rect">
-            <a:avLst/>
-          </a:prstGeom>
-          <a:noFill/>
-        </p:spPr>
-        <p:txBody>
-          <a:bodyPr wrap="square" rtlCol="0">
-            <a:spAutoFit/>
+      <p:sp>
+        <p:nvSpPr>
+          <p:cNvPr id="2" name="Title 1"/>
+          <p:cNvSpPr>
+            <a:spLocks noGrp="1"/>
+          </p:cNvSpPr>
+          <p:nvPr>
+            <p:ph type="title"/>
+          </p:nvPr>
+        </p:nvSpPr>
+        <p:spPr/>
+        <p:txBody>
+          <a:bodyPr/>
+          <a:lstStyle/>
+          <a:p>
+            <a:r>
+              <a:rPr lang="en-US" dirty="0" err="1" smtClean="0"/>
+              <a:t>Vmad</a:t>
+            </a:r>
+            <a:endParaRPr lang="en-US" dirty="0"/>
+          </a:p>
+        </p:txBody>
+      </p:sp>
+      <p:sp>
+        <p:nvSpPr>
+          <p:cNvPr id="3" name="Content Placeholder 2"/>
+          <p:cNvSpPr>
+            <a:spLocks noGrp="1"/>
+          </p:cNvSpPr>
+          <p:nvPr>
+            <p:ph idx="1"/>
+          </p:nvPr>
+        </p:nvSpPr>
+        <p:spPr/>
+        <p:txBody>
+          <a:bodyPr>
+            <a:normAutofit fontScale="92500" lnSpcReduction="20000"/>
           </a:bodyPr>
           <a:lstStyle/>
           <a:p>
-            <a:pPr algn="ctr"/>
-            <a:r>
-              <a:rPr lang="en-CA" dirty="0" smtClean="0"/>
-              <a:t>Students (Clients)</a:t>
-            </a:r>
-            <a:endParaRPr lang="en-CA" dirty="0"/>
-          </a:p>
-        </p:txBody>
-      </p:sp>
-      <p:sp>
-        <p:nvSpPr>
-          <p:cNvPr id="6" name="TextBox 5"/>
-          <p:cNvSpPr txBox="1"/>
-          <p:nvPr/>
-        </p:nvSpPr>
-        <p:spPr>
-          <a:xfrm>
-            <a:off x="7218112" y="5915275"/>
-            <a:ext cx="4367463" cy="923330"/>
-          </a:xfrm>
-          <a:prstGeom prst="rect">
-            <a:avLst/>
-          </a:prstGeom>
-          <a:noFill/>
-        </p:spPr>
-        <p:txBody>
-          <a:bodyPr wrap="square" rtlCol="0">
-            <a:spAutoFit/>
-          </a:bodyPr>
-          <a:lstStyle/>
-          <a:p>
-            <a:r>
-              <a:rPr lang="en-CA" dirty="0" smtClean="0"/>
-              <a:t>Students go to input work as a client would input their steps, teachers mark the work as an administrator would view steps</a:t>
-            </a:r>
-            <a:endParaRPr lang="en-CA" dirty="0"/>
-          </a:p>
-        </p:txBody>
-      </p:sp>
-      <p:sp>
-        <p:nvSpPr>
-          <p:cNvPr id="7" name="TextBox 6"/>
-          <p:cNvSpPr txBox="1"/>
-          <p:nvPr/>
-        </p:nvSpPr>
-        <p:spPr>
-          <a:xfrm>
-            <a:off x="3729789" y="5947485"/>
-            <a:ext cx="2971800" cy="369332"/>
-          </a:xfrm>
-          <a:prstGeom prst="rect">
-            <a:avLst/>
-          </a:prstGeom>
-          <a:noFill/>
-        </p:spPr>
-        <p:txBody>
-          <a:bodyPr wrap="square" rtlCol="0">
-            <a:spAutoFit/>
-          </a:bodyPr>
-          <a:lstStyle/>
-          <a:p>
-            <a:r>
-              <a:rPr lang="en-CA" dirty="0" smtClean="0"/>
-              <a:t>Teachers (Administrator(s))</a:t>
-            </a:r>
-            <a:endParaRPr lang="en-CA" dirty="0"/>
-          </a:p>
-        </p:txBody>
-      </p:sp>
-      <p:sp>
-        <p:nvSpPr>
-          <p:cNvPr id="8" name="TextBox 7"/>
-          <p:cNvSpPr txBox="1"/>
-          <p:nvPr/>
-        </p:nvSpPr>
-        <p:spPr>
-          <a:xfrm>
-            <a:off x="8493459" y="2681538"/>
-            <a:ext cx="3212432" cy="369332"/>
-          </a:xfrm>
-          <a:prstGeom prst="rect">
-            <a:avLst/>
-          </a:prstGeom>
-          <a:noFill/>
-        </p:spPr>
-        <p:txBody>
-          <a:bodyPr wrap="square" rtlCol="0">
-            <a:spAutoFit/>
-          </a:bodyPr>
-          <a:lstStyle/>
-          <a:p>
-            <a:pPr algn="ctr"/>
-            <a:r>
-              <a:rPr lang="en-CA" dirty="0" smtClean="0"/>
-              <a:t>Principal (Board members)</a:t>
-            </a:r>
-            <a:endParaRPr lang="en-CA" dirty="0"/>
-          </a:p>
-        </p:txBody>
-      </p:sp>
-      <p:sp>
-        <p:nvSpPr>
-          <p:cNvPr id="10" name="Title 9"/>
-          <p:cNvSpPr>
-            <a:spLocks noGrp="1"/>
-          </p:cNvSpPr>
-          <p:nvPr>
-            <p:ph type="title"/>
-          </p:nvPr>
-        </p:nvSpPr>
-        <p:spPr/>
-        <p:txBody>
-          <a:bodyPr/>
-          <a:lstStyle/>
-          <a:p>
-            <a:r>
-              <a:rPr lang="en-CA" dirty="0" smtClean="0"/>
-              <a:t>Main Metaphor</a:t>
-            </a:r>
-            <a:endParaRPr lang="en-CA" dirty="0"/>
+            <a:r>
+              <a:rPr lang="en-US" dirty="0" smtClean="0"/>
+              <a:t>Very masterful, always dedicated</a:t>
+            </a:r>
+          </a:p>
+          <a:p>
+            <a:r>
+              <a:rPr lang="en-US" dirty="0" smtClean="0"/>
+              <a:t>As a company we provide the best in web design and other media projects for clients</a:t>
+            </a:r>
+          </a:p>
+          <a:p>
+            <a:r>
+              <a:rPr lang="en-US" dirty="0" smtClean="0"/>
+              <a:t>Have created many websites in the past for clients</a:t>
+            </a:r>
+          </a:p>
+          <a:p>
+            <a:r>
+              <a:rPr lang="en-US" dirty="0" smtClean="0"/>
+              <a:t>Roles at </a:t>
+            </a:r>
+            <a:r>
+              <a:rPr lang="en-US" dirty="0" err="1" smtClean="0"/>
+              <a:t>Vmad</a:t>
+            </a:r>
+            <a:endParaRPr lang="en-US" dirty="0" smtClean="0"/>
+          </a:p>
+          <a:p>
+            <a:pPr lvl="1"/>
+            <a:r>
+              <a:rPr lang="en-US" dirty="0" err="1" smtClean="0"/>
+              <a:t>Dmitrii</a:t>
+            </a:r>
+            <a:r>
+              <a:rPr lang="en-US" dirty="0" smtClean="0"/>
+              <a:t> and KP as back-end database design</a:t>
+            </a:r>
+          </a:p>
+          <a:p>
+            <a:pPr lvl="1"/>
+            <a:r>
+              <a:rPr lang="en-US" dirty="0" smtClean="0"/>
+              <a:t>Amir and Justin as interface design</a:t>
+            </a:r>
+            <a:endParaRPr lang="en-US" dirty="0"/>
+          </a:p>
+          <a:p>
+            <a:pPr lvl="1"/>
+            <a:r>
+              <a:rPr lang="en-US" dirty="0" smtClean="0"/>
+              <a:t>Everyone will contribute equally and help in areas that need work throughout the project</a:t>
+            </a:r>
           </a:p>
         </p:txBody>
       </p:sp>
     </p:spTree>
     <p:extLst>
       <p:ext uri="{BB962C8B-B14F-4D97-AF65-F5344CB8AC3E}">
-        <p14:creationId xmlns:p14="http://schemas.microsoft.com/office/powerpoint/2010/main" val="2367462640"/>
+        <p14:creationId xmlns:p14="http://schemas.microsoft.com/office/powerpoint/2010/main" val="3652006648"/>
       </p:ext>
     </p:extLst>
   </p:cSld>
@@ -3440,7 +6423,7 @@
           <a:p>
             <a:r>
               <a:rPr lang="en-CA" dirty="0" smtClean="0"/>
-              <a:t>Students (Clients)</a:t>
+              <a:t>Main users</a:t>
             </a:r>
             <a:endParaRPr lang="en-CA" dirty="0"/>
           </a:p>
@@ -3458,39 +6441,88 @@
         </p:nvSpPr>
         <p:spPr/>
         <p:txBody>
-          <a:bodyPr/>
+          <a:bodyPr>
+            <a:noAutofit/>
+          </a:bodyPr>
           <a:lstStyle/>
           <a:p>
             <a:r>
               <a:rPr lang="en-CA" dirty="0" smtClean="0"/>
-              <a:t>Upload walking data like a student would submit work for the teacher</a:t>
-            </a:r>
-          </a:p>
-          <a:p>
+              <a:t>User</a:t>
+            </a:r>
+          </a:p>
+          <a:p>
+            <a:pPr lvl="1"/>
             <a:r>
               <a:rPr lang="en-CA" dirty="0" smtClean="0"/>
-              <a:t>A student can sign up for many events when he or she arrives at school, the same could be said for the client.. When they enter the log in to the website they will be able to sign up for events</a:t>
+              <a:t>Anyone on the internet will be able to view site and find information on the Hamilton Program for Schizophrenia</a:t>
             </a:r>
           </a:p>
           <a:p>
             <a:r>
               <a:rPr lang="en-CA" dirty="0" smtClean="0"/>
-              <a:t>Students go to school to learn, the client will be logged into the website to learn about schizophrenia</a:t>
-            </a:r>
-            <a:endParaRPr lang="en-CA" dirty="0"/>
+              <a:t>Client</a:t>
+            </a:r>
+          </a:p>
+          <a:p>
+            <a:pPr lvl="1"/>
+            <a:r>
+              <a:rPr lang="en-CA" dirty="0" smtClean="0"/>
+              <a:t>Needs information on schizophrenia in a more user friendly interface</a:t>
+            </a:r>
+          </a:p>
+          <a:p>
+            <a:pPr lvl="1"/>
+            <a:r>
+              <a:rPr lang="en-CA" dirty="0" smtClean="0"/>
+              <a:t>Ability to log in to view events and input Fitbit data to website for tracking</a:t>
+            </a:r>
+          </a:p>
+          <a:p>
+            <a:r>
+              <a:rPr lang="en-CA" dirty="0" smtClean="0"/>
+              <a:t>Workers/Administrator</a:t>
+            </a:r>
+          </a:p>
+          <a:p>
+            <a:pPr lvl="1"/>
+            <a:r>
+              <a:rPr lang="en-CA" dirty="0" smtClean="0"/>
+              <a:t>Needs to be able to view events and update website</a:t>
+            </a:r>
+          </a:p>
+          <a:p>
+            <a:r>
+              <a:rPr lang="en-CA" dirty="0" smtClean="0"/>
+              <a:t>Board Members</a:t>
+            </a:r>
+          </a:p>
+          <a:p>
+            <a:pPr lvl="1"/>
+            <a:r>
+              <a:rPr lang="en-CA" dirty="0" smtClean="0"/>
+              <a:t>Needs to see budget and track budget using budget tracker</a:t>
+            </a:r>
           </a:p>
         </p:txBody>
       </p:sp>
     </p:spTree>
     <p:extLst>
       <p:ext uri="{BB962C8B-B14F-4D97-AF65-F5344CB8AC3E}">
-        <p14:creationId xmlns:p14="http://schemas.microsoft.com/office/powerpoint/2010/main" val="3200661161"/>
+        <p14:creationId xmlns:p14="http://schemas.microsoft.com/office/powerpoint/2010/main" val="3335882420"/>
       </p:ext>
     </p:extLst>
   </p:cSld>
   <p:clrMapOvr>
     <a:masterClrMapping/>
   </p:clrMapOvr>
+  <p:timing>
+    <p:tnLst>
+      <p:par>
+        <p:cTn id="1" dur="indefinite" restart="never" nodeType="tmRoot"/>
+      </p:par>
+    </p:tnLst>
+  </p:timing>
 </p:sld>
 </file>
 
@@ -3527,10 +6559,10 @@
           <a:lstStyle/>
           <a:p>
             <a:r>
-              <a:rPr lang="en-CA" dirty="0" smtClean="0"/>
-              <a:t>Principal (Board Member)</a:t>
-            </a:r>
-            <a:endParaRPr lang="en-CA" dirty="0"/>
+              <a:rPr lang="en-US" dirty="0" smtClean="0"/>
+              <a:t>Show Use Cases Word File</a:t>
+            </a:r>
+            <a:endParaRPr lang="en-US" dirty="0"/>
           </a:p>
         </p:txBody>
       </p:sp>
@@ -3549,23 +6581,14 @@
           <a:bodyPr/>
           <a:lstStyle/>
           <a:p>
-            <a:r>
-              <a:rPr lang="en-CA" dirty="0" smtClean="0"/>
-              <a:t>A board member will be able to log in to the website and view the budget tracker just like a principal of a school would budget the money out for the entire school year</a:t>
-            </a:r>
-          </a:p>
-          <a:p>
-            <a:r>
-              <a:rPr lang="en-CA" dirty="0" smtClean="0"/>
-              <a:t>The principal is in charge of the school just as the board members are in charge of the organization</a:t>
-            </a:r>
+            <a:endParaRPr lang="en-US"/>
           </a:p>
         </p:txBody>
       </p:sp>
     </p:spTree>
     <p:extLst>
       <p:ext uri="{BB962C8B-B14F-4D97-AF65-F5344CB8AC3E}">
-        <p14:creationId xmlns:p14="http://schemas.microsoft.com/office/powerpoint/2010/main" val="934218552"/>
+        <p14:creationId xmlns:p14="http://schemas.microsoft.com/office/powerpoint/2010/main" val="3379317084"/>
       </p:ext>
     </p:extLst>
   </p:cSld>
@@ -3592,6 +6615,482 @@
           <a:chExt cx="0" cy="0"/>
         </a:xfrm>
       </p:grpSpPr>
+      <p:pic>
+        <p:nvPicPr>
+          <p:cNvPr id="4" name="Picture 3"/>
+          <p:cNvPicPr>
+            <a:picLocks noChangeAspect="1"/>
+          </p:cNvPicPr>
+          <p:nvPr/>
+        </p:nvPicPr>
+        <p:blipFill>
+          <a:blip r:embed="rId2">
+            <a:extLst>
+              <a:ext uri="{28A0092B-C50C-407E-A947-70E740481C1C}">
+                <a14:useLocalDpi xmlns:a14="http://schemas.microsoft.com/office/drawing/2010/main" val="0"/>
+              </a:ext>
+            </a:extLst>
+          </a:blip>
+          <a:stretch>
+            <a:fillRect/>
+          </a:stretch>
+        </p:blipFill>
+        <p:spPr>
+          <a:xfrm>
+            <a:off x="784935" y="3050870"/>
+            <a:ext cx="2896615" cy="2896615"/>
+          </a:xfrm>
+          <a:prstGeom prst="rect">
+            <a:avLst/>
+          </a:prstGeom>
+        </p:spPr>
+      </p:pic>
+      <p:pic>
+        <p:nvPicPr>
+          <p:cNvPr id="1030" name="Picture 6" descr="http://cliparts.co/cliparts/rcj/raa/rcjraa7Ki.png"/>
+          <p:cNvPicPr>
+            <a:picLocks noChangeAspect="1" noChangeArrowheads="1"/>
+          </p:cNvPicPr>
+          <p:nvPr/>
+        </p:nvPicPr>
+        <p:blipFill>
+          <a:blip r:embed="rId3">
+            <a:extLst>
+              <a:ext uri="{28A0092B-C50C-407E-A947-70E740481C1C}">
+                <a14:useLocalDpi xmlns:a14="http://schemas.microsoft.com/office/drawing/2010/main" val="0"/>
+              </a:ext>
+            </a:extLst>
+          </a:blip>
+          <a:srcRect/>
+          <a:stretch>
+            <a:fillRect/>
+          </a:stretch>
+        </p:blipFill>
+        <p:spPr bwMode="auto">
+          <a:xfrm>
+            <a:off x="3826043" y="2748510"/>
+            <a:ext cx="2466474" cy="3187570"/>
+          </a:xfrm>
+          <a:prstGeom prst="rect">
+            <a:avLst/>
+          </a:prstGeom>
+          <a:noFill/>
+          <a:extLst>
+            <a:ext uri="{909E8E84-426E-40DD-AFC4-6F175D3DCCD1}">
+              <a14:hiddenFill xmlns:a14="http://schemas.microsoft.com/office/drawing/2010/main">
+                <a:solidFill>
+                  <a:srgbClr val="FFFFFF"/>
+                </a:solidFill>
+              </a14:hiddenFill>
+            </a:ext>
+          </a:extLst>
+        </p:spPr>
+      </p:pic>
+      <p:sp>
+        <p:nvSpPr>
+          <p:cNvPr id="5" name="TextBox 4"/>
+          <p:cNvSpPr txBox="1"/>
+          <p:nvPr/>
+        </p:nvSpPr>
+        <p:spPr>
+          <a:xfrm>
+            <a:off x="517358" y="5915275"/>
+            <a:ext cx="2598821" cy="369332"/>
+          </a:xfrm>
+          <a:prstGeom prst="rect">
+            <a:avLst/>
+          </a:prstGeom>
+          <a:noFill/>
+        </p:spPr>
+        <p:txBody>
+          <a:bodyPr wrap="square" rtlCol="0">
+            <a:spAutoFit/>
+          </a:bodyPr>
+          <a:lstStyle/>
+          <a:p>
+            <a:pPr algn="ctr"/>
+            <a:r>
+              <a:rPr lang="en-CA" dirty="0" smtClean="0"/>
+              <a:t>Students (Clients)</a:t>
+            </a:r>
+            <a:endParaRPr lang="en-CA" dirty="0"/>
+          </a:p>
+        </p:txBody>
+      </p:sp>
+      <p:sp>
+        <p:nvSpPr>
+          <p:cNvPr id="6" name="TextBox 5"/>
+          <p:cNvSpPr txBox="1"/>
+          <p:nvPr/>
+        </p:nvSpPr>
+        <p:spPr>
+          <a:xfrm>
+            <a:off x="7218112" y="5915275"/>
+            <a:ext cx="4367463" cy="923330"/>
+          </a:xfrm>
+          <a:prstGeom prst="rect">
+            <a:avLst/>
+          </a:prstGeom>
+          <a:noFill/>
+        </p:spPr>
+        <p:txBody>
+          <a:bodyPr wrap="square" rtlCol="0">
+            <a:spAutoFit/>
+          </a:bodyPr>
+          <a:lstStyle/>
+          <a:p>
+            <a:r>
+              <a:rPr lang="en-CA" dirty="0" smtClean="0"/>
+              <a:t>Students go to input work as a client would input their steps, teachers mark the work as an administrator would view steps</a:t>
+            </a:r>
+            <a:endParaRPr lang="en-CA" dirty="0"/>
+          </a:p>
+        </p:txBody>
+      </p:sp>
+      <p:sp>
+        <p:nvSpPr>
+          <p:cNvPr id="7" name="TextBox 6"/>
+          <p:cNvSpPr txBox="1"/>
+          <p:nvPr/>
+        </p:nvSpPr>
+        <p:spPr>
+          <a:xfrm>
+            <a:off x="3729789" y="5947485"/>
+            <a:ext cx="2971800" cy="369332"/>
+          </a:xfrm>
+          <a:prstGeom prst="rect">
+            <a:avLst/>
+          </a:prstGeom>
+          <a:noFill/>
+        </p:spPr>
+        <p:txBody>
+          <a:bodyPr wrap="square" rtlCol="0">
+            <a:spAutoFit/>
+          </a:bodyPr>
+          <a:lstStyle/>
+          <a:p>
+            <a:r>
+              <a:rPr lang="en-CA" dirty="0" smtClean="0"/>
+              <a:t>Teachers (Administrator(s))</a:t>
+            </a:r>
+            <a:endParaRPr lang="en-CA" dirty="0"/>
+          </a:p>
+        </p:txBody>
+      </p:sp>
+      <p:sp>
+        <p:nvSpPr>
+          <p:cNvPr id="8" name="TextBox 7"/>
+          <p:cNvSpPr txBox="1"/>
+          <p:nvPr/>
+        </p:nvSpPr>
+        <p:spPr>
+          <a:xfrm>
+            <a:off x="8493459" y="2681538"/>
+            <a:ext cx="3212432" cy="369332"/>
+          </a:xfrm>
+          <a:prstGeom prst="rect">
+            <a:avLst/>
+          </a:prstGeom>
+          <a:noFill/>
+        </p:spPr>
+        <p:txBody>
+          <a:bodyPr wrap="square" rtlCol="0">
+            <a:spAutoFit/>
+          </a:bodyPr>
+          <a:lstStyle/>
+          <a:p>
+            <a:pPr algn="ctr"/>
+            <a:r>
+              <a:rPr lang="en-CA" dirty="0" smtClean="0"/>
+              <a:t>Principal (Board members)</a:t>
+            </a:r>
+            <a:endParaRPr lang="en-CA" dirty="0"/>
+          </a:p>
+        </p:txBody>
+      </p:sp>
+      <p:sp>
+        <p:nvSpPr>
+          <p:cNvPr id="10" name="Title 9"/>
+          <p:cNvSpPr>
+            <a:spLocks noGrp="1"/>
+          </p:cNvSpPr>
+          <p:nvPr>
+            <p:ph type="title"/>
+          </p:nvPr>
+        </p:nvSpPr>
+        <p:spPr/>
+        <p:txBody>
+          <a:bodyPr/>
+          <a:lstStyle/>
+          <a:p>
+            <a:pPr algn="l"/>
+            <a:r>
+              <a:rPr lang="en-CA" dirty="0" smtClean="0"/>
+              <a:t>Main Metaphor</a:t>
+            </a:r>
+            <a:endParaRPr lang="en-CA" dirty="0"/>
+          </a:p>
+        </p:txBody>
+      </p:sp>
+      <p:pic>
+        <p:nvPicPr>
+          <p:cNvPr id="2" name="Picture 1"/>
+          <p:cNvPicPr>
+            <a:picLocks noChangeAspect="1"/>
+          </p:cNvPicPr>
+          <p:nvPr/>
+        </p:nvPicPr>
+        <p:blipFill>
+          <a:blip r:embed="rId4" cstate="print">
+            <a:extLst>
+              <a:ext uri="{28A0092B-C50C-407E-A947-70E740481C1C}">
+                <a14:useLocalDpi xmlns:a14="http://schemas.microsoft.com/office/drawing/2010/main" val="0"/>
+              </a:ext>
+            </a:extLst>
+          </a:blip>
+          <a:stretch>
+            <a:fillRect/>
+          </a:stretch>
+        </p:blipFill>
+        <p:spPr>
+          <a:xfrm>
+            <a:off x="8208884" y="245531"/>
+            <a:ext cx="3248009" cy="2436007"/>
+          </a:xfrm>
+          <a:prstGeom prst="rect">
+            <a:avLst/>
+          </a:prstGeom>
+        </p:spPr>
+      </p:pic>
+      <p:pic>
+        <p:nvPicPr>
+          <p:cNvPr id="3" name="Picture 2"/>
+          <p:cNvPicPr>
+            <a:picLocks noChangeAspect="1"/>
+          </p:cNvPicPr>
+          <p:nvPr/>
+        </p:nvPicPr>
+        <p:blipFill>
+          <a:blip r:embed="rId5">
+            <a:extLst>
+              <a:ext uri="{28A0092B-C50C-407E-A947-70E740481C1C}">
+                <a14:useLocalDpi xmlns:a14="http://schemas.microsoft.com/office/drawing/2010/main" val="0"/>
+              </a:ext>
+            </a:extLst>
+          </a:blip>
+          <a:stretch>
+            <a:fillRect/>
+          </a:stretch>
+        </p:blipFill>
+        <p:spPr>
+          <a:xfrm>
+            <a:off x="8097947" y="3377964"/>
+            <a:ext cx="2607792" cy="2537311"/>
+          </a:xfrm>
+          <a:prstGeom prst="rect">
+            <a:avLst/>
+          </a:prstGeom>
+        </p:spPr>
+      </p:pic>
+    </p:spTree>
+    <p:extLst>
+      <p:ext uri="{BB962C8B-B14F-4D97-AF65-F5344CB8AC3E}">
+        <p14:creationId xmlns:p14="http://schemas.microsoft.com/office/powerpoint/2010/main" val="2367462640"/>
+      </p:ext>
+    </p:extLst>
+  </p:cSld>
+  <p:clrMapOvr>
+    <a:masterClrMapping/>
+  </p:clrMapOvr>
+</p:sld>
+</file>
+
+<file path=ppt/slides/slide6.xml><?xml version="1.0" encoding="utf-8"?>
+<p:sld xmlns:a="http://schemas.openxmlformats.org/drawingml/2006/main" xmlns:r="http://schemas.openxmlformats.org/officeDocument/2006/relationships" xmlns:p="http://schemas.openxmlformats.org/presentationml/2006/main">
+  <p:cSld>
+    <p:spTree>
+      <p:nvGrpSpPr>
+        <p:cNvPr id="1" name=""/>
+        <p:cNvGrpSpPr/>
+        <p:nvPr/>
+      </p:nvGrpSpPr>
+      <p:grpSpPr>
+        <a:xfrm>
+          <a:off x="0" y="0"/>
+          <a:ext cx="0" cy="0"/>
+          <a:chOff x="0" y="0"/>
+          <a:chExt cx="0" cy="0"/>
+        </a:xfrm>
+      </p:grpSpPr>
+      <p:sp>
+        <p:nvSpPr>
+          <p:cNvPr id="2" name="Title 1"/>
+          <p:cNvSpPr>
+            <a:spLocks noGrp="1"/>
+          </p:cNvSpPr>
+          <p:nvPr>
+            <p:ph type="title"/>
+          </p:nvPr>
+        </p:nvSpPr>
+        <p:spPr/>
+        <p:txBody>
+          <a:bodyPr/>
+          <a:lstStyle/>
+          <a:p>
+            <a:r>
+              <a:rPr lang="en-CA" dirty="0" smtClean="0"/>
+              <a:t>Students (Clients)</a:t>
+            </a:r>
+            <a:endParaRPr lang="en-CA" dirty="0"/>
+          </a:p>
+        </p:txBody>
+      </p:sp>
+      <p:sp>
+        <p:nvSpPr>
+          <p:cNvPr id="3" name="Content Placeholder 2"/>
+          <p:cNvSpPr>
+            <a:spLocks noGrp="1"/>
+          </p:cNvSpPr>
+          <p:nvPr>
+            <p:ph idx="1"/>
+          </p:nvPr>
+        </p:nvSpPr>
+        <p:spPr/>
+        <p:txBody>
+          <a:bodyPr/>
+          <a:lstStyle/>
+          <a:p>
+            <a:r>
+              <a:rPr lang="en-CA" dirty="0" smtClean="0"/>
+              <a:t>Upload walking data like a student would submit work for the teacher</a:t>
+            </a:r>
+          </a:p>
+          <a:p>
+            <a:r>
+              <a:rPr lang="en-CA" dirty="0" smtClean="0"/>
+              <a:t>A student can sign up for many events when he or she arrives at school, the same could be said for the client.. When they enter the log in to the website they will be able to sign up for events</a:t>
+            </a:r>
+          </a:p>
+          <a:p>
+            <a:r>
+              <a:rPr lang="en-CA" dirty="0" smtClean="0"/>
+              <a:t>Students go to school to learn, the client will be logged into the website to learn about schizophrenia</a:t>
+            </a:r>
+            <a:endParaRPr lang="en-CA" dirty="0"/>
+          </a:p>
+        </p:txBody>
+      </p:sp>
+    </p:spTree>
+    <p:extLst>
+      <p:ext uri="{BB962C8B-B14F-4D97-AF65-F5344CB8AC3E}">
+        <p14:creationId xmlns:p14="http://schemas.microsoft.com/office/powerpoint/2010/main" val="3200661161"/>
+      </p:ext>
+    </p:extLst>
+  </p:cSld>
+  <p:clrMapOvr>
+    <a:masterClrMapping/>
+  </p:clrMapOvr>
+</p:sld>
+</file>
+
+<file path=ppt/slides/slide7.xml><?xml version="1.0" encoding="utf-8"?>
+<p:sld xmlns:a="http://schemas.openxmlformats.org/drawingml/2006/main" xmlns:r="http://schemas.openxmlformats.org/officeDocument/2006/relationships" xmlns:p="http://schemas.openxmlformats.org/presentationml/2006/main">
+  <p:cSld>
+    <p:spTree>
+      <p:nvGrpSpPr>
+        <p:cNvPr id="1" name=""/>
+        <p:cNvGrpSpPr/>
+        <p:nvPr/>
+      </p:nvGrpSpPr>
+      <p:grpSpPr>
+        <a:xfrm>
+          <a:off x="0" y="0"/>
+          <a:ext cx="0" cy="0"/>
+          <a:chOff x="0" y="0"/>
+          <a:chExt cx="0" cy="0"/>
+        </a:xfrm>
+      </p:grpSpPr>
+      <p:sp>
+        <p:nvSpPr>
+          <p:cNvPr id="2" name="Title 1"/>
+          <p:cNvSpPr>
+            <a:spLocks noGrp="1"/>
+          </p:cNvSpPr>
+          <p:nvPr>
+            <p:ph type="title"/>
+          </p:nvPr>
+        </p:nvSpPr>
+        <p:spPr/>
+        <p:txBody>
+          <a:bodyPr/>
+          <a:lstStyle/>
+          <a:p>
+            <a:r>
+              <a:rPr lang="en-CA" dirty="0" smtClean="0"/>
+              <a:t>Principal (Board Member)</a:t>
+            </a:r>
+            <a:endParaRPr lang="en-CA" dirty="0"/>
+          </a:p>
+        </p:txBody>
+      </p:sp>
+      <p:sp>
+        <p:nvSpPr>
+          <p:cNvPr id="3" name="Content Placeholder 2"/>
+          <p:cNvSpPr>
+            <a:spLocks noGrp="1"/>
+          </p:cNvSpPr>
+          <p:nvPr>
+            <p:ph idx="1"/>
+          </p:nvPr>
+        </p:nvSpPr>
+        <p:spPr/>
+        <p:txBody>
+          <a:bodyPr/>
+          <a:lstStyle/>
+          <a:p>
+            <a:r>
+              <a:rPr lang="en-CA" dirty="0" smtClean="0"/>
+              <a:t>A board member will be able to log in to the website and view the budget tracker just like a principal of a school would budget the money out for the entire school year</a:t>
+            </a:r>
+          </a:p>
+          <a:p>
+            <a:r>
+              <a:rPr lang="en-CA" dirty="0" smtClean="0"/>
+              <a:t>The principal is in charge of the school just as the board members are in charge of the organization</a:t>
+            </a:r>
+          </a:p>
+        </p:txBody>
+      </p:sp>
+    </p:spTree>
+    <p:extLst>
+      <p:ext uri="{BB962C8B-B14F-4D97-AF65-F5344CB8AC3E}">
+        <p14:creationId xmlns:p14="http://schemas.microsoft.com/office/powerpoint/2010/main" val="934218552"/>
+      </p:ext>
+    </p:extLst>
+  </p:cSld>
+  <p:clrMapOvr>
+    <a:masterClrMapping/>
+  </p:clrMapOvr>
+</p:sld>
+</file>
+
+<file path=ppt/slides/slide8.xml><?xml version="1.0" encoding="utf-8"?>
+<p:sld xmlns:a="http://schemas.openxmlformats.org/drawingml/2006/main" xmlns:r="http://schemas.openxmlformats.org/officeDocument/2006/relationships" xmlns:p="http://schemas.openxmlformats.org/presentationml/2006/main">
+  <p:cSld>
+    <p:spTree>
+      <p:nvGrpSpPr>
+        <p:cNvPr id="1" name=""/>
+        <p:cNvGrpSpPr/>
+        <p:nvPr/>
+      </p:nvGrpSpPr>
+      <p:grpSpPr>
+        <a:xfrm>
+          <a:off x="0" y="0"/>
+          <a:ext cx="0" cy="0"/>
+          <a:chOff x="0" y="0"/>
+          <a:chExt cx="0" cy="0"/>
+        </a:xfrm>
+      </p:grpSpPr>
       <p:sp>
         <p:nvSpPr>
           <p:cNvPr id="2" name="Title 1"/>
@@ -3677,10 +7176,95 @@
 </p:sld>
 </file>
 
+<file path=ppt/slides/slide9.xml><?xml version="1.0" encoding="utf-8"?>
+<p:sld xmlns:a="http://schemas.openxmlformats.org/drawingml/2006/main" xmlns:r="http://schemas.openxmlformats.org/officeDocument/2006/relationships" xmlns:p="http://schemas.openxmlformats.org/presentationml/2006/main">
+  <p:cSld>
+    <p:spTree>
+      <p:nvGrpSpPr>
+        <p:cNvPr id="1" name=""/>
+        <p:cNvGrpSpPr/>
+        <p:nvPr/>
+      </p:nvGrpSpPr>
+      <p:grpSpPr>
+        <a:xfrm>
+          <a:off x="0" y="0"/>
+          <a:ext cx="0" cy="0"/>
+          <a:chOff x="0" y="0"/>
+          <a:chExt cx="0" cy="0"/>
+        </a:xfrm>
+      </p:grpSpPr>
+      <p:sp>
+        <p:nvSpPr>
+          <p:cNvPr id="2" name="Title 1"/>
+          <p:cNvSpPr>
+            <a:spLocks noGrp="1"/>
+          </p:cNvSpPr>
+          <p:nvPr>
+            <p:ph type="title"/>
+          </p:nvPr>
+        </p:nvSpPr>
+        <p:spPr/>
+        <p:txBody>
+          <a:bodyPr/>
+          <a:lstStyle/>
+          <a:p>
+            <a:r>
+              <a:rPr lang="en-US" dirty="0" smtClean="0"/>
+              <a:t>Questions for Client</a:t>
+            </a:r>
+            <a:endParaRPr lang="en-US" dirty="0"/>
+          </a:p>
+        </p:txBody>
+      </p:sp>
+      <p:sp>
+        <p:nvSpPr>
+          <p:cNvPr id="3" name="Content Placeholder 2"/>
+          <p:cNvSpPr>
+            <a:spLocks noGrp="1"/>
+          </p:cNvSpPr>
+          <p:nvPr>
+            <p:ph idx="1"/>
+          </p:nvPr>
+        </p:nvSpPr>
+        <p:spPr/>
+        <p:txBody>
+          <a:bodyPr/>
+          <a:lstStyle/>
+          <a:p>
+            <a:r>
+              <a:rPr lang="en-US" dirty="0" smtClean="0"/>
+              <a:t>Is there any additional information required for the board of directors?</a:t>
+            </a:r>
+          </a:p>
+          <a:p>
+            <a:r>
+              <a:rPr lang="en-CA" dirty="0" smtClean="0"/>
+              <a:t>Would you like to have the access to creating accounts or leave it up to the client?</a:t>
+            </a:r>
+            <a:endParaRPr lang="en-US" dirty="0"/>
+          </a:p>
+          <a:p>
+            <a:endParaRPr lang="en-US" dirty="0"/>
+          </a:p>
+        </p:txBody>
+      </p:sp>
+    </p:spTree>
+    <p:extLst>
+      <p:ext uri="{BB962C8B-B14F-4D97-AF65-F5344CB8AC3E}">
+        <p14:creationId xmlns:p14="http://schemas.microsoft.com/office/powerpoint/2010/main" val="849499382"/>
+      </p:ext>
+    </p:extLst>
+  </p:cSld>
+  <p:clrMapOvr>
+    <a:masterClrMapping/>
+  </p:clrMapOvr>
+</p:sld>
+</file>
+
 <file path=ppt/theme/theme1.xml><?xml version="1.0" encoding="utf-8"?>
-<a:theme xmlns:a="http://schemas.openxmlformats.org/drawingml/2006/main" name="Office Theme">
+<a:theme xmlns:a="http://schemas.openxmlformats.org/drawingml/2006/main" name="Parallax">
   <a:themeElements>
-    <a:clrScheme name="Office">
+    <a:clrScheme name="Parallax">
       <a:dk1>
         <a:sysClr val="windowText" lastClr="000000"/>
       </a:dk1>
@@ -3688,52 +7272,52 @@
         <a:sysClr val="window" lastClr="FFFFFF"/>
       </a:lt1>
       <a:dk2>
-        <a:srgbClr val="44546A"/>
+        <a:srgbClr val="212121"/>
       </a:dk2>
       <a:lt2>
-        <a:srgbClr val="E7E6E6"/>
+        <a:srgbClr val="CDD0D1"/>
       </a:lt2>
       <a:accent1>
-        <a:srgbClr val="5B9BD5"/>
+        <a:srgbClr val="30ACEC"/>
       </a:accent1>
       <a:accent2>
-        <a:srgbClr val="ED7D31"/>
+        <a:srgbClr val="80C34F"/>
       </a:accent2>
       <a:accent3>
-        <a:srgbClr val="A5A5A5"/>
+        <a:srgbClr val="E29D3E"/>
       </a:accent3>
       <a:accent4>
-        <a:srgbClr val="FFC000"/>
+        <a:srgbClr val="D64A3B"/>
       </a:accent4>
       <a:accent5>
-        <a:srgbClr val="4472C4"/>
+        <a:srgbClr val="D64787"/>
       </a:accent5>
       <a:accent6>
-        <a:srgbClr val="70AD47"/>
+        <a:srgbClr val="A666E1"/>
       </a:accent6>
       <a:hlink>
-        <a:srgbClr val="0563C1"/>
+        <a:srgbClr val="3085ED"/>
       </a:hlink>
       <a:folHlink>
-        <a:srgbClr val="954F72"/>
+        <a:srgbClr val="82B6F4"/>
       </a:folHlink>
     </a:clrScheme>
-    <a:fontScheme name="Office">
+    <a:fontScheme name="Parallax">
       <a:majorFont>
-        <a:latin typeface="Calibri Light" panose="020F0302020204030204"/>
+        <a:latin typeface="Corbel" panose="020B0503020204020204"/>
         <a:ea typeface=""/>
         <a:cs typeface=""/>
-        <a:font script="Jpan" typeface="ＭＳ Ｐゴシック"/>
-        <a:font script="Hang" typeface="맑은 고딕"/>
-        <a:font script="Hans" typeface="宋体"/>
+        <a:font script="Jpan" typeface="HGｺﾞｼｯｸM"/>
+        <a:font script="Hang" typeface="HY엽서L"/>
+        <a:font script="Hans" typeface="华文楷体"/>
         <a:font script="Hant" typeface="新細明體"/>
-        <a:font script="Arab" typeface="Times New Roman"/>
-        <a:font script="Hebr" typeface="Times New Roman"/>
-        <a:font script="Thai" typeface="Angsana New"/>
+        <a:font script="Arab" typeface="Tahoma"/>
+        <a:font script="Hebr" typeface="Miriam"/>
+        <a:font script="Thai" typeface="DilleniaUPC"/>
         <a:font script="Ethi" typeface="Nyala"/>
         <a:font script="Beng" typeface="Vrinda"/>
         <a:font script="Gujr" typeface="Shruti"/>
-        <a:font script="Khmr" typeface="MoolBoran"/>
+        <a:font script="Khmr" typeface="DaunPenh"/>
         <a:font script="Knda" typeface="Tunga"/>
         <a:font script="Guru" typeface="Raavi"/>
         <a:font script="Cans" typeface="Euphemia"/>
@@ -3750,21 +7334,21 @@
         <a:font script="Laoo" typeface="DokChampa"/>
         <a:font script="Sinh" typeface="Iskoola Pota"/>
         <a:font script="Mong" typeface="Mongolian Baiti"/>
-        <a:font script="Viet" typeface="Times New Roman"/>
+        <a:font script="Viet" typeface="Arial"/>
         <a:font script="Uigh" typeface="Microsoft Uighur"/>
         <a:font script="Geor" typeface="Sylfaen"/>
       </a:majorFont>
       <a:minorFont>
-        <a:latin typeface="Calibri" panose="020F0502020204030204"/>
+        <a:latin typeface="Corbel" panose="020B0503020204020204"/>
         <a:ea typeface=""/>
         <a:cs typeface=""/>
-        <a:font script="Jpan" typeface="ＭＳ Ｐゴシック"/>
-        <a:font script="Hang" typeface="맑은 고딕"/>
-        <a:font script="Hans" typeface="宋体"/>
+        <a:font script="Jpan" typeface="HGｺﾞｼｯｸM"/>
+        <a:font script="Hang" typeface="HY엽서L"/>
+        <a:font script="Hans" typeface="华文楷体"/>
         <a:font script="Hant" typeface="新細明體"/>
-        <a:font script="Arab" typeface="Arial"/>
-        <a:font script="Hebr" typeface="Arial"/>
-        <a:font script="Thai" typeface="Cordia New"/>
+        <a:font script="Arab" typeface="Tahoma"/>
+        <a:font script="Hebr" typeface="Miriam"/>
+        <a:font script="Thai" typeface="DilleniaUPC"/>
         <a:font script="Ethi" typeface="Nyala"/>
         <a:font script="Beng" typeface="Vrinda"/>
         <a:font script="Gujr" typeface="Shruti"/>
@@ -3790,7 +7374,7 @@
         <a:font script="Geor" typeface="Sylfaen"/>
       </a:minorFont>
     </a:fontScheme>
-    <a:fmtScheme name="Office">
+    <a:fmtScheme name="Parallax">
       <a:fillStyleLst>
         <a:solidFill>
           <a:schemeClr val="phClr"/>
@@ -3799,23 +7383,13 @@
           <a:gsLst>
             <a:gs pos="0">
               <a:schemeClr val="phClr">
-                <a:lumMod val="110000"/>
-                <a:satMod val="105000"/>
-                <a:tint val="67000"/>
-              </a:schemeClr>
-            </a:gs>
-            <a:gs pos="50000">
-              <a:schemeClr val="phClr">
-                <a:lumMod val="105000"/>
-                <a:satMod val="103000"/>
-                <a:tint val="73000"/>
+                <a:tint val="60000"/>
+                <a:lumMod val="104000"/>
               </a:schemeClr>
             </a:gs>
             <a:gs pos="100000">
               <a:schemeClr val="phClr">
-                <a:lumMod val="105000"/>
-                <a:satMod val="109000"/>
-                <a:tint val="81000"/>
+                <a:tint val="84000"/>
               </a:schemeClr>
             </a:gs>
           </a:gsLst>
@@ -3825,50 +7399,42 @@
           <a:gsLst>
             <a:gs pos="0">
               <a:schemeClr val="phClr">
-                <a:satMod val="103000"/>
+                <a:tint val="96000"/>
                 <a:lumMod val="102000"/>
-                <a:tint val="94000"/>
-              </a:schemeClr>
-            </a:gs>
-            <a:gs pos="50000">
-              <a:schemeClr val="phClr">
-                <a:satMod val="110000"/>
-                <a:lumMod val="100000"/>
-                <a:shade val="100000"/>
               </a:schemeClr>
             </a:gs>
             <a:gs pos="100000">
               <a:schemeClr val="phClr">
-                <a:lumMod val="99000"/>
-                <a:satMod val="120000"/>
-                <a:shade val="78000"/>
+                <a:shade val="88000"/>
+                <a:lumMod val="94000"/>
               </a:schemeClr>
             </a:gs>
           </a:gsLst>
-          <a:lin ang="5400000" scaled="0"/>
+          <a:path path="circle">
+            <a:fillToRect l="50000" t="100000" r="100000" b="50000"/>
+          </a:path>
         </a:gradFill>
       </a:fillStyleLst>
       <a:lnStyleLst>
-        <a:ln w="6350" cap="flat" cmpd="sng" algn="ctr">
+        <a:ln w="9525" cap="rnd" cmpd="sng" algn="ctr">
+          <a:solidFill>
+            <a:schemeClr val="phClr">
+              <a:tint val="60000"/>
+            </a:schemeClr>
+          </a:solidFill>
+          <a:prstDash val="solid"/>
+        </a:ln>
+        <a:ln w="15875" cap="rnd" cmpd="sng" algn="ctr">
           <a:solidFill>
             <a:schemeClr val="phClr"/>
           </a:solidFill>
           <a:prstDash val="solid"/>
-          <a:miter lim="800000"/>
         </a:ln>
-        <a:ln w="12700" cap="flat" cmpd="sng" algn="ctr">
+        <a:ln w="22225" cap="rnd" cmpd="sng" algn="ctr">
           <a:solidFill>
             <a:schemeClr val="phClr"/>
           </a:solidFill>
           <a:prstDash val="solid"/>
-          <a:miter lim="800000"/>
-        </a:ln>
-        <a:ln w="19050" cap="flat" cmpd="sng" algn="ctr">
-          <a:solidFill>
-            <a:schemeClr val="phClr"/>
-          </a:solidFill>
-          <a:prstDash val="solid"/>
-          <a:miter lim="800000"/>
         </a:ln>
       </a:lnStyleLst>
       <a:effectStyleLst>
@@ -3876,55 +7442,68 @@
           <a:effectLst/>
         </a:effectStyle>
         <a:effectStyle>
-          <a:effectLst/>
+          <a:effectLst>
+            <a:reflection blurRad="12700" stA="26000" endPos="32000" dist="12700" dir="5400000" sy="-100000" rotWithShape="0"/>
+          </a:effectLst>
         </a:effectStyle>
         <a:effectStyle>
           <a:effectLst>
-            <a:outerShdw blurRad="57150" dist="19050" dir="5400000" algn="ctr" rotWithShape="0">
+            <a:outerShdw blurRad="38100" dist="25400" dir="5400000" rotWithShape="0">
               <a:srgbClr val="000000">
-                <a:alpha val="63000"/>
+                <a:alpha val="64000"/>
               </a:srgbClr>
             </a:outerShdw>
           </a:effectLst>
+          <a:scene3d>
+            <a:camera prst="orthographicFront">
+              <a:rot lat="0" lon="0" rev="0"/>
+            </a:camera>
+            <a:lightRig rig="threePt" dir="tl">
+              <a:rot lat="0" lon="0" rev="1200000"/>
+            </a:lightRig>
+          </a:scene3d>
+          <a:sp3d>
+            <a:bevelT w="25400" h="12700"/>
+          </a:sp3d>
         </a:effectStyle>
       </a:effectStyleLst>
       <a:bgFillStyleLst>
         <a:solidFill>
           <a:schemeClr val="phClr"/>
         </a:solidFill>
-        <a:solidFill>
-          <a:schemeClr val="phClr">
-            <a:tint val="95000"/>
-            <a:satMod val="170000"/>
-          </a:schemeClr>
-        </a:solidFill>
         <a:gradFill rotWithShape="1">
           <a:gsLst>
             <a:gs pos="0">
               <a:schemeClr val="phClr">
-                <a:tint val="93000"/>
-                <a:satMod val="150000"/>
-                <a:shade val="98000"/>
-                <a:lumMod val="102000"/>
-              </a:schemeClr>
-            </a:gs>
-            <a:gs pos="50000">
-              <a:schemeClr val="phClr">
-                <a:tint val="98000"/>
-                <a:satMod val="130000"/>
-                <a:shade val="90000"/>
-                <a:lumMod val="103000"/>
+                <a:tint val="90000"/>
+                <a:lumMod val="110000"/>
               </a:schemeClr>
             </a:gs>
             <a:gs pos="100000">
               <a:schemeClr val="phClr">
-                <a:shade val="63000"/>
-                <a:satMod val="120000"/>
+                <a:shade val="64000"/>
+                <a:lumMod val="98000"/>
               </a:schemeClr>
             </a:gs>
           </a:gsLst>
           <a:lin ang="5400000" scaled="0"/>
         </a:gradFill>
+        <a:blipFill rotWithShape="1">
+          <a:blip xmlns:r="http://schemas.openxmlformats.org/officeDocument/2006/relationships" r:embed="rId1">
+            <a:duotone>
+              <a:schemeClr val="phClr">
+                <a:shade val="76000"/>
+                <a:satMod val="180000"/>
+              </a:schemeClr>
+              <a:schemeClr val="phClr">
+                <a:tint val="80000"/>
+                <a:satMod val="120000"/>
+                <a:lumMod val="180000"/>
+              </a:schemeClr>
+            </a:duotone>
+          </a:blip>
+          <a:stretch/>
+        </a:blipFill>
       </a:bgFillStyleLst>
     </a:fmtScheme>
   </a:themeElements>
@@ -3932,7 +7511,7 @@
   <a:extraClrSchemeLst/>
   <a:extLst>
     <a:ext uri="{05A4C25C-085E-4340-85A3-A5531E510DB2}">
-      <thm15:themeFamily xmlns:thm15="http://schemas.microsoft.com/office/thememl/2012/main" name="Office Theme" id="{62F939B6-93AF-4DB8-9C6B-D6C7DFDC589F}" vid="{4A3C46E8-61CC-4603-A589-7422A47A8E4A}"/>
+      <thm15:themeFamily xmlns:thm15="http://schemas.microsoft.com/office/thememl/2012/main" name="Parallax" id="{3388167B-A2EB-4685-9635-1831D9AEF8C4}" vid="{4F7A876A-7598-49CA-AFC8-8EDA2551E4A7}"/>
     </a:ext>
   </a:extLst>
 </a:theme>

--- a/Main Metaphor.pptx
+++ b/Main Metaphor.pptx
@@ -7,13 +7,18 @@
   <p:sldIdLst>
     <p:sldId id="262" r:id="rId2"/>
     <p:sldId id="263" r:id="rId3"/>
-    <p:sldId id="261" r:id="rId4"/>
-    <p:sldId id="265" r:id="rId5"/>
-    <p:sldId id="256" r:id="rId6"/>
-    <p:sldId id="257" r:id="rId7"/>
-    <p:sldId id="258" r:id="rId8"/>
-    <p:sldId id="259" r:id="rId9"/>
-    <p:sldId id="264" r:id="rId10"/>
+    <p:sldId id="266" r:id="rId4"/>
+    <p:sldId id="267" r:id="rId5"/>
+    <p:sldId id="268" r:id="rId6"/>
+    <p:sldId id="269" r:id="rId7"/>
+    <p:sldId id="261" r:id="rId8"/>
+    <p:sldId id="265" r:id="rId9"/>
+    <p:sldId id="256" r:id="rId10"/>
+    <p:sldId id="257" r:id="rId11"/>
+    <p:sldId id="258" r:id="rId12"/>
+    <p:sldId id="259" r:id="rId13"/>
+    <p:sldId id="270" r:id="rId14"/>
+    <p:sldId id="264" r:id="rId15"/>
   </p:sldIdLst>
   <p:sldSz cx="12192000" cy="6858000"/>
   <p:notesSz cx="6858000" cy="9144000"/>
@@ -622,7 +627,7 @@
           <a:p>
             <a:fld id="{30508423-45F1-44E4-A2A4-D90A85F005D6}" type="datetimeFigureOut">
               <a:rPr lang="en-CA" smtClean="0"/>
-              <a:t>2016-02-03</a:t>
+              <a:t>07/02/2016</a:t>
             </a:fld>
             <a:endParaRPr lang="en-CA"/>
           </a:p>
@@ -918,7 +923,7 @@
           <a:p>
             <a:fld id="{30508423-45F1-44E4-A2A4-D90A85F005D6}" type="datetimeFigureOut">
               <a:rPr lang="en-CA" smtClean="0"/>
-              <a:t>2016-02-03</a:t>
+              <a:t>07/02/2016</a:t>
             </a:fld>
             <a:endParaRPr lang="en-CA"/>
           </a:p>
@@ -1166,7 +1171,7 @@
           <a:p>
             <a:fld id="{30508423-45F1-44E4-A2A4-D90A85F005D6}" type="datetimeFigureOut">
               <a:rPr lang="en-CA" smtClean="0"/>
-              <a:t>2016-02-03</a:t>
+              <a:t>07/02/2016</a:t>
             </a:fld>
             <a:endParaRPr lang="en-CA"/>
           </a:p>
@@ -1706,7 +1711,7 @@
           <a:p>
             <a:fld id="{30508423-45F1-44E4-A2A4-D90A85F005D6}" type="datetimeFigureOut">
               <a:rPr lang="en-CA" smtClean="0"/>
-              <a:t>2016-02-03</a:t>
+              <a:t>07/02/2016</a:t>
             </a:fld>
             <a:endParaRPr lang="en-CA"/>
           </a:p>
@@ -1954,7 +1959,7 @@
           <a:p>
             <a:fld id="{30508423-45F1-44E4-A2A4-D90A85F005D6}" type="datetimeFigureOut">
               <a:rPr lang="en-CA" smtClean="0"/>
-              <a:t>2016-02-03</a:t>
+              <a:t>07/02/2016</a:t>
             </a:fld>
             <a:endParaRPr lang="en-CA"/>
           </a:p>
@@ -2486,7 +2491,7 @@
           <a:p>
             <a:fld id="{30508423-45F1-44E4-A2A4-D90A85F005D6}" type="datetimeFigureOut">
               <a:rPr lang="en-CA" smtClean="0"/>
-              <a:t>2016-02-03</a:t>
+              <a:t>07/02/2016</a:t>
             </a:fld>
             <a:endParaRPr lang="en-CA"/>
           </a:p>
@@ -2783,7 +2788,7 @@
           <a:p>
             <a:fld id="{30508423-45F1-44E4-A2A4-D90A85F005D6}" type="datetimeFigureOut">
               <a:rPr lang="en-CA" smtClean="0"/>
-              <a:t>2016-02-03</a:t>
+              <a:t>07/02/2016</a:t>
             </a:fld>
             <a:endParaRPr lang="en-CA"/>
           </a:p>
@@ -2957,7 +2962,7 @@
           <a:p>
             <a:fld id="{30508423-45F1-44E4-A2A4-D90A85F005D6}" type="datetimeFigureOut">
               <a:rPr lang="en-CA" smtClean="0"/>
-              <a:t>2016-02-03</a:t>
+              <a:t>07/02/2016</a:t>
             </a:fld>
             <a:endParaRPr lang="en-CA"/>
           </a:p>
@@ -3137,7 +3142,7 @@
           <a:p>
             <a:fld id="{30508423-45F1-44E4-A2A4-D90A85F005D6}" type="datetimeFigureOut">
               <a:rPr lang="en-CA" smtClean="0"/>
-              <a:t>2016-02-03</a:t>
+              <a:t>07/02/2016</a:t>
             </a:fld>
             <a:endParaRPr lang="en-CA"/>
           </a:p>
@@ -3307,7 +3312,7 @@
           <a:p>
             <a:fld id="{30508423-45F1-44E4-A2A4-D90A85F005D6}" type="datetimeFigureOut">
               <a:rPr lang="en-CA" smtClean="0"/>
-              <a:t>2016-02-03</a:t>
+              <a:t>07/02/2016</a:t>
             </a:fld>
             <a:endParaRPr lang="en-CA"/>
           </a:p>
@@ -3558,7 +3563,7 @@
           <a:p>
             <a:fld id="{30508423-45F1-44E4-A2A4-D90A85F005D6}" type="datetimeFigureOut">
               <a:rPr lang="en-CA" smtClean="0"/>
-              <a:t>2016-02-03</a:t>
+              <a:t>07/02/2016</a:t>
             </a:fld>
             <a:endParaRPr lang="en-CA"/>
           </a:p>
@@ -3855,7 +3860,7 @@
           <a:p>
             <a:fld id="{30508423-45F1-44E4-A2A4-D90A85F005D6}" type="datetimeFigureOut">
               <a:rPr lang="en-CA" smtClean="0"/>
-              <a:t>2016-02-03</a:t>
+              <a:t>07/02/2016</a:t>
             </a:fld>
             <a:endParaRPr lang="en-CA"/>
           </a:p>
@@ -4297,7 +4302,7 @@
           <a:p>
             <a:fld id="{30508423-45F1-44E4-A2A4-D90A85F005D6}" type="datetimeFigureOut">
               <a:rPr lang="en-CA" smtClean="0"/>
-              <a:t>2016-02-03</a:t>
+              <a:t>07/02/2016</a:t>
             </a:fld>
             <a:endParaRPr lang="en-CA"/>
           </a:p>
@@ -4415,7 +4420,7 @@
           <a:p>
             <a:fld id="{30508423-45F1-44E4-A2A4-D90A85F005D6}" type="datetimeFigureOut">
               <a:rPr lang="en-CA" smtClean="0"/>
-              <a:t>2016-02-03</a:t>
+              <a:t>07/02/2016</a:t>
             </a:fld>
             <a:endParaRPr lang="en-CA"/>
           </a:p>
@@ -4510,7 +4515,7 @@
           <a:p>
             <a:fld id="{30508423-45F1-44E4-A2A4-D90A85F005D6}" type="datetimeFigureOut">
               <a:rPr lang="en-CA" smtClean="0"/>
-              <a:t>2016-02-03</a:t>
+              <a:t>07/02/2016</a:t>
             </a:fld>
             <a:endParaRPr lang="en-CA"/>
           </a:p>
@@ -4793,7 +4798,7 @@
           <a:p>
             <a:fld id="{30508423-45F1-44E4-A2A4-D90A85F005D6}" type="datetimeFigureOut">
               <a:rPr lang="en-CA" smtClean="0"/>
-              <a:t>2016-02-03</a:t>
+              <a:t>07/02/2016</a:t>
             </a:fld>
             <a:endParaRPr lang="en-CA"/>
           </a:p>
@@ -5084,7 +5089,7 @@
           <a:p>
             <a:fld id="{30508423-45F1-44E4-A2A4-D90A85F005D6}" type="datetimeFigureOut">
               <a:rPr lang="en-CA" smtClean="0"/>
-              <a:t>2016-02-03</a:t>
+              <a:t>07/02/2016</a:t>
             </a:fld>
             <a:endParaRPr lang="en-CA"/>
           </a:p>
@@ -5614,7 +5619,7 @@
           <a:p>
             <a:fld id="{30508423-45F1-44E4-A2A4-D90A85F005D6}" type="datetimeFigureOut">
               <a:rPr lang="en-CA" smtClean="0"/>
-              <a:t>2016-02-03</a:t>
+              <a:t>07/02/2016</a:t>
             </a:fld>
             <a:endParaRPr lang="en-CA"/>
           </a:p>
@@ -6263,6 +6268,477 @@
 </p:sld>
 </file>
 
+<file path=ppt/slides/slide10.xml><?xml version="1.0" encoding="utf-8"?>
+<p:sld xmlns:a="http://schemas.openxmlformats.org/drawingml/2006/main" xmlns:r="http://schemas.openxmlformats.org/officeDocument/2006/relationships" xmlns:p="http://schemas.openxmlformats.org/presentationml/2006/main">
+  <p:cSld>
+    <p:spTree>
+      <p:nvGrpSpPr>
+        <p:cNvPr id="1" name=""/>
+        <p:cNvGrpSpPr/>
+        <p:nvPr/>
+      </p:nvGrpSpPr>
+      <p:grpSpPr>
+        <a:xfrm>
+          <a:off x="0" y="0"/>
+          <a:ext cx="0" cy="0"/>
+          <a:chOff x="0" y="0"/>
+          <a:chExt cx="0" cy="0"/>
+        </a:xfrm>
+      </p:grpSpPr>
+      <p:sp>
+        <p:nvSpPr>
+          <p:cNvPr id="2" name="Title 1"/>
+          <p:cNvSpPr>
+            <a:spLocks noGrp="1"/>
+          </p:cNvSpPr>
+          <p:nvPr>
+            <p:ph type="title"/>
+          </p:nvPr>
+        </p:nvSpPr>
+        <p:spPr/>
+        <p:txBody>
+          <a:bodyPr/>
+          <a:lstStyle/>
+          <a:p>
+            <a:r>
+              <a:rPr lang="en-CA" dirty="0" smtClean="0"/>
+              <a:t>Students (Clients)</a:t>
+            </a:r>
+            <a:endParaRPr lang="en-CA" dirty="0"/>
+          </a:p>
+        </p:txBody>
+      </p:sp>
+      <p:sp>
+        <p:nvSpPr>
+          <p:cNvPr id="3" name="Content Placeholder 2"/>
+          <p:cNvSpPr>
+            <a:spLocks noGrp="1"/>
+          </p:cNvSpPr>
+          <p:nvPr>
+            <p:ph idx="1"/>
+          </p:nvPr>
+        </p:nvSpPr>
+        <p:spPr/>
+        <p:txBody>
+          <a:bodyPr/>
+          <a:lstStyle/>
+          <a:p>
+            <a:r>
+              <a:rPr lang="en-CA" dirty="0" smtClean="0"/>
+              <a:t>Upload walking data like a student would submit work for the teacher</a:t>
+            </a:r>
+          </a:p>
+          <a:p>
+            <a:r>
+              <a:rPr lang="en-CA" dirty="0" smtClean="0"/>
+              <a:t>A student can sign up for many events when he or she arrives at school, the same could be said for the client.. When they enter the log in to the website they will be able to sign up for events</a:t>
+            </a:r>
+          </a:p>
+          <a:p>
+            <a:r>
+              <a:rPr lang="en-CA" dirty="0" smtClean="0"/>
+              <a:t>Students go to school to learn, the client will be logged into the website to learn about schizophrenia</a:t>
+            </a:r>
+            <a:endParaRPr lang="en-CA" dirty="0"/>
+          </a:p>
+        </p:txBody>
+      </p:sp>
+    </p:spTree>
+    <p:extLst>
+      <p:ext uri="{BB962C8B-B14F-4D97-AF65-F5344CB8AC3E}">
+        <p14:creationId xmlns:p14="http://schemas.microsoft.com/office/powerpoint/2010/main" val="3200661161"/>
+      </p:ext>
+    </p:extLst>
+  </p:cSld>
+  <p:clrMapOvr>
+    <a:masterClrMapping/>
+  </p:clrMapOvr>
+</p:sld>
+</file>
+
+<file path=ppt/slides/slide11.xml><?xml version="1.0" encoding="utf-8"?>
+<p:sld xmlns:a="http://schemas.openxmlformats.org/drawingml/2006/main" xmlns:r="http://schemas.openxmlformats.org/officeDocument/2006/relationships" xmlns:p="http://schemas.openxmlformats.org/presentationml/2006/main">
+  <p:cSld>
+    <p:spTree>
+      <p:nvGrpSpPr>
+        <p:cNvPr id="1" name=""/>
+        <p:cNvGrpSpPr/>
+        <p:nvPr/>
+      </p:nvGrpSpPr>
+      <p:grpSpPr>
+        <a:xfrm>
+          <a:off x="0" y="0"/>
+          <a:ext cx="0" cy="0"/>
+          <a:chOff x="0" y="0"/>
+          <a:chExt cx="0" cy="0"/>
+        </a:xfrm>
+      </p:grpSpPr>
+      <p:sp>
+        <p:nvSpPr>
+          <p:cNvPr id="2" name="Title 1"/>
+          <p:cNvSpPr>
+            <a:spLocks noGrp="1"/>
+          </p:cNvSpPr>
+          <p:nvPr>
+            <p:ph type="title"/>
+          </p:nvPr>
+        </p:nvSpPr>
+        <p:spPr/>
+        <p:txBody>
+          <a:bodyPr/>
+          <a:lstStyle/>
+          <a:p>
+            <a:r>
+              <a:rPr lang="en-CA" dirty="0" smtClean="0"/>
+              <a:t>Principal (Board Member)</a:t>
+            </a:r>
+            <a:endParaRPr lang="en-CA" dirty="0"/>
+          </a:p>
+        </p:txBody>
+      </p:sp>
+      <p:sp>
+        <p:nvSpPr>
+          <p:cNvPr id="3" name="Content Placeholder 2"/>
+          <p:cNvSpPr>
+            <a:spLocks noGrp="1"/>
+          </p:cNvSpPr>
+          <p:nvPr>
+            <p:ph idx="1"/>
+          </p:nvPr>
+        </p:nvSpPr>
+        <p:spPr/>
+        <p:txBody>
+          <a:bodyPr/>
+          <a:lstStyle/>
+          <a:p>
+            <a:r>
+              <a:rPr lang="en-CA" dirty="0" smtClean="0"/>
+              <a:t>A board member will be able to log in to the website and view the budget tracker just like a principal of a school would budget the money out for the entire school year</a:t>
+            </a:r>
+          </a:p>
+          <a:p>
+            <a:r>
+              <a:rPr lang="en-CA" dirty="0" smtClean="0"/>
+              <a:t>The principal is in charge of the school just as the board members are in charge of the organization</a:t>
+            </a:r>
+          </a:p>
+        </p:txBody>
+      </p:sp>
+    </p:spTree>
+    <p:extLst>
+      <p:ext uri="{BB962C8B-B14F-4D97-AF65-F5344CB8AC3E}">
+        <p14:creationId xmlns:p14="http://schemas.microsoft.com/office/powerpoint/2010/main" val="934218552"/>
+      </p:ext>
+    </p:extLst>
+  </p:cSld>
+  <p:clrMapOvr>
+    <a:masterClrMapping/>
+  </p:clrMapOvr>
+</p:sld>
+</file>
+
+<file path=ppt/slides/slide12.xml><?xml version="1.0" encoding="utf-8"?>
+<p:sld xmlns:a="http://schemas.openxmlformats.org/drawingml/2006/main" xmlns:r="http://schemas.openxmlformats.org/officeDocument/2006/relationships" xmlns:p="http://schemas.openxmlformats.org/presentationml/2006/main">
+  <p:cSld>
+    <p:spTree>
+      <p:nvGrpSpPr>
+        <p:cNvPr id="1" name=""/>
+        <p:cNvGrpSpPr/>
+        <p:nvPr/>
+      </p:nvGrpSpPr>
+      <p:grpSpPr>
+        <a:xfrm>
+          <a:off x="0" y="0"/>
+          <a:ext cx="0" cy="0"/>
+          <a:chOff x="0" y="0"/>
+          <a:chExt cx="0" cy="0"/>
+        </a:xfrm>
+      </p:grpSpPr>
+      <p:sp>
+        <p:nvSpPr>
+          <p:cNvPr id="2" name="Title 1"/>
+          <p:cNvSpPr>
+            <a:spLocks noGrp="1"/>
+          </p:cNvSpPr>
+          <p:nvPr>
+            <p:ph type="title"/>
+          </p:nvPr>
+        </p:nvSpPr>
+        <p:spPr/>
+        <p:txBody>
+          <a:bodyPr/>
+          <a:lstStyle/>
+          <a:p>
+            <a:r>
+              <a:rPr lang="en-CA" dirty="0" smtClean="0"/>
+              <a:t>Teacher (Administrator(s))</a:t>
+            </a:r>
+            <a:endParaRPr lang="en-CA" dirty="0"/>
+          </a:p>
+        </p:txBody>
+      </p:sp>
+      <p:sp>
+        <p:nvSpPr>
+          <p:cNvPr id="3" name="Content Placeholder 2"/>
+          <p:cNvSpPr>
+            <a:spLocks noGrp="1"/>
+          </p:cNvSpPr>
+          <p:nvPr>
+            <p:ph idx="1"/>
+          </p:nvPr>
+        </p:nvSpPr>
+        <p:spPr/>
+        <p:txBody>
+          <a:bodyPr/>
+          <a:lstStyle/>
+          <a:p>
+            <a:r>
+              <a:rPr lang="en-CA" dirty="0" smtClean="0"/>
+              <a:t>The teacher is the one who organizes, updates information, plans events and schedules a day at school</a:t>
+            </a:r>
+            <a:endParaRPr lang="en-US" dirty="0"/>
+          </a:p>
+          <a:p>
+            <a:r>
+              <a:rPr lang="en-US" dirty="0" smtClean="0"/>
+              <a:t>The administrator will have ease </a:t>
+            </a:r>
+            <a:r>
+              <a:rPr lang="en-US" dirty="0"/>
+              <a:t>of editing </a:t>
+            </a:r>
+            <a:r>
+              <a:rPr lang="en-US" dirty="0" smtClean="0"/>
+              <a:t>the site to make </a:t>
+            </a:r>
+            <a:r>
+              <a:rPr lang="en-US" dirty="0"/>
+              <a:t>future changes: change pictures, upload files, add calendar events, etc</a:t>
+            </a:r>
+            <a:r>
+              <a:rPr lang="en-US" dirty="0" smtClean="0"/>
+              <a:t>. just as a teacher would be in charge of their classroom</a:t>
+            </a:r>
+            <a:endParaRPr lang="en-US" dirty="0"/>
+          </a:p>
+          <a:p>
+            <a:endParaRPr lang="en-CA" dirty="0"/>
+          </a:p>
+        </p:txBody>
+      </p:sp>
+    </p:spTree>
+    <p:extLst>
+      <p:ext uri="{BB962C8B-B14F-4D97-AF65-F5344CB8AC3E}">
+        <p14:creationId xmlns:p14="http://schemas.microsoft.com/office/powerpoint/2010/main" val="2949317553"/>
+      </p:ext>
+    </p:extLst>
+  </p:cSld>
+  <p:clrMapOvr>
+    <a:masterClrMapping/>
+  </p:clrMapOvr>
+</p:sld>
+</file>
+
+<file path=ppt/slides/slide13.xml><?xml version="1.0" encoding="utf-8"?>
+<p:sld xmlns:a="http://schemas.openxmlformats.org/drawingml/2006/main" xmlns:r="http://schemas.openxmlformats.org/officeDocument/2006/relationships" xmlns:p="http://schemas.openxmlformats.org/presentationml/2006/main">
+  <p:cSld>
+    <p:spTree>
+      <p:nvGrpSpPr>
+        <p:cNvPr id="1" name=""/>
+        <p:cNvGrpSpPr/>
+        <p:nvPr/>
+      </p:nvGrpSpPr>
+      <p:grpSpPr>
+        <a:xfrm>
+          <a:off x="0" y="0"/>
+          <a:ext cx="0" cy="0"/>
+          <a:chOff x="0" y="0"/>
+          <a:chExt cx="0" cy="0"/>
+        </a:xfrm>
+      </p:grpSpPr>
+      <p:sp>
+        <p:nvSpPr>
+          <p:cNvPr id="2" name="Title 1"/>
+          <p:cNvSpPr>
+            <a:spLocks noGrp="1"/>
+          </p:cNvSpPr>
+          <p:nvPr>
+            <p:ph type="title"/>
+          </p:nvPr>
+        </p:nvSpPr>
+        <p:spPr>
+          <a:xfrm>
+            <a:off x="1484310" y="361950"/>
+            <a:ext cx="10018713" cy="1752599"/>
+          </a:xfrm>
+        </p:spPr>
+        <p:txBody>
+          <a:bodyPr/>
+          <a:lstStyle/>
+          <a:p>
+            <a:r>
+              <a:rPr lang="en-CA" dirty="0" smtClean="0"/>
+              <a:t>Site Map</a:t>
+            </a:r>
+            <a:endParaRPr lang="en-CA" dirty="0"/>
+          </a:p>
+        </p:txBody>
+      </p:sp>
+      <p:sp>
+        <p:nvSpPr>
+          <p:cNvPr id="3" name="Content Placeholder 2"/>
+          <p:cNvSpPr>
+            <a:spLocks noGrp="1"/>
+          </p:cNvSpPr>
+          <p:nvPr>
+            <p:ph idx="1"/>
+          </p:nvPr>
+        </p:nvSpPr>
+        <p:spPr/>
+        <p:txBody>
+          <a:bodyPr/>
+          <a:lstStyle/>
+          <a:p>
+            <a:endParaRPr lang="en-CA"/>
+          </a:p>
+        </p:txBody>
+      </p:sp>
+      <p:pic>
+        <p:nvPicPr>
+          <p:cNvPr id="5" name="Picture 4"/>
+          <p:cNvPicPr>
+            <a:picLocks noChangeAspect="1"/>
+          </p:cNvPicPr>
+          <p:nvPr/>
+        </p:nvPicPr>
+        <p:blipFill>
+          <a:blip r:embed="rId2"/>
+          <a:stretch>
+            <a:fillRect/>
+          </a:stretch>
+        </p:blipFill>
+        <p:spPr>
+          <a:xfrm>
+            <a:off x="105043" y="1562099"/>
+            <a:ext cx="11972696" cy="5175162"/>
+          </a:xfrm>
+          <a:prstGeom prst="rect">
+            <a:avLst/>
+          </a:prstGeom>
+        </p:spPr>
+      </p:pic>
+    </p:spTree>
+    <p:extLst>
+      <p:ext uri="{BB962C8B-B14F-4D97-AF65-F5344CB8AC3E}">
+        <p14:creationId xmlns:p14="http://schemas.microsoft.com/office/powerpoint/2010/main" val="541369961"/>
+      </p:ext>
+    </p:extLst>
+  </p:cSld>
+  <p:clrMapOvr>
+    <a:masterClrMapping/>
+  </p:clrMapOvr>
+</p:sld>
+</file>
+
+<file path=ppt/slides/slide14.xml><?xml version="1.0" encoding="utf-8"?>
+<p:sld xmlns:a="http://schemas.openxmlformats.org/drawingml/2006/main" xmlns:r="http://schemas.openxmlformats.org/officeDocument/2006/relationships" xmlns:p="http://schemas.openxmlformats.org/presentationml/2006/main">
+  <p:cSld>
+    <p:spTree>
+      <p:nvGrpSpPr>
+        <p:cNvPr id="1" name=""/>
+        <p:cNvGrpSpPr/>
+        <p:nvPr/>
+      </p:nvGrpSpPr>
+      <p:grpSpPr>
+        <a:xfrm>
+          <a:off x="0" y="0"/>
+          <a:ext cx="0" cy="0"/>
+          <a:chOff x="0" y="0"/>
+          <a:chExt cx="0" cy="0"/>
+        </a:xfrm>
+      </p:grpSpPr>
+      <p:sp>
+        <p:nvSpPr>
+          <p:cNvPr id="2" name="Title 1"/>
+          <p:cNvSpPr>
+            <a:spLocks noGrp="1"/>
+          </p:cNvSpPr>
+          <p:nvPr>
+            <p:ph type="title"/>
+          </p:nvPr>
+        </p:nvSpPr>
+        <p:spPr/>
+        <p:txBody>
+          <a:bodyPr/>
+          <a:lstStyle/>
+          <a:p>
+            <a:r>
+              <a:rPr lang="en-US" dirty="0" smtClean="0"/>
+              <a:t>Questions for Client</a:t>
+            </a:r>
+            <a:endParaRPr lang="en-US" dirty="0"/>
+          </a:p>
+        </p:txBody>
+      </p:sp>
+      <p:sp>
+        <p:nvSpPr>
+          <p:cNvPr id="3" name="Content Placeholder 2"/>
+          <p:cNvSpPr>
+            <a:spLocks noGrp="1"/>
+          </p:cNvSpPr>
+          <p:nvPr>
+            <p:ph idx="1"/>
+          </p:nvPr>
+        </p:nvSpPr>
+        <p:spPr/>
+        <p:txBody>
+          <a:bodyPr>
+            <a:normAutofit fontScale="92500"/>
+          </a:bodyPr>
+          <a:lstStyle/>
+          <a:p>
+            <a:r>
+              <a:rPr lang="en-US" dirty="0" smtClean="0"/>
+              <a:t>Is there any additional information required for the board of directors?</a:t>
+            </a:r>
+          </a:p>
+          <a:p>
+            <a:r>
+              <a:rPr lang="en-CA" dirty="0" smtClean="0"/>
+              <a:t>Would you like to have the access to creating accounts or leave it up to the client?</a:t>
+            </a:r>
+          </a:p>
+          <a:p>
+            <a:r>
+              <a:rPr lang="en-CA" dirty="0" smtClean="0"/>
+              <a:t>For the Fitbit we were wondering how you wanted to input the steps, if the client will enter the steps manually or will the caretaker input the info into the database?</a:t>
+            </a:r>
+          </a:p>
+          <a:p>
+            <a:r>
+              <a:rPr lang="en-CA" dirty="0" smtClean="0"/>
+              <a:t>Will every client that comes into the service be given an account to log into the website?</a:t>
+            </a:r>
+            <a:endParaRPr lang="en-US" dirty="0"/>
+          </a:p>
+          <a:p>
+            <a:endParaRPr lang="en-US" dirty="0"/>
+          </a:p>
+        </p:txBody>
+      </p:sp>
+    </p:spTree>
+    <p:extLst>
+      <p:ext uri="{BB962C8B-B14F-4D97-AF65-F5344CB8AC3E}">
+        <p14:creationId xmlns:p14="http://schemas.microsoft.com/office/powerpoint/2010/main" val="849499382"/>
+      </p:ext>
+    </p:extLst>
+  </p:cSld>
+  <p:clrMapOvr>
+    <a:masterClrMapping/>
+  </p:clrMapOvr>
+</p:sld>
+</file>
+
 <file path=ppt/slides/slide2.xml><?xml version="1.0" encoding="utf-8"?>
 <p:sld xmlns:a="http://schemas.openxmlformats.org/drawingml/2006/main" xmlns:r="http://schemas.openxmlformats.org/officeDocument/2006/relationships" xmlns:p="http://schemas.openxmlformats.org/presentationml/2006/main">
   <p:cSld>
@@ -6316,7 +6792,7 @@
         <p:spPr/>
         <p:txBody>
           <a:bodyPr>
-            <a:normAutofit fontScale="92500" lnSpcReduction="20000"/>
+            <a:normAutofit lnSpcReduction="10000"/>
           </a:bodyPr>
           <a:lstStyle/>
           <a:p>
@@ -6349,30 +6825,14 @@
             <a:endParaRPr lang="en-US" dirty="0" smtClean="0"/>
           </a:p>
           <a:p>
-            <a:pPr lvl="1"/>
-            <a:r>
-              <a:rPr lang="en-US" dirty="0" err="1" smtClean="0"/>
-              <a:t>Dmitrii</a:t>
-            </a:r>
-            <a:r>
-              <a:rPr lang="en-US" dirty="0" smtClean="0"/>
-              <a:t> and KP as back-end database design</a:t>
-            </a:r>
-          </a:p>
-          <a:p>
-            <a:pPr lvl="1"/>
-            <a:r>
-              <a:rPr lang="en-US" dirty="0" smtClean="0"/>
-              <a:t>Amir and Justin as interface design</a:t>
-            </a:r>
-            <a:endParaRPr lang="en-US" dirty="0"/>
-          </a:p>
-          <a:p>
-            <a:pPr lvl="1"/>
-            <a:r>
-              <a:rPr lang="en-US" dirty="0" smtClean="0"/>
+            <a:pPr marL="285750" lvl="1"/>
+            <a:r>
+              <a:rPr lang="en-US" sz="2400" dirty="0"/>
               <a:t>Everyone will contribute equally and help in areas that need work throughout the project</a:t>
             </a:r>
+          </a:p>
+          <a:p>
+            <a:endParaRPr lang="en-US" dirty="0" smtClean="0"/>
           </a:p>
         </p:txBody>
       </p:sp>
@@ -6408,6 +6868,442 @@
       </p:grpSpPr>
       <p:sp>
         <p:nvSpPr>
+          <p:cNvPr id="4" name="Title 3"/>
+          <p:cNvSpPr>
+            <a:spLocks noGrp="1"/>
+          </p:cNvSpPr>
+          <p:nvPr>
+            <p:ph type="title"/>
+          </p:nvPr>
+        </p:nvSpPr>
+        <p:spPr/>
+        <p:txBody>
+          <a:bodyPr/>
+          <a:lstStyle/>
+          <a:p>
+            <a:r>
+              <a:rPr lang="en-US" dirty="0" err="1"/>
+              <a:t>Dmitrii</a:t>
+            </a:r>
+            <a:endParaRPr lang="en-CA" dirty="0"/>
+          </a:p>
+        </p:txBody>
+      </p:sp>
+      <p:sp>
+        <p:nvSpPr>
+          <p:cNvPr id="5" name="Content Placeholder 4"/>
+          <p:cNvSpPr>
+            <a:spLocks noGrp="1"/>
+          </p:cNvSpPr>
+          <p:nvPr>
+            <p:ph idx="1"/>
+          </p:nvPr>
+        </p:nvSpPr>
+        <p:spPr/>
+        <p:txBody>
+          <a:bodyPr/>
+          <a:lstStyle/>
+          <a:p>
+            <a:endParaRPr lang="en-CA"/>
+          </a:p>
+        </p:txBody>
+      </p:sp>
+      <p:sp>
+        <p:nvSpPr>
+          <p:cNvPr id="6" name="Text Placeholder 5"/>
+          <p:cNvSpPr>
+            <a:spLocks noGrp="1"/>
+          </p:cNvSpPr>
+          <p:nvPr>
+            <p:ph type="body" sz="half" idx="2"/>
+          </p:nvPr>
+        </p:nvSpPr>
+        <p:spPr/>
+        <p:txBody>
+          <a:bodyPr/>
+          <a:lstStyle/>
+          <a:p>
+            <a:pPr marL="285750" indent="-285750">
+              <a:buFont typeface="Arial" panose="020B0604020202020204" pitchFamily="34" charset="0"/>
+              <a:buChar char="•"/>
+            </a:pPr>
+            <a:r>
+              <a:rPr lang="en-CA" dirty="0" smtClean="0"/>
+              <a:t>Backend database for the company</a:t>
+            </a:r>
+          </a:p>
+          <a:p>
+            <a:pPr marL="285750" indent="-285750">
+              <a:buFont typeface="Arial" panose="020B0604020202020204" pitchFamily="34" charset="0"/>
+              <a:buChar char="•"/>
+            </a:pPr>
+            <a:r>
+              <a:rPr lang="en-CA" dirty="0" smtClean="0"/>
+              <a:t>Has a knack for design</a:t>
+            </a:r>
+            <a:endParaRPr lang="en-CA" dirty="0"/>
+          </a:p>
+        </p:txBody>
+      </p:sp>
+    </p:spTree>
+    <p:extLst>
+      <p:ext uri="{BB962C8B-B14F-4D97-AF65-F5344CB8AC3E}">
+        <p14:creationId xmlns:p14="http://schemas.microsoft.com/office/powerpoint/2010/main" val="1937911746"/>
+      </p:ext>
+    </p:extLst>
+  </p:cSld>
+  <p:clrMapOvr>
+    <a:masterClrMapping/>
+  </p:clrMapOvr>
+</p:sld>
+</file>
+
+<file path=ppt/slides/slide4.xml><?xml version="1.0" encoding="utf-8"?>
+<p:sld xmlns:a="http://schemas.openxmlformats.org/drawingml/2006/main" xmlns:r="http://schemas.openxmlformats.org/officeDocument/2006/relationships" xmlns:p="http://schemas.openxmlformats.org/presentationml/2006/main">
+  <p:cSld>
+    <p:spTree>
+      <p:nvGrpSpPr>
+        <p:cNvPr id="1" name=""/>
+        <p:cNvGrpSpPr/>
+        <p:nvPr/>
+      </p:nvGrpSpPr>
+      <p:grpSpPr>
+        <a:xfrm>
+          <a:off x="0" y="0"/>
+          <a:ext cx="0" cy="0"/>
+          <a:chOff x="0" y="0"/>
+          <a:chExt cx="0" cy="0"/>
+        </a:xfrm>
+      </p:grpSpPr>
+      <p:sp>
+        <p:nvSpPr>
+          <p:cNvPr id="2" name="Title 1"/>
+          <p:cNvSpPr>
+            <a:spLocks noGrp="1"/>
+          </p:cNvSpPr>
+          <p:nvPr>
+            <p:ph type="title"/>
+          </p:nvPr>
+        </p:nvSpPr>
+        <p:spPr/>
+        <p:txBody>
+          <a:bodyPr/>
+          <a:lstStyle/>
+          <a:p>
+            <a:r>
+              <a:rPr lang="en-US" dirty="0" err="1"/>
+              <a:t>Khypee</a:t>
+            </a:r>
+            <a:endParaRPr lang="en-CA" dirty="0"/>
+          </a:p>
+        </p:txBody>
+      </p:sp>
+      <p:sp>
+        <p:nvSpPr>
+          <p:cNvPr id="3" name="Content Placeholder 2"/>
+          <p:cNvSpPr>
+            <a:spLocks noGrp="1"/>
+          </p:cNvSpPr>
+          <p:nvPr>
+            <p:ph idx="1"/>
+          </p:nvPr>
+        </p:nvSpPr>
+        <p:spPr/>
+        <p:txBody>
+          <a:bodyPr/>
+          <a:lstStyle/>
+          <a:p>
+            <a:endParaRPr lang="en-CA"/>
+          </a:p>
+        </p:txBody>
+      </p:sp>
+      <p:sp>
+        <p:nvSpPr>
+          <p:cNvPr id="4" name="Text Placeholder 3"/>
+          <p:cNvSpPr>
+            <a:spLocks noGrp="1"/>
+          </p:cNvSpPr>
+          <p:nvPr>
+            <p:ph type="body" sz="half" idx="2"/>
+          </p:nvPr>
+        </p:nvSpPr>
+        <p:spPr/>
+        <p:txBody>
+          <a:bodyPr/>
+          <a:lstStyle/>
+          <a:p>
+            <a:pPr marL="285750" indent="-285750">
+              <a:buFont typeface="Arial" panose="020B0604020202020204" pitchFamily="34" charset="0"/>
+              <a:buChar char="•"/>
+            </a:pPr>
+            <a:r>
+              <a:rPr lang="en-CA" dirty="0" smtClean="0"/>
+              <a:t>Back end database</a:t>
+            </a:r>
+          </a:p>
+          <a:p>
+            <a:pPr marL="285750" indent="-285750">
+              <a:buFont typeface="Arial" panose="020B0604020202020204" pitchFamily="34" charset="0"/>
+              <a:buChar char="•"/>
+            </a:pPr>
+            <a:r>
+              <a:rPr lang="en-CA" dirty="0" smtClean="0"/>
+              <a:t>Has been working with computers his whole life</a:t>
+            </a:r>
+            <a:endParaRPr lang="en-CA" dirty="0"/>
+          </a:p>
+        </p:txBody>
+      </p:sp>
+    </p:spTree>
+    <p:extLst>
+      <p:ext uri="{BB962C8B-B14F-4D97-AF65-F5344CB8AC3E}">
+        <p14:creationId xmlns:p14="http://schemas.microsoft.com/office/powerpoint/2010/main" val="4114809848"/>
+      </p:ext>
+    </p:extLst>
+  </p:cSld>
+  <p:clrMapOvr>
+    <a:masterClrMapping/>
+  </p:clrMapOvr>
+</p:sld>
+</file>
+
+<file path=ppt/slides/slide5.xml><?xml version="1.0" encoding="utf-8"?>
+<p:sld xmlns:a="http://schemas.openxmlformats.org/drawingml/2006/main" xmlns:r="http://schemas.openxmlformats.org/officeDocument/2006/relationships" xmlns:p="http://schemas.openxmlformats.org/presentationml/2006/main">
+  <p:cSld>
+    <p:spTree>
+      <p:nvGrpSpPr>
+        <p:cNvPr id="1" name=""/>
+        <p:cNvGrpSpPr/>
+        <p:nvPr/>
+      </p:nvGrpSpPr>
+      <p:grpSpPr>
+        <a:xfrm>
+          <a:off x="0" y="0"/>
+          <a:ext cx="0" cy="0"/>
+          <a:chOff x="0" y="0"/>
+          <a:chExt cx="0" cy="0"/>
+        </a:xfrm>
+      </p:grpSpPr>
+      <p:sp>
+        <p:nvSpPr>
+          <p:cNvPr id="2" name="Title 1"/>
+          <p:cNvSpPr>
+            <a:spLocks noGrp="1"/>
+          </p:cNvSpPr>
+          <p:nvPr>
+            <p:ph type="title"/>
+          </p:nvPr>
+        </p:nvSpPr>
+        <p:spPr/>
+        <p:txBody>
+          <a:bodyPr/>
+          <a:lstStyle/>
+          <a:p>
+            <a:r>
+              <a:rPr lang="en-US" dirty="0" smtClean="0"/>
+              <a:t>Amir</a:t>
+            </a:r>
+            <a:endParaRPr lang="en-CA" dirty="0"/>
+          </a:p>
+        </p:txBody>
+      </p:sp>
+      <p:sp>
+        <p:nvSpPr>
+          <p:cNvPr id="3" name="Content Placeholder 2"/>
+          <p:cNvSpPr>
+            <a:spLocks noGrp="1"/>
+          </p:cNvSpPr>
+          <p:nvPr>
+            <p:ph idx="1"/>
+          </p:nvPr>
+        </p:nvSpPr>
+        <p:spPr/>
+        <p:txBody>
+          <a:bodyPr/>
+          <a:lstStyle/>
+          <a:p>
+            <a:endParaRPr lang="en-CA"/>
+          </a:p>
+        </p:txBody>
+      </p:sp>
+      <p:sp>
+        <p:nvSpPr>
+          <p:cNvPr id="4" name="Text Placeholder 3"/>
+          <p:cNvSpPr>
+            <a:spLocks noGrp="1"/>
+          </p:cNvSpPr>
+          <p:nvPr>
+            <p:ph type="body" sz="half" idx="2"/>
+          </p:nvPr>
+        </p:nvSpPr>
+        <p:spPr/>
+        <p:txBody>
+          <a:bodyPr/>
+          <a:lstStyle/>
+          <a:p>
+            <a:pPr marL="285750" indent="-285750">
+              <a:buFont typeface="Arial" panose="020B0604020202020204" pitchFamily="34" charset="0"/>
+              <a:buChar char="•"/>
+            </a:pPr>
+            <a:r>
+              <a:rPr lang="en-CA" dirty="0" smtClean="0"/>
+              <a:t>Front end designer of</a:t>
+            </a:r>
+          </a:p>
+          <a:p>
+            <a:pPr marL="285750" indent="-285750">
+              <a:buFont typeface="Arial" panose="020B0604020202020204" pitchFamily="34" charset="0"/>
+              <a:buChar char="•"/>
+            </a:pPr>
+            <a:r>
+              <a:rPr lang="en-CA" dirty="0" smtClean="0"/>
+              <a:t>Very good at coding</a:t>
+            </a:r>
+            <a:endParaRPr lang="en-CA" dirty="0"/>
+          </a:p>
+        </p:txBody>
+      </p:sp>
+    </p:spTree>
+    <p:extLst>
+      <p:ext uri="{BB962C8B-B14F-4D97-AF65-F5344CB8AC3E}">
+        <p14:creationId xmlns:p14="http://schemas.microsoft.com/office/powerpoint/2010/main" val="3741052117"/>
+      </p:ext>
+    </p:extLst>
+  </p:cSld>
+  <p:clrMapOvr>
+    <a:masterClrMapping/>
+  </p:clrMapOvr>
+</p:sld>
+</file>
+
+<file path=ppt/slides/slide6.xml><?xml version="1.0" encoding="utf-8"?>
+<p:sld xmlns:a="http://schemas.openxmlformats.org/drawingml/2006/main" xmlns:r="http://schemas.openxmlformats.org/officeDocument/2006/relationships" xmlns:p="http://schemas.openxmlformats.org/presentationml/2006/main">
+  <p:cSld>
+    <p:spTree>
+      <p:nvGrpSpPr>
+        <p:cNvPr id="1" name=""/>
+        <p:cNvGrpSpPr/>
+        <p:nvPr/>
+      </p:nvGrpSpPr>
+      <p:grpSpPr>
+        <a:xfrm>
+          <a:off x="0" y="0"/>
+          <a:ext cx="0" cy="0"/>
+          <a:chOff x="0" y="0"/>
+          <a:chExt cx="0" cy="0"/>
+        </a:xfrm>
+      </p:grpSpPr>
+      <p:sp>
+        <p:nvSpPr>
+          <p:cNvPr id="2" name="Title 1"/>
+          <p:cNvSpPr>
+            <a:spLocks noGrp="1"/>
+          </p:cNvSpPr>
+          <p:nvPr>
+            <p:ph type="title"/>
+          </p:nvPr>
+        </p:nvSpPr>
+        <p:spPr/>
+        <p:txBody>
+          <a:bodyPr/>
+          <a:lstStyle/>
+          <a:p>
+            <a:r>
+              <a:rPr lang="en-US" dirty="0" smtClean="0"/>
+              <a:t>Justin</a:t>
+            </a:r>
+            <a:endParaRPr lang="en-CA" dirty="0"/>
+          </a:p>
+        </p:txBody>
+      </p:sp>
+      <p:sp>
+        <p:nvSpPr>
+          <p:cNvPr id="3" name="Content Placeholder 2"/>
+          <p:cNvSpPr>
+            <a:spLocks noGrp="1"/>
+          </p:cNvSpPr>
+          <p:nvPr>
+            <p:ph idx="1"/>
+          </p:nvPr>
+        </p:nvSpPr>
+        <p:spPr/>
+        <p:txBody>
+          <a:bodyPr/>
+          <a:lstStyle/>
+          <a:p>
+            <a:endParaRPr lang="en-CA"/>
+          </a:p>
+        </p:txBody>
+      </p:sp>
+      <p:sp>
+        <p:nvSpPr>
+          <p:cNvPr id="4" name="Text Placeholder 3"/>
+          <p:cNvSpPr>
+            <a:spLocks noGrp="1"/>
+          </p:cNvSpPr>
+          <p:nvPr>
+            <p:ph type="body" sz="half" idx="2"/>
+          </p:nvPr>
+        </p:nvSpPr>
+        <p:spPr/>
+        <p:txBody>
+          <a:bodyPr/>
+          <a:lstStyle/>
+          <a:p>
+            <a:pPr marL="285750" indent="-285750">
+              <a:buFont typeface="Arial" panose="020B0604020202020204" pitchFamily="34" charset="0"/>
+              <a:buChar char="•"/>
+            </a:pPr>
+            <a:r>
+              <a:rPr lang="en-CA" dirty="0" smtClean="0"/>
+              <a:t>Team leader for prototype 1</a:t>
+            </a:r>
+          </a:p>
+          <a:p>
+            <a:pPr marL="285750" indent="-285750">
+              <a:buFont typeface="Arial" panose="020B0604020202020204" pitchFamily="34" charset="0"/>
+              <a:buChar char="•"/>
+            </a:pPr>
+            <a:r>
+              <a:rPr lang="en-CA" dirty="0" smtClean="0"/>
+              <a:t>Front end designer of the site</a:t>
+            </a:r>
+            <a:endParaRPr lang="en-CA" dirty="0"/>
+          </a:p>
+        </p:txBody>
+      </p:sp>
+    </p:spTree>
+    <p:extLst>
+      <p:ext uri="{BB962C8B-B14F-4D97-AF65-F5344CB8AC3E}">
+        <p14:creationId xmlns:p14="http://schemas.microsoft.com/office/powerpoint/2010/main" val="1207594823"/>
+      </p:ext>
+    </p:extLst>
+  </p:cSld>
+  <p:clrMapOvr>
+    <a:masterClrMapping/>
+  </p:clrMapOvr>
+</p:sld>
+</file>
+
+<file path=ppt/slides/slide7.xml><?xml version="1.0" encoding="utf-8"?>
+<p:sld xmlns:a="http://schemas.openxmlformats.org/drawingml/2006/main" xmlns:r="http://schemas.openxmlformats.org/officeDocument/2006/relationships" xmlns:p="http://schemas.openxmlformats.org/presentationml/2006/main">
+  <p:cSld>
+    <p:spTree>
+      <p:nvGrpSpPr>
+        <p:cNvPr id="1" name=""/>
+        <p:cNvGrpSpPr/>
+        <p:nvPr/>
+      </p:nvGrpSpPr>
+      <p:grpSpPr>
+        <a:xfrm>
+          <a:off x="0" y="0"/>
+          <a:ext cx="0" cy="0"/>
+          <a:chOff x="0" y="0"/>
+          <a:chExt cx="0" cy="0"/>
+        </a:xfrm>
+      </p:grpSpPr>
+      <p:sp>
+        <p:nvSpPr>
           <p:cNvPr id="2" name="Title 1"/>
           <p:cNvSpPr>
             <a:spLocks noGrp="1"/>
@@ -6526,7 +7422,7 @@
 </p:sld>
 </file>
 
-<file path=ppt/slides/slide4.xml><?xml version="1.0" encoding="utf-8"?>
+<file path=ppt/slides/slide8.xml><?xml version="1.0" encoding="utf-8"?>
 <p:sld xmlns:a="http://schemas.openxmlformats.org/drawingml/2006/main" xmlns:r="http://schemas.openxmlformats.org/officeDocument/2006/relationships" xmlns:p="http://schemas.openxmlformats.org/presentationml/2006/main">
   <p:cSld>
     <p:spTree>
@@ -6598,7 +7494,7 @@
 </p:sld>
 </file>
 
-<file path=ppt/slides/slide5.xml><?xml version="1.0" encoding="utf-8"?>
+<file path=ppt/slides/slide9.xml><?xml version="1.0" encoding="utf-8"?>
 <p:sld xmlns:a="http://schemas.openxmlformats.org/drawingml/2006/main" xmlns:r="http://schemas.openxmlformats.org/officeDocument/2006/relationships" xmlns:p="http://schemas.openxmlformats.org/presentationml/2006/main">
   <p:cSld>
     <p:spTree>
@@ -6896,362 +7792,6 @@
     <p:extLst>
       <p:ext uri="{BB962C8B-B14F-4D97-AF65-F5344CB8AC3E}">
         <p14:creationId xmlns:p14="http://schemas.microsoft.com/office/powerpoint/2010/main" val="2367462640"/>
-      </p:ext>
-    </p:extLst>
-  </p:cSld>
-  <p:clrMapOvr>
-    <a:masterClrMapping/>
-  </p:clrMapOvr>
-</p:sld>
-</file>
-
-<file path=ppt/slides/slide6.xml><?xml version="1.0" encoding="utf-8"?>
-<p:sld xmlns:a="http://schemas.openxmlformats.org/drawingml/2006/main" xmlns:r="http://schemas.openxmlformats.org/officeDocument/2006/relationships" xmlns:p="http://schemas.openxmlformats.org/presentationml/2006/main">
-  <p:cSld>
-    <p:spTree>
-      <p:nvGrpSpPr>
-        <p:cNvPr id="1" name=""/>
-        <p:cNvGrpSpPr/>
-        <p:nvPr/>
-      </p:nvGrpSpPr>
-      <p:grpSpPr>
-        <a:xfrm>
-          <a:off x="0" y="0"/>
-          <a:ext cx="0" cy="0"/>
-          <a:chOff x="0" y="0"/>
-          <a:chExt cx="0" cy="0"/>
-        </a:xfrm>
-      </p:grpSpPr>
-      <p:sp>
-        <p:nvSpPr>
-          <p:cNvPr id="2" name="Title 1"/>
-          <p:cNvSpPr>
-            <a:spLocks noGrp="1"/>
-          </p:cNvSpPr>
-          <p:nvPr>
-            <p:ph type="title"/>
-          </p:nvPr>
-        </p:nvSpPr>
-        <p:spPr/>
-        <p:txBody>
-          <a:bodyPr/>
-          <a:lstStyle/>
-          <a:p>
-            <a:r>
-              <a:rPr lang="en-CA" dirty="0" smtClean="0"/>
-              <a:t>Students (Clients)</a:t>
-            </a:r>
-            <a:endParaRPr lang="en-CA" dirty="0"/>
-          </a:p>
-        </p:txBody>
-      </p:sp>
-      <p:sp>
-        <p:nvSpPr>
-          <p:cNvPr id="3" name="Content Placeholder 2"/>
-          <p:cNvSpPr>
-            <a:spLocks noGrp="1"/>
-          </p:cNvSpPr>
-          <p:nvPr>
-            <p:ph idx="1"/>
-          </p:nvPr>
-        </p:nvSpPr>
-        <p:spPr/>
-        <p:txBody>
-          <a:bodyPr/>
-          <a:lstStyle/>
-          <a:p>
-            <a:r>
-              <a:rPr lang="en-CA" dirty="0" smtClean="0"/>
-              <a:t>Upload walking data like a student would submit work for the teacher</a:t>
-            </a:r>
-          </a:p>
-          <a:p>
-            <a:r>
-              <a:rPr lang="en-CA" dirty="0" smtClean="0"/>
-              <a:t>A student can sign up for many events when he or she arrives at school, the same could be said for the client.. When they enter the log in to the website they will be able to sign up for events</a:t>
-            </a:r>
-          </a:p>
-          <a:p>
-            <a:r>
-              <a:rPr lang="en-CA" dirty="0" smtClean="0"/>
-              <a:t>Students go to school to learn, the client will be logged into the website to learn about schizophrenia</a:t>
-            </a:r>
-            <a:endParaRPr lang="en-CA" dirty="0"/>
-          </a:p>
-        </p:txBody>
-      </p:sp>
-    </p:spTree>
-    <p:extLst>
-      <p:ext uri="{BB962C8B-B14F-4D97-AF65-F5344CB8AC3E}">
-        <p14:creationId xmlns:p14="http://schemas.microsoft.com/office/powerpoint/2010/main" val="3200661161"/>
-      </p:ext>
-    </p:extLst>
-  </p:cSld>
-  <p:clrMapOvr>
-    <a:masterClrMapping/>
-  </p:clrMapOvr>
-</p:sld>
-</file>
-
-<file path=ppt/slides/slide7.xml><?xml version="1.0" encoding="utf-8"?>
-<p:sld xmlns:a="http://schemas.openxmlformats.org/drawingml/2006/main" xmlns:r="http://schemas.openxmlformats.org/officeDocument/2006/relationships" xmlns:p="http://schemas.openxmlformats.org/presentationml/2006/main">
-  <p:cSld>
-    <p:spTree>
-      <p:nvGrpSpPr>
-        <p:cNvPr id="1" name=""/>
-        <p:cNvGrpSpPr/>
-        <p:nvPr/>
-      </p:nvGrpSpPr>
-      <p:grpSpPr>
-        <a:xfrm>
-          <a:off x="0" y="0"/>
-          <a:ext cx="0" cy="0"/>
-          <a:chOff x="0" y="0"/>
-          <a:chExt cx="0" cy="0"/>
-        </a:xfrm>
-      </p:grpSpPr>
-      <p:sp>
-        <p:nvSpPr>
-          <p:cNvPr id="2" name="Title 1"/>
-          <p:cNvSpPr>
-            <a:spLocks noGrp="1"/>
-          </p:cNvSpPr>
-          <p:nvPr>
-            <p:ph type="title"/>
-          </p:nvPr>
-        </p:nvSpPr>
-        <p:spPr/>
-        <p:txBody>
-          <a:bodyPr/>
-          <a:lstStyle/>
-          <a:p>
-            <a:r>
-              <a:rPr lang="en-CA" dirty="0" smtClean="0"/>
-              <a:t>Principal (Board Member)</a:t>
-            </a:r>
-            <a:endParaRPr lang="en-CA" dirty="0"/>
-          </a:p>
-        </p:txBody>
-      </p:sp>
-      <p:sp>
-        <p:nvSpPr>
-          <p:cNvPr id="3" name="Content Placeholder 2"/>
-          <p:cNvSpPr>
-            <a:spLocks noGrp="1"/>
-          </p:cNvSpPr>
-          <p:nvPr>
-            <p:ph idx="1"/>
-          </p:nvPr>
-        </p:nvSpPr>
-        <p:spPr/>
-        <p:txBody>
-          <a:bodyPr/>
-          <a:lstStyle/>
-          <a:p>
-            <a:r>
-              <a:rPr lang="en-CA" dirty="0" smtClean="0"/>
-              <a:t>A board member will be able to log in to the website and view the budget tracker just like a principal of a school would budget the money out for the entire school year</a:t>
-            </a:r>
-          </a:p>
-          <a:p>
-            <a:r>
-              <a:rPr lang="en-CA" dirty="0" smtClean="0"/>
-              <a:t>The principal is in charge of the school just as the board members are in charge of the organization</a:t>
-            </a:r>
-          </a:p>
-        </p:txBody>
-      </p:sp>
-    </p:spTree>
-    <p:extLst>
-      <p:ext uri="{BB962C8B-B14F-4D97-AF65-F5344CB8AC3E}">
-        <p14:creationId xmlns:p14="http://schemas.microsoft.com/office/powerpoint/2010/main" val="934218552"/>
-      </p:ext>
-    </p:extLst>
-  </p:cSld>
-  <p:clrMapOvr>
-    <a:masterClrMapping/>
-  </p:clrMapOvr>
-</p:sld>
-</file>
-
-<file path=ppt/slides/slide8.xml><?xml version="1.0" encoding="utf-8"?>
-<p:sld xmlns:a="http://schemas.openxmlformats.org/drawingml/2006/main" xmlns:r="http://schemas.openxmlformats.org/officeDocument/2006/relationships" xmlns:p="http://schemas.openxmlformats.org/presentationml/2006/main">
-  <p:cSld>
-    <p:spTree>
-      <p:nvGrpSpPr>
-        <p:cNvPr id="1" name=""/>
-        <p:cNvGrpSpPr/>
-        <p:nvPr/>
-      </p:nvGrpSpPr>
-      <p:grpSpPr>
-        <a:xfrm>
-          <a:off x="0" y="0"/>
-          <a:ext cx="0" cy="0"/>
-          <a:chOff x="0" y="0"/>
-          <a:chExt cx="0" cy="0"/>
-        </a:xfrm>
-      </p:grpSpPr>
-      <p:sp>
-        <p:nvSpPr>
-          <p:cNvPr id="2" name="Title 1"/>
-          <p:cNvSpPr>
-            <a:spLocks noGrp="1"/>
-          </p:cNvSpPr>
-          <p:nvPr>
-            <p:ph type="title"/>
-          </p:nvPr>
-        </p:nvSpPr>
-        <p:spPr/>
-        <p:txBody>
-          <a:bodyPr/>
-          <a:lstStyle/>
-          <a:p>
-            <a:r>
-              <a:rPr lang="en-CA" dirty="0" smtClean="0"/>
-              <a:t>Teacher (Administrator(s))</a:t>
-            </a:r>
-            <a:endParaRPr lang="en-CA" dirty="0"/>
-          </a:p>
-        </p:txBody>
-      </p:sp>
-      <p:sp>
-        <p:nvSpPr>
-          <p:cNvPr id="3" name="Content Placeholder 2"/>
-          <p:cNvSpPr>
-            <a:spLocks noGrp="1"/>
-          </p:cNvSpPr>
-          <p:nvPr>
-            <p:ph idx="1"/>
-          </p:nvPr>
-        </p:nvSpPr>
-        <p:spPr/>
-        <p:txBody>
-          <a:bodyPr/>
-          <a:lstStyle/>
-          <a:p>
-            <a:r>
-              <a:rPr lang="en-CA" dirty="0" smtClean="0"/>
-              <a:t>The teacher is the one who organizes, updates information, plans events and schedules a day at school</a:t>
-            </a:r>
-            <a:endParaRPr lang="en-US" dirty="0"/>
-          </a:p>
-          <a:p>
-            <a:r>
-              <a:rPr lang="en-US" dirty="0" smtClean="0"/>
-              <a:t>The administrator will have ease </a:t>
-            </a:r>
-            <a:r>
-              <a:rPr lang="en-US" dirty="0"/>
-              <a:t>of editing </a:t>
-            </a:r>
-            <a:r>
-              <a:rPr lang="en-US" dirty="0" smtClean="0"/>
-              <a:t>the site to make </a:t>
-            </a:r>
-            <a:r>
-              <a:rPr lang="en-US" dirty="0"/>
-              <a:t>future changes: change pictures, upload files, add calendar events, etc</a:t>
-            </a:r>
-            <a:r>
-              <a:rPr lang="en-US" dirty="0" smtClean="0"/>
-              <a:t>. just as a teacher would be in charge of their classroom</a:t>
-            </a:r>
-            <a:endParaRPr lang="en-US" dirty="0"/>
-          </a:p>
-          <a:p>
-            <a:endParaRPr lang="en-CA" dirty="0"/>
-          </a:p>
-        </p:txBody>
-      </p:sp>
-    </p:spTree>
-    <p:extLst>
-      <p:ext uri="{BB962C8B-B14F-4D97-AF65-F5344CB8AC3E}">
-        <p14:creationId xmlns:p14="http://schemas.microsoft.com/office/powerpoint/2010/main" val="2949317553"/>
-      </p:ext>
-    </p:extLst>
-  </p:cSld>
-  <p:clrMapOvr>
-    <a:masterClrMapping/>
-  </p:clrMapOvr>
-</p:sld>
-</file>
-
-<file path=ppt/slides/slide9.xml><?xml version="1.0" encoding="utf-8"?>
-<p:sld xmlns:a="http://schemas.openxmlformats.org/drawingml/2006/main" xmlns:r="http://schemas.openxmlformats.org/officeDocument/2006/relationships" xmlns:p="http://schemas.openxmlformats.org/presentationml/2006/main">
-  <p:cSld>
-    <p:spTree>
-      <p:nvGrpSpPr>
-        <p:cNvPr id="1" name=""/>
-        <p:cNvGrpSpPr/>
-        <p:nvPr/>
-      </p:nvGrpSpPr>
-      <p:grpSpPr>
-        <a:xfrm>
-          <a:off x="0" y="0"/>
-          <a:ext cx="0" cy="0"/>
-          <a:chOff x="0" y="0"/>
-          <a:chExt cx="0" cy="0"/>
-        </a:xfrm>
-      </p:grpSpPr>
-      <p:sp>
-        <p:nvSpPr>
-          <p:cNvPr id="2" name="Title 1"/>
-          <p:cNvSpPr>
-            <a:spLocks noGrp="1"/>
-          </p:cNvSpPr>
-          <p:nvPr>
-            <p:ph type="title"/>
-          </p:nvPr>
-        </p:nvSpPr>
-        <p:spPr/>
-        <p:txBody>
-          <a:bodyPr/>
-          <a:lstStyle/>
-          <a:p>
-            <a:r>
-              <a:rPr lang="en-US" dirty="0" smtClean="0"/>
-              <a:t>Questions for Client</a:t>
-            </a:r>
-            <a:endParaRPr lang="en-US" dirty="0"/>
-          </a:p>
-        </p:txBody>
-      </p:sp>
-      <p:sp>
-        <p:nvSpPr>
-          <p:cNvPr id="3" name="Content Placeholder 2"/>
-          <p:cNvSpPr>
-            <a:spLocks noGrp="1"/>
-          </p:cNvSpPr>
-          <p:nvPr>
-            <p:ph idx="1"/>
-          </p:nvPr>
-        </p:nvSpPr>
-        <p:spPr/>
-        <p:txBody>
-          <a:bodyPr/>
-          <a:lstStyle/>
-          <a:p>
-            <a:r>
-              <a:rPr lang="en-US" dirty="0" smtClean="0"/>
-              <a:t>Is there any additional information required for the board of directors?</a:t>
-            </a:r>
-          </a:p>
-          <a:p>
-            <a:r>
-              <a:rPr lang="en-CA" dirty="0" smtClean="0"/>
-              <a:t>Would you like to have the access to creating accounts or leave it up to the client?</a:t>
-            </a:r>
-            <a:endParaRPr lang="en-US" dirty="0"/>
-          </a:p>
-          <a:p>
-            <a:endParaRPr lang="en-US" dirty="0"/>
-          </a:p>
-        </p:txBody>
-      </p:sp>
-    </p:spTree>
-    <p:extLst>
-      <p:ext uri="{BB962C8B-B14F-4D97-AF65-F5344CB8AC3E}">
-        <p14:creationId xmlns:p14="http://schemas.microsoft.com/office/powerpoint/2010/main" val="849499382"/>
       </p:ext>
     </p:extLst>
   </p:cSld>

--- a/Main Metaphor.pptx
+++ b/Main Metaphor.pptx
@@ -11,14 +11,15 @@
     <p:sldId id="267" r:id="rId5"/>
     <p:sldId id="268" r:id="rId6"/>
     <p:sldId id="269" r:id="rId7"/>
-    <p:sldId id="261" r:id="rId8"/>
-    <p:sldId id="265" r:id="rId9"/>
-    <p:sldId id="256" r:id="rId10"/>
-    <p:sldId id="257" r:id="rId11"/>
-    <p:sldId id="258" r:id="rId12"/>
-    <p:sldId id="259" r:id="rId13"/>
-    <p:sldId id="270" r:id="rId14"/>
-    <p:sldId id="264" r:id="rId15"/>
+    <p:sldId id="271" r:id="rId8"/>
+    <p:sldId id="261" r:id="rId9"/>
+    <p:sldId id="265" r:id="rId10"/>
+    <p:sldId id="256" r:id="rId11"/>
+    <p:sldId id="257" r:id="rId12"/>
+    <p:sldId id="258" r:id="rId13"/>
+    <p:sldId id="259" r:id="rId14"/>
+    <p:sldId id="270" r:id="rId15"/>
+    <p:sldId id="264" r:id="rId16"/>
   </p:sldIdLst>
   <p:sldSz cx="12192000" cy="6858000"/>
   <p:notesSz cx="6858000" cy="9144000"/>
@@ -627,7 +628,7 @@
           <a:p>
             <a:fld id="{30508423-45F1-44E4-A2A4-D90A85F005D6}" type="datetimeFigureOut">
               <a:rPr lang="en-CA" smtClean="0"/>
-              <a:t>07/02/2016</a:t>
+              <a:t>2016-02-08</a:t>
             </a:fld>
             <a:endParaRPr lang="en-CA"/>
           </a:p>
@@ -923,7 +924,7 @@
           <a:p>
             <a:fld id="{30508423-45F1-44E4-A2A4-D90A85F005D6}" type="datetimeFigureOut">
               <a:rPr lang="en-CA" smtClean="0"/>
-              <a:t>07/02/2016</a:t>
+              <a:t>2016-02-08</a:t>
             </a:fld>
             <a:endParaRPr lang="en-CA"/>
           </a:p>
@@ -1171,7 +1172,7 @@
           <a:p>
             <a:fld id="{30508423-45F1-44E4-A2A4-D90A85F005D6}" type="datetimeFigureOut">
               <a:rPr lang="en-CA" smtClean="0"/>
-              <a:t>07/02/2016</a:t>
+              <a:t>2016-02-08</a:t>
             </a:fld>
             <a:endParaRPr lang="en-CA"/>
           </a:p>
@@ -1711,7 +1712,7 @@
           <a:p>
             <a:fld id="{30508423-45F1-44E4-A2A4-D90A85F005D6}" type="datetimeFigureOut">
               <a:rPr lang="en-CA" smtClean="0"/>
-              <a:t>07/02/2016</a:t>
+              <a:t>2016-02-08</a:t>
             </a:fld>
             <a:endParaRPr lang="en-CA"/>
           </a:p>
@@ -1959,7 +1960,7 @@
           <a:p>
             <a:fld id="{30508423-45F1-44E4-A2A4-D90A85F005D6}" type="datetimeFigureOut">
               <a:rPr lang="en-CA" smtClean="0"/>
-              <a:t>07/02/2016</a:t>
+              <a:t>2016-02-08</a:t>
             </a:fld>
             <a:endParaRPr lang="en-CA"/>
           </a:p>
@@ -2491,7 +2492,7 @@
           <a:p>
             <a:fld id="{30508423-45F1-44E4-A2A4-D90A85F005D6}" type="datetimeFigureOut">
               <a:rPr lang="en-CA" smtClean="0"/>
-              <a:t>07/02/2016</a:t>
+              <a:t>2016-02-08</a:t>
             </a:fld>
             <a:endParaRPr lang="en-CA"/>
           </a:p>
@@ -2788,7 +2789,7 @@
           <a:p>
             <a:fld id="{30508423-45F1-44E4-A2A4-D90A85F005D6}" type="datetimeFigureOut">
               <a:rPr lang="en-CA" smtClean="0"/>
-              <a:t>07/02/2016</a:t>
+              <a:t>2016-02-08</a:t>
             </a:fld>
             <a:endParaRPr lang="en-CA"/>
           </a:p>
@@ -2962,7 +2963,7 @@
           <a:p>
             <a:fld id="{30508423-45F1-44E4-A2A4-D90A85F005D6}" type="datetimeFigureOut">
               <a:rPr lang="en-CA" smtClean="0"/>
-              <a:t>07/02/2016</a:t>
+              <a:t>2016-02-08</a:t>
             </a:fld>
             <a:endParaRPr lang="en-CA"/>
           </a:p>
@@ -3142,7 +3143,7 @@
           <a:p>
             <a:fld id="{30508423-45F1-44E4-A2A4-D90A85F005D6}" type="datetimeFigureOut">
               <a:rPr lang="en-CA" smtClean="0"/>
-              <a:t>07/02/2016</a:t>
+              <a:t>2016-02-08</a:t>
             </a:fld>
             <a:endParaRPr lang="en-CA"/>
           </a:p>
@@ -3312,7 +3313,7 @@
           <a:p>
             <a:fld id="{30508423-45F1-44E4-A2A4-D90A85F005D6}" type="datetimeFigureOut">
               <a:rPr lang="en-CA" smtClean="0"/>
-              <a:t>07/02/2016</a:t>
+              <a:t>2016-02-08</a:t>
             </a:fld>
             <a:endParaRPr lang="en-CA"/>
           </a:p>
@@ -3563,7 +3564,7 @@
           <a:p>
             <a:fld id="{30508423-45F1-44E4-A2A4-D90A85F005D6}" type="datetimeFigureOut">
               <a:rPr lang="en-CA" smtClean="0"/>
-              <a:t>07/02/2016</a:t>
+              <a:t>2016-02-08</a:t>
             </a:fld>
             <a:endParaRPr lang="en-CA"/>
           </a:p>
@@ -3860,7 +3861,7 @@
           <a:p>
             <a:fld id="{30508423-45F1-44E4-A2A4-D90A85F005D6}" type="datetimeFigureOut">
               <a:rPr lang="en-CA" smtClean="0"/>
-              <a:t>07/02/2016</a:t>
+              <a:t>2016-02-08</a:t>
             </a:fld>
             <a:endParaRPr lang="en-CA"/>
           </a:p>
@@ -4302,7 +4303,7 @@
           <a:p>
             <a:fld id="{30508423-45F1-44E4-A2A4-D90A85F005D6}" type="datetimeFigureOut">
               <a:rPr lang="en-CA" smtClean="0"/>
-              <a:t>07/02/2016</a:t>
+              <a:t>2016-02-08</a:t>
             </a:fld>
             <a:endParaRPr lang="en-CA"/>
           </a:p>
@@ -4420,7 +4421,7 @@
           <a:p>
             <a:fld id="{30508423-45F1-44E4-A2A4-D90A85F005D6}" type="datetimeFigureOut">
               <a:rPr lang="en-CA" smtClean="0"/>
-              <a:t>07/02/2016</a:t>
+              <a:t>2016-02-08</a:t>
             </a:fld>
             <a:endParaRPr lang="en-CA"/>
           </a:p>
@@ -4515,7 +4516,7 @@
           <a:p>
             <a:fld id="{30508423-45F1-44E4-A2A4-D90A85F005D6}" type="datetimeFigureOut">
               <a:rPr lang="en-CA" smtClean="0"/>
-              <a:t>07/02/2016</a:t>
+              <a:t>2016-02-08</a:t>
             </a:fld>
             <a:endParaRPr lang="en-CA"/>
           </a:p>
@@ -4798,7 +4799,7 @@
           <a:p>
             <a:fld id="{30508423-45F1-44E4-A2A4-D90A85F005D6}" type="datetimeFigureOut">
               <a:rPr lang="en-CA" smtClean="0"/>
-              <a:t>07/02/2016</a:t>
+              <a:t>2016-02-08</a:t>
             </a:fld>
             <a:endParaRPr lang="en-CA"/>
           </a:p>
@@ -5089,7 +5090,7 @@
           <a:p>
             <a:fld id="{30508423-45F1-44E4-A2A4-D90A85F005D6}" type="datetimeFigureOut">
               <a:rPr lang="en-CA" smtClean="0"/>
-              <a:t>07/02/2016</a:t>
+              <a:t>2016-02-08</a:t>
             </a:fld>
             <a:endParaRPr lang="en-CA"/>
           </a:p>
@@ -5619,7 +5620,7 @@
           <a:p>
             <a:fld id="{30508423-45F1-44E4-A2A4-D90A85F005D6}" type="datetimeFigureOut">
               <a:rPr lang="en-CA" smtClean="0"/>
-              <a:t>07/02/2016</a:t>
+              <a:t>2016-02-08</a:t>
             </a:fld>
             <a:endParaRPr lang="en-CA"/>
           </a:p>
@@ -6265,1153 +6266,6 @@
   <p:clrMapOvr>
     <a:masterClrMapping/>
   </p:clrMapOvr>
-</p:sld>
-</file>
-
-<file path=ppt/slides/slide10.xml><?xml version="1.0" encoding="utf-8"?>
-<p:sld xmlns:a="http://schemas.openxmlformats.org/drawingml/2006/main" xmlns:r="http://schemas.openxmlformats.org/officeDocument/2006/relationships" xmlns:p="http://schemas.openxmlformats.org/presentationml/2006/main">
-  <p:cSld>
-    <p:spTree>
-      <p:nvGrpSpPr>
-        <p:cNvPr id="1" name=""/>
-        <p:cNvGrpSpPr/>
-        <p:nvPr/>
-      </p:nvGrpSpPr>
-      <p:grpSpPr>
-        <a:xfrm>
-          <a:off x="0" y="0"/>
-          <a:ext cx="0" cy="0"/>
-          <a:chOff x="0" y="0"/>
-          <a:chExt cx="0" cy="0"/>
-        </a:xfrm>
-      </p:grpSpPr>
-      <p:sp>
-        <p:nvSpPr>
-          <p:cNvPr id="2" name="Title 1"/>
-          <p:cNvSpPr>
-            <a:spLocks noGrp="1"/>
-          </p:cNvSpPr>
-          <p:nvPr>
-            <p:ph type="title"/>
-          </p:nvPr>
-        </p:nvSpPr>
-        <p:spPr/>
-        <p:txBody>
-          <a:bodyPr/>
-          <a:lstStyle/>
-          <a:p>
-            <a:r>
-              <a:rPr lang="en-CA" dirty="0" smtClean="0"/>
-              <a:t>Students (Clients)</a:t>
-            </a:r>
-            <a:endParaRPr lang="en-CA" dirty="0"/>
-          </a:p>
-        </p:txBody>
-      </p:sp>
-      <p:sp>
-        <p:nvSpPr>
-          <p:cNvPr id="3" name="Content Placeholder 2"/>
-          <p:cNvSpPr>
-            <a:spLocks noGrp="1"/>
-          </p:cNvSpPr>
-          <p:nvPr>
-            <p:ph idx="1"/>
-          </p:nvPr>
-        </p:nvSpPr>
-        <p:spPr/>
-        <p:txBody>
-          <a:bodyPr/>
-          <a:lstStyle/>
-          <a:p>
-            <a:r>
-              <a:rPr lang="en-CA" dirty="0" smtClean="0"/>
-              <a:t>Upload walking data like a student would submit work for the teacher</a:t>
-            </a:r>
-          </a:p>
-          <a:p>
-            <a:r>
-              <a:rPr lang="en-CA" dirty="0" smtClean="0"/>
-              <a:t>A student can sign up for many events when he or she arrives at school, the same could be said for the client.. When they enter the log in to the website they will be able to sign up for events</a:t>
-            </a:r>
-          </a:p>
-          <a:p>
-            <a:r>
-              <a:rPr lang="en-CA" dirty="0" smtClean="0"/>
-              <a:t>Students go to school to learn, the client will be logged into the website to learn about schizophrenia</a:t>
-            </a:r>
-            <a:endParaRPr lang="en-CA" dirty="0"/>
-          </a:p>
-        </p:txBody>
-      </p:sp>
-    </p:spTree>
-    <p:extLst>
-      <p:ext uri="{BB962C8B-B14F-4D97-AF65-F5344CB8AC3E}">
-        <p14:creationId xmlns:p14="http://schemas.microsoft.com/office/powerpoint/2010/main" val="3200661161"/>
-      </p:ext>
-    </p:extLst>
-  </p:cSld>
-  <p:clrMapOvr>
-    <a:masterClrMapping/>
-  </p:clrMapOvr>
-</p:sld>
-</file>
-
-<file path=ppt/slides/slide11.xml><?xml version="1.0" encoding="utf-8"?>
-<p:sld xmlns:a="http://schemas.openxmlformats.org/drawingml/2006/main" xmlns:r="http://schemas.openxmlformats.org/officeDocument/2006/relationships" xmlns:p="http://schemas.openxmlformats.org/presentationml/2006/main">
-  <p:cSld>
-    <p:spTree>
-      <p:nvGrpSpPr>
-        <p:cNvPr id="1" name=""/>
-        <p:cNvGrpSpPr/>
-        <p:nvPr/>
-      </p:nvGrpSpPr>
-      <p:grpSpPr>
-        <a:xfrm>
-          <a:off x="0" y="0"/>
-          <a:ext cx="0" cy="0"/>
-          <a:chOff x="0" y="0"/>
-          <a:chExt cx="0" cy="0"/>
-        </a:xfrm>
-      </p:grpSpPr>
-      <p:sp>
-        <p:nvSpPr>
-          <p:cNvPr id="2" name="Title 1"/>
-          <p:cNvSpPr>
-            <a:spLocks noGrp="1"/>
-          </p:cNvSpPr>
-          <p:nvPr>
-            <p:ph type="title"/>
-          </p:nvPr>
-        </p:nvSpPr>
-        <p:spPr/>
-        <p:txBody>
-          <a:bodyPr/>
-          <a:lstStyle/>
-          <a:p>
-            <a:r>
-              <a:rPr lang="en-CA" dirty="0" smtClean="0"/>
-              <a:t>Principal (Board Member)</a:t>
-            </a:r>
-            <a:endParaRPr lang="en-CA" dirty="0"/>
-          </a:p>
-        </p:txBody>
-      </p:sp>
-      <p:sp>
-        <p:nvSpPr>
-          <p:cNvPr id="3" name="Content Placeholder 2"/>
-          <p:cNvSpPr>
-            <a:spLocks noGrp="1"/>
-          </p:cNvSpPr>
-          <p:nvPr>
-            <p:ph idx="1"/>
-          </p:nvPr>
-        </p:nvSpPr>
-        <p:spPr/>
-        <p:txBody>
-          <a:bodyPr/>
-          <a:lstStyle/>
-          <a:p>
-            <a:r>
-              <a:rPr lang="en-CA" dirty="0" smtClean="0"/>
-              <a:t>A board member will be able to log in to the website and view the budget tracker just like a principal of a school would budget the money out for the entire school year</a:t>
-            </a:r>
-          </a:p>
-          <a:p>
-            <a:r>
-              <a:rPr lang="en-CA" dirty="0" smtClean="0"/>
-              <a:t>The principal is in charge of the school just as the board members are in charge of the organization</a:t>
-            </a:r>
-          </a:p>
-        </p:txBody>
-      </p:sp>
-    </p:spTree>
-    <p:extLst>
-      <p:ext uri="{BB962C8B-B14F-4D97-AF65-F5344CB8AC3E}">
-        <p14:creationId xmlns:p14="http://schemas.microsoft.com/office/powerpoint/2010/main" val="934218552"/>
-      </p:ext>
-    </p:extLst>
-  </p:cSld>
-  <p:clrMapOvr>
-    <a:masterClrMapping/>
-  </p:clrMapOvr>
-</p:sld>
-</file>
-
-<file path=ppt/slides/slide12.xml><?xml version="1.0" encoding="utf-8"?>
-<p:sld xmlns:a="http://schemas.openxmlformats.org/drawingml/2006/main" xmlns:r="http://schemas.openxmlformats.org/officeDocument/2006/relationships" xmlns:p="http://schemas.openxmlformats.org/presentationml/2006/main">
-  <p:cSld>
-    <p:spTree>
-      <p:nvGrpSpPr>
-        <p:cNvPr id="1" name=""/>
-        <p:cNvGrpSpPr/>
-        <p:nvPr/>
-      </p:nvGrpSpPr>
-      <p:grpSpPr>
-        <a:xfrm>
-          <a:off x="0" y="0"/>
-          <a:ext cx="0" cy="0"/>
-          <a:chOff x="0" y="0"/>
-          <a:chExt cx="0" cy="0"/>
-        </a:xfrm>
-      </p:grpSpPr>
-      <p:sp>
-        <p:nvSpPr>
-          <p:cNvPr id="2" name="Title 1"/>
-          <p:cNvSpPr>
-            <a:spLocks noGrp="1"/>
-          </p:cNvSpPr>
-          <p:nvPr>
-            <p:ph type="title"/>
-          </p:nvPr>
-        </p:nvSpPr>
-        <p:spPr/>
-        <p:txBody>
-          <a:bodyPr/>
-          <a:lstStyle/>
-          <a:p>
-            <a:r>
-              <a:rPr lang="en-CA" dirty="0" smtClean="0"/>
-              <a:t>Teacher (Administrator(s))</a:t>
-            </a:r>
-            <a:endParaRPr lang="en-CA" dirty="0"/>
-          </a:p>
-        </p:txBody>
-      </p:sp>
-      <p:sp>
-        <p:nvSpPr>
-          <p:cNvPr id="3" name="Content Placeholder 2"/>
-          <p:cNvSpPr>
-            <a:spLocks noGrp="1"/>
-          </p:cNvSpPr>
-          <p:nvPr>
-            <p:ph idx="1"/>
-          </p:nvPr>
-        </p:nvSpPr>
-        <p:spPr/>
-        <p:txBody>
-          <a:bodyPr/>
-          <a:lstStyle/>
-          <a:p>
-            <a:r>
-              <a:rPr lang="en-CA" dirty="0" smtClean="0"/>
-              <a:t>The teacher is the one who organizes, updates information, plans events and schedules a day at school</a:t>
-            </a:r>
-            <a:endParaRPr lang="en-US" dirty="0"/>
-          </a:p>
-          <a:p>
-            <a:r>
-              <a:rPr lang="en-US" dirty="0" smtClean="0"/>
-              <a:t>The administrator will have ease </a:t>
-            </a:r>
-            <a:r>
-              <a:rPr lang="en-US" dirty="0"/>
-              <a:t>of editing </a:t>
-            </a:r>
-            <a:r>
-              <a:rPr lang="en-US" dirty="0" smtClean="0"/>
-              <a:t>the site to make </a:t>
-            </a:r>
-            <a:r>
-              <a:rPr lang="en-US" dirty="0"/>
-              <a:t>future changes: change pictures, upload files, add calendar events, etc</a:t>
-            </a:r>
-            <a:r>
-              <a:rPr lang="en-US" dirty="0" smtClean="0"/>
-              <a:t>. just as a teacher would be in charge of their classroom</a:t>
-            </a:r>
-            <a:endParaRPr lang="en-US" dirty="0"/>
-          </a:p>
-          <a:p>
-            <a:endParaRPr lang="en-CA" dirty="0"/>
-          </a:p>
-        </p:txBody>
-      </p:sp>
-    </p:spTree>
-    <p:extLst>
-      <p:ext uri="{BB962C8B-B14F-4D97-AF65-F5344CB8AC3E}">
-        <p14:creationId xmlns:p14="http://schemas.microsoft.com/office/powerpoint/2010/main" val="2949317553"/>
-      </p:ext>
-    </p:extLst>
-  </p:cSld>
-  <p:clrMapOvr>
-    <a:masterClrMapping/>
-  </p:clrMapOvr>
-</p:sld>
-</file>
-
-<file path=ppt/slides/slide13.xml><?xml version="1.0" encoding="utf-8"?>
-<p:sld xmlns:a="http://schemas.openxmlformats.org/drawingml/2006/main" xmlns:r="http://schemas.openxmlformats.org/officeDocument/2006/relationships" xmlns:p="http://schemas.openxmlformats.org/presentationml/2006/main">
-  <p:cSld>
-    <p:spTree>
-      <p:nvGrpSpPr>
-        <p:cNvPr id="1" name=""/>
-        <p:cNvGrpSpPr/>
-        <p:nvPr/>
-      </p:nvGrpSpPr>
-      <p:grpSpPr>
-        <a:xfrm>
-          <a:off x="0" y="0"/>
-          <a:ext cx="0" cy="0"/>
-          <a:chOff x="0" y="0"/>
-          <a:chExt cx="0" cy="0"/>
-        </a:xfrm>
-      </p:grpSpPr>
-      <p:sp>
-        <p:nvSpPr>
-          <p:cNvPr id="2" name="Title 1"/>
-          <p:cNvSpPr>
-            <a:spLocks noGrp="1"/>
-          </p:cNvSpPr>
-          <p:nvPr>
-            <p:ph type="title"/>
-          </p:nvPr>
-        </p:nvSpPr>
-        <p:spPr>
-          <a:xfrm>
-            <a:off x="1484310" y="361950"/>
-            <a:ext cx="10018713" cy="1752599"/>
-          </a:xfrm>
-        </p:spPr>
-        <p:txBody>
-          <a:bodyPr/>
-          <a:lstStyle/>
-          <a:p>
-            <a:r>
-              <a:rPr lang="en-CA" dirty="0" smtClean="0"/>
-              <a:t>Site Map</a:t>
-            </a:r>
-            <a:endParaRPr lang="en-CA" dirty="0"/>
-          </a:p>
-        </p:txBody>
-      </p:sp>
-      <p:sp>
-        <p:nvSpPr>
-          <p:cNvPr id="3" name="Content Placeholder 2"/>
-          <p:cNvSpPr>
-            <a:spLocks noGrp="1"/>
-          </p:cNvSpPr>
-          <p:nvPr>
-            <p:ph idx="1"/>
-          </p:nvPr>
-        </p:nvSpPr>
-        <p:spPr/>
-        <p:txBody>
-          <a:bodyPr/>
-          <a:lstStyle/>
-          <a:p>
-            <a:endParaRPr lang="en-CA"/>
-          </a:p>
-        </p:txBody>
-      </p:sp>
-      <p:pic>
-        <p:nvPicPr>
-          <p:cNvPr id="5" name="Picture 4"/>
-          <p:cNvPicPr>
-            <a:picLocks noChangeAspect="1"/>
-          </p:cNvPicPr>
-          <p:nvPr/>
-        </p:nvPicPr>
-        <p:blipFill>
-          <a:blip r:embed="rId2"/>
-          <a:stretch>
-            <a:fillRect/>
-          </a:stretch>
-        </p:blipFill>
-        <p:spPr>
-          <a:xfrm>
-            <a:off x="105043" y="1562099"/>
-            <a:ext cx="11972696" cy="5175162"/>
-          </a:xfrm>
-          <a:prstGeom prst="rect">
-            <a:avLst/>
-          </a:prstGeom>
-        </p:spPr>
-      </p:pic>
-    </p:spTree>
-    <p:extLst>
-      <p:ext uri="{BB962C8B-B14F-4D97-AF65-F5344CB8AC3E}">
-        <p14:creationId xmlns:p14="http://schemas.microsoft.com/office/powerpoint/2010/main" val="541369961"/>
-      </p:ext>
-    </p:extLst>
-  </p:cSld>
-  <p:clrMapOvr>
-    <a:masterClrMapping/>
-  </p:clrMapOvr>
-</p:sld>
-</file>
-
-<file path=ppt/slides/slide14.xml><?xml version="1.0" encoding="utf-8"?>
-<p:sld xmlns:a="http://schemas.openxmlformats.org/drawingml/2006/main" xmlns:r="http://schemas.openxmlformats.org/officeDocument/2006/relationships" xmlns:p="http://schemas.openxmlformats.org/presentationml/2006/main">
-  <p:cSld>
-    <p:spTree>
-      <p:nvGrpSpPr>
-        <p:cNvPr id="1" name=""/>
-        <p:cNvGrpSpPr/>
-        <p:nvPr/>
-      </p:nvGrpSpPr>
-      <p:grpSpPr>
-        <a:xfrm>
-          <a:off x="0" y="0"/>
-          <a:ext cx="0" cy="0"/>
-          <a:chOff x="0" y="0"/>
-          <a:chExt cx="0" cy="0"/>
-        </a:xfrm>
-      </p:grpSpPr>
-      <p:sp>
-        <p:nvSpPr>
-          <p:cNvPr id="2" name="Title 1"/>
-          <p:cNvSpPr>
-            <a:spLocks noGrp="1"/>
-          </p:cNvSpPr>
-          <p:nvPr>
-            <p:ph type="title"/>
-          </p:nvPr>
-        </p:nvSpPr>
-        <p:spPr/>
-        <p:txBody>
-          <a:bodyPr/>
-          <a:lstStyle/>
-          <a:p>
-            <a:r>
-              <a:rPr lang="en-US" dirty="0" smtClean="0"/>
-              <a:t>Questions for Client</a:t>
-            </a:r>
-            <a:endParaRPr lang="en-US" dirty="0"/>
-          </a:p>
-        </p:txBody>
-      </p:sp>
-      <p:sp>
-        <p:nvSpPr>
-          <p:cNvPr id="3" name="Content Placeholder 2"/>
-          <p:cNvSpPr>
-            <a:spLocks noGrp="1"/>
-          </p:cNvSpPr>
-          <p:nvPr>
-            <p:ph idx="1"/>
-          </p:nvPr>
-        </p:nvSpPr>
-        <p:spPr/>
-        <p:txBody>
-          <a:bodyPr>
-            <a:normAutofit fontScale="92500"/>
-          </a:bodyPr>
-          <a:lstStyle/>
-          <a:p>
-            <a:r>
-              <a:rPr lang="en-US" dirty="0" smtClean="0"/>
-              <a:t>Is there any additional information required for the board of directors?</a:t>
-            </a:r>
-          </a:p>
-          <a:p>
-            <a:r>
-              <a:rPr lang="en-CA" dirty="0" smtClean="0"/>
-              <a:t>Would you like to have the access to creating accounts or leave it up to the client?</a:t>
-            </a:r>
-          </a:p>
-          <a:p>
-            <a:r>
-              <a:rPr lang="en-CA" dirty="0" smtClean="0"/>
-              <a:t>For the Fitbit we were wondering how you wanted to input the steps, if the client will enter the steps manually or will the caretaker input the info into the database?</a:t>
-            </a:r>
-          </a:p>
-          <a:p>
-            <a:r>
-              <a:rPr lang="en-CA" dirty="0" smtClean="0"/>
-              <a:t>Will every client that comes into the service be given an account to log into the website?</a:t>
-            </a:r>
-            <a:endParaRPr lang="en-US" dirty="0"/>
-          </a:p>
-          <a:p>
-            <a:endParaRPr lang="en-US" dirty="0"/>
-          </a:p>
-        </p:txBody>
-      </p:sp>
-    </p:spTree>
-    <p:extLst>
-      <p:ext uri="{BB962C8B-B14F-4D97-AF65-F5344CB8AC3E}">
-        <p14:creationId xmlns:p14="http://schemas.microsoft.com/office/powerpoint/2010/main" val="849499382"/>
-      </p:ext>
-    </p:extLst>
-  </p:cSld>
-  <p:clrMapOvr>
-    <a:masterClrMapping/>
-  </p:clrMapOvr>
-</p:sld>
-</file>
-
-<file path=ppt/slides/slide2.xml><?xml version="1.0" encoding="utf-8"?>
-<p:sld xmlns:a="http://schemas.openxmlformats.org/drawingml/2006/main" xmlns:r="http://schemas.openxmlformats.org/officeDocument/2006/relationships" xmlns:p="http://schemas.openxmlformats.org/presentationml/2006/main">
-  <p:cSld>
-    <p:spTree>
-      <p:nvGrpSpPr>
-        <p:cNvPr id="1" name=""/>
-        <p:cNvGrpSpPr/>
-        <p:nvPr/>
-      </p:nvGrpSpPr>
-      <p:grpSpPr>
-        <a:xfrm>
-          <a:off x="0" y="0"/>
-          <a:ext cx="0" cy="0"/>
-          <a:chOff x="0" y="0"/>
-          <a:chExt cx="0" cy="0"/>
-        </a:xfrm>
-      </p:grpSpPr>
-      <p:sp>
-        <p:nvSpPr>
-          <p:cNvPr id="2" name="Title 1"/>
-          <p:cNvSpPr>
-            <a:spLocks noGrp="1"/>
-          </p:cNvSpPr>
-          <p:nvPr>
-            <p:ph type="title"/>
-          </p:nvPr>
-        </p:nvSpPr>
-        <p:spPr/>
-        <p:txBody>
-          <a:bodyPr/>
-          <a:lstStyle/>
-          <a:p>
-            <a:r>
-              <a:rPr lang="en-US" dirty="0" err="1" smtClean="0"/>
-              <a:t>Vmad</a:t>
-            </a:r>
-            <a:endParaRPr lang="en-US" dirty="0"/>
-          </a:p>
-        </p:txBody>
-      </p:sp>
-      <p:sp>
-        <p:nvSpPr>
-          <p:cNvPr id="3" name="Content Placeholder 2"/>
-          <p:cNvSpPr>
-            <a:spLocks noGrp="1"/>
-          </p:cNvSpPr>
-          <p:nvPr>
-            <p:ph idx="1"/>
-          </p:nvPr>
-        </p:nvSpPr>
-        <p:spPr/>
-        <p:txBody>
-          <a:bodyPr>
-            <a:normAutofit lnSpcReduction="10000"/>
-          </a:bodyPr>
-          <a:lstStyle/>
-          <a:p>
-            <a:r>
-              <a:rPr lang="en-US" dirty="0" smtClean="0"/>
-              <a:t>Very masterful, always dedicated</a:t>
-            </a:r>
-          </a:p>
-          <a:p>
-            <a:r>
-              <a:rPr lang="en-US" dirty="0" smtClean="0"/>
-              <a:t>As a company we provide the best in web design and other media projects for clients</a:t>
-            </a:r>
-          </a:p>
-          <a:p>
-            <a:r>
-              <a:rPr lang="en-US" dirty="0" smtClean="0"/>
-              <a:t>Have created many websites in the past for clients</a:t>
-            </a:r>
-          </a:p>
-          <a:p>
-            <a:r>
-              <a:rPr lang="en-US" dirty="0" smtClean="0"/>
-              <a:t>Roles at </a:t>
-            </a:r>
-            <a:r>
-              <a:rPr lang="en-US" dirty="0" err="1" smtClean="0"/>
-              <a:t>Vmad</a:t>
-            </a:r>
-            <a:endParaRPr lang="en-US" dirty="0" smtClean="0"/>
-          </a:p>
-          <a:p>
-            <a:pPr marL="285750" lvl="1"/>
-            <a:r>
-              <a:rPr lang="en-US" sz="2400" dirty="0"/>
-              <a:t>Everyone will contribute equally and help in areas that need work throughout the project</a:t>
-            </a:r>
-          </a:p>
-          <a:p>
-            <a:endParaRPr lang="en-US" dirty="0" smtClean="0"/>
-          </a:p>
-        </p:txBody>
-      </p:sp>
-    </p:spTree>
-    <p:extLst>
-      <p:ext uri="{BB962C8B-B14F-4D97-AF65-F5344CB8AC3E}">
-        <p14:creationId xmlns:p14="http://schemas.microsoft.com/office/powerpoint/2010/main" val="3652006648"/>
-      </p:ext>
-    </p:extLst>
-  </p:cSld>
-  <p:clrMapOvr>
-    <a:masterClrMapping/>
-  </p:clrMapOvr>
-</p:sld>
-</file>
-
-<file path=ppt/slides/slide3.xml><?xml version="1.0" encoding="utf-8"?>
-<p:sld xmlns:a="http://schemas.openxmlformats.org/drawingml/2006/main" xmlns:r="http://schemas.openxmlformats.org/officeDocument/2006/relationships" xmlns:p="http://schemas.openxmlformats.org/presentationml/2006/main">
-  <p:cSld>
-    <p:spTree>
-      <p:nvGrpSpPr>
-        <p:cNvPr id="1" name=""/>
-        <p:cNvGrpSpPr/>
-        <p:nvPr/>
-      </p:nvGrpSpPr>
-      <p:grpSpPr>
-        <a:xfrm>
-          <a:off x="0" y="0"/>
-          <a:ext cx="0" cy="0"/>
-          <a:chOff x="0" y="0"/>
-          <a:chExt cx="0" cy="0"/>
-        </a:xfrm>
-      </p:grpSpPr>
-      <p:sp>
-        <p:nvSpPr>
-          <p:cNvPr id="4" name="Title 3"/>
-          <p:cNvSpPr>
-            <a:spLocks noGrp="1"/>
-          </p:cNvSpPr>
-          <p:nvPr>
-            <p:ph type="title"/>
-          </p:nvPr>
-        </p:nvSpPr>
-        <p:spPr/>
-        <p:txBody>
-          <a:bodyPr/>
-          <a:lstStyle/>
-          <a:p>
-            <a:r>
-              <a:rPr lang="en-US" dirty="0" err="1"/>
-              <a:t>Dmitrii</a:t>
-            </a:r>
-            <a:endParaRPr lang="en-CA" dirty="0"/>
-          </a:p>
-        </p:txBody>
-      </p:sp>
-      <p:sp>
-        <p:nvSpPr>
-          <p:cNvPr id="5" name="Content Placeholder 4"/>
-          <p:cNvSpPr>
-            <a:spLocks noGrp="1"/>
-          </p:cNvSpPr>
-          <p:nvPr>
-            <p:ph idx="1"/>
-          </p:nvPr>
-        </p:nvSpPr>
-        <p:spPr/>
-        <p:txBody>
-          <a:bodyPr/>
-          <a:lstStyle/>
-          <a:p>
-            <a:endParaRPr lang="en-CA"/>
-          </a:p>
-        </p:txBody>
-      </p:sp>
-      <p:sp>
-        <p:nvSpPr>
-          <p:cNvPr id="6" name="Text Placeholder 5"/>
-          <p:cNvSpPr>
-            <a:spLocks noGrp="1"/>
-          </p:cNvSpPr>
-          <p:nvPr>
-            <p:ph type="body" sz="half" idx="2"/>
-          </p:nvPr>
-        </p:nvSpPr>
-        <p:spPr/>
-        <p:txBody>
-          <a:bodyPr/>
-          <a:lstStyle/>
-          <a:p>
-            <a:pPr marL="285750" indent="-285750">
-              <a:buFont typeface="Arial" panose="020B0604020202020204" pitchFamily="34" charset="0"/>
-              <a:buChar char="•"/>
-            </a:pPr>
-            <a:r>
-              <a:rPr lang="en-CA" dirty="0" smtClean="0"/>
-              <a:t>Backend database for the company</a:t>
-            </a:r>
-          </a:p>
-          <a:p>
-            <a:pPr marL="285750" indent="-285750">
-              <a:buFont typeface="Arial" panose="020B0604020202020204" pitchFamily="34" charset="0"/>
-              <a:buChar char="•"/>
-            </a:pPr>
-            <a:r>
-              <a:rPr lang="en-CA" dirty="0" smtClean="0"/>
-              <a:t>Has a knack for design</a:t>
-            </a:r>
-            <a:endParaRPr lang="en-CA" dirty="0"/>
-          </a:p>
-        </p:txBody>
-      </p:sp>
-    </p:spTree>
-    <p:extLst>
-      <p:ext uri="{BB962C8B-B14F-4D97-AF65-F5344CB8AC3E}">
-        <p14:creationId xmlns:p14="http://schemas.microsoft.com/office/powerpoint/2010/main" val="1937911746"/>
-      </p:ext>
-    </p:extLst>
-  </p:cSld>
-  <p:clrMapOvr>
-    <a:masterClrMapping/>
-  </p:clrMapOvr>
-</p:sld>
-</file>
-
-<file path=ppt/slides/slide4.xml><?xml version="1.0" encoding="utf-8"?>
-<p:sld xmlns:a="http://schemas.openxmlformats.org/drawingml/2006/main" xmlns:r="http://schemas.openxmlformats.org/officeDocument/2006/relationships" xmlns:p="http://schemas.openxmlformats.org/presentationml/2006/main">
-  <p:cSld>
-    <p:spTree>
-      <p:nvGrpSpPr>
-        <p:cNvPr id="1" name=""/>
-        <p:cNvGrpSpPr/>
-        <p:nvPr/>
-      </p:nvGrpSpPr>
-      <p:grpSpPr>
-        <a:xfrm>
-          <a:off x="0" y="0"/>
-          <a:ext cx="0" cy="0"/>
-          <a:chOff x="0" y="0"/>
-          <a:chExt cx="0" cy="0"/>
-        </a:xfrm>
-      </p:grpSpPr>
-      <p:sp>
-        <p:nvSpPr>
-          <p:cNvPr id="2" name="Title 1"/>
-          <p:cNvSpPr>
-            <a:spLocks noGrp="1"/>
-          </p:cNvSpPr>
-          <p:nvPr>
-            <p:ph type="title"/>
-          </p:nvPr>
-        </p:nvSpPr>
-        <p:spPr/>
-        <p:txBody>
-          <a:bodyPr/>
-          <a:lstStyle/>
-          <a:p>
-            <a:r>
-              <a:rPr lang="en-US" dirty="0" err="1"/>
-              <a:t>Khypee</a:t>
-            </a:r>
-            <a:endParaRPr lang="en-CA" dirty="0"/>
-          </a:p>
-        </p:txBody>
-      </p:sp>
-      <p:sp>
-        <p:nvSpPr>
-          <p:cNvPr id="3" name="Content Placeholder 2"/>
-          <p:cNvSpPr>
-            <a:spLocks noGrp="1"/>
-          </p:cNvSpPr>
-          <p:nvPr>
-            <p:ph idx="1"/>
-          </p:nvPr>
-        </p:nvSpPr>
-        <p:spPr/>
-        <p:txBody>
-          <a:bodyPr/>
-          <a:lstStyle/>
-          <a:p>
-            <a:endParaRPr lang="en-CA"/>
-          </a:p>
-        </p:txBody>
-      </p:sp>
-      <p:sp>
-        <p:nvSpPr>
-          <p:cNvPr id="4" name="Text Placeholder 3"/>
-          <p:cNvSpPr>
-            <a:spLocks noGrp="1"/>
-          </p:cNvSpPr>
-          <p:nvPr>
-            <p:ph type="body" sz="half" idx="2"/>
-          </p:nvPr>
-        </p:nvSpPr>
-        <p:spPr/>
-        <p:txBody>
-          <a:bodyPr/>
-          <a:lstStyle/>
-          <a:p>
-            <a:pPr marL="285750" indent="-285750">
-              <a:buFont typeface="Arial" panose="020B0604020202020204" pitchFamily="34" charset="0"/>
-              <a:buChar char="•"/>
-            </a:pPr>
-            <a:r>
-              <a:rPr lang="en-CA" dirty="0" smtClean="0"/>
-              <a:t>Back end database</a:t>
-            </a:r>
-          </a:p>
-          <a:p>
-            <a:pPr marL="285750" indent="-285750">
-              <a:buFont typeface="Arial" panose="020B0604020202020204" pitchFamily="34" charset="0"/>
-              <a:buChar char="•"/>
-            </a:pPr>
-            <a:r>
-              <a:rPr lang="en-CA" dirty="0" smtClean="0"/>
-              <a:t>Has been working with computers his whole life</a:t>
-            </a:r>
-            <a:endParaRPr lang="en-CA" dirty="0"/>
-          </a:p>
-        </p:txBody>
-      </p:sp>
-    </p:spTree>
-    <p:extLst>
-      <p:ext uri="{BB962C8B-B14F-4D97-AF65-F5344CB8AC3E}">
-        <p14:creationId xmlns:p14="http://schemas.microsoft.com/office/powerpoint/2010/main" val="4114809848"/>
-      </p:ext>
-    </p:extLst>
-  </p:cSld>
-  <p:clrMapOvr>
-    <a:masterClrMapping/>
-  </p:clrMapOvr>
-</p:sld>
-</file>
-
-<file path=ppt/slides/slide5.xml><?xml version="1.0" encoding="utf-8"?>
-<p:sld xmlns:a="http://schemas.openxmlformats.org/drawingml/2006/main" xmlns:r="http://schemas.openxmlformats.org/officeDocument/2006/relationships" xmlns:p="http://schemas.openxmlformats.org/presentationml/2006/main">
-  <p:cSld>
-    <p:spTree>
-      <p:nvGrpSpPr>
-        <p:cNvPr id="1" name=""/>
-        <p:cNvGrpSpPr/>
-        <p:nvPr/>
-      </p:nvGrpSpPr>
-      <p:grpSpPr>
-        <a:xfrm>
-          <a:off x="0" y="0"/>
-          <a:ext cx="0" cy="0"/>
-          <a:chOff x="0" y="0"/>
-          <a:chExt cx="0" cy="0"/>
-        </a:xfrm>
-      </p:grpSpPr>
-      <p:sp>
-        <p:nvSpPr>
-          <p:cNvPr id="2" name="Title 1"/>
-          <p:cNvSpPr>
-            <a:spLocks noGrp="1"/>
-          </p:cNvSpPr>
-          <p:nvPr>
-            <p:ph type="title"/>
-          </p:nvPr>
-        </p:nvSpPr>
-        <p:spPr/>
-        <p:txBody>
-          <a:bodyPr/>
-          <a:lstStyle/>
-          <a:p>
-            <a:r>
-              <a:rPr lang="en-US" dirty="0" smtClean="0"/>
-              <a:t>Amir</a:t>
-            </a:r>
-            <a:endParaRPr lang="en-CA" dirty="0"/>
-          </a:p>
-        </p:txBody>
-      </p:sp>
-      <p:sp>
-        <p:nvSpPr>
-          <p:cNvPr id="3" name="Content Placeholder 2"/>
-          <p:cNvSpPr>
-            <a:spLocks noGrp="1"/>
-          </p:cNvSpPr>
-          <p:nvPr>
-            <p:ph idx="1"/>
-          </p:nvPr>
-        </p:nvSpPr>
-        <p:spPr/>
-        <p:txBody>
-          <a:bodyPr/>
-          <a:lstStyle/>
-          <a:p>
-            <a:endParaRPr lang="en-CA"/>
-          </a:p>
-        </p:txBody>
-      </p:sp>
-      <p:sp>
-        <p:nvSpPr>
-          <p:cNvPr id="4" name="Text Placeholder 3"/>
-          <p:cNvSpPr>
-            <a:spLocks noGrp="1"/>
-          </p:cNvSpPr>
-          <p:nvPr>
-            <p:ph type="body" sz="half" idx="2"/>
-          </p:nvPr>
-        </p:nvSpPr>
-        <p:spPr/>
-        <p:txBody>
-          <a:bodyPr/>
-          <a:lstStyle/>
-          <a:p>
-            <a:pPr marL="285750" indent="-285750">
-              <a:buFont typeface="Arial" panose="020B0604020202020204" pitchFamily="34" charset="0"/>
-              <a:buChar char="•"/>
-            </a:pPr>
-            <a:r>
-              <a:rPr lang="en-CA" dirty="0" smtClean="0"/>
-              <a:t>Front end designer of</a:t>
-            </a:r>
-          </a:p>
-          <a:p>
-            <a:pPr marL="285750" indent="-285750">
-              <a:buFont typeface="Arial" panose="020B0604020202020204" pitchFamily="34" charset="0"/>
-              <a:buChar char="•"/>
-            </a:pPr>
-            <a:r>
-              <a:rPr lang="en-CA" dirty="0" smtClean="0"/>
-              <a:t>Very good at coding</a:t>
-            </a:r>
-            <a:endParaRPr lang="en-CA" dirty="0"/>
-          </a:p>
-        </p:txBody>
-      </p:sp>
-    </p:spTree>
-    <p:extLst>
-      <p:ext uri="{BB962C8B-B14F-4D97-AF65-F5344CB8AC3E}">
-        <p14:creationId xmlns:p14="http://schemas.microsoft.com/office/powerpoint/2010/main" val="3741052117"/>
-      </p:ext>
-    </p:extLst>
-  </p:cSld>
-  <p:clrMapOvr>
-    <a:masterClrMapping/>
-  </p:clrMapOvr>
-</p:sld>
-</file>
-
-<file path=ppt/slides/slide6.xml><?xml version="1.0" encoding="utf-8"?>
-<p:sld xmlns:a="http://schemas.openxmlformats.org/drawingml/2006/main" xmlns:r="http://schemas.openxmlformats.org/officeDocument/2006/relationships" xmlns:p="http://schemas.openxmlformats.org/presentationml/2006/main">
-  <p:cSld>
-    <p:spTree>
-      <p:nvGrpSpPr>
-        <p:cNvPr id="1" name=""/>
-        <p:cNvGrpSpPr/>
-        <p:nvPr/>
-      </p:nvGrpSpPr>
-      <p:grpSpPr>
-        <a:xfrm>
-          <a:off x="0" y="0"/>
-          <a:ext cx="0" cy="0"/>
-          <a:chOff x="0" y="0"/>
-          <a:chExt cx="0" cy="0"/>
-        </a:xfrm>
-      </p:grpSpPr>
-      <p:sp>
-        <p:nvSpPr>
-          <p:cNvPr id="2" name="Title 1"/>
-          <p:cNvSpPr>
-            <a:spLocks noGrp="1"/>
-          </p:cNvSpPr>
-          <p:nvPr>
-            <p:ph type="title"/>
-          </p:nvPr>
-        </p:nvSpPr>
-        <p:spPr/>
-        <p:txBody>
-          <a:bodyPr/>
-          <a:lstStyle/>
-          <a:p>
-            <a:r>
-              <a:rPr lang="en-US" dirty="0" smtClean="0"/>
-              <a:t>Justin</a:t>
-            </a:r>
-            <a:endParaRPr lang="en-CA" dirty="0"/>
-          </a:p>
-        </p:txBody>
-      </p:sp>
-      <p:sp>
-        <p:nvSpPr>
-          <p:cNvPr id="3" name="Content Placeholder 2"/>
-          <p:cNvSpPr>
-            <a:spLocks noGrp="1"/>
-          </p:cNvSpPr>
-          <p:nvPr>
-            <p:ph idx="1"/>
-          </p:nvPr>
-        </p:nvSpPr>
-        <p:spPr/>
-        <p:txBody>
-          <a:bodyPr/>
-          <a:lstStyle/>
-          <a:p>
-            <a:endParaRPr lang="en-CA"/>
-          </a:p>
-        </p:txBody>
-      </p:sp>
-      <p:sp>
-        <p:nvSpPr>
-          <p:cNvPr id="4" name="Text Placeholder 3"/>
-          <p:cNvSpPr>
-            <a:spLocks noGrp="1"/>
-          </p:cNvSpPr>
-          <p:nvPr>
-            <p:ph type="body" sz="half" idx="2"/>
-          </p:nvPr>
-        </p:nvSpPr>
-        <p:spPr/>
-        <p:txBody>
-          <a:bodyPr/>
-          <a:lstStyle/>
-          <a:p>
-            <a:pPr marL="285750" indent="-285750">
-              <a:buFont typeface="Arial" panose="020B0604020202020204" pitchFamily="34" charset="0"/>
-              <a:buChar char="•"/>
-            </a:pPr>
-            <a:r>
-              <a:rPr lang="en-CA" dirty="0" smtClean="0"/>
-              <a:t>Team leader for prototype 1</a:t>
-            </a:r>
-          </a:p>
-          <a:p>
-            <a:pPr marL="285750" indent="-285750">
-              <a:buFont typeface="Arial" panose="020B0604020202020204" pitchFamily="34" charset="0"/>
-              <a:buChar char="•"/>
-            </a:pPr>
-            <a:r>
-              <a:rPr lang="en-CA" dirty="0" smtClean="0"/>
-              <a:t>Front end designer of the site</a:t>
-            </a:r>
-            <a:endParaRPr lang="en-CA" dirty="0"/>
-          </a:p>
-        </p:txBody>
-      </p:sp>
-    </p:spTree>
-    <p:extLst>
-      <p:ext uri="{BB962C8B-B14F-4D97-AF65-F5344CB8AC3E}">
-        <p14:creationId xmlns:p14="http://schemas.microsoft.com/office/powerpoint/2010/main" val="1207594823"/>
-      </p:ext>
-    </p:extLst>
-  </p:cSld>
-  <p:clrMapOvr>
-    <a:masterClrMapping/>
-  </p:clrMapOvr>
-</p:sld>
-</file>
-
-<file path=ppt/slides/slide7.xml><?xml version="1.0" encoding="utf-8"?>
-<p:sld xmlns:a="http://schemas.openxmlformats.org/drawingml/2006/main" xmlns:r="http://schemas.openxmlformats.org/officeDocument/2006/relationships" xmlns:p="http://schemas.openxmlformats.org/presentationml/2006/main">
-  <p:cSld>
-    <p:spTree>
-      <p:nvGrpSpPr>
-        <p:cNvPr id="1" name=""/>
-        <p:cNvGrpSpPr/>
-        <p:nvPr/>
-      </p:nvGrpSpPr>
-      <p:grpSpPr>
-        <a:xfrm>
-          <a:off x="0" y="0"/>
-          <a:ext cx="0" cy="0"/>
-          <a:chOff x="0" y="0"/>
-          <a:chExt cx="0" cy="0"/>
-        </a:xfrm>
-      </p:grpSpPr>
-      <p:sp>
-        <p:nvSpPr>
-          <p:cNvPr id="2" name="Title 1"/>
-          <p:cNvSpPr>
-            <a:spLocks noGrp="1"/>
-          </p:cNvSpPr>
-          <p:nvPr>
-            <p:ph type="title"/>
-          </p:nvPr>
-        </p:nvSpPr>
-        <p:spPr/>
-        <p:txBody>
-          <a:bodyPr/>
-          <a:lstStyle/>
-          <a:p>
-            <a:r>
-              <a:rPr lang="en-CA" dirty="0" smtClean="0"/>
-              <a:t>Main users</a:t>
-            </a:r>
-            <a:endParaRPr lang="en-CA" dirty="0"/>
-          </a:p>
-        </p:txBody>
-      </p:sp>
-      <p:sp>
-        <p:nvSpPr>
-          <p:cNvPr id="3" name="Content Placeholder 2"/>
-          <p:cNvSpPr>
-            <a:spLocks noGrp="1"/>
-          </p:cNvSpPr>
-          <p:nvPr>
-            <p:ph idx="1"/>
-          </p:nvPr>
-        </p:nvSpPr>
-        <p:spPr/>
-        <p:txBody>
-          <a:bodyPr>
-            <a:noAutofit/>
-          </a:bodyPr>
-          <a:lstStyle/>
-          <a:p>
-            <a:r>
-              <a:rPr lang="en-CA" dirty="0" smtClean="0"/>
-              <a:t>User</a:t>
-            </a:r>
-          </a:p>
-          <a:p>
-            <a:pPr lvl="1"/>
-            <a:r>
-              <a:rPr lang="en-CA" dirty="0" smtClean="0"/>
-              <a:t>Anyone on the internet will be able to view site and find information on the Hamilton Program for Schizophrenia</a:t>
-            </a:r>
-          </a:p>
-          <a:p>
-            <a:r>
-              <a:rPr lang="en-CA" dirty="0" smtClean="0"/>
-              <a:t>Client</a:t>
-            </a:r>
-          </a:p>
-          <a:p>
-            <a:pPr lvl="1"/>
-            <a:r>
-              <a:rPr lang="en-CA" dirty="0" smtClean="0"/>
-              <a:t>Needs information on schizophrenia in a more user friendly interface</a:t>
-            </a:r>
-          </a:p>
-          <a:p>
-            <a:pPr lvl="1"/>
-            <a:r>
-              <a:rPr lang="en-CA" dirty="0" smtClean="0"/>
-              <a:t>Ability to log in to view events and input Fitbit data to website for tracking</a:t>
-            </a:r>
-          </a:p>
-          <a:p>
-            <a:r>
-              <a:rPr lang="en-CA" dirty="0" smtClean="0"/>
-              <a:t>Workers/Administrator</a:t>
-            </a:r>
-          </a:p>
-          <a:p>
-            <a:pPr lvl="1"/>
-            <a:r>
-              <a:rPr lang="en-CA" dirty="0" smtClean="0"/>
-              <a:t>Needs to be able to view events and update website</a:t>
-            </a:r>
-          </a:p>
-          <a:p>
-            <a:r>
-              <a:rPr lang="en-CA" dirty="0" smtClean="0"/>
-              <a:t>Board Members</a:t>
-            </a:r>
-          </a:p>
-          <a:p>
-            <a:pPr lvl="1"/>
-            <a:r>
-              <a:rPr lang="en-CA" dirty="0" smtClean="0"/>
-              <a:t>Needs to see budget and track budget using budget tracker</a:t>
-            </a:r>
-          </a:p>
-        </p:txBody>
-      </p:sp>
-    </p:spTree>
-    <p:extLst>
-      <p:ext uri="{BB962C8B-B14F-4D97-AF65-F5344CB8AC3E}">
-        <p14:creationId xmlns:p14="http://schemas.microsoft.com/office/powerpoint/2010/main" val="3335882420"/>
-      </p:ext>
-    </p:extLst>
-  </p:cSld>
-  <p:clrMapOvr>
-    <a:masterClrMapping/>
-  </p:clrMapOvr>
   <p:timing>
     <p:tnLst>
       <p:par>
@@ -7422,79 +6276,7 @@
 </p:sld>
 </file>
 
-<file path=ppt/slides/slide8.xml><?xml version="1.0" encoding="utf-8"?>
-<p:sld xmlns:a="http://schemas.openxmlformats.org/drawingml/2006/main" xmlns:r="http://schemas.openxmlformats.org/officeDocument/2006/relationships" xmlns:p="http://schemas.openxmlformats.org/presentationml/2006/main">
-  <p:cSld>
-    <p:spTree>
-      <p:nvGrpSpPr>
-        <p:cNvPr id="1" name=""/>
-        <p:cNvGrpSpPr/>
-        <p:nvPr/>
-      </p:nvGrpSpPr>
-      <p:grpSpPr>
-        <a:xfrm>
-          <a:off x="0" y="0"/>
-          <a:ext cx="0" cy="0"/>
-          <a:chOff x="0" y="0"/>
-          <a:chExt cx="0" cy="0"/>
-        </a:xfrm>
-      </p:grpSpPr>
-      <p:sp>
-        <p:nvSpPr>
-          <p:cNvPr id="2" name="Title 1"/>
-          <p:cNvSpPr>
-            <a:spLocks noGrp="1"/>
-          </p:cNvSpPr>
-          <p:nvPr>
-            <p:ph type="title"/>
-          </p:nvPr>
-        </p:nvSpPr>
-        <p:spPr/>
-        <p:txBody>
-          <a:bodyPr/>
-          <a:lstStyle/>
-          <a:p>
-            <a:r>
-              <a:rPr lang="en-US" dirty="0" smtClean="0"/>
-              <a:t>Show Use Cases Word File</a:t>
-            </a:r>
-            <a:endParaRPr lang="en-US" dirty="0"/>
-          </a:p>
-        </p:txBody>
-      </p:sp>
-      <p:sp>
-        <p:nvSpPr>
-          <p:cNvPr id="3" name="Content Placeholder 2"/>
-          <p:cNvSpPr>
-            <a:spLocks noGrp="1"/>
-          </p:cNvSpPr>
-          <p:nvPr>
-            <p:ph idx="1"/>
-          </p:nvPr>
-        </p:nvSpPr>
-        <p:spPr/>
-        <p:txBody>
-          <a:bodyPr/>
-          <a:lstStyle/>
-          <a:p>
-            <a:endParaRPr lang="en-US"/>
-          </a:p>
-        </p:txBody>
-      </p:sp>
-    </p:spTree>
-    <p:extLst>
-      <p:ext uri="{BB962C8B-B14F-4D97-AF65-F5344CB8AC3E}">
-        <p14:creationId xmlns:p14="http://schemas.microsoft.com/office/powerpoint/2010/main" val="3379317084"/>
-      </p:ext>
-    </p:extLst>
-  </p:cSld>
-  <p:clrMapOvr>
-    <a:masterClrMapping/>
-  </p:clrMapOvr>
-</p:sld>
-</file>
-
-<file path=ppt/slides/slide9.xml><?xml version="1.0" encoding="utf-8"?>
+<file path=ppt/slides/slide10.xml><?xml version="1.0" encoding="utf-8"?>
 <p:sld xmlns:a="http://schemas.openxmlformats.org/drawingml/2006/main" xmlns:r="http://schemas.openxmlformats.org/officeDocument/2006/relationships" xmlns:p="http://schemas.openxmlformats.org/presentationml/2006/main">
   <p:cSld>
     <p:spTree>
@@ -7798,6 +6580,1455 @@
   <p:clrMapOvr>
     <a:masterClrMapping/>
   </p:clrMapOvr>
+  <p:timing>
+    <p:tnLst>
+      <p:par>
+        <p:cTn id="1" dur="indefinite" restart="never" nodeType="tmRoot"/>
+      </p:par>
+    </p:tnLst>
+  </p:timing>
+</p:sld>
+</file>
+
+<file path=ppt/slides/slide11.xml><?xml version="1.0" encoding="utf-8"?>
+<p:sld xmlns:a="http://schemas.openxmlformats.org/drawingml/2006/main" xmlns:r="http://schemas.openxmlformats.org/officeDocument/2006/relationships" xmlns:p="http://schemas.openxmlformats.org/presentationml/2006/main">
+  <p:cSld>
+    <p:spTree>
+      <p:nvGrpSpPr>
+        <p:cNvPr id="1" name=""/>
+        <p:cNvGrpSpPr/>
+        <p:nvPr/>
+      </p:nvGrpSpPr>
+      <p:grpSpPr>
+        <a:xfrm>
+          <a:off x="0" y="0"/>
+          <a:ext cx="0" cy="0"/>
+          <a:chOff x="0" y="0"/>
+          <a:chExt cx="0" cy="0"/>
+        </a:xfrm>
+      </p:grpSpPr>
+      <p:sp>
+        <p:nvSpPr>
+          <p:cNvPr id="2" name="Title 1"/>
+          <p:cNvSpPr>
+            <a:spLocks noGrp="1"/>
+          </p:cNvSpPr>
+          <p:nvPr>
+            <p:ph type="title"/>
+          </p:nvPr>
+        </p:nvSpPr>
+        <p:spPr/>
+        <p:txBody>
+          <a:bodyPr/>
+          <a:lstStyle/>
+          <a:p>
+            <a:r>
+              <a:rPr lang="en-CA" dirty="0" smtClean="0"/>
+              <a:t>Students (Clients)</a:t>
+            </a:r>
+            <a:endParaRPr lang="en-CA" dirty="0"/>
+          </a:p>
+        </p:txBody>
+      </p:sp>
+      <p:sp>
+        <p:nvSpPr>
+          <p:cNvPr id="3" name="Content Placeholder 2"/>
+          <p:cNvSpPr>
+            <a:spLocks noGrp="1"/>
+          </p:cNvSpPr>
+          <p:nvPr>
+            <p:ph idx="1"/>
+          </p:nvPr>
+        </p:nvSpPr>
+        <p:spPr/>
+        <p:txBody>
+          <a:bodyPr/>
+          <a:lstStyle/>
+          <a:p>
+            <a:r>
+              <a:rPr lang="en-CA" dirty="0" smtClean="0"/>
+              <a:t>Upload walking data like a student would submit work for the teacher</a:t>
+            </a:r>
+          </a:p>
+          <a:p>
+            <a:r>
+              <a:rPr lang="en-CA" dirty="0" smtClean="0"/>
+              <a:t>A student can sign up for many events when he or she arrives at school, the same could be said for the client.. When they enter the log in to the website they will be able to sign up for events</a:t>
+            </a:r>
+          </a:p>
+          <a:p>
+            <a:r>
+              <a:rPr lang="en-CA" dirty="0" smtClean="0"/>
+              <a:t>Students go to school to learn, the client will be logged into the website to learn about schizophrenia</a:t>
+            </a:r>
+            <a:endParaRPr lang="en-CA" dirty="0"/>
+          </a:p>
+        </p:txBody>
+      </p:sp>
+    </p:spTree>
+    <p:extLst>
+      <p:ext uri="{BB962C8B-B14F-4D97-AF65-F5344CB8AC3E}">
+        <p14:creationId xmlns:p14="http://schemas.microsoft.com/office/powerpoint/2010/main" val="3200661161"/>
+      </p:ext>
+    </p:extLst>
+  </p:cSld>
+  <p:clrMapOvr>
+    <a:masterClrMapping/>
+  </p:clrMapOvr>
+  <p:timing>
+    <p:tnLst>
+      <p:par>
+        <p:cTn id="1" dur="indefinite" restart="never" nodeType="tmRoot"/>
+      </p:par>
+    </p:tnLst>
+  </p:timing>
+</p:sld>
+</file>
+
+<file path=ppt/slides/slide12.xml><?xml version="1.0" encoding="utf-8"?>
+<p:sld xmlns:a="http://schemas.openxmlformats.org/drawingml/2006/main" xmlns:r="http://schemas.openxmlformats.org/officeDocument/2006/relationships" xmlns:p="http://schemas.openxmlformats.org/presentationml/2006/main">
+  <p:cSld>
+    <p:spTree>
+      <p:nvGrpSpPr>
+        <p:cNvPr id="1" name=""/>
+        <p:cNvGrpSpPr/>
+        <p:nvPr/>
+      </p:nvGrpSpPr>
+      <p:grpSpPr>
+        <a:xfrm>
+          <a:off x="0" y="0"/>
+          <a:ext cx="0" cy="0"/>
+          <a:chOff x="0" y="0"/>
+          <a:chExt cx="0" cy="0"/>
+        </a:xfrm>
+      </p:grpSpPr>
+      <p:sp>
+        <p:nvSpPr>
+          <p:cNvPr id="2" name="Title 1"/>
+          <p:cNvSpPr>
+            <a:spLocks noGrp="1"/>
+          </p:cNvSpPr>
+          <p:nvPr>
+            <p:ph type="title"/>
+          </p:nvPr>
+        </p:nvSpPr>
+        <p:spPr/>
+        <p:txBody>
+          <a:bodyPr/>
+          <a:lstStyle/>
+          <a:p>
+            <a:r>
+              <a:rPr lang="en-CA" dirty="0" smtClean="0"/>
+              <a:t>Principal (Board Member)</a:t>
+            </a:r>
+            <a:endParaRPr lang="en-CA" dirty="0"/>
+          </a:p>
+        </p:txBody>
+      </p:sp>
+      <p:sp>
+        <p:nvSpPr>
+          <p:cNvPr id="3" name="Content Placeholder 2"/>
+          <p:cNvSpPr>
+            <a:spLocks noGrp="1"/>
+          </p:cNvSpPr>
+          <p:nvPr>
+            <p:ph idx="1"/>
+          </p:nvPr>
+        </p:nvSpPr>
+        <p:spPr/>
+        <p:txBody>
+          <a:bodyPr/>
+          <a:lstStyle/>
+          <a:p>
+            <a:r>
+              <a:rPr lang="en-CA" dirty="0" smtClean="0"/>
+              <a:t>A board member will be able to log in to the website and view the budget tracker just like a principal of a school would budget the money out for the entire school year</a:t>
+            </a:r>
+          </a:p>
+          <a:p>
+            <a:r>
+              <a:rPr lang="en-CA" dirty="0" smtClean="0"/>
+              <a:t>The principal is in charge of the school just as the board members are in charge of the organization</a:t>
+            </a:r>
+          </a:p>
+        </p:txBody>
+      </p:sp>
+    </p:spTree>
+    <p:extLst>
+      <p:ext uri="{BB962C8B-B14F-4D97-AF65-F5344CB8AC3E}">
+        <p14:creationId xmlns:p14="http://schemas.microsoft.com/office/powerpoint/2010/main" val="934218552"/>
+      </p:ext>
+    </p:extLst>
+  </p:cSld>
+  <p:clrMapOvr>
+    <a:masterClrMapping/>
+  </p:clrMapOvr>
+  <p:timing>
+    <p:tnLst>
+      <p:par>
+        <p:cTn id="1" dur="indefinite" restart="never" nodeType="tmRoot"/>
+      </p:par>
+    </p:tnLst>
+  </p:timing>
+</p:sld>
+</file>
+
+<file path=ppt/slides/slide13.xml><?xml version="1.0" encoding="utf-8"?>
+<p:sld xmlns:a="http://schemas.openxmlformats.org/drawingml/2006/main" xmlns:r="http://schemas.openxmlformats.org/officeDocument/2006/relationships" xmlns:p="http://schemas.openxmlformats.org/presentationml/2006/main">
+  <p:cSld>
+    <p:spTree>
+      <p:nvGrpSpPr>
+        <p:cNvPr id="1" name=""/>
+        <p:cNvGrpSpPr/>
+        <p:nvPr/>
+      </p:nvGrpSpPr>
+      <p:grpSpPr>
+        <a:xfrm>
+          <a:off x="0" y="0"/>
+          <a:ext cx="0" cy="0"/>
+          <a:chOff x="0" y="0"/>
+          <a:chExt cx="0" cy="0"/>
+        </a:xfrm>
+      </p:grpSpPr>
+      <p:sp>
+        <p:nvSpPr>
+          <p:cNvPr id="2" name="Title 1"/>
+          <p:cNvSpPr>
+            <a:spLocks noGrp="1"/>
+          </p:cNvSpPr>
+          <p:nvPr>
+            <p:ph type="title"/>
+          </p:nvPr>
+        </p:nvSpPr>
+        <p:spPr/>
+        <p:txBody>
+          <a:bodyPr/>
+          <a:lstStyle/>
+          <a:p>
+            <a:r>
+              <a:rPr lang="en-CA" dirty="0" smtClean="0"/>
+              <a:t>Teacher (Administrator(s))</a:t>
+            </a:r>
+            <a:endParaRPr lang="en-CA" dirty="0"/>
+          </a:p>
+        </p:txBody>
+      </p:sp>
+      <p:sp>
+        <p:nvSpPr>
+          <p:cNvPr id="3" name="Content Placeholder 2"/>
+          <p:cNvSpPr>
+            <a:spLocks noGrp="1"/>
+          </p:cNvSpPr>
+          <p:nvPr>
+            <p:ph idx="1"/>
+          </p:nvPr>
+        </p:nvSpPr>
+        <p:spPr/>
+        <p:txBody>
+          <a:bodyPr/>
+          <a:lstStyle/>
+          <a:p>
+            <a:r>
+              <a:rPr lang="en-CA" dirty="0" smtClean="0"/>
+              <a:t>The teacher is the one who organizes, updates information, plans events and schedules a day at school</a:t>
+            </a:r>
+            <a:endParaRPr lang="en-US" dirty="0"/>
+          </a:p>
+          <a:p>
+            <a:r>
+              <a:rPr lang="en-US" dirty="0" smtClean="0"/>
+              <a:t>The administrator will have ease </a:t>
+            </a:r>
+            <a:r>
+              <a:rPr lang="en-US" dirty="0"/>
+              <a:t>of editing </a:t>
+            </a:r>
+            <a:r>
+              <a:rPr lang="en-US" dirty="0" smtClean="0"/>
+              <a:t>the site to make </a:t>
+            </a:r>
+            <a:r>
+              <a:rPr lang="en-US" dirty="0"/>
+              <a:t>future changes: change pictures, upload files, add calendar events, etc</a:t>
+            </a:r>
+            <a:r>
+              <a:rPr lang="en-US" dirty="0" smtClean="0"/>
+              <a:t>. just as a teacher would be in charge of their classroom</a:t>
+            </a:r>
+            <a:endParaRPr lang="en-US" dirty="0"/>
+          </a:p>
+          <a:p>
+            <a:endParaRPr lang="en-CA" dirty="0"/>
+          </a:p>
+        </p:txBody>
+      </p:sp>
+    </p:spTree>
+    <p:extLst>
+      <p:ext uri="{BB962C8B-B14F-4D97-AF65-F5344CB8AC3E}">
+        <p14:creationId xmlns:p14="http://schemas.microsoft.com/office/powerpoint/2010/main" val="2949317553"/>
+      </p:ext>
+    </p:extLst>
+  </p:cSld>
+  <p:clrMapOvr>
+    <a:masterClrMapping/>
+  </p:clrMapOvr>
+  <p:timing>
+    <p:tnLst>
+      <p:par>
+        <p:cTn id="1" dur="indefinite" restart="never" nodeType="tmRoot"/>
+      </p:par>
+    </p:tnLst>
+  </p:timing>
+</p:sld>
+</file>
+
+<file path=ppt/slides/slide14.xml><?xml version="1.0" encoding="utf-8"?>
+<p:sld xmlns:a="http://schemas.openxmlformats.org/drawingml/2006/main" xmlns:r="http://schemas.openxmlformats.org/officeDocument/2006/relationships" xmlns:p="http://schemas.openxmlformats.org/presentationml/2006/main">
+  <p:cSld>
+    <p:spTree>
+      <p:nvGrpSpPr>
+        <p:cNvPr id="1" name=""/>
+        <p:cNvGrpSpPr/>
+        <p:nvPr/>
+      </p:nvGrpSpPr>
+      <p:grpSpPr>
+        <a:xfrm>
+          <a:off x="0" y="0"/>
+          <a:ext cx="0" cy="0"/>
+          <a:chOff x="0" y="0"/>
+          <a:chExt cx="0" cy="0"/>
+        </a:xfrm>
+      </p:grpSpPr>
+      <p:sp>
+        <p:nvSpPr>
+          <p:cNvPr id="2" name="Title 1"/>
+          <p:cNvSpPr>
+            <a:spLocks noGrp="1"/>
+          </p:cNvSpPr>
+          <p:nvPr>
+            <p:ph type="title"/>
+          </p:nvPr>
+        </p:nvSpPr>
+        <p:spPr>
+          <a:xfrm>
+            <a:off x="1484310" y="361950"/>
+            <a:ext cx="10018713" cy="1752599"/>
+          </a:xfrm>
+        </p:spPr>
+        <p:txBody>
+          <a:bodyPr/>
+          <a:lstStyle/>
+          <a:p>
+            <a:r>
+              <a:rPr lang="en-CA" dirty="0" smtClean="0"/>
+              <a:t>Site Map</a:t>
+            </a:r>
+            <a:endParaRPr lang="en-CA" dirty="0"/>
+          </a:p>
+        </p:txBody>
+      </p:sp>
+      <p:sp>
+        <p:nvSpPr>
+          <p:cNvPr id="3" name="Content Placeholder 2"/>
+          <p:cNvSpPr>
+            <a:spLocks noGrp="1"/>
+          </p:cNvSpPr>
+          <p:nvPr>
+            <p:ph idx="1"/>
+          </p:nvPr>
+        </p:nvSpPr>
+        <p:spPr/>
+        <p:txBody>
+          <a:bodyPr/>
+          <a:lstStyle/>
+          <a:p>
+            <a:endParaRPr lang="en-CA"/>
+          </a:p>
+        </p:txBody>
+      </p:sp>
+      <p:pic>
+        <p:nvPicPr>
+          <p:cNvPr id="5" name="Picture 4"/>
+          <p:cNvPicPr>
+            <a:picLocks noChangeAspect="1"/>
+          </p:cNvPicPr>
+          <p:nvPr/>
+        </p:nvPicPr>
+        <p:blipFill>
+          <a:blip r:embed="rId2"/>
+          <a:stretch>
+            <a:fillRect/>
+          </a:stretch>
+        </p:blipFill>
+        <p:spPr>
+          <a:xfrm>
+            <a:off x="105043" y="1562099"/>
+            <a:ext cx="11972696" cy="5175162"/>
+          </a:xfrm>
+          <a:prstGeom prst="rect">
+            <a:avLst/>
+          </a:prstGeom>
+        </p:spPr>
+      </p:pic>
+    </p:spTree>
+    <p:extLst>
+      <p:ext uri="{BB962C8B-B14F-4D97-AF65-F5344CB8AC3E}">
+        <p14:creationId xmlns:p14="http://schemas.microsoft.com/office/powerpoint/2010/main" val="541369961"/>
+      </p:ext>
+    </p:extLst>
+  </p:cSld>
+  <p:clrMapOvr>
+    <a:masterClrMapping/>
+  </p:clrMapOvr>
+  <p:timing>
+    <p:tnLst>
+      <p:par>
+        <p:cTn id="1" dur="indefinite" restart="never" nodeType="tmRoot"/>
+      </p:par>
+    </p:tnLst>
+  </p:timing>
+</p:sld>
+</file>
+
+<file path=ppt/slides/slide15.xml><?xml version="1.0" encoding="utf-8"?>
+<p:sld xmlns:a="http://schemas.openxmlformats.org/drawingml/2006/main" xmlns:r="http://schemas.openxmlformats.org/officeDocument/2006/relationships" xmlns:p="http://schemas.openxmlformats.org/presentationml/2006/main">
+  <p:cSld>
+    <p:spTree>
+      <p:nvGrpSpPr>
+        <p:cNvPr id="1" name=""/>
+        <p:cNvGrpSpPr/>
+        <p:nvPr/>
+      </p:nvGrpSpPr>
+      <p:grpSpPr>
+        <a:xfrm>
+          <a:off x="0" y="0"/>
+          <a:ext cx="0" cy="0"/>
+          <a:chOff x="0" y="0"/>
+          <a:chExt cx="0" cy="0"/>
+        </a:xfrm>
+      </p:grpSpPr>
+      <p:sp>
+        <p:nvSpPr>
+          <p:cNvPr id="2" name="Title 1"/>
+          <p:cNvSpPr>
+            <a:spLocks noGrp="1"/>
+          </p:cNvSpPr>
+          <p:nvPr>
+            <p:ph type="title"/>
+          </p:nvPr>
+        </p:nvSpPr>
+        <p:spPr/>
+        <p:txBody>
+          <a:bodyPr/>
+          <a:lstStyle/>
+          <a:p>
+            <a:r>
+              <a:rPr lang="en-US" dirty="0" smtClean="0"/>
+              <a:t>Questions for Client</a:t>
+            </a:r>
+            <a:endParaRPr lang="en-US" dirty="0"/>
+          </a:p>
+        </p:txBody>
+      </p:sp>
+      <p:sp>
+        <p:nvSpPr>
+          <p:cNvPr id="3" name="Content Placeholder 2"/>
+          <p:cNvSpPr>
+            <a:spLocks noGrp="1"/>
+          </p:cNvSpPr>
+          <p:nvPr>
+            <p:ph idx="1"/>
+          </p:nvPr>
+        </p:nvSpPr>
+        <p:spPr/>
+        <p:txBody>
+          <a:bodyPr>
+            <a:normAutofit/>
+          </a:bodyPr>
+          <a:lstStyle/>
+          <a:p>
+            <a:r>
+              <a:rPr lang="en-US" dirty="0" smtClean="0"/>
+              <a:t>Is there any additional information required for the board of </a:t>
+            </a:r>
+            <a:r>
+              <a:rPr lang="en-US" dirty="0" smtClean="0"/>
+              <a:t>directors other than meeting schedule and announcements?</a:t>
+            </a:r>
+            <a:endParaRPr lang="en-US" dirty="0" smtClean="0"/>
+          </a:p>
+          <a:p>
+            <a:r>
+              <a:rPr lang="en-CA" dirty="0" smtClean="0"/>
+              <a:t>Would you like to have the access to creating accounts or leave it up to the client?</a:t>
+            </a:r>
+          </a:p>
+          <a:p>
+            <a:r>
+              <a:rPr lang="en-CA" dirty="0" smtClean="0"/>
+              <a:t>Will </a:t>
+            </a:r>
+            <a:r>
+              <a:rPr lang="en-CA" dirty="0" smtClean="0"/>
+              <a:t>every client that comes into the service be given an account to log into the website?</a:t>
+            </a:r>
+            <a:endParaRPr lang="en-US" dirty="0"/>
+          </a:p>
+          <a:p>
+            <a:endParaRPr lang="en-US" dirty="0"/>
+          </a:p>
+        </p:txBody>
+      </p:sp>
+    </p:spTree>
+    <p:extLst>
+      <p:ext uri="{BB962C8B-B14F-4D97-AF65-F5344CB8AC3E}">
+        <p14:creationId xmlns:p14="http://schemas.microsoft.com/office/powerpoint/2010/main" val="849499382"/>
+      </p:ext>
+    </p:extLst>
+  </p:cSld>
+  <p:clrMapOvr>
+    <a:masterClrMapping/>
+  </p:clrMapOvr>
+  <p:timing>
+    <p:tnLst>
+      <p:par>
+        <p:cTn id="1" dur="indefinite" restart="never" nodeType="tmRoot"/>
+      </p:par>
+    </p:tnLst>
+  </p:timing>
+</p:sld>
+</file>
+
+<file path=ppt/slides/slide2.xml><?xml version="1.0" encoding="utf-8"?>
+<p:sld xmlns:a="http://schemas.openxmlformats.org/drawingml/2006/main" xmlns:r="http://schemas.openxmlformats.org/officeDocument/2006/relationships" xmlns:p="http://schemas.openxmlformats.org/presentationml/2006/main">
+  <p:cSld>
+    <p:spTree>
+      <p:nvGrpSpPr>
+        <p:cNvPr id="1" name=""/>
+        <p:cNvGrpSpPr/>
+        <p:nvPr/>
+      </p:nvGrpSpPr>
+      <p:grpSpPr>
+        <a:xfrm>
+          <a:off x="0" y="0"/>
+          <a:ext cx="0" cy="0"/>
+          <a:chOff x="0" y="0"/>
+          <a:chExt cx="0" cy="0"/>
+        </a:xfrm>
+      </p:grpSpPr>
+      <p:sp>
+        <p:nvSpPr>
+          <p:cNvPr id="2" name="Title 1"/>
+          <p:cNvSpPr>
+            <a:spLocks noGrp="1"/>
+          </p:cNvSpPr>
+          <p:nvPr>
+            <p:ph type="title"/>
+          </p:nvPr>
+        </p:nvSpPr>
+        <p:spPr/>
+        <p:txBody>
+          <a:bodyPr/>
+          <a:lstStyle/>
+          <a:p>
+            <a:r>
+              <a:rPr lang="en-US" dirty="0" err="1" smtClean="0"/>
+              <a:t>Vmad</a:t>
+            </a:r>
+            <a:endParaRPr lang="en-US" dirty="0"/>
+          </a:p>
+        </p:txBody>
+      </p:sp>
+      <p:sp>
+        <p:nvSpPr>
+          <p:cNvPr id="3" name="Content Placeholder 2"/>
+          <p:cNvSpPr>
+            <a:spLocks noGrp="1"/>
+          </p:cNvSpPr>
+          <p:nvPr>
+            <p:ph idx="1"/>
+          </p:nvPr>
+        </p:nvSpPr>
+        <p:spPr/>
+        <p:txBody>
+          <a:bodyPr>
+            <a:normAutofit lnSpcReduction="10000"/>
+          </a:bodyPr>
+          <a:lstStyle/>
+          <a:p>
+            <a:r>
+              <a:rPr lang="en-US" dirty="0" smtClean="0"/>
+              <a:t>Very masterful, always dedicated</a:t>
+            </a:r>
+          </a:p>
+          <a:p>
+            <a:r>
+              <a:rPr lang="en-US" dirty="0" smtClean="0"/>
+              <a:t>As a company we provide the best in web design and other media projects for clients</a:t>
+            </a:r>
+          </a:p>
+          <a:p>
+            <a:r>
+              <a:rPr lang="en-US" dirty="0" smtClean="0"/>
+              <a:t>Have created many websites in the past for clients</a:t>
+            </a:r>
+          </a:p>
+          <a:p>
+            <a:r>
+              <a:rPr lang="en-US" dirty="0" smtClean="0"/>
+              <a:t>Roles at </a:t>
+            </a:r>
+            <a:r>
+              <a:rPr lang="en-US" dirty="0" err="1" smtClean="0"/>
+              <a:t>Vmad</a:t>
+            </a:r>
+            <a:endParaRPr lang="en-US" dirty="0" smtClean="0"/>
+          </a:p>
+          <a:p>
+            <a:pPr marL="285750" lvl="1"/>
+            <a:r>
+              <a:rPr lang="en-US" sz="2400" dirty="0"/>
+              <a:t>Everyone will contribute equally and help in areas that need work throughout the project</a:t>
+            </a:r>
+          </a:p>
+          <a:p>
+            <a:endParaRPr lang="en-US" dirty="0" smtClean="0"/>
+          </a:p>
+        </p:txBody>
+      </p:sp>
+    </p:spTree>
+    <p:extLst>
+      <p:ext uri="{BB962C8B-B14F-4D97-AF65-F5344CB8AC3E}">
+        <p14:creationId xmlns:p14="http://schemas.microsoft.com/office/powerpoint/2010/main" val="3652006648"/>
+      </p:ext>
+    </p:extLst>
+  </p:cSld>
+  <p:clrMapOvr>
+    <a:masterClrMapping/>
+  </p:clrMapOvr>
+  <p:timing>
+    <p:tnLst>
+      <p:par>
+        <p:cTn id="1" dur="indefinite" restart="never" nodeType="tmRoot"/>
+      </p:par>
+    </p:tnLst>
+  </p:timing>
+</p:sld>
+</file>
+
+<file path=ppt/slides/slide3.xml><?xml version="1.0" encoding="utf-8"?>
+<p:sld xmlns:a="http://schemas.openxmlformats.org/drawingml/2006/main" xmlns:r="http://schemas.openxmlformats.org/officeDocument/2006/relationships" xmlns:p="http://schemas.openxmlformats.org/presentationml/2006/main">
+  <p:cSld>
+    <p:spTree>
+      <p:nvGrpSpPr>
+        <p:cNvPr id="1" name=""/>
+        <p:cNvGrpSpPr/>
+        <p:nvPr/>
+      </p:nvGrpSpPr>
+      <p:grpSpPr>
+        <a:xfrm>
+          <a:off x="0" y="0"/>
+          <a:ext cx="0" cy="0"/>
+          <a:chOff x="0" y="0"/>
+          <a:chExt cx="0" cy="0"/>
+        </a:xfrm>
+      </p:grpSpPr>
+      <p:sp>
+        <p:nvSpPr>
+          <p:cNvPr id="4" name="Title 3"/>
+          <p:cNvSpPr>
+            <a:spLocks noGrp="1"/>
+          </p:cNvSpPr>
+          <p:nvPr>
+            <p:ph type="title"/>
+          </p:nvPr>
+        </p:nvSpPr>
+        <p:spPr/>
+        <p:txBody>
+          <a:bodyPr/>
+          <a:lstStyle/>
+          <a:p>
+            <a:r>
+              <a:rPr lang="en-US" dirty="0" err="1"/>
+              <a:t>Dmitrii</a:t>
+            </a:r>
+            <a:endParaRPr lang="en-CA" dirty="0"/>
+          </a:p>
+        </p:txBody>
+      </p:sp>
+      <p:pic>
+        <p:nvPicPr>
+          <p:cNvPr id="2" name="Content Placeholder 1"/>
+          <p:cNvPicPr>
+            <a:picLocks noGrp="1" noChangeAspect="1"/>
+          </p:cNvPicPr>
+          <p:nvPr>
+            <p:ph idx="1"/>
+          </p:nvPr>
+        </p:nvPicPr>
+        <p:blipFill>
+          <a:blip r:embed="rId2" cstate="print">
+            <a:extLst>
+              <a:ext uri="{28A0092B-C50C-407E-A947-70E740481C1C}">
+                <a14:useLocalDpi xmlns:a14="http://schemas.microsoft.com/office/drawing/2010/main" val="0"/>
+              </a:ext>
+            </a:extLst>
+          </a:blip>
+          <a:stretch>
+            <a:fillRect/>
+          </a:stretch>
+        </p:blipFill>
+        <p:spPr>
+          <a:xfrm>
+            <a:off x="6468269" y="685800"/>
+            <a:ext cx="3829050" cy="5105400"/>
+          </a:xfrm>
+        </p:spPr>
+      </p:pic>
+      <p:sp>
+        <p:nvSpPr>
+          <p:cNvPr id="6" name="Text Placeholder 5"/>
+          <p:cNvSpPr>
+            <a:spLocks noGrp="1"/>
+          </p:cNvSpPr>
+          <p:nvPr>
+            <p:ph type="body" sz="half" idx="2"/>
+          </p:nvPr>
+        </p:nvSpPr>
+        <p:spPr/>
+        <p:txBody>
+          <a:bodyPr/>
+          <a:lstStyle/>
+          <a:p>
+            <a:pPr marL="285750" indent="-285750">
+              <a:buFont typeface="Arial" panose="020B0604020202020204" pitchFamily="34" charset="0"/>
+              <a:buChar char="•"/>
+            </a:pPr>
+            <a:r>
+              <a:rPr lang="en-CA" dirty="0" smtClean="0"/>
+              <a:t>Backend database for the company</a:t>
+            </a:r>
+          </a:p>
+          <a:p>
+            <a:pPr marL="285750" indent="-285750">
+              <a:buFont typeface="Arial" panose="020B0604020202020204" pitchFamily="34" charset="0"/>
+              <a:buChar char="•"/>
+            </a:pPr>
+            <a:r>
+              <a:rPr lang="en-CA" dirty="0" smtClean="0"/>
+              <a:t>Has a knack for design</a:t>
+            </a:r>
+            <a:endParaRPr lang="en-CA" dirty="0"/>
+          </a:p>
+        </p:txBody>
+      </p:sp>
+    </p:spTree>
+    <p:extLst>
+      <p:ext uri="{BB962C8B-B14F-4D97-AF65-F5344CB8AC3E}">
+        <p14:creationId xmlns:p14="http://schemas.microsoft.com/office/powerpoint/2010/main" val="1937911746"/>
+      </p:ext>
+    </p:extLst>
+  </p:cSld>
+  <p:clrMapOvr>
+    <a:masterClrMapping/>
+  </p:clrMapOvr>
+  <p:timing>
+    <p:tnLst>
+      <p:par>
+        <p:cTn id="1" dur="indefinite" restart="never" nodeType="tmRoot"/>
+      </p:par>
+    </p:tnLst>
+  </p:timing>
+</p:sld>
+</file>
+
+<file path=ppt/slides/slide4.xml><?xml version="1.0" encoding="utf-8"?>
+<p:sld xmlns:a="http://schemas.openxmlformats.org/drawingml/2006/main" xmlns:r="http://schemas.openxmlformats.org/officeDocument/2006/relationships" xmlns:p="http://schemas.openxmlformats.org/presentationml/2006/main">
+  <p:cSld>
+    <p:spTree>
+      <p:nvGrpSpPr>
+        <p:cNvPr id="1" name=""/>
+        <p:cNvGrpSpPr/>
+        <p:nvPr/>
+      </p:nvGrpSpPr>
+      <p:grpSpPr>
+        <a:xfrm>
+          <a:off x="0" y="0"/>
+          <a:ext cx="0" cy="0"/>
+          <a:chOff x="0" y="0"/>
+          <a:chExt cx="0" cy="0"/>
+        </a:xfrm>
+      </p:grpSpPr>
+      <p:sp>
+        <p:nvSpPr>
+          <p:cNvPr id="2" name="Title 1"/>
+          <p:cNvSpPr>
+            <a:spLocks noGrp="1"/>
+          </p:cNvSpPr>
+          <p:nvPr>
+            <p:ph type="title"/>
+          </p:nvPr>
+        </p:nvSpPr>
+        <p:spPr/>
+        <p:txBody>
+          <a:bodyPr/>
+          <a:lstStyle/>
+          <a:p>
+            <a:r>
+              <a:rPr lang="en-US" dirty="0" err="1"/>
+              <a:t>Khypee</a:t>
+            </a:r>
+            <a:endParaRPr lang="en-CA" dirty="0"/>
+          </a:p>
+        </p:txBody>
+      </p:sp>
+      <p:sp>
+        <p:nvSpPr>
+          <p:cNvPr id="4" name="Text Placeholder 3"/>
+          <p:cNvSpPr>
+            <a:spLocks noGrp="1"/>
+          </p:cNvSpPr>
+          <p:nvPr>
+            <p:ph type="body" sz="half" idx="2"/>
+          </p:nvPr>
+        </p:nvSpPr>
+        <p:spPr/>
+        <p:txBody>
+          <a:bodyPr/>
+          <a:lstStyle/>
+          <a:p>
+            <a:pPr marL="285750" indent="-285750">
+              <a:buFont typeface="Arial" panose="020B0604020202020204" pitchFamily="34" charset="0"/>
+              <a:buChar char="•"/>
+            </a:pPr>
+            <a:r>
+              <a:rPr lang="en-CA" dirty="0" smtClean="0"/>
+              <a:t>Back end database</a:t>
+            </a:r>
+          </a:p>
+          <a:p>
+            <a:pPr marL="285750" indent="-285750">
+              <a:buFont typeface="Arial" panose="020B0604020202020204" pitchFamily="34" charset="0"/>
+              <a:buChar char="•"/>
+            </a:pPr>
+            <a:r>
+              <a:rPr lang="en-CA" dirty="0" smtClean="0"/>
+              <a:t>Has been working with computers his whole life</a:t>
+            </a:r>
+            <a:endParaRPr lang="en-CA" dirty="0"/>
+          </a:p>
+        </p:txBody>
+      </p:sp>
+      <p:pic>
+        <p:nvPicPr>
+          <p:cNvPr id="7" name="Content Placeholder 6"/>
+          <p:cNvPicPr>
+            <a:picLocks noGrp="1" noChangeAspect="1"/>
+          </p:cNvPicPr>
+          <p:nvPr>
+            <p:ph idx="1"/>
+          </p:nvPr>
+        </p:nvPicPr>
+        <p:blipFill>
+          <a:blip r:embed="rId2" cstate="print">
+            <a:extLst>
+              <a:ext uri="{28A0092B-C50C-407E-A947-70E740481C1C}">
+                <a14:useLocalDpi xmlns:a14="http://schemas.microsoft.com/office/drawing/2010/main" val="0"/>
+              </a:ext>
+            </a:extLst>
+          </a:blip>
+          <a:stretch>
+            <a:fillRect/>
+          </a:stretch>
+        </p:blipFill>
+        <p:spPr>
+          <a:xfrm>
+            <a:off x="6468269" y="685800"/>
+            <a:ext cx="3829050" cy="5105400"/>
+          </a:xfrm>
+        </p:spPr>
+      </p:pic>
+    </p:spTree>
+    <p:extLst>
+      <p:ext uri="{BB962C8B-B14F-4D97-AF65-F5344CB8AC3E}">
+        <p14:creationId xmlns:p14="http://schemas.microsoft.com/office/powerpoint/2010/main" val="4114809848"/>
+      </p:ext>
+    </p:extLst>
+  </p:cSld>
+  <p:clrMapOvr>
+    <a:masterClrMapping/>
+  </p:clrMapOvr>
+  <p:timing>
+    <p:tnLst>
+      <p:par>
+        <p:cTn id="1" dur="indefinite" restart="never" nodeType="tmRoot"/>
+      </p:par>
+    </p:tnLst>
+  </p:timing>
+</p:sld>
+</file>
+
+<file path=ppt/slides/slide5.xml><?xml version="1.0" encoding="utf-8"?>
+<p:sld xmlns:a="http://schemas.openxmlformats.org/drawingml/2006/main" xmlns:r="http://schemas.openxmlformats.org/officeDocument/2006/relationships" xmlns:p="http://schemas.openxmlformats.org/presentationml/2006/main">
+  <p:cSld>
+    <p:spTree>
+      <p:nvGrpSpPr>
+        <p:cNvPr id="1" name=""/>
+        <p:cNvGrpSpPr/>
+        <p:nvPr/>
+      </p:nvGrpSpPr>
+      <p:grpSpPr>
+        <a:xfrm>
+          <a:off x="0" y="0"/>
+          <a:ext cx="0" cy="0"/>
+          <a:chOff x="0" y="0"/>
+          <a:chExt cx="0" cy="0"/>
+        </a:xfrm>
+      </p:grpSpPr>
+      <p:sp>
+        <p:nvSpPr>
+          <p:cNvPr id="2" name="Title 1"/>
+          <p:cNvSpPr>
+            <a:spLocks noGrp="1"/>
+          </p:cNvSpPr>
+          <p:nvPr>
+            <p:ph type="title"/>
+          </p:nvPr>
+        </p:nvSpPr>
+        <p:spPr/>
+        <p:txBody>
+          <a:bodyPr/>
+          <a:lstStyle/>
+          <a:p>
+            <a:r>
+              <a:rPr lang="en-US" dirty="0" smtClean="0"/>
+              <a:t>Amir</a:t>
+            </a:r>
+            <a:endParaRPr lang="en-CA" dirty="0"/>
+          </a:p>
+        </p:txBody>
+      </p:sp>
+      <p:pic>
+        <p:nvPicPr>
+          <p:cNvPr id="5" name="Content Placeholder 4"/>
+          <p:cNvPicPr>
+            <a:picLocks noGrp="1" noChangeAspect="1"/>
+          </p:cNvPicPr>
+          <p:nvPr>
+            <p:ph idx="1"/>
+          </p:nvPr>
+        </p:nvPicPr>
+        <p:blipFill>
+          <a:blip r:embed="rId2" cstate="print">
+            <a:extLst>
+              <a:ext uri="{28A0092B-C50C-407E-A947-70E740481C1C}">
+                <a14:useLocalDpi xmlns:a14="http://schemas.microsoft.com/office/drawing/2010/main" val="0"/>
+              </a:ext>
+            </a:extLst>
+          </a:blip>
+          <a:stretch>
+            <a:fillRect/>
+          </a:stretch>
+        </p:blipFill>
+        <p:spPr>
+          <a:xfrm>
+            <a:off x="6468269" y="685800"/>
+            <a:ext cx="3829050" cy="5105400"/>
+          </a:xfrm>
+        </p:spPr>
+      </p:pic>
+      <p:sp>
+        <p:nvSpPr>
+          <p:cNvPr id="4" name="Text Placeholder 3"/>
+          <p:cNvSpPr>
+            <a:spLocks noGrp="1"/>
+          </p:cNvSpPr>
+          <p:nvPr>
+            <p:ph type="body" sz="half" idx="2"/>
+          </p:nvPr>
+        </p:nvSpPr>
+        <p:spPr/>
+        <p:txBody>
+          <a:bodyPr/>
+          <a:lstStyle/>
+          <a:p>
+            <a:pPr marL="285750" indent="-285750">
+              <a:buFont typeface="Arial" panose="020B0604020202020204" pitchFamily="34" charset="0"/>
+              <a:buChar char="•"/>
+            </a:pPr>
+            <a:r>
+              <a:rPr lang="en-CA" dirty="0" smtClean="0"/>
+              <a:t>Front end designer </a:t>
+            </a:r>
+            <a:r>
+              <a:rPr lang="en-CA" dirty="0" smtClean="0"/>
+              <a:t>of website</a:t>
+            </a:r>
+            <a:endParaRPr lang="en-CA" dirty="0" smtClean="0"/>
+          </a:p>
+          <a:p>
+            <a:pPr marL="285750" indent="-285750">
+              <a:buFont typeface="Arial" panose="020B0604020202020204" pitchFamily="34" charset="0"/>
+              <a:buChar char="•"/>
+            </a:pPr>
+            <a:r>
+              <a:rPr lang="en-CA" dirty="0" smtClean="0"/>
+              <a:t>Very good at coding</a:t>
+            </a:r>
+            <a:endParaRPr lang="en-CA" dirty="0"/>
+          </a:p>
+        </p:txBody>
+      </p:sp>
+    </p:spTree>
+    <p:extLst>
+      <p:ext uri="{BB962C8B-B14F-4D97-AF65-F5344CB8AC3E}">
+        <p14:creationId xmlns:p14="http://schemas.microsoft.com/office/powerpoint/2010/main" val="3741052117"/>
+      </p:ext>
+    </p:extLst>
+  </p:cSld>
+  <p:clrMapOvr>
+    <a:masterClrMapping/>
+  </p:clrMapOvr>
+  <p:timing>
+    <p:tnLst>
+      <p:par>
+        <p:cTn id="1" dur="indefinite" restart="never" nodeType="tmRoot"/>
+      </p:par>
+    </p:tnLst>
+  </p:timing>
+</p:sld>
+</file>
+
+<file path=ppt/slides/slide6.xml><?xml version="1.0" encoding="utf-8"?>
+<p:sld xmlns:a="http://schemas.openxmlformats.org/drawingml/2006/main" xmlns:r="http://schemas.openxmlformats.org/officeDocument/2006/relationships" xmlns:p="http://schemas.openxmlformats.org/presentationml/2006/main">
+  <p:cSld>
+    <p:spTree>
+      <p:nvGrpSpPr>
+        <p:cNvPr id="1" name=""/>
+        <p:cNvGrpSpPr/>
+        <p:nvPr/>
+      </p:nvGrpSpPr>
+      <p:grpSpPr>
+        <a:xfrm>
+          <a:off x="0" y="0"/>
+          <a:ext cx="0" cy="0"/>
+          <a:chOff x="0" y="0"/>
+          <a:chExt cx="0" cy="0"/>
+        </a:xfrm>
+      </p:grpSpPr>
+      <p:sp>
+        <p:nvSpPr>
+          <p:cNvPr id="2" name="Title 1"/>
+          <p:cNvSpPr>
+            <a:spLocks noGrp="1"/>
+          </p:cNvSpPr>
+          <p:nvPr>
+            <p:ph type="title"/>
+          </p:nvPr>
+        </p:nvSpPr>
+        <p:spPr/>
+        <p:txBody>
+          <a:bodyPr/>
+          <a:lstStyle/>
+          <a:p>
+            <a:r>
+              <a:rPr lang="en-US" dirty="0" smtClean="0"/>
+              <a:t>Justin</a:t>
+            </a:r>
+            <a:endParaRPr lang="en-CA" dirty="0"/>
+          </a:p>
+        </p:txBody>
+      </p:sp>
+      <p:pic>
+        <p:nvPicPr>
+          <p:cNvPr id="5" name="Content Placeholder 4"/>
+          <p:cNvPicPr>
+            <a:picLocks noGrp="1" noChangeAspect="1"/>
+          </p:cNvPicPr>
+          <p:nvPr>
+            <p:ph idx="1"/>
+          </p:nvPr>
+        </p:nvPicPr>
+        <p:blipFill>
+          <a:blip r:embed="rId2" cstate="print">
+            <a:extLst>
+              <a:ext uri="{28A0092B-C50C-407E-A947-70E740481C1C}">
+                <a14:useLocalDpi xmlns:a14="http://schemas.microsoft.com/office/drawing/2010/main" val="0"/>
+              </a:ext>
+            </a:extLst>
+          </a:blip>
+          <a:stretch>
+            <a:fillRect/>
+          </a:stretch>
+        </p:blipFill>
+        <p:spPr>
+          <a:xfrm>
+            <a:off x="6468269" y="685800"/>
+            <a:ext cx="3829050" cy="5105400"/>
+          </a:xfrm>
+        </p:spPr>
+      </p:pic>
+      <p:sp>
+        <p:nvSpPr>
+          <p:cNvPr id="4" name="Text Placeholder 3"/>
+          <p:cNvSpPr>
+            <a:spLocks noGrp="1"/>
+          </p:cNvSpPr>
+          <p:nvPr>
+            <p:ph type="body" sz="half" idx="2"/>
+          </p:nvPr>
+        </p:nvSpPr>
+        <p:spPr/>
+        <p:txBody>
+          <a:bodyPr/>
+          <a:lstStyle/>
+          <a:p>
+            <a:pPr marL="285750" indent="-285750">
+              <a:buFont typeface="Arial" panose="020B0604020202020204" pitchFamily="34" charset="0"/>
+              <a:buChar char="•"/>
+            </a:pPr>
+            <a:r>
+              <a:rPr lang="en-CA" dirty="0" smtClean="0"/>
+              <a:t>Team leader for prototype 1</a:t>
+            </a:r>
+          </a:p>
+          <a:p>
+            <a:pPr marL="285750" indent="-285750">
+              <a:buFont typeface="Arial" panose="020B0604020202020204" pitchFamily="34" charset="0"/>
+              <a:buChar char="•"/>
+            </a:pPr>
+            <a:r>
+              <a:rPr lang="en-CA" dirty="0" smtClean="0"/>
+              <a:t>Front end designer of the site</a:t>
+            </a:r>
+            <a:endParaRPr lang="en-CA" dirty="0"/>
+          </a:p>
+        </p:txBody>
+      </p:sp>
+    </p:spTree>
+    <p:extLst>
+      <p:ext uri="{BB962C8B-B14F-4D97-AF65-F5344CB8AC3E}">
+        <p14:creationId xmlns:p14="http://schemas.microsoft.com/office/powerpoint/2010/main" val="1207594823"/>
+      </p:ext>
+    </p:extLst>
+  </p:cSld>
+  <p:clrMapOvr>
+    <a:masterClrMapping/>
+  </p:clrMapOvr>
+  <p:timing>
+    <p:tnLst>
+      <p:par>
+        <p:cTn id="1" dur="indefinite" restart="never" nodeType="tmRoot"/>
+      </p:par>
+    </p:tnLst>
+  </p:timing>
+</p:sld>
+</file>
+
+<file path=ppt/slides/slide7.xml><?xml version="1.0" encoding="utf-8"?>
+<p:sld xmlns:a="http://schemas.openxmlformats.org/drawingml/2006/main" xmlns:r="http://schemas.openxmlformats.org/officeDocument/2006/relationships" xmlns:p="http://schemas.openxmlformats.org/presentationml/2006/main">
+  <p:cSld>
+    <p:spTree>
+      <p:nvGrpSpPr>
+        <p:cNvPr id="1" name=""/>
+        <p:cNvGrpSpPr/>
+        <p:nvPr/>
+      </p:nvGrpSpPr>
+      <p:grpSpPr>
+        <a:xfrm>
+          <a:off x="0" y="0"/>
+          <a:ext cx="0" cy="0"/>
+          <a:chOff x="0" y="0"/>
+          <a:chExt cx="0" cy="0"/>
+        </a:xfrm>
+      </p:grpSpPr>
+      <p:sp>
+        <p:nvSpPr>
+          <p:cNvPr id="2" name="Title 1"/>
+          <p:cNvSpPr>
+            <a:spLocks noGrp="1"/>
+          </p:cNvSpPr>
+          <p:nvPr>
+            <p:ph type="title"/>
+          </p:nvPr>
+        </p:nvSpPr>
+        <p:spPr/>
+        <p:txBody>
+          <a:bodyPr/>
+          <a:lstStyle/>
+          <a:p>
+            <a:r>
+              <a:rPr lang="en-US" dirty="0" smtClean="0"/>
+              <a:t>Show </a:t>
+            </a:r>
+            <a:r>
+              <a:rPr lang="en-US" dirty="0" smtClean="0"/>
+              <a:t>Excel Schedule File</a:t>
+            </a:r>
+            <a:endParaRPr lang="en-US" dirty="0"/>
+          </a:p>
+        </p:txBody>
+      </p:sp>
+      <p:sp>
+        <p:nvSpPr>
+          <p:cNvPr id="3" name="Content Placeholder 2"/>
+          <p:cNvSpPr>
+            <a:spLocks noGrp="1"/>
+          </p:cNvSpPr>
+          <p:nvPr>
+            <p:ph idx="1"/>
+          </p:nvPr>
+        </p:nvSpPr>
+        <p:spPr/>
+        <p:txBody>
+          <a:bodyPr/>
+          <a:lstStyle/>
+          <a:p>
+            <a:r>
+              <a:rPr lang="en-US" dirty="0" smtClean="0"/>
+              <a:t>We created </a:t>
+            </a:r>
+            <a:r>
+              <a:rPr lang="en-US" dirty="0" smtClean="0"/>
+              <a:t>our work breakdown structure schedule for prototype 1 and will continue using it for prototype 2 and 3</a:t>
+            </a:r>
+            <a:endParaRPr lang="en-US" dirty="0"/>
+          </a:p>
+        </p:txBody>
+      </p:sp>
+    </p:spTree>
+    <p:extLst>
+      <p:ext uri="{BB962C8B-B14F-4D97-AF65-F5344CB8AC3E}">
+        <p14:creationId xmlns:p14="http://schemas.microsoft.com/office/powerpoint/2010/main" val="3639228668"/>
+      </p:ext>
+    </p:extLst>
+  </p:cSld>
+  <p:clrMapOvr>
+    <a:masterClrMapping/>
+  </p:clrMapOvr>
+  <p:timing>
+    <p:tnLst>
+      <p:par>
+        <p:cTn id="1" dur="indefinite" restart="never" nodeType="tmRoot"/>
+      </p:par>
+    </p:tnLst>
+  </p:timing>
+</p:sld>
+</file>
+
+<file path=ppt/slides/slide8.xml><?xml version="1.0" encoding="utf-8"?>
+<p:sld xmlns:a="http://schemas.openxmlformats.org/drawingml/2006/main" xmlns:r="http://schemas.openxmlformats.org/officeDocument/2006/relationships" xmlns:p="http://schemas.openxmlformats.org/presentationml/2006/main">
+  <p:cSld>
+    <p:spTree>
+      <p:nvGrpSpPr>
+        <p:cNvPr id="1" name=""/>
+        <p:cNvGrpSpPr/>
+        <p:nvPr/>
+      </p:nvGrpSpPr>
+      <p:grpSpPr>
+        <a:xfrm>
+          <a:off x="0" y="0"/>
+          <a:ext cx="0" cy="0"/>
+          <a:chOff x="0" y="0"/>
+          <a:chExt cx="0" cy="0"/>
+        </a:xfrm>
+      </p:grpSpPr>
+      <p:sp>
+        <p:nvSpPr>
+          <p:cNvPr id="2" name="Title 1"/>
+          <p:cNvSpPr>
+            <a:spLocks noGrp="1"/>
+          </p:cNvSpPr>
+          <p:nvPr>
+            <p:ph type="title"/>
+          </p:nvPr>
+        </p:nvSpPr>
+        <p:spPr/>
+        <p:txBody>
+          <a:bodyPr/>
+          <a:lstStyle/>
+          <a:p>
+            <a:r>
+              <a:rPr lang="en-CA" dirty="0" smtClean="0"/>
+              <a:t>Main users</a:t>
+            </a:r>
+            <a:endParaRPr lang="en-CA" dirty="0"/>
+          </a:p>
+        </p:txBody>
+      </p:sp>
+      <p:sp>
+        <p:nvSpPr>
+          <p:cNvPr id="3" name="Content Placeholder 2"/>
+          <p:cNvSpPr>
+            <a:spLocks noGrp="1"/>
+          </p:cNvSpPr>
+          <p:nvPr>
+            <p:ph idx="1"/>
+          </p:nvPr>
+        </p:nvSpPr>
+        <p:spPr/>
+        <p:txBody>
+          <a:bodyPr>
+            <a:noAutofit/>
+          </a:bodyPr>
+          <a:lstStyle/>
+          <a:p>
+            <a:r>
+              <a:rPr lang="en-CA" dirty="0" smtClean="0"/>
+              <a:t>User</a:t>
+            </a:r>
+          </a:p>
+          <a:p>
+            <a:pPr lvl="1"/>
+            <a:r>
+              <a:rPr lang="en-CA" dirty="0" smtClean="0"/>
+              <a:t>Anyone on the internet will be able to view site and find information on the Hamilton Program for Schizophrenia</a:t>
+            </a:r>
+          </a:p>
+          <a:p>
+            <a:r>
+              <a:rPr lang="en-CA" dirty="0" smtClean="0"/>
+              <a:t>Client</a:t>
+            </a:r>
+          </a:p>
+          <a:p>
+            <a:pPr lvl="1"/>
+            <a:r>
+              <a:rPr lang="en-CA" dirty="0" smtClean="0"/>
+              <a:t>Needs information on schizophrenia in a more user friendly interface</a:t>
+            </a:r>
+          </a:p>
+          <a:p>
+            <a:pPr lvl="1"/>
+            <a:r>
+              <a:rPr lang="en-CA" dirty="0" smtClean="0"/>
+              <a:t>Ability to log in to view events and input Fitbit data to website for tracking</a:t>
+            </a:r>
+          </a:p>
+          <a:p>
+            <a:r>
+              <a:rPr lang="en-CA" dirty="0" smtClean="0"/>
+              <a:t>Workers/Administrator</a:t>
+            </a:r>
+          </a:p>
+          <a:p>
+            <a:pPr lvl="1"/>
+            <a:r>
+              <a:rPr lang="en-CA" dirty="0" smtClean="0"/>
+              <a:t>Needs to be able to view events and update website</a:t>
+            </a:r>
+          </a:p>
+          <a:p>
+            <a:r>
+              <a:rPr lang="en-CA" dirty="0" smtClean="0"/>
+              <a:t>Board Members</a:t>
+            </a:r>
+          </a:p>
+          <a:p>
+            <a:pPr lvl="1"/>
+            <a:r>
+              <a:rPr lang="en-CA" dirty="0" smtClean="0"/>
+              <a:t>Needs to see budget and track budget using budget tracker</a:t>
+            </a:r>
+          </a:p>
+        </p:txBody>
+      </p:sp>
+    </p:spTree>
+    <p:extLst>
+      <p:ext uri="{BB962C8B-B14F-4D97-AF65-F5344CB8AC3E}">
+        <p14:creationId xmlns:p14="http://schemas.microsoft.com/office/powerpoint/2010/main" val="3335882420"/>
+      </p:ext>
+    </p:extLst>
+  </p:cSld>
+  <p:clrMapOvr>
+    <a:masterClrMapping/>
+  </p:clrMapOvr>
+  <p:timing>
+    <p:tnLst>
+      <p:par>
+        <p:cTn id="1" dur="indefinite" restart="never" nodeType="tmRoot"/>
+      </p:par>
+    </p:tnLst>
+  </p:timing>
+</p:sld>
+</file>
+
+<file path=ppt/slides/slide9.xml><?xml version="1.0" encoding="utf-8"?>
+<p:sld xmlns:a="http://schemas.openxmlformats.org/drawingml/2006/main" xmlns:r="http://schemas.openxmlformats.org/officeDocument/2006/relationships" xmlns:p="http://schemas.openxmlformats.org/presentationml/2006/main">
+  <p:cSld>
+    <p:spTree>
+      <p:nvGrpSpPr>
+        <p:cNvPr id="1" name=""/>
+        <p:cNvGrpSpPr/>
+        <p:nvPr/>
+      </p:nvGrpSpPr>
+      <p:grpSpPr>
+        <a:xfrm>
+          <a:off x="0" y="0"/>
+          <a:ext cx="0" cy="0"/>
+          <a:chOff x="0" y="0"/>
+          <a:chExt cx="0" cy="0"/>
+        </a:xfrm>
+      </p:grpSpPr>
+      <p:sp>
+        <p:nvSpPr>
+          <p:cNvPr id="2" name="Title 1"/>
+          <p:cNvSpPr>
+            <a:spLocks noGrp="1"/>
+          </p:cNvSpPr>
+          <p:nvPr>
+            <p:ph type="title"/>
+          </p:nvPr>
+        </p:nvSpPr>
+        <p:spPr/>
+        <p:txBody>
+          <a:bodyPr/>
+          <a:lstStyle/>
+          <a:p>
+            <a:r>
+              <a:rPr lang="en-US" dirty="0" smtClean="0"/>
+              <a:t>Show Use Cases Word File</a:t>
+            </a:r>
+            <a:endParaRPr lang="en-US" dirty="0"/>
+          </a:p>
+        </p:txBody>
+      </p:sp>
+      <p:sp>
+        <p:nvSpPr>
+          <p:cNvPr id="3" name="Content Placeholder 2"/>
+          <p:cNvSpPr>
+            <a:spLocks noGrp="1"/>
+          </p:cNvSpPr>
+          <p:nvPr>
+            <p:ph idx="1"/>
+          </p:nvPr>
+        </p:nvSpPr>
+        <p:spPr/>
+        <p:txBody>
+          <a:bodyPr/>
+          <a:lstStyle/>
+          <a:p>
+            <a:endParaRPr lang="en-US"/>
+          </a:p>
+        </p:txBody>
+      </p:sp>
+    </p:spTree>
+    <p:extLst>
+      <p:ext uri="{BB962C8B-B14F-4D97-AF65-F5344CB8AC3E}">
+        <p14:creationId xmlns:p14="http://schemas.microsoft.com/office/powerpoint/2010/main" val="3379317084"/>
+      </p:ext>
+    </p:extLst>
+  </p:cSld>
+  <p:clrMapOvr>
+    <a:masterClrMapping/>
+  </p:clrMapOvr>
+  <p:timing>
+    <p:tnLst>
+      <p:par>
+        <p:cTn id="1" dur="indefinite" restart="never" nodeType="tmRoot"/>
+      </p:par>
+    </p:tnLst>
+  </p:timing>
 </p:sld>
 </file>
 
